--- a/Codesign.pptx
+++ b/Codesign.pptx
@@ -15,9 +15,10 @@
     <p:sldId id="267" r:id="rId9"/>
     <p:sldId id="268" r:id="rId10"/>
     <p:sldId id="269" r:id="rId11"/>
-    <p:sldId id="262" r:id="rId12"/>
-    <p:sldId id="264" r:id="rId13"/>
-    <p:sldId id="263" r:id="rId14"/>
+    <p:sldId id="270" r:id="rId12"/>
+    <p:sldId id="262" r:id="rId13"/>
+    <p:sldId id="264" r:id="rId14"/>
+    <p:sldId id="263" r:id="rId15"/>
   </p:sldIdLst>
   <p:sldSz cx="12192000" cy="6858000"/>
   <p:notesSz cx="6858000" cy="9144000"/>
@@ -116,6 +117,11 @@
       </a:defRPr>
     </a:lvl9pPr>
   </p:defaultTextStyle>
+  <p:extLst>
+    <p:ext uri="{EFAFB233-063F-42B5-8137-9DF3F51BA10A}">
+      <p15:sldGuideLst xmlns:p15="http://schemas.microsoft.com/office/powerpoint/2012/main"/>
+    </p:ext>
+  </p:extLst>
 </p:presentation>
 </file>
 
@@ -3091,7 +3097,7 @@
           <a:p>
             <a:fld id="{A0C837E9-975B-BC4F-AF99-738F011C17AD}" type="datetimeFigureOut">
               <a:rPr lang="en-US" smtClean="0"/>
-              <a:t>3/14/23</a:t>
+              <a:t>3/15/23</a:t>
             </a:fld>
             <a:endParaRPr lang="en-US"/>
           </a:p>
@@ -3289,7 +3295,7 @@
           <a:p>
             <a:fld id="{A0C837E9-975B-BC4F-AF99-738F011C17AD}" type="datetimeFigureOut">
               <a:rPr lang="en-US" smtClean="0"/>
-              <a:t>3/14/23</a:t>
+              <a:t>3/15/23</a:t>
             </a:fld>
             <a:endParaRPr lang="en-US"/>
           </a:p>
@@ -3497,7 +3503,7 @@
           <a:p>
             <a:fld id="{A0C837E9-975B-BC4F-AF99-738F011C17AD}" type="datetimeFigureOut">
               <a:rPr lang="en-US" smtClean="0"/>
-              <a:t>3/14/23</a:t>
+              <a:t>3/15/23</a:t>
             </a:fld>
             <a:endParaRPr lang="en-US"/>
           </a:p>
@@ -3695,7 +3701,7 @@
           <a:p>
             <a:fld id="{A0C837E9-975B-BC4F-AF99-738F011C17AD}" type="datetimeFigureOut">
               <a:rPr lang="en-US" smtClean="0"/>
-              <a:t>3/14/23</a:t>
+              <a:t>3/15/23</a:t>
             </a:fld>
             <a:endParaRPr lang="en-US"/>
           </a:p>
@@ -3970,7 +3976,7 @@
           <a:p>
             <a:fld id="{A0C837E9-975B-BC4F-AF99-738F011C17AD}" type="datetimeFigureOut">
               <a:rPr lang="en-US" smtClean="0"/>
-              <a:t>3/14/23</a:t>
+              <a:t>3/15/23</a:t>
             </a:fld>
             <a:endParaRPr lang="en-US"/>
           </a:p>
@@ -4235,7 +4241,7 @@
           <a:p>
             <a:fld id="{A0C837E9-975B-BC4F-AF99-738F011C17AD}" type="datetimeFigureOut">
               <a:rPr lang="en-US" smtClean="0"/>
-              <a:t>3/14/23</a:t>
+              <a:t>3/15/23</a:t>
             </a:fld>
             <a:endParaRPr lang="en-US"/>
           </a:p>
@@ -4647,7 +4653,7 @@
           <a:p>
             <a:fld id="{A0C837E9-975B-BC4F-AF99-738F011C17AD}" type="datetimeFigureOut">
               <a:rPr lang="en-US" smtClean="0"/>
-              <a:t>3/14/23</a:t>
+              <a:t>3/15/23</a:t>
             </a:fld>
             <a:endParaRPr lang="en-US"/>
           </a:p>
@@ -4788,7 +4794,7 @@
           <a:p>
             <a:fld id="{A0C837E9-975B-BC4F-AF99-738F011C17AD}" type="datetimeFigureOut">
               <a:rPr lang="en-US" smtClean="0"/>
-              <a:t>3/14/23</a:t>
+              <a:t>3/15/23</a:t>
             </a:fld>
             <a:endParaRPr lang="en-US"/>
           </a:p>
@@ -4901,7 +4907,7 @@
           <a:p>
             <a:fld id="{A0C837E9-975B-BC4F-AF99-738F011C17AD}" type="datetimeFigureOut">
               <a:rPr lang="en-US" smtClean="0"/>
-              <a:t>3/14/23</a:t>
+              <a:t>3/15/23</a:t>
             </a:fld>
             <a:endParaRPr lang="en-US"/>
           </a:p>
@@ -5212,7 +5218,7 @@
           <a:p>
             <a:fld id="{A0C837E9-975B-BC4F-AF99-738F011C17AD}" type="datetimeFigureOut">
               <a:rPr lang="en-US" smtClean="0"/>
-              <a:t>3/14/23</a:t>
+              <a:t>3/15/23</a:t>
             </a:fld>
             <a:endParaRPr lang="en-US"/>
           </a:p>
@@ -5500,7 +5506,7 @@
           <a:p>
             <a:fld id="{A0C837E9-975B-BC4F-AF99-738F011C17AD}" type="datetimeFigureOut">
               <a:rPr lang="en-US" smtClean="0"/>
-              <a:t>3/14/23</a:t>
+              <a:t>3/15/23</a:t>
             </a:fld>
             <a:endParaRPr lang="en-US"/>
           </a:p>
@@ -5741,7 +5747,7 @@
           <a:p>
             <a:fld id="{A0C837E9-975B-BC4F-AF99-738F011C17AD}" type="datetimeFigureOut">
               <a:rPr lang="en-US" smtClean="0"/>
-              <a:t>3/14/23</a:t>
+              <a:t>3/15/23</a:t>
             </a:fld>
             <a:endParaRPr lang="en-US"/>
           </a:p>
@@ -6168,10 +6174,10 @@
       </p:grpSpPr>
       <p:sp useBgFill="1">
         <p:nvSpPr>
-          <p:cNvPr id="12" name="Rectangle 11">
+          <p:cNvPr id="18" name="Rectangle 17">
             <a:extLst>
               <a:ext uri="{FF2B5EF4-FFF2-40B4-BE49-F238E27FC236}">
-                <a16:creationId xmlns:a16="http://schemas.microsoft.com/office/drawing/2014/main" id="{74751229-0244-4FBB-BED1-407467F4C951}"/>
+                <a16:creationId xmlns:a16="http://schemas.microsoft.com/office/drawing/2014/main" id="{1DF91F20-B96F-4F77-AC3E-2CDD3BAA10C2}"/>
               </a:ext>
               <a:ext uri="{C183D7F6-B498-43B3-948B-1728B52AA6E4}">
                 <adec:decorative xmlns:adec="http://schemas.microsoft.com/office/drawing/2017/decorative" val="1"/>
@@ -6191,8 +6197,8 @@
         </p:nvSpPr>
         <p:spPr>
           <a:xfrm>
-            <a:off x="0" y="0"/>
-            <a:ext cx="12188952" cy="6858000"/>
+            <a:off x="-2" y="0"/>
+            <a:ext cx="12192004" cy="6858000"/>
           </a:xfrm>
           <a:prstGeom prst="rect">
             <a:avLst/>
@@ -6228,6 +6234,311 @@
       </p:sp>
       <p:sp>
         <p:nvSpPr>
+          <p:cNvPr id="20" name="Rectangle 19">
+            <a:extLst>
+              <a:ext uri="{FF2B5EF4-FFF2-40B4-BE49-F238E27FC236}">
+                <a16:creationId xmlns:a16="http://schemas.microsoft.com/office/drawing/2014/main" id="{C3D487F7-9050-4871-B351-34A72ADB296C}"/>
+              </a:ext>
+              <a:ext uri="{C183D7F6-B498-43B3-948B-1728B52AA6E4}">
+                <adec:decorative xmlns:adec="http://schemas.microsoft.com/office/drawing/2017/decorative" val="1"/>
+              </a:ext>
+            </a:extLst>
+          </p:cNvPr>
+          <p:cNvSpPr>
+            <a:spLocks noGrp="1" noRot="1" noChangeAspect="1" noMove="1" noResize="1" noEditPoints="1" noAdjustHandles="1" noChangeArrowheads="1" noChangeShapeType="1" noTextEdit="1"/>
+          </p:cNvSpPr>
+          <p:nvPr>
+            <p:extLst>
+              <p:ext uri="{386F3935-93C4-4BCD-93E2-E3B085C9AB24}">
+                <p16:designElem xmlns:p16="http://schemas.microsoft.com/office/powerpoint/2015/main" val="1"/>
+              </p:ext>
+            </p:extLst>
+          </p:nvPr>
+        </p:nvSpPr>
+        <p:spPr>
+          <a:xfrm rot="10800000" flipH="1">
+            <a:off x="-484" y="-1"/>
+            <a:ext cx="8111296" cy="6858000"/>
+          </a:xfrm>
+          <a:prstGeom prst="rect">
+            <a:avLst/>
+          </a:prstGeom>
+          <a:gradFill>
+            <a:gsLst>
+              <a:gs pos="8000">
+                <a:srgbClr val="000000">
+                  <a:alpha val="94000"/>
+                </a:srgbClr>
+              </a:gs>
+              <a:gs pos="100000">
+                <a:schemeClr val="accent1"/>
+              </a:gs>
+            </a:gsLst>
+            <a:lin ang="2400000" scaled="0"/>
+          </a:gradFill>
+          <a:ln>
+            <a:noFill/>
+          </a:ln>
+        </p:spPr>
+        <p:style>
+          <a:lnRef idx="2">
+            <a:schemeClr val="accent1">
+              <a:shade val="50000"/>
+            </a:schemeClr>
+          </a:lnRef>
+          <a:fillRef idx="1">
+            <a:schemeClr val="accent1"/>
+          </a:fillRef>
+          <a:effectRef idx="0">
+            <a:schemeClr val="accent1"/>
+          </a:effectRef>
+          <a:fontRef idx="minor">
+            <a:schemeClr val="lt1"/>
+          </a:fontRef>
+        </p:style>
+        <p:txBody>
+          <a:bodyPr rtlCol="0" anchor="ctr"/>
+          <a:lstStyle/>
+          <a:p>
+            <a:pPr algn="ctr"/>
+            <a:endParaRPr lang="en-US"/>
+          </a:p>
+        </p:txBody>
+      </p:sp>
+      <p:sp>
+        <p:nvSpPr>
+          <p:cNvPr id="22" name="Rectangle 21">
+            <a:extLst>
+              <a:ext uri="{FF2B5EF4-FFF2-40B4-BE49-F238E27FC236}">
+                <a16:creationId xmlns:a16="http://schemas.microsoft.com/office/drawing/2014/main" id="{F43C27DD-EF6A-4C48-9669-C2970E71A814}"/>
+              </a:ext>
+              <a:ext uri="{C183D7F6-B498-43B3-948B-1728B52AA6E4}">
+                <adec:decorative xmlns:adec="http://schemas.microsoft.com/office/drawing/2017/decorative" val="1"/>
+              </a:ext>
+            </a:extLst>
+          </p:cNvPr>
+          <p:cNvSpPr>
+            <a:spLocks noGrp="1" noRot="1" noChangeAspect="1" noMove="1" noResize="1" noEditPoints="1" noAdjustHandles="1" noChangeArrowheads="1" noChangeShapeType="1" noTextEdit="1"/>
+          </p:cNvSpPr>
+          <p:nvPr>
+            <p:extLst>
+              <p:ext uri="{386F3935-93C4-4BCD-93E2-E3B085C9AB24}">
+                <p16:designElem xmlns:p16="http://schemas.microsoft.com/office/powerpoint/2015/main" val="1"/>
+              </p:ext>
+            </p:extLst>
+          </p:nvPr>
+        </p:nvSpPr>
+        <p:spPr>
+          <a:xfrm rot="16200000" flipH="1">
+            <a:off x="858281" y="-401562"/>
+            <a:ext cx="6858004" cy="7661129"/>
+          </a:xfrm>
+          <a:prstGeom prst="rect">
+            <a:avLst/>
+          </a:prstGeom>
+          <a:gradFill>
+            <a:gsLst>
+              <a:gs pos="0">
+                <a:schemeClr val="accent1">
+                  <a:alpha val="23000"/>
+                </a:schemeClr>
+              </a:gs>
+              <a:gs pos="71000">
+                <a:schemeClr val="accent1">
+                  <a:lumMod val="50000"/>
+                  <a:alpha val="0"/>
+                </a:schemeClr>
+              </a:gs>
+              <a:gs pos="100000">
+                <a:srgbClr val="000000">
+                  <a:alpha val="0"/>
+                </a:srgbClr>
+              </a:gs>
+            </a:gsLst>
+            <a:lin ang="8400000" scaled="0"/>
+          </a:gradFill>
+          <a:ln>
+            <a:noFill/>
+          </a:ln>
+        </p:spPr>
+        <p:style>
+          <a:lnRef idx="2">
+            <a:schemeClr val="accent1">
+              <a:shade val="50000"/>
+            </a:schemeClr>
+          </a:lnRef>
+          <a:fillRef idx="1">
+            <a:schemeClr val="accent1"/>
+          </a:fillRef>
+          <a:effectRef idx="0">
+            <a:schemeClr val="accent1"/>
+          </a:effectRef>
+          <a:fontRef idx="minor">
+            <a:schemeClr val="lt1"/>
+          </a:fontRef>
+        </p:style>
+        <p:txBody>
+          <a:bodyPr rtlCol="0" anchor="ctr"/>
+          <a:lstStyle/>
+          <a:p>
+            <a:pPr algn="ctr"/>
+            <a:endParaRPr lang="en-US" dirty="0"/>
+          </a:p>
+        </p:txBody>
+      </p:sp>
+      <p:sp>
+        <p:nvSpPr>
+          <p:cNvPr id="24" name="Rectangle 23">
+            <a:extLst>
+              <a:ext uri="{FF2B5EF4-FFF2-40B4-BE49-F238E27FC236}">
+                <a16:creationId xmlns:a16="http://schemas.microsoft.com/office/drawing/2014/main" id="{C84384FE-1C88-4CAA-8FB8-2313A3AE734D}"/>
+              </a:ext>
+              <a:ext uri="{C183D7F6-B498-43B3-948B-1728B52AA6E4}">
+                <adec:decorative xmlns:adec="http://schemas.microsoft.com/office/drawing/2017/decorative" val="1"/>
+              </a:ext>
+            </a:extLst>
+          </p:cNvPr>
+          <p:cNvSpPr>
+            <a:spLocks noGrp="1" noRot="1" noChangeAspect="1" noMove="1" noResize="1" noEditPoints="1" noAdjustHandles="1" noChangeArrowheads="1" noChangeShapeType="1" noTextEdit="1"/>
+          </p:cNvSpPr>
+          <p:nvPr>
+            <p:extLst>
+              <p:ext uri="{386F3935-93C4-4BCD-93E2-E3B085C9AB24}">
+                <p16:designElem xmlns:p16="http://schemas.microsoft.com/office/powerpoint/2015/main" val="1"/>
+              </p:ext>
+            </p:extLst>
+          </p:nvPr>
+        </p:nvSpPr>
+        <p:spPr>
+          <a:xfrm rot="10800000" flipH="1">
+            <a:off x="-7519" y="-1"/>
+            <a:ext cx="8118331" cy="6858000"/>
+          </a:xfrm>
+          <a:prstGeom prst="rect">
+            <a:avLst/>
+          </a:prstGeom>
+          <a:gradFill>
+            <a:gsLst>
+              <a:gs pos="14000">
+                <a:schemeClr val="accent1">
+                  <a:alpha val="0"/>
+                </a:schemeClr>
+              </a:gs>
+              <a:gs pos="100000">
+                <a:srgbClr val="000000">
+                  <a:alpha val="82000"/>
+                </a:srgbClr>
+              </a:gs>
+            </a:gsLst>
+            <a:lin ang="4200000" scaled="0"/>
+          </a:gradFill>
+          <a:ln>
+            <a:noFill/>
+          </a:ln>
+        </p:spPr>
+        <p:style>
+          <a:lnRef idx="2">
+            <a:schemeClr val="accent1">
+              <a:shade val="50000"/>
+            </a:schemeClr>
+          </a:lnRef>
+          <a:fillRef idx="1">
+            <a:schemeClr val="accent1"/>
+          </a:fillRef>
+          <a:effectRef idx="0">
+            <a:schemeClr val="accent1"/>
+          </a:effectRef>
+          <a:fontRef idx="minor">
+            <a:schemeClr val="lt1"/>
+          </a:fontRef>
+        </p:style>
+        <p:txBody>
+          <a:bodyPr rtlCol="0" anchor="ctr"/>
+          <a:lstStyle/>
+          <a:p>
+            <a:pPr algn="ctr"/>
+            <a:endParaRPr lang="en-US" dirty="0"/>
+          </a:p>
+        </p:txBody>
+      </p:sp>
+      <p:sp>
+        <p:nvSpPr>
+          <p:cNvPr id="26" name="Oval 25">
+            <a:extLst>
+              <a:ext uri="{FF2B5EF4-FFF2-40B4-BE49-F238E27FC236}">
+                <a16:creationId xmlns:a16="http://schemas.microsoft.com/office/drawing/2014/main" id="{87B6A113-58CD-406C-BCE4-6E1F1F2BE696}"/>
+              </a:ext>
+              <a:ext uri="{C183D7F6-B498-43B3-948B-1728B52AA6E4}">
+                <adec:decorative xmlns:adec="http://schemas.microsoft.com/office/drawing/2017/decorative" val="1"/>
+              </a:ext>
+            </a:extLst>
+          </p:cNvPr>
+          <p:cNvSpPr>
+            <a:spLocks noGrp="1" noRot="1" noChangeAspect="1" noMove="1" noResize="1" noEditPoints="1" noAdjustHandles="1" noChangeArrowheads="1" noChangeShapeType="1" noTextEdit="1"/>
+          </p:cNvSpPr>
+          <p:nvPr>
+            <p:extLst>
+              <p:ext uri="{386F3935-93C4-4BCD-93E2-E3B085C9AB24}">
+                <p16:designElem xmlns:p16="http://schemas.microsoft.com/office/powerpoint/2015/main" val="1"/>
+              </p:ext>
+            </p:extLst>
+          </p:nvPr>
+        </p:nvSpPr>
+        <p:spPr>
+          <a:xfrm rot="15449520">
+            <a:off x="2569700" y="983306"/>
+            <a:ext cx="5005754" cy="5005754"/>
+          </a:xfrm>
+          <a:prstGeom prst="ellipse">
+            <a:avLst/>
+          </a:prstGeom>
+          <a:gradFill>
+            <a:gsLst>
+              <a:gs pos="17000">
+                <a:schemeClr val="accent1">
+                  <a:lumMod val="75000"/>
+                  <a:alpha val="0"/>
+                </a:schemeClr>
+              </a:gs>
+              <a:gs pos="82000">
+                <a:srgbClr val="000000">
+                  <a:alpha val="24000"/>
+                </a:srgbClr>
+              </a:gs>
+            </a:gsLst>
+            <a:lin ang="9000000" scaled="0"/>
+          </a:gradFill>
+          <a:ln>
+            <a:noFill/>
+          </a:ln>
+        </p:spPr>
+        <p:style>
+          <a:lnRef idx="2">
+            <a:schemeClr val="accent1">
+              <a:shade val="50000"/>
+            </a:schemeClr>
+          </a:lnRef>
+          <a:fillRef idx="1">
+            <a:schemeClr val="accent1"/>
+          </a:fillRef>
+          <a:effectRef idx="0">
+            <a:schemeClr val="accent1"/>
+          </a:effectRef>
+          <a:fontRef idx="minor">
+            <a:schemeClr val="lt1"/>
+          </a:fontRef>
+        </p:style>
+        <p:txBody>
+          <a:bodyPr rtlCol="0" anchor="ctr"/>
+          <a:lstStyle/>
+          <a:p>
+            <a:pPr algn="ctr"/>
+            <a:endParaRPr lang="en-US" dirty="0"/>
+          </a:p>
+        </p:txBody>
+      </p:sp>
+      <p:sp>
+        <p:nvSpPr>
           <p:cNvPr id="2" name="Title 1">
             <a:extLst>
               <a:ext uri="{FF2B5EF4-FFF2-40B4-BE49-F238E27FC236}">
@@ -6244,8 +6555,8 @@
         </p:nvSpPr>
         <p:spPr>
           <a:xfrm>
-            <a:off x="2197101" y="735283"/>
-            <a:ext cx="4978399" cy="3165045"/>
+            <a:off x="1011948" y="857251"/>
+            <a:ext cx="6219582" cy="3160113"/>
           </a:xfrm>
         </p:spPr>
         <p:txBody>
@@ -6256,9 +6567,89 @@
           <a:p>
             <a:pPr algn="l"/>
             <a:r>
-              <a:rPr lang="en-US" sz="2900"/>
+              <a:rPr lang="en-US" sz="3400">
+                <a:solidFill>
+                  <a:srgbClr val="FFFFFF"/>
+                </a:solidFill>
+              </a:rPr>
               <a:t>Codesign for Extreme Heterogeneity: Integrating Custom Hardware With Commodity Computing Technology to Support Next-Generation HPC Converged Workloads</a:t>
             </a:r>
+          </a:p>
+        </p:txBody>
+      </p:sp>
+      <p:sp>
+        <p:nvSpPr>
+          <p:cNvPr id="28" name="Rectangle 27">
+            <a:extLst>
+              <a:ext uri="{FF2B5EF4-FFF2-40B4-BE49-F238E27FC236}">
+                <a16:creationId xmlns:a16="http://schemas.microsoft.com/office/drawing/2014/main" id="{05A1AA86-B7E6-4C02-AA34-F1A25CD4CCBD}"/>
+              </a:ext>
+              <a:ext uri="{C183D7F6-B498-43B3-948B-1728B52AA6E4}">
+                <adec:decorative xmlns:adec="http://schemas.microsoft.com/office/drawing/2017/decorative" val="1"/>
+              </a:ext>
+            </a:extLst>
+          </p:cNvPr>
+          <p:cNvSpPr>
+            <a:spLocks noGrp="1" noRot="1" noChangeAspect="1" noMove="1" noResize="1" noEditPoints="1" noAdjustHandles="1" noChangeArrowheads="1" noChangeShapeType="1" noTextEdit="1"/>
+          </p:cNvSpPr>
+          <p:nvPr>
+            <p:extLst>
+              <p:ext uri="{386F3935-93C4-4BCD-93E2-E3B085C9AB24}">
+                <p16:designElem xmlns:p16="http://schemas.microsoft.com/office/powerpoint/2015/main" val="1"/>
+              </p:ext>
+            </p:extLst>
+          </p:nvPr>
+        </p:nvSpPr>
+        <p:spPr>
+          <a:xfrm rot="10800000" flipH="1">
+            <a:off x="-7518" y="4354178"/>
+            <a:ext cx="8118330" cy="2503817"/>
+          </a:xfrm>
+          <a:prstGeom prst="rect">
+            <a:avLst/>
+          </a:prstGeom>
+          <a:gradFill>
+            <a:gsLst>
+              <a:gs pos="0">
+                <a:schemeClr val="accent1">
+                  <a:lumMod val="75000"/>
+                  <a:alpha val="33000"/>
+                </a:schemeClr>
+              </a:gs>
+              <a:gs pos="83000">
+                <a:srgbClr val="000000">
+                  <a:alpha val="21000"/>
+                </a:srgbClr>
+              </a:gs>
+            </a:gsLst>
+            <a:lin ang="8400000" scaled="0"/>
+          </a:gradFill>
+          <a:ln>
+            <a:noFill/>
+          </a:ln>
+        </p:spPr>
+        <p:style>
+          <a:lnRef idx="2">
+            <a:schemeClr val="accent1">
+              <a:shade val="50000"/>
+            </a:schemeClr>
+          </a:lnRef>
+          <a:fillRef idx="1">
+            <a:schemeClr val="accent1"/>
+          </a:fillRef>
+          <a:effectRef idx="0">
+            <a:schemeClr val="accent1"/>
+          </a:effectRef>
+          <a:fontRef idx="minor">
+            <a:schemeClr val="lt1"/>
+          </a:fontRef>
+        </p:style>
+        <p:txBody>
+          <a:bodyPr rtlCol="0" anchor="ctr"/>
+          <a:lstStyle/>
+          <a:p>
+            <a:pPr algn="ctr"/>
+            <a:endParaRPr lang="en-US" dirty="0"/>
           </a:p>
         </p:txBody>
       </p:sp>
@@ -6280,30 +6671,42 @@
         </p:nvSpPr>
         <p:spPr>
           <a:xfrm>
-            <a:off x="2197101" y="4078423"/>
-            <a:ext cx="4978399" cy="2058657"/>
+            <a:off x="1105661" y="4800600"/>
+            <a:ext cx="5179879" cy="1200149"/>
           </a:xfrm>
         </p:spPr>
         <p:txBody>
-          <a:bodyPr>
+          <a:bodyPr anchor="t">
             <a:normAutofit/>
           </a:bodyPr>
           <a:lstStyle/>
           <a:p>
             <a:pPr algn="l"/>
             <a:r>
-              <a:rPr lang="en-US"/>
+              <a:rPr lang="en-US" sz="1500">
+                <a:solidFill>
+                  <a:srgbClr val="FFFFFF"/>
+                </a:solidFill>
+              </a:rPr>
               <a:t>James A. Ang et. al, Pacific Northwest National Laboratory</a:t>
             </a:r>
           </a:p>
           <a:p>
             <a:pPr algn="l"/>
-            <a:endParaRPr lang="en-US"/>
+            <a:endParaRPr lang="en-US" sz="1500">
+              <a:solidFill>
+                <a:srgbClr val="FFFFFF"/>
+              </a:solidFill>
+            </a:endParaRPr>
           </a:p>
           <a:p>
             <a:pPr algn="l"/>
             <a:r>
-              <a:rPr lang="en-US"/>
+              <a:rPr lang="en-US" sz="1500">
+                <a:solidFill>
+                  <a:srgbClr val="FFFFFF"/>
+                </a:solidFill>
+              </a:rPr>
               <a:t>Presented by: Dian Hanifudin Subhi</a:t>
             </a:r>
           </a:p>
@@ -6340,57 +6743,8 @@
         </p:blipFill>
         <p:spPr>
           <a:xfrm>
-            <a:off x="717549" y="2776619"/>
-            <a:ext cx="1289051" cy="1289051"/>
-          </a:xfrm>
-          <a:prstGeom prst="rect">
-            <a:avLst/>
-          </a:prstGeom>
-        </p:spPr>
-      </p:pic>
-      <p:pic>
-        <p:nvPicPr>
-          <p:cNvPr id="13" name="Graphic 8" descr="Laptop Secure">
-            <a:extLst>
-              <a:ext uri="{FF2B5EF4-FFF2-40B4-BE49-F238E27FC236}">
-                <a16:creationId xmlns:a16="http://schemas.microsoft.com/office/drawing/2014/main" id="{A72535DD-E869-4501-A2B6-F541D2B9F2BA}"/>
-              </a:ext>
-              <a:ext uri="{C183D7F6-B498-43B3-948B-1728B52AA6E4}">
-                <adec:decorative xmlns:adec="http://schemas.microsoft.com/office/drawing/2017/decorative" val="1"/>
-              </a:ext>
-            </a:extLst>
-          </p:cNvPr>
-          <p:cNvPicPr>
-            <a:picLocks noGrp="1" noRot="1" noChangeAspect="1" noMove="1" noResize="1" noEditPoints="1" noAdjustHandles="1" noChangeArrowheads="1" noChangeShapeType="1" noCrop="1"/>
-          </p:cNvPicPr>
-          <p:nvPr>
-            <p:extLst>
-              <p:ext uri="{386F3935-93C4-4BCD-93E2-E3B085C9AB24}">
-                <p16:designElem xmlns:p16="http://schemas.microsoft.com/office/powerpoint/2015/main" val="1"/>
-              </p:ext>
-            </p:extLst>
-          </p:nvPr>
-        </p:nvPicPr>
-        <p:blipFill>
-          <a:blip r:embed="rId2">
-            <a:alphaModFix amt="15000"/>
-            <a:extLst>
-              <a:ext uri="{28A0092B-C50C-407E-A947-70E740481C1C}">
-                <a14:useLocalDpi xmlns:a14="http://schemas.microsoft.com/office/drawing/2010/main" val="0"/>
-              </a:ext>
-              <a:ext uri="{96DAC541-7B7A-43D3-8B79-37D633B846F1}">
-                <asvg:svgBlip xmlns:asvg="http://schemas.microsoft.com/office/drawing/2016/SVG/main" r:embed="rId3"/>
-              </a:ext>
-            </a:extLst>
-          </a:blip>
-          <a:stretch>
-            <a:fillRect/>
-          </a:stretch>
-        </p:blipFill>
-        <p:spPr>
-          <a:xfrm>
-            <a:off x="6607815" y="716407"/>
-            <a:ext cx="5411343" cy="5411343"/>
+            <a:off x="8560981" y="1842090"/>
+            <a:ext cx="3173819" cy="3173819"/>
           </a:xfrm>
           <a:prstGeom prst="rect">
             <a:avLst/>
@@ -7182,12 +7536,12 @@
           <a:chExt cx="0" cy="0"/>
         </a:xfrm>
       </p:grpSpPr>
-      <p:sp useBgFill="1">
+      <p:sp>
         <p:nvSpPr>
           <p:cNvPr id="8" name="Rectangle 7">
             <a:extLst>
               <a:ext uri="{FF2B5EF4-FFF2-40B4-BE49-F238E27FC236}">
-                <a16:creationId xmlns:a16="http://schemas.microsoft.com/office/drawing/2014/main" id="{6A8AAC95-3719-4BCD-B710-4160043D9237}"/>
+                <a16:creationId xmlns:a16="http://schemas.microsoft.com/office/drawing/2014/main" id="{70DFC902-7D23-471A-B557-B6B6917D7A0D}"/>
               </a:ext>
               <a:ext uri="{C183D7F6-B498-43B3-948B-1728B52AA6E4}">
                 <adec:decorative xmlns:adec="http://schemas.microsoft.com/office/drawing/2017/decorative" val="1"/>
@@ -7207,12 +7561,18 @@
         </p:nvSpPr>
         <p:spPr>
           <a:xfrm>
-            <a:off x="0" y="0"/>
-            <a:ext cx="12188952" cy="6858000"/>
+            <a:off x="10" y="-5705"/>
+            <a:ext cx="12191990" cy="1694346"/>
           </a:xfrm>
           <a:prstGeom prst="rect">
             <a:avLst/>
           </a:prstGeom>
+          <a:solidFill>
+            <a:schemeClr val="tx1">
+              <a:lumMod val="85000"/>
+              <a:lumOff val="15000"/>
+            </a:schemeClr>
+          </a:solidFill>
           <a:ln>
             <a:noFill/>
           </a:ln>
@@ -7244,10 +7604,49 @@
       </p:sp>
       <p:sp>
         <p:nvSpPr>
-          <p:cNvPr id="10" name="Freeform: Shape 9">
+          <p:cNvPr id="2" name="Title 1">
             <a:extLst>
               <a:ext uri="{FF2B5EF4-FFF2-40B4-BE49-F238E27FC236}">
-                <a16:creationId xmlns:a16="http://schemas.microsoft.com/office/drawing/2014/main" id="{73A6D7BA-50E4-42FE-A0E3-FC42B7EC4372}"/>
+                <a16:creationId xmlns:a16="http://schemas.microsoft.com/office/drawing/2014/main" id="{90F8D7E3-5ADF-C32D-0044-75438B7159EC}"/>
+              </a:ext>
+            </a:extLst>
+          </p:cNvPr>
+          <p:cNvSpPr>
+            <a:spLocks noGrp="1"/>
+          </p:cNvSpPr>
+          <p:nvPr>
+            <p:ph type="title"/>
+          </p:nvPr>
+        </p:nvSpPr>
+        <p:spPr>
+          <a:xfrm>
+            <a:off x="1156851" y="637762"/>
+            <a:ext cx="9888496" cy="900131"/>
+          </a:xfrm>
+        </p:spPr>
+        <p:txBody>
+          <a:bodyPr anchor="t">
+            <a:normAutofit/>
+          </a:bodyPr>
+          <a:lstStyle/>
+          <a:p>
+            <a:r>
+              <a:rPr lang="en-US" sz="4000">
+                <a:solidFill>
+                  <a:schemeClr val="bg1"/>
+                </a:solidFill>
+              </a:rPr>
+              <a:t>Heterogeneous and Reconfigurable Testbeds</a:t>
+            </a:r>
+          </a:p>
+        </p:txBody>
+      </p:sp>
+      <p:sp>
+        <p:nvSpPr>
+          <p:cNvPr id="10" name="Rectangle 9">
+            <a:extLst>
+              <a:ext uri="{FF2B5EF4-FFF2-40B4-BE49-F238E27FC236}">
+                <a16:creationId xmlns:a16="http://schemas.microsoft.com/office/drawing/2014/main" id="{A55D5633-D557-4DCA-982C-FF36EB7A1C00}"/>
               </a:ext>
               <a:ext uri="{C183D7F6-B498-43B3-948B-1728B52AA6E4}">
                 <adec:decorative xmlns:adec="http://schemas.microsoft.com/office/drawing/2017/decorative" val="1"/>
@@ -7266,549 +7665,107 @@
           </p:nvPr>
         </p:nvSpPr>
         <p:spPr>
-          <a:xfrm flipH="1">
-            <a:off x="1" y="2767722"/>
-            <a:ext cx="3021543" cy="1532055"/>
+          <a:xfrm>
+            <a:off x="0" y="1688641"/>
+            <a:ext cx="12191990" cy="5169359"/>
           </a:xfrm>
-          <a:custGeom>
+          <a:prstGeom prst="rect">
             <a:avLst/>
-            <a:gdLst>
-              <a:gd name="connsiteX0" fmla="*/ 3021543 w 3021543"/>
-              <a:gd name="connsiteY0" fmla="*/ 0 h 1532055"/>
-              <a:gd name="connsiteX1" fmla="*/ 2963800 w 3021543"/>
-              <a:gd name="connsiteY1" fmla="*/ 7730 h 1532055"/>
-              <a:gd name="connsiteX2" fmla="*/ 2793803 w 3021543"/>
-              <a:gd name="connsiteY2" fmla="*/ 25704 h 1532055"/>
-              <a:gd name="connsiteX3" fmla="*/ 2414348 w 3021543"/>
-              <a:gd name="connsiteY3" fmla="*/ 31695 h 1532055"/>
-              <a:gd name="connsiteX4" fmla="*/ 2091558 w 3021543"/>
-              <a:gd name="connsiteY4" fmla="*/ 29298 h 1532055"/>
-              <a:gd name="connsiteX5" fmla="*/ 1645319 w 3021543"/>
-              <a:gd name="connsiteY5" fmla="*/ 30497 h 1532055"/>
-              <a:gd name="connsiteX6" fmla="*/ 1243602 w 3021543"/>
-              <a:gd name="connsiteY6" fmla="*/ 64048 h 1532055"/>
-              <a:gd name="connsiteX7" fmla="*/ 753851 w 3021543"/>
-              <a:gd name="connsiteY7" fmla="*/ 61651 h 1532055"/>
-              <a:gd name="connsiteX8" fmla="*/ 465465 w 3021543"/>
-              <a:gd name="connsiteY8" fmla="*/ 123960 h 1532055"/>
-              <a:gd name="connsiteX9" fmla="*/ 546416 w 3021543"/>
-              <a:gd name="connsiteY9" fmla="*/ 145529 h 1532055"/>
-              <a:gd name="connsiteX10" fmla="*/ 689091 w 3021543"/>
-              <a:gd name="connsiteY10" fmla="*/ 192260 h 1532055"/>
-              <a:gd name="connsiteX11" fmla="*/ 704269 w 3021543"/>
-              <a:gd name="connsiteY11" fmla="*/ 222217 h 1532055"/>
-              <a:gd name="connsiteX12" fmla="*/ 683020 w 3021543"/>
-              <a:gd name="connsiteY12" fmla="*/ 236595 h 1532055"/>
-              <a:gd name="connsiteX13" fmla="*/ 621295 w 3021543"/>
-              <a:gd name="connsiteY13" fmla="*/ 264155 h 1532055"/>
-              <a:gd name="connsiteX14" fmla="*/ 848968 w 3021543"/>
-              <a:gd name="connsiteY14" fmla="*/ 304896 h 1532055"/>
-              <a:gd name="connsiteX15" fmla="*/ 768018 w 3021543"/>
-              <a:gd name="connsiteY15" fmla="*/ 330059 h 1532055"/>
-              <a:gd name="connsiteX16" fmla="*/ 684032 w 3021543"/>
-              <a:gd name="connsiteY16" fmla="*/ 348032 h 1532055"/>
-              <a:gd name="connsiteX17" fmla="*/ 592962 w 3021543"/>
-              <a:gd name="connsiteY17" fmla="*/ 361213 h 1532055"/>
-              <a:gd name="connsiteX18" fmla="*/ 509988 w 3021543"/>
-              <a:gd name="connsiteY18" fmla="*/ 387575 h 1532055"/>
-              <a:gd name="connsiteX19" fmla="*/ 726531 w 3021543"/>
-              <a:gd name="connsiteY19" fmla="*/ 398359 h 1532055"/>
-              <a:gd name="connsiteX20" fmla="*/ 614212 w 3021543"/>
-              <a:gd name="connsiteY20" fmla="*/ 422324 h 1532055"/>
-              <a:gd name="connsiteX21" fmla="*/ 522131 w 3021543"/>
-              <a:gd name="connsiteY21" fmla="*/ 453478 h 1532055"/>
-              <a:gd name="connsiteX22" fmla="*/ 457370 w 3021543"/>
-              <a:gd name="connsiteY22" fmla="*/ 467857 h 1532055"/>
-              <a:gd name="connsiteX23" fmla="*/ 388562 w 3021543"/>
-              <a:gd name="connsiteY23" fmla="*/ 471452 h 1532055"/>
-              <a:gd name="connsiteX24" fmla="*/ 372372 w 3021543"/>
-              <a:gd name="connsiteY24" fmla="*/ 494218 h 1532055"/>
-              <a:gd name="connsiteX25" fmla="*/ 393622 w 3021543"/>
-              <a:gd name="connsiteY25" fmla="*/ 518184 h 1532055"/>
-              <a:gd name="connsiteX26" fmla="*/ 426002 w 3021543"/>
-              <a:gd name="connsiteY26" fmla="*/ 520580 h 1532055"/>
-              <a:gd name="connsiteX27" fmla="*/ 619271 w 3021543"/>
-              <a:gd name="connsiteY27" fmla="*/ 526571 h 1532055"/>
-              <a:gd name="connsiteX28" fmla="*/ 0 w 3021543"/>
-              <a:gd name="connsiteY28" fmla="*/ 579294 h 1532055"/>
-              <a:gd name="connsiteX29" fmla="*/ 83986 w 3021543"/>
-              <a:gd name="connsiteY29" fmla="*/ 611647 h 1532055"/>
-              <a:gd name="connsiteX30" fmla="*/ 112319 w 3021543"/>
-              <a:gd name="connsiteY30" fmla="*/ 700317 h 1532055"/>
-              <a:gd name="connsiteX31" fmla="*/ 215531 w 3021543"/>
-              <a:gd name="connsiteY31" fmla="*/ 750643 h 1532055"/>
-              <a:gd name="connsiteX32" fmla="*/ 282315 w 3021543"/>
-              <a:gd name="connsiteY32" fmla="*/ 768617 h 1532055"/>
-              <a:gd name="connsiteX33" fmla="*/ 435109 w 3021543"/>
-              <a:gd name="connsiteY33" fmla="*/ 794979 h 1532055"/>
-              <a:gd name="connsiteX34" fmla="*/ 457370 w 3021543"/>
-              <a:gd name="connsiteY34" fmla="*/ 838116 h 1532055"/>
-              <a:gd name="connsiteX35" fmla="*/ 476596 w 3021543"/>
-              <a:gd name="connsiteY35" fmla="*/ 886046 h 1532055"/>
-              <a:gd name="connsiteX36" fmla="*/ 517071 w 3021543"/>
-              <a:gd name="connsiteY36" fmla="*/ 917200 h 1532055"/>
-              <a:gd name="connsiteX37" fmla="*/ 202377 w 3021543"/>
-              <a:gd name="connsiteY37" fmla="*/ 912407 h 1532055"/>
-              <a:gd name="connsiteX38" fmla="*/ 557546 w 3021543"/>
-              <a:gd name="connsiteY38" fmla="*/ 1013060 h 1532055"/>
-              <a:gd name="connsiteX39" fmla="*/ 526178 w 3021543"/>
-              <a:gd name="connsiteY39" fmla="*/ 1052602 h 1532055"/>
-              <a:gd name="connsiteX40" fmla="*/ 720459 w 3021543"/>
-              <a:gd name="connsiteY40" fmla="*/ 1106523 h 1532055"/>
-              <a:gd name="connsiteX41" fmla="*/ 616236 w 3021543"/>
-              <a:gd name="connsiteY41" fmla="*/ 1112514 h 1532055"/>
-              <a:gd name="connsiteX42" fmla="*/ 1222353 w 3021543"/>
-              <a:gd name="connsiteY42" fmla="*/ 1337785 h 1532055"/>
-              <a:gd name="connsiteX43" fmla="*/ 2087511 w 3021543"/>
-              <a:gd name="connsiteY43" fmla="*/ 1500747 h 1532055"/>
-              <a:gd name="connsiteX44" fmla="*/ 2425479 w 3021543"/>
-              <a:gd name="connsiteY44" fmla="*/ 1531901 h 1532055"/>
-              <a:gd name="connsiteX45" fmla="*/ 2809994 w 3021543"/>
-              <a:gd name="connsiteY45" fmla="*/ 1522315 h 1532055"/>
-              <a:gd name="connsiteX46" fmla="*/ 2953618 w 3021543"/>
-              <a:gd name="connsiteY46" fmla="*/ 1512448 h 1532055"/>
-              <a:gd name="connsiteX47" fmla="*/ 3021543 w 3021543"/>
-              <a:gd name="connsiteY47" fmla="*/ 1502657 h 1532055"/>
-            </a:gdLst>
-            <a:ahLst/>
-            <a:cxnLst>
-              <a:cxn ang="0">
-                <a:pos x="connsiteX0" y="connsiteY0"/>
-              </a:cxn>
-              <a:cxn ang="0">
-                <a:pos x="connsiteX1" y="connsiteY1"/>
-              </a:cxn>
-              <a:cxn ang="0">
-                <a:pos x="connsiteX2" y="connsiteY2"/>
-              </a:cxn>
-              <a:cxn ang="0">
-                <a:pos x="connsiteX3" y="connsiteY3"/>
-              </a:cxn>
-              <a:cxn ang="0">
-                <a:pos x="connsiteX4" y="connsiteY4"/>
-              </a:cxn>
-              <a:cxn ang="0">
-                <a:pos x="connsiteX5" y="connsiteY5"/>
-              </a:cxn>
-              <a:cxn ang="0">
-                <a:pos x="connsiteX6" y="connsiteY6"/>
-              </a:cxn>
-              <a:cxn ang="0">
-                <a:pos x="connsiteX7" y="connsiteY7"/>
-              </a:cxn>
-              <a:cxn ang="0">
-                <a:pos x="connsiteX8" y="connsiteY8"/>
-              </a:cxn>
-              <a:cxn ang="0">
-                <a:pos x="connsiteX9" y="connsiteY9"/>
-              </a:cxn>
-              <a:cxn ang="0">
-                <a:pos x="connsiteX10" y="connsiteY10"/>
-              </a:cxn>
-              <a:cxn ang="0">
-                <a:pos x="connsiteX11" y="connsiteY11"/>
-              </a:cxn>
-              <a:cxn ang="0">
-                <a:pos x="connsiteX12" y="connsiteY12"/>
-              </a:cxn>
-              <a:cxn ang="0">
-                <a:pos x="connsiteX13" y="connsiteY13"/>
-              </a:cxn>
-              <a:cxn ang="0">
-                <a:pos x="connsiteX14" y="connsiteY14"/>
-              </a:cxn>
-              <a:cxn ang="0">
-                <a:pos x="connsiteX15" y="connsiteY15"/>
-              </a:cxn>
-              <a:cxn ang="0">
-                <a:pos x="connsiteX16" y="connsiteY16"/>
-              </a:cxn>
-              <a:cxn ang="0">
-                <a:pos x="connsiteX17" y="connsiteY17"/>
-              </a:cxn>
-              <a:cxn ang="0">
-                <a:pos x="connsiteX18" y="connsiteY18"/>
-              </a:cxn>
-              <a:cxn ang="0">
-                <a:pos x="connsiteX19" y="connsiteY19"/>
-              </a:cxn>
-              <a:cxn ang="0">
-                <a:pos x="connsiteX20" y="connsiteY20"/>
-              </a:cxn>
-              <a:cxn ang="0">
-                <a:pos x="connsiteX21" y="connsiteY21"/>
-              </a:cxn>
-              <a:cxn ang="0">
-                <a:pos x="connsiteX22" y="connsiteY22"/>
-              </a:cxn>
-              <a:cxn ang="0">
-                <a:pos x="connsiteX23" y="connsiteY23"/>
-              </a:cxn>
-              <a:cxn ang="0">
-                <a:pos x="connsiteX24" y="connsiteY24"/>
-              </a:cxn>
-              <a:cxn ang="0">
-                <a:pos x="connsiteX25" y="connsiteY25"/>
-              </a:cxn>
-              <a:cxn ang="0">
-                <a:pos x="connsiteX26" y="connsiteY26"/>
-              </a:cxn>
-              <a:cxn ang="0">
-                <a:pos x="connsiteX27" y="connsiteY27"/>
-              </a:cxn>
-              <a:cxn ang="0">
-                <a:pos x="connsiteX28" y="connsiteY28"/>
-              </a:cxn>
-              <a:cxn ang="0">
-                <a:pos x="connsiteX29" y="connsiteY29"/>
-              </a:cxn>
-              <a:cxn ang="0">
-                <a:pos x="connsiteX30" y="connsiteY30"/>
-              </a:cxn>
-              <a:cxn ang="0">
-                <a:pos x="connsiteX31" y="connsiteY31"/>
-              </a:cxn>
-              <a:cxn ang="0">
-                <a:pos x="connsiteX32" y="connsiteY32"/>
-              </a:cxn>
-              <a:cxn ang="0">
-                <a:pos x="connsiteX33" y="connsiteY33"/>
-              </a:cxn>
-              <a:cxn ang="0">
-                <a:pos x="connsiteX34" y="connsiteY34"/>
-              </a:cxn>
-              <a:cxn ang="0">
-                <a:pos x="connsiteX35" y="connsiteY35"/>
-              </a:cxn>
-              <a:cxn ang="0">
-                <a:pos x="connsiteX36" y="connsiteY36"/>
-              </a:cxn>
-              <a:cxn ang="0">
-                <a:pos x="connsiteX37" y="connsiteY37"/>
-              </a:cxn>
-              <a:cxn ang="0">
-                <a:pos x="connsiteX38" y="connsiteY38"/>
-              </a:cxn>
-              <a:cxn ang="0">
-                <a:pos x="connsiteX39" y="connsiteY39"/>
-              </a:cxn>
-              <a:cxn ang="0">
-                <a:pos x="connsiteX40" y="connsiteY40"/>
-              </a:cxn>
-              <a:cxn ang="0">
-                <a:pos x="connsiteX41" y="connsiteY41"/>
-              </a:cxn>
-              <a:cxn ang="0">
-                <a:pos x="connsiteX42" y="connsiteY42"/>
-              </a:cxn>
-              <a:cxn ang="0">
-                <a:pos x="connsiteX43" y="connsiteY43"/>
-              </a:cxn>
-              <a:cxn ang="0">
-                <a:pos x="connsiteX44" y="connsiteY44"/>
-              </a:cxn>
-              <a:cxn ang="0">
-                <a:pos x="connsiteX45" y="connsiteY45"/>
-              </a:cxn>
-              <a:cxn ang="0">
-                <a:pos x="connsiteX46" y="connsiteY46"/>
-              </a:cxn>
-              <a:cxn ang="0">
-                <a:pos x="connsiteX47" y="connsiteY47"/>
-              </a:cxn>
-            </a:cxnLst>
-            <a:rect l="l" t="t" r="r" b="b"/>
-            <a:pathLst>
-              <a:path w="3021543" h="1532055">
-                <a:moveTo>
-                  <a:pt x="3021543" y="0"/>
-                </a:moveTo>
-                <a:lnTo>
-                  <a:pt x="2963800" y="7730"/>
-                </a:lnTo>
-                <a:cubicBezTo>
-                  <a:pt x="2907134" y="14919"/>
-                  <a:pt x="2850469" y="24506"/>
-                  <a:pt x="2793803" y="25704"/>
-                </a:cubicBezTo>
-                <a:cubicBezTo>
-                  <a:pt x="2667318" y="29298"/>
-                  <a:pt x="2539821" y="20911"/>
-                  <a:pt x="2414348" y="31695"/>
-                </a:cubicBezTo>
-                <a:cubicBezTo>
-                  <a:pt x="2307089" y="41281"/>
-                  <a:pt x="2198818" y="30497"/>
-                  <a:pt x="2091558" y="29298"/>
-                </a:cubicBezTo>
-                <a:cubicBezTo>
-                  <a:pt x="1942812" y="28100"/>
-                  <a:pt x="1793053" y="19713"/>
-                  <a:pt x="1645319" y="30497"/>
-                </a:cubicBezTo>
-                <a:cubicBezTo>
-                  <a:pt x="1510738" y="38885"/>
-                  <a:pt x="1376158" y="41281"/>
-                  <a:pt x="1243602" y="64048"/>
-                </a:cubicBezTo>
-                <a:cubicBezTo>
-                  <a:pt x="1079677" y="76030"/>
-                  <a:pt x="916765" y="68841"/>
-                  <a:pt x="753851" y="61651"/>
-                </a:cubicBezTo>
-                <a:cubicBezTo>
-                  <a:pt x="653675" y="56858"/>
-                  <a:pt x="554511" y="41281"/>
-                  <a:pt x="465465" y="123960"/>
-                </a:cubicBezTo>
-                <a:cubicBezTo>
-                  <a:pt x="489751" y="143132"/>
-                  <a:pt x="519095" y="139537"/>
-                  <a:pt x="546416" y="145529"/>
-                </a:cubicBezTo>
-                <a:cubicBezTo>
-                  <a:pt x="594986" y="157511"/>
-                  <a:pt x="643557" y="169493"/>
-                  <a:pt x="689091" y="192260"/>
-                </a:cubicBezTo>
-                <a:cubicBezTo>
-                  <a:pt x="699210" y="197053"/>
-                  <a:pt x="708317" y="206639"/>
-                  <a:pt x="704269" y="222217"/>
-                </a:cubicBezTo>
-                <a:cubicBezTo>
-                  <a:pt x="701234" y="234199"/>
-                  <a:pt x="691115" y="234199"/>
-                  <a:pt x="683020" y="236595"/>
-                </a:cubicBezTo>
-                <a:cubicBezTo>
-                  <a:pt x="664806" y="243785"/>
-                  <a:pt x="642545" y="238992"/>
-                  <a:pt x="621295" y="264155"/>
-                </a:cubicBezTo>
-                <a:cubicBezTo>
-                  <a:pt x="702245" y="277336"/>
-                  <a:pt x="780160" y="252172"/>
-                  <a:pt x="848968" y="304896"/>
-                </a:cubicBezTo>
-                <a:cubicBezTo>
-                  <a:pt x="823671" y="331257"/>
-                  <a:pt x="795339" y="325266"/>
-                  <a:pt x="768018" y="330059"/>
-                </a:cubicBezTo>
-                <a:cubicBezTo>
-                  <a:pt x="739685" y="334852"/>
-                  <a:pt x="712365" y="343240"/>
-                  <a:pt x="684032" y="348032"/>
-                </a:cubicBezTo>
-                <a:cubicBezTo>
-                  <a:pt x="653675" y="354023"/>
-                  <a:pt x="623319" y="355222"/>
-                  <a:pt x="592962" y="361213"/>
-                </a:cubicBezTo>
-                <a:cubicBezTo>
-                  <a:pt x="567666" y="366006"/>
-                  <a:pt x="540345" y="357618"/>
-                  <a:pt x="509988" y="387575"/>
-                </a:cubicBezTo>
-                <a:cubicBezTo>
-                  <a:pt x="584867" y="409143"/>
-                  <a:pt x="652663" y="376790"/>
-                  <a:pt x="726531" y="398359"/>
-                </a:cubicBezTo>
-                <a:cubicBezTo>
-                  <a:pt x="683020" y="417531"/>
-                  <a:pt x="647604" y="411539"/>
-                  <a:pt x="614212" y="422324"/>
-                </a:cubicBezTo>
-                <a:cubicBezTo>
-                  <a:pt x="583855" y="433108"/>
-                  <a:pt x="547428" y="421126"/>
-                  <a:pt x="522131" y="453478"/>
-                </a:cubicBezTo>
-                <a:cubicBezTo>
-                  <a:pt x="502905" y="478641"/>
-                  <a:pt x="482668" y="482236"/>
-                  <a:pt x="457370" y="467857"/>
-                </a:cubicBezTo>
-                <a:cubicBezTo>
-                  <a:pt x="435109" y="454676"/>
-                  <a:pt x="410824" y="458271"/>
-                  <a:pt x="388562" y="471452"/>
-                </a:cubicBezTo>
-                <a:cubicBezTo>
-                  <a:pt x="380468" y="476245"/>
-                  <a:pt x="372372" y="482236"/>
-                  <a:pt x="372372" y="494218"/>
-                </a:cubicBezTo>
-                <a:cubicBezTo>
-                  <a:pt x="372372" y="510994"/>
-                  <a:pt x="382491" y="515787"/>
-                  <a:pt x="393622" y="518184"/>
-                </a:cubicBezTo>
-                <a:cubicBezTo>
-                  <a:pt x="403741" y="520580"/>
-                  <a:pt x="415883" y="522977"/>
-                  <a:pt x="426002" y="520580"/>
-                </a:cubicBezTo>
-                <a:cubicBezTo>
-                  <a:pt x="490762" y="507399"/>
-                  <a:pt x="554511" y="528968"/>
-                  <a:pt x="619271" y="526571"/>
-                </a:cubicBezTo>
-                <a:cubicBezTo>
-                  <a:pt x="415883" y="578096"/>
-                  <a:pt x="210471" y="561321"/>
-                  <a:pt x="0" y="579294"/>
-                </a:cubicBezTo>
-                <a:cubicBezTo>
-                  <a:pt x="27321" y="615241"/>
-                  <a:pt x="62737" y="585286"/>
-                  <a:pt x="83986" y="611647"/>
-                </a:cubicBezTo>
-                <a:cubicBezTo>
-                  <a:pt x="63748" y="666766"/>
-                  <a:pt x="71844" y="696722"/>
-                  <a:pt x="112319" y="700317"/>
-                </a:cubicBezTo>
-                <a:cubicBezTo>
-                  <a:pt x="151782" y="703912"/>
-                  <a:pt x="194281" y="684740"/>
-                  <a:pt x="215531" y="750643"/>
-                </a:cubicBezTo>
-                <a:cubicBezTo>
-                  <a:pt x="221602" y="771014"/>
-                  <a:pt x="259042" y="765023"/>
-                  <a:pt x="282315" y="768617"/>
-                </a:cubicBezTo>
-                <a:cubicBezTo>
-                  <a:pt x="332909" y="777005"/>
-                  <a:pt x="386539" y="768617"/>
-                  <a:pt x="435109" y="794979"/>
-                </a:cubicBezTo>
-                <a:cubicBezTo>
-                  <a:pt x="454335" y="804565"/>
-                  <a:pt x="467489" y="811754"/>
-                  <a:pt x="457370" y="838116"/>
-                </a:cubicBezTo>
-                <a:cubicBezTo>
-                  <a:pt x="447252" y="865675"/>
-                  <a:pt x="460406" y="875261"/>
-                  <a:pt x="476596" y="886046"/>
-                </a:cubicBezTo>
-                <a:cubicBezTo>
-                  <a:pt x="488739" y="894433"/>
-                  <a:pt x="506953" y="892037"/>
-                  <a:pt x="517071" y="917200"/>
-                </a:cubicBezTo>
-                <a:cubicBezTo>
-                  <a:pt x="410824" y="913605"/>
-                  <a:pt x="307612" y="893235"/>
-                  <a:pt x="202377" y="912407"/>
-                </a:cubicBezTo>
-                <a:cubicBezTo>
-                  <a:pt x="317731" y="960337"/>
-                  <a:pt x="444216" y="957940"/>
-                  <a:pt x="557546" y="1013060"/>
-                </a:cubicBezTo>
-                <a:cubicBezTo>
-                  <a:pt x="553499" y="1032232"/>
-                  <a:pt x="527190" y="1023844"/>
-                  <a:pt x="526178" y="1052602"/>
-                </a:cubicBezTo>
-                <a:cubicBezTo>
-                  <a:pt x="585879" y="1082558"/>
-                  <a:pt x="657723" y="1062188"/>
-                  <a:pt x="720459" y="1106523"/>
-                </a:cubicBezTo>
-                <a:cubicBezTo>
-                  <a:pt x="684032" y="1126893"/>
-                  <a:pt x="650640" y="1093342"/>
-                  <a:pt x="616236" y="1112514"/>
-                </a:cubicBezTo>
-                <a:cubicBezTo>
-                  <a:pt x="627367" y="1141273"/>
-                  <a:pt x="1131283" y="1318613"/>
-                  <a:pt x="1222353" y="1337785"/>
-                </a:cubicBezTo>
-                <a:cubicBezTo>
-                  <a:pt x="1407527" y="1377327"/>
-                  <a:pt x="1940788" y="1477980"/>
-                  <a:pt x="2087511" y="1500747"/>
-                </a:cubicBezTo>
-                <a:cubicBezTo>
-                  <a:pt x="2200841" y="1517522"/>
-                  <a:pt x="2313160" y="1530703"/>
-                  <a:pt x="2425479" y="1531901"/>
-                </a:cubicBezTo>
-                <a:cubicBezTo>
-                  <a:pt x="2553988" y="1533099"/>
-                  <a:pt x="2681485" y="1527108"/>
-                  <a:pt x="2809994" y="1522315"/>
-                </a:cubicBezTo>
-                <a:cubicBezTo>
-                  <a:pt x="2858058" y="1520518"/>
-                  <a:pt x="2905933" y="1517372"/>
-                  <a:pt x="2953618" y="1512448"/>
-                </a:cubicBezTo>
-                <a:lnTo>
-                  <a:pt x="3021543" y="1502657"/>
-                </a:lnTo>
-                <a:close/>
-              </a:path>
-            </a:pathLst>
-          </a:custGeom>
+          </a:prstGeom>
           <a:solidFill>
-            <a:schemeClr val="bg2">
-              <a:alpha val="50000"/>
+            <a:schemeClr val="bg1">
+              <a:lumMod val="95000"/>
             </a:schemeClr>
           </a:solidFill>
-          <a:ln w="32707" cap="flat">
+          <a:ln>
             <a:noFill/>
-            <a:prstDash val="solid"/>
-            <a:miter/>
           </a:ln>
         </p:spPr>
+        <p:style>
+          <a:lnRef idx="2">
+            <a:schemeClr val="accent1">
+              <a:shade val="50000"/>
+            </a:schemeClr>
+          </a:lnRef>
+          <a:fillRef idx="1">
+            <a:schemeClr val="accent1"/>
+          </a:fillRef>
+          <a:effectRef idx="0">
+            <a:schemeClr val="accent1"/>
+          </a:effectRef>
+          <a:fontRef idx="minor">
+            <a:schemeClr val="lt1"/>
+          </a:fontRef>
+        </p:style>
         <p:txBody>
           <a:bodyPr rtlCol="0" anchor="ctr"/>
           <a:lstStyle/>
           <a:p>
-            <a:endParaRPr lang="en-US" dirty="0"/>
+            <a:pPr algn="ctr"/>
+            <a:endParaRPr lang="en-US"/>
           </a:p>
         </p:txBody>
       </p:sp>
       <p:sp>
         <p:nvSpPr>
-          <p:cNvPr id="2" name="Title 1">
+          <p:cNvPr id="12" name="Rectangle 11">
             <a:extLst>
               <a:ext uri="{FF2B5EF4-FFF2-40B4-BE49-F238E27FC236}">
-                <a16:creationId xmlns:a16="http://schemas.microsoft.com/office/drawing/2014/main" id="{03D685E8-F99A-E618-A8E3-1F77808AA3DE}"/>
+                <a16:creationId xmlns:a16="http://schemas.microsoft.com/office/drawing/2014/main" id="{450D3AD2-FA80-415F-A9CE-54D884561CD7}"/>
+              </a:ext>
+              <a:ext uri="{C183D7F6-B498-43B3-948B-1728B52AA6E4}">
+                <adec:decorative xmlns:adec="http://schemas.microsoft.com/office/drawing/2017/decorative" val="1"/>
               </a:ext>
             </a:extLst>
           </p:cNvPr>
           <p:cNvSpPr>
-            <a:spLocks noGrp="1"/>
+            <a:spLocks noGrp="1" noRot="1" noChangeAspect="1" noMove="1" noResize="1" noEditPoints="1" noAdjustHandles="1" noChangeArrowheads="1" noChangeShapeType="1" noTextEdit="1"/>
           </p:cNvSpPr>
           <p:nvPr>
-            <p:ph type="title"/>
+            <p:extLst>
+              <p:ext uri="{386F3935-93C4-4BCD-93E2-E3B085C9AB24}">
+                <p16:designElem xmlns:p16="http://schemas.microsoft.com/office/powerpoint/2015/main" val="1"/>
+              </p:ext>
+            </p:extLst>
           </p:nvPr>
         </p:nvSpPr>
         <p:spPr>
           <a:xfrm>
-            <a:off x="838200" y="838199"/>
-            <a:ext cx="4191000" cy="5338763"/>
+            <a:off x="1156851" y="2010758"/>
+            <a:ext cx="457190" cy="45719"/>
           </a:xfrm>
+          <a:prstGeom prst="rect">
+            <a:avLst/>
+          </a:prstGeom>
+          <a:solidFill>
+            <a:schemeClr val="tx1"/>
+          </a:solidFill>
+          <a:ln>
+            <a:noFill/>
+          </a:ln>
         </p:spPr>
+        <p:style>
+          <a:lnRef idx="2">
+            <a:schemeClr val="accent1">
+              <a:shade val="50000"/>
+            </a:schemeClr>
+          </a:lnRef>
+          <a:fillRef idx="1">
+            <a:schemeClr val="accent1"/>
+          </a:fillRef>
+          <a:effectRef idx="0">
+            <a:schemeClr val="accent1"/>
+          </a:effectRef>
+          <a:fontRef idx="minor">
+            <a:schemeClr val="lt1"/>
+          </a:fontRef>
+        </p:style>
         <p:txBody>
-          <a:bodyPr>
-            <a:normAutofit/>
-          </a:bodyPr>
+          <a:bodyPr rtlCol="0" anchor="ctr"/>
           <a:lstStyle/>
           <a:p>
-            <a:r>
-              <a:rPr lang="en-US" dirty="0"/>
-              <a:t>Challenges</a:t>
-            </a:r>
+            <a:pPr algn="ctr"/>
+            <a:endParaRPr lang="en-US"/>
           </a:p>
         </p:txBody>
       </p:sp>
@@ -7817,7 +7774,7 @@
           <p:cNvPr id="3" name="Content Placeholder 2">
             <a:extLst>
               <a:ext uri="{FF2B5EF4-FFF2-40B4-BE49-F238E27FC236}">
-                <a16:creationId xmlns:a16="http://schemas.microsoft.com/office/drawing/2014/main" id="{AD731311-B0D1-4E68-082C-D57B82444140}"/>
+                <a16:creationId xmlns:a16="http://schemas.microsoft.com/office/drawing/2014/main" id="{0D19F75A-0C64-FFF5-D3A9-056FF82B6777}"/>
               </a:ext>
             </a:extLst>
           </p:cNvPr>
@@ -7830,49 +7787,63 @@
         </p:nvSpPr>
         <p:spPr>
           <a:xfrm>
-            <a:off x="5302332" y="838199"/>
-            <a:ext cx="6051468" cy="5338763"/>
+            <a:off x="1155548" y="2217343"/>
+            <a:ext cx="9880893" cy="3959619"/>
           </a:xfrm>
         </p:spPr>
         <p:txBody>
-          <a:bodyPr anchor="ctr">
+          <a:bodyPr>
             <a:normAutofit/>
           </a:bodyPr>
           <a:lstStyle/>
           <a:p>
+            <a:pPr>
+              <a:buFont typeface="Arial" panose="020B0604020202020204" pitchFamily="34" charset="0"/>
+              <a:buChar char="•"/>
+            </a:pPr>
             <a:r>
-              <a:rPr lang="en-US" sz="2000"/>
-              <a:t>Design complexity due to the need to handle extreme levels of heterogeneity</a:t>
+              <a:rPr lang="en-US" sz="1700"/>
+              <a:t>Testbed platforms are crucial for validating DMC's codesign approach and resulting software and hardware, enabling rapid prototyping of advanced architectural concepts and testing of design automation, synthesis, and compiler toolchains.</a:t>
             </a:r>
           </a:p>
           <a:p>
+            <a:pPr>
+              <a:buFont typeface="Arial" panose="020B0604020202020204" pitchFamily="34" charset="0"/>
+              <a:buChar char="•"/>
+            </a:pPr>
             <a:r>
-              <a:rPr lang="en-US" sz="2000"/>
-              <a:t>Integration challenges due to differences in hardware architecture and programming models.</a:t>
+              <a:rPr lang="en-US" sz="1700"/>
+              <a:t>DMC's testbeds include heterogeneous reconfigurable hardware, making them ideal for system and application software targeting heterogeneous processing capabilities.</a:t>
             </a:r>
           </a:p>
           <a:p>
+            <a:pPr>
+              <a:buFont typeface="Arial" panose="020B0604020202020204" pitchFamily="34" charset="0"/>
+              <a:buChar char="•"/>
+            </a:pPr>
             <a:r>
-              <a:rPr lang="en-US" sz="2000"/>
-              <a:t>Power management difficulties when using different types of processors with varying power requirements.</a:t>
+              <a:rPr lang="en-US" sz="1700"/>
+              <a:t>DMC benefits from PNNL's CENATE project, which evaluates early technologies and quantifies their potential on future system design using metrics of performance, power efficiency, and security.</a:t>
             </a:r>
           </a:p>
           <a:p>
+            <a:pPr>
+              <a:buFont typeface="Arial" panose="020B0604020202020204" pitchFamily="34" charset="0"/>
+              <a:buChar char="•"/>
+            </a:pPr>
             <a:r>
-              <a:rPr lang="en-US" sz="2000"/>
-              <a:t>Communication and data transfer issues due to differences In data formats and transfer rates.</a:t>
+              <a:rPr lang="en-US" sz="1700"/>
+              <a:t>The Junction cluster is a key platform for the development of DMC software and architecture concepts, featuring multicore AMD CPUs, AMD Instinct GPUs, Xilinx Versal ACAP accelerators, and two network interface cards.</a:t>
             </a:r>
           </a:p>
           <a:p>
+            <a:pPr>
+              <a:buFont typeface="Arial" panose="020B0604020202020204" pitchFamily="34" charset="0"/>
+              <a:buChar char="•"/>
+            </a:pPr>
             <a:r>
-              <a:rPr lang="en-US" sz="2000"/>
-              <a:t>Complex software development requiring specialized skill and knowledge.</a:t>
-            </a:r>
-          </a:p>
-          <a:p>
-            <a:r>
-              <a:rPr lang="en-US" sz="2000"/>
-              <a:t>Time-consuming and expensive testing and validation due to the complexity of the hardware and software components involved.</a:t>
+              <a:rPr lang="en-US" sz="1700"/>
+              <a:t>The Junction cluster demonstrates compiler-level optimizations, high-level synthesis toolchains, and customized accelerator architectures developed using DMC's codesign approach.</a:t>
             </a:r>
           </a:p>
         </p:txBody>
@@ -7880,7 +7851,7 @@
     </p:spTree>
     <p:extLst>
       <p:ext uri="{BB962C8B-B14F-4D97-AF65-F5344CB8AC3E}">
-        <p14:creationId xmlns:p14="http://schemas.microsoft.com/office/powerpoint/2010/main" val="1729483054"/>
+        <p14:creationId xmlns:p14="http://schemas.microsoft.com/office/powerpoint/2010/main" val="3625739851"/>
       </p:ext>
     </p:extLst>
   </p:cSld>
@@ -8515,6 +8486,739 @@
           <p:cNvPr id="2" name="Title 1">
             <a:extLst>
               <a:ext uri="{FF2B5EF4-FFF2-40B4-BE49-F238E27FC236}">
+                <a16:creationId xmlns:a16="http://schemas.microsoft.com/office/drawing/2014/main" id="{03D685E8-F99A-E618-A8E3-1F77808AA3DE}"/>
+              </a:ext>
+            </a:extLst>
+          </p:cNvPr>
+          <p:cNvSpPr>
+            <a:spLocks noGrp="1"/>
+          </p:cNvSpPr>
+          <p:nvPr>
+            <p:ph type="title"/>
+          </p:nvPr>
+        </p:nvSpPr>
+        <p:spPr>
+          <a:xfrm>
+            <a:off x="838200" y="838199"/>
+            <a:ext cx="4191000" cy="5338763"/>
+          </a:xfrm>
+        </p:spPr>
+        <p:txBody>
+          <a:bodyPr>
+            <a:normAutofit/>
+          </a:bodyPr>
+          <a:lstStyle/>
+          <a:p>
+            <a:r>
+              <a:rPr lang="en-US" dirty="0"/>
+              <a:t>Challenges</a:t>
+            </a:r>
+          </a:p>
+        </p:txBody>
+      </p:sp>
+      <p:sp>
+        <p:nvSpPr>
+          <p:cNvPr id="3" name="Content Placeholder 2">
+            <a:extLst>
+              <a:ext uri="{FF2B5EF4-FFF2-40B4-BE49-F238E27FC236}">
+                <a16:creationId xmlns:a16="http://schemas.microsoft.com/office/drawing/2014/main" id="{AD731311-B0D1-4E68-082C-D57B82444140}"/>
+              </a:ext>
+            </a:extLst>
+          </p:cNvPr>
+          <p:cNvSpPr>
+            <a:spLocks noGrp="1"/>
+          </p:cNvSpPr>
+          <p:nvPr>
+            <p:ph idx="1"/>
+          </p:nvPr>
+        </p:nvSpPr>
+        <p:spPr>
+          <a:xfrm>
+            <a:off x="5302332" y="838199"/>
+            <a:ext cx="6051468" cy="5338763"/>
+          </a:xfrm>
+        </p:spPr>
+        <p:txBody>
+          <a:bodyPr anchor="ctr">
+            <a:normAutofit/>
+          </a:bodyPr>
+          <a:lstStyle/>
+          <a:p>
+            <a:r>
+              <a:rPr lang="en-US" sz="2000"/>
+              <a:t>Design complexity due to the need to handle extreme levels of heterogeneity</a:t>
+            </a:r>
+          </a:p>
+          <a:p>
+            <a:r>
+              <a:rPr lang="en-US" sz="2000"/>
+              <a:t>Integration challenges due to differences in hardware architecture and programming models.</a:t>
+            </a:r>
+          </a:p>
+          <a:p>
+            <a:r>
+              <a:rPr lang="en-US" sz="2000"/>
+              <a:t>Power management difficulties when using different types of processors with varying power requirements.</a:t>
+            </a:r>
+          </a:p>
+          <a:p>
+            <a:r>
+              <a:rPr lang="en-US" sz="2000"/>
+              <a:t>Communication and data transfer issues due to differences In data formats and transfer rates.</a:t>
+            </a:r>
+          </a:p>
+          <a:p>
+            <a:r>
+              <a:rPr lang="en-US" sz="2000"/>
+              <a:t>Complex software development requiring specialized skill and knowledge.</a:t>
+            </a:r>
+          </a:p>
+          <a:p>
+            <a:r>
+              <a:rPr lang="en-US" sz="2000"/>
+              <a:t>Time-consuming and expensive testing and validation due to the complexity of the hardware and software components involved.</a:t>
+            </a:r>
+          </a:p>
+        </p:txBody>
+      </p:sp>
+    </p:spTree>
+    <p:extLst>
+      <p:ext uri="{BB962C8B-B14F-4D97-AF65-F5344CB8AC3E}">
+        <p14:creationId xmlns:p14="http://schemas.microsoft.com/office/powerpoint/2010/main" val="1729483054"/>
+      </p:ext>
+    </p:extLst>
+  </p:cSld>
+  <p:clrMapOvr>
+    <a:masterClrMapping/>
+  </p:clrMapOvr>
+</p:sld>
+</file>
+
+<file path=ppt/slides/slide13.xml><?xml version="1.0" encoding="utf-8"?>
+<p:sld xmlns:a="http://schemas.openxmlformats.org/drawingml/2006/main" xmlns:r="http://schemas.openxmlformats.org/officeDocument/2006/relationships" xmlns:p="http://schemas.openxmlformats.org/presentationml/2006/main">
+  <p:cSld>
+    <p:bg>
+      <p:bgPr>
+        <a:solidFill>
+          <a:schemeClr val="bg1"/>
+        </a:solidFill>
+        <a:effectLst/>
+      </p:bgPr>
+    </p:bg>
+    <p:spTree>
+      <p:nvGrpSpPr>
+        <p:cNvPr id="1" name=""/>
+        <p:cNvGrpSpPr/>
+        <p:nvPr/>
+      </p:nvGrpSpPr>
+      <p:grpSpPr>
+        <a:xfrm>
+          <a:off x="0" y="0"/>
+          <a:ext cx="0" cy="0"/>
+          <a:chOff x="0" y="0"/>
+          <a:chExt cx="0" cy="0"/>
+        </a:xfrm>
+      </p:grpSpPr>
+      <p:sp useBgFill="1">
+        <p:nvSpPr>
+          <p:cNvPr id="8" name="Rectangle 7">
+            <a:extLst>
+              <a:ext uri="{FF2B5EF4-FFF2-40B4-BE49-F238E27FC236}">
+                <a16:creationId xmlns:a16="http://schemas.microsoft.com/office/drawing/2014/main" id="{6A8AAC95-3719-4BCD-B710-4160043D9237}"/>
+              </a:ext>
+              <a:ext uri="{C183D7F6-B498-43B3-948B-1728B52AA6E4}">
+                <adec:decorative xmlns:adec="http://schemas.microsoft.com/office/drawing/2017/decorative" val="1"/>
+              </a:ext>
+            </a:extLst>
+          </p:cNvPr>
+          <p:cNvSpPr>
+            <a:spLocks noGrp="1" noRot="1" noChangeAspect="1" noMove="1" noResize="1" noEditPoints="1" noAdjustHandles="1" noChangeArrowheads="1" noChangeShapeType="1" noTextEdit="1"/>
+          </p:cNvSpPr>
+          <p:nvPr>
+            <p:extLst>
+              <p:ext uri="{386F3935-93C4-4BCD-93E2-E3B085C9AB24}">
+                <p16:designElem xmlns:p16="http://schemas.microsoft.com/office/powerpoint/2015/main" val="1"/>
+              </p:ext>
+            </p:extLst>
+          </p:nvPr>
+        </p:nvSpPr>
+        <p:spPr>
+          <a:xfrm>
+            <a:off x="0" y="0"/>
+            <a:ext cx="12188952" cy="6858000"/>
+          </a:xfrm>
+          <a:prstGeom prst="rect">
+            <a:avLst/>
+          </a:prstGeom>
+          <a:ln>
+            <a:noFill/>
+          </a:ln>
+        </p:spPr>
+        <p:style>
+          <a:lnRef idx="2">
+            <a:schemeClr val="accent1">
+              <a:shade val="50000"/>
+            </a:schemeClr>
+          </a:lnRef>
+          <a:fillRef idx="1">
+            <a:schemeClr val="accent1"/>
+          </a:fillRef>
+          <a:effectRef idx="0">
+            <a:schemeClr val="accent1"/>
+          </a:effectRef>
+          <a:fontRef idx="minor">
+            <a:schemeClr val="lt1"/>
+          </a:fontRef>
+        </p:style>
+        <p:txBody>
+          <a:bodyPr rtlCol="0" anchor="ctr"/>
+          <a:lstStyle/>
+          <a:p>
+            <a:pPr algn="ctr"/>
+            <a:endParaRPr lang="en-US"/>
+          </a:p>
+        </p:txBody>
+      </p:sp>
+      <p:sp>
+        <p:nvSpPr>
+          <p:cNvPr id="10" name="Freeform: Shape 9">
+            <a:extLst>
+              <a:ext uri="{FF2B5EF4-FFF2-40B4-BE49-F238E27FC236}">
+                <a16:creationId xmlns:a16="http://schemas.microsoft.com/office/drawing/2014/main" id="{73A6D7BA-50E4-42FE-A0E3-FC42B7EC4372}"/>
+              </a:ext>
+              <a:ext uri="{C183D7F6-B498-43B3-948B-1728B52AA6E4}">
+                <adec:decorative xmlns:adec="http://schemas.microsoft.com/office/drawing/2017/decorative" val="1"/>
+              </a:ext>
+            </a:extLst>
+          </p:cNvPr>
+          <p:cNvSpPr>
+            <a:spLocks noGrp="1" noRot="1" noChangeAspect="1" noMove="1" noResize="1" noEditPoints="1" noAdjustHandles="1" noChangeArrowheads="1" noChangeShapeType="1" noTextEdit="1"/>
+          </p:cNvSpPr>
+          <p:nvPr>
+            <p:extLst>
+              <p:ext uri="{386F3935-93C4-4BCD-93E2-E3B085C9AB24}">
+                <p16:designElem xmlns:p16="http://schemas.microsoft.com/office/powerpoint/2015/main" val="1"/>
+              </p:ext>
+            </p:extLst>
+          </p:nvPr>
+        </p:nvSpPr>
+        <p:spPr>
+          <a:xfrm flipH="1">
+            <a:off x="1" y="2767722"/>
+            <a:ext cx="3021543" cy="1532055"/>
+          </a:xfrm>
+          <a:custGeom>
+            <a:avLst/>
+            <a:gdLst>
+              <a:gd name="connsiteX0" fmla="*/ 3021543 w 3021543"/>
+              <a:gd name="connsiteY0" fmla="*/ 0 h 1532055"/>
+              <a:gd name="connsiteX1" fmla="*/ 2963800 w 3021543"/>
+              <a:gd name="connsiteY1" fmla="*/ 7730 h 1532055"/>
+              <a:gd name="connsiteX2" fmla="*/ 2793803 w 3021543"/>
+              <a:gd name="connsiteY2" fmla="*/ 25704 h 1532055"/>
+              <a:gd name="connsiteX3" fmla="*/ 2414348 w 3021543"/>
+              <a:gd name="connsiteY3" fmla="*/ 31695 h 1532055"/>
+              <a:gd name="connsiteX4" fmla="*/ 2091558 w 3021543"/>
+              <a:gd name="connsiteY4" fmla="*/ 29298 h 1532055"/>
+              <a:gd name="connsiteX5" fmla="*/ 1645319 w 3021543"/>
+              <a:gd name="connsiteY5" fmla="*/ 30497 h 1532055"/>
+              <a:gd name="connsiteX6" fmla="*/ 1243602 w 3021543"/>
+              <a:gd name="connsiteY6" fmla="*/ 64048 h 1532055"/>
+              <a:gd name="connsiteX7" fmla="*/ 753851 w 3021543"/>
+              <a:gd name="connsiteY7" fmla="*/ 61651 h 1532055"/>
+              <a:gd name="connsiteX8" fmla="*/ 465465 w 3021543"/>
+              <a:gd name="connsiteY8" fmla="*/ 123960 h 1532055"/>
+              <a:gd name="connsiteX9" fmla="*/ 546416 w 3021543"/>
+              <a:gd name="connsiteY9" fmla="*/ 145529 h 1532055"/>
+              <a:gd name="connsiteX10" fmla="*/ 689091 w 3021543"/>
+              <a:gd name="connsiteY10" fmla="*/ 192260 h 1532055"/>
+              <a:gd name="connsiteX11" fmla="*/ 704269 w 3021543"/>
+              <a:gd name="connsiteY11" fmla="*/ 222217 h 1532055"/>
+              <a:gd name="connsiteX12" fmla="*/ 683020 w 3021543"/>
+              <a:gd name="connsiteY12" fmla="*/ 236595 h 1532055"/>
+              <a:gd name="connsiteX13" fmla="*/ 621295 w 3021543"/>
+              <a:gd name="connsiteY13" fmla="*/ 264155 h 1532055"/>
+              <a:gd name="connsiteX14" fmla="*/ 848968 w 3021543"/>
+              <a:gd name="connsiteY14" fmla="*/ 304896 h 1532055"/>
+              <a:gd name="connsiteX15" fmla="*/ 768018 w 3021543"/>
+              <a:gd name="connsiteY15" fmla="*/ 330059 h 1532055"/>
+              <a:gd name="connsiteX16" fmla="*/ 684032 w 3021543"/>
+              <a:gd name="connsiteY16" fmla="*/ 348032 h 1532055"/>
+              <a:gd name="connsiteX17" fmla="*/ 592962 w 3021543"/>
+              <a:gd name="connsiteY17" fmla="*/ 361213 h 1532055"/>
+              <a:gd name="connsiteX18" fmla="*/ 509988 w 3021543"/>
+              <a:gd name="connsiteY18" fmla="*/ 387575 h 1532055"/>
+              <a:gd name="connsiteX19" fmla="*/ 726531 w 3021543"/>
+              <a:gd name="connsiteY19" fmla="*/ 398359 h 1532055"/>
+              <a:gd name="connsiteX20" fmla="*/ 614212 w 3021543"/>
+              <a:gd name="connsiteY20" fmla="*/ 422324 h 1532055"/>
+              <a:gd name="connsiteX21" fmla="*/ 522131 w 3021543"/>
+              <a:gd name="connsiteY21" fmla="*/ 453478 h 1532055"/>
+              <a:gd name="connsiteX22" fmla="*/ 457370 w 3021543"/>
+              <a:gd name="connsiteY22" fmla="*/ 467857 h 1532055"/>
+              <a:gd name="connsiteX23" fmla="*/ 388562 w 3021543"/>
+              <a:gd name="connsiteY23" fmla="*/ 471452 h 1532055"/>
+              <a:gd name="connsiteX24" fmla="*/ 372372 w 3021543"/>
+              <a:gd name="connsiteY24" fmla="*/ 494218 h 1532055"/>
+              <a:gd name="connsiteX25" fmla="*/ 393622 w 3021543"/>
+              <a:gd name="connsiteY25" fmla="*/ 518184 h 1532055"/>
+              <a:gd name="connsiteX26" fmla="*/ 426002 w 3021543"/>
+              <a:gd name="connsiteY26" fmla="*/ 520580 h 1532055"/>
+              <a:gd name="connsiteX27" fmla="*/ 619271 w 3021543"/>
+              <a:gd name="connsiteY27" fmla="*/ 526571 h 1532055"/>
+              <a:gd name="connsiteX28" fmla="*/ 0 w 3021543"/>
+              <a:gd name="connsiteY28" fmla="*/ 579294 h 1532055"/>
+              <a:gd name="connsiteX29" fmla="*/ 83986 w 3021543"/>
+              <a:gd name="connsiteY29" fmla="*/ 611647 h 1532055"/>
+              <a:gd name="connsiteX30" fmla="*/ 112319 w 3021543"/>
+              <a:gd name="connsiteY30" fmla="*/ 700317 h 1532055"/>
+              <a:gd name="connsiteX31" fmla="*/ 215531 w 3021543"/>
+              <a:gd name="connsiteY31" fmla="*/ 750643 h 1532055"/>
+              <a:gd name="connsiteX32" fmla="*/ 282315 w 3021543"/>
+              <a:gd name="connsiteY32" fmla="*/ 768617 h 1532055"/>
+              <a:gd name="connsiteX33" fmla="*/ 435109 w 3021543"/>
+              <a:gd name="connsiteY33" fmla="*/ 794979 h 1532055"/>
+              <a:gd name="connsiteX34" fmla="*/ 457370 w 3021543"/>
+              <a:gd name="connsiteY34" fmla="*/ 838116 h 1532055"/>
+              <a:gd name="connsiteX35" fmla="*/ 476596 w 3021543"/>
+              <a:gd name="connsiteY35" fmla="*/ 886046 h 1532055"/>
+              <a:gd name="connsiteX36" fmla="*/ 517071 w 3021543"/>
+              <a:gd name="connsiteY36" fmla="*/ 917200 h 1532055"/>
+              <a:gd name="connsiteX37" fmla="*/ 202377 w 3021543"/>
+              <a:gd name="connsiteY37" fmla="*/ 912407 h 1532055"/>
+              <a:gd name="connsiteX38" fmla="*/ 557546 w 3021543"/>
+              <a:gd name="connsiteY38" fmla="*/ 1013060 h 1532055"/>
+              <a:gd name="connsiteX39" fmla="*/ 526178 w 3021543"/>
+              <a:gd name="connsiteY39" fmla="*/ 1052602 h 1532055"/>
+              <a:gd name="connsiteX40" fmla="*/ 720459 w 3021543"/>
+              <a:gd name="connsiteY40" fmla="*/ 1106523 h 1532055"/>
+              <a:gd name="connsiteX41" fmla="*/ 616236 w 3021543"/>
+              <a:gd name="connsiteY41" fmla="*/ 1112514 h 1532055"/>
+              <a:gd name="connsiteX42" fmla="*/ 1222353 w 3021543"/>
+              <a:gd name="connsiteY42" fmla="*/ 1337785 h 1532055"/>
+              <a:gd name="connsiteX43" fmla="*/ 2087511 w 3021543"/>
+              <a:gd name="connsiteY43" fmla="*/ 1500747 h 1532055"/>
+              <a:gd name="connsiteX44" fmla="*/ 2425479 w 3021543"/>
+              <a:gd name="connsiteY44" fmla="*/ 1531901 h 1532055"/>
+              <a:gd name="connsiteX45" fmla="*/ 2809994 w 3021543"/>
+              <a:gd name="connsiteY45" fmla="*/ 1522315 h 1532055"/>
+              <a:gd name="connsiteX46" fmla="*/ 2953618 w 3021543"/>
+              <a:gd name="connsiteY46" fmla="*/ 1512448 h 1532055"/>
+              <a:gd name="connsiteX47" fmla="*/ 3021543 w 3021543"/>
+              <a:gd name="connsiteY47" fmla="*/ 1502657 h 1532055"/>
+            </a:gdLst>
+            <a:ahLst/>
+            <a:cxnLst>
+              <a:cxn ang="0">
+                <a:pos x="connsiteX0" y="connsiteY0"/>
+              </a:cxn>
+              <a:cxn ang="0">
+                <a:pos x="connsiteX1" y="connsiteY1"/>
+              </a:cxn>
+              <a:cxn ang="0">
+                <a:pos x="connsiteX2" y="connsiteY2"/>
+              </a:cxn>
+              <a:cxn ang="0">
+                <a:pos x="connsiteX3" y="connsiteY3"/>
+              </a:cxn>
+              <a:cxn ang="0">
+                <a:pos x="connsiteX4" y="connsiteY4"/>
+              </a:cxn>
+              <a:cxn ang="0">
+                <a:pos x="connsiteX5" y="connsiteY5"/>
+              </a:cxn>
+              <a:cxn ang="0">
+                <a:pos x="connsiteX6" y="connsiteY6"/>
+              </a:cxn>
+              <a:cxn ang="0">
+                <a:pos x="connsiteX7" y="connsiteY7"/>
+              </a:cxn>
+              <a:cxn ang="0">
+                <a:pos x="connsiteX8" y="connsiteY8"/>
+              </a:cxn>
+              <a:cxn ang="0">
+                <a:pos x="connsiteX9" y="connsiteY9"/>
+              </a:cxn>
+              <a:cxn ang="0">
+                <a:pos x="connsiteX10" y="connsiteY10"/>
+              </a:cxn>
+              <a:cxn ang="0">
+                <a:pos x="connsiteX11" y="connsiteY11"/>
+              </a:cxn>
+              <a:cxn ang="0">
+                <a:pos x="connsiteX12" y="connsiteY12"/>
+              </a:cxn>
+              <a:cxn ang="0">
+                <a:pos x="connsiteX13" y="connsiteY13"/>
+              </a:cxn>
+              <a:cxn ang="0">
+                <a:pos x="connsiteX14" y="connsiteY14"/>
+              </a:cxn>
+              <a:cxn ang="0">
+                <a:pos x="connsiteX15" y="connsiteY15"/>
+              </a:cxn>
+              <a:cxn ang="0">
+                <a:pos x="connsiteX16" y="connsiteY16"/>
+              </a:cxn>
+              <a:cxn ang="0">
+                <a:pos x="connsiteX17" y="connsiteY17"/>
+              </a:cxn>
+              <a:cxn ang="0">
+                <a:pos x="connsiteX18" y="connsiteY18"/>
+              </a:cxn>
+              <a:cxn ang="0">
+                <a:pos x="connsiteX19" y="connsiteY19"/>
+              </a:cxn>
+              <a:cxn ang="0">
+                <a:pos x="connsiteX20" y="connsiteY20"/>
+              </a:cxn>
+              <a:cxn ang="0">
+                <a:pos x="connsiteX21" y="connsiteY21"/>
+              </a:cxn>
+              <a:cxn ang="0">
+                <a:pos x="connsiteX22" y="connsiteY22"/>
+              </a:cxn>
+              <a:cxn ang="0">
+                <a:pos x="connsiteX23" y="connsiteY23"/>
+              </a:cxn>
+              <a:cxn ang="0">
+                <a:pos x="connsiteX24" y="connsiteY24"/>
+              </a:cxn>
+              <a:cxn ang="0">
+                <a:pos x="connsiteX25" y="connsiteY25"/>
+              </a:cxn>
+              <a:cxn ang="0">
+                <a:pos x="connsiteX26" y="connsiteY26"/>
+              </a:cxn>
+              <a:cxn ang="0">
+                <a:pos x="connsiteX27" y="connsiteY27"/>
+              </a:cxn>
+              <a:cxn ang="0">
+                <a:pos x="connsiteX28" y="connsiteY28"/>
+              </a:cxn>
+              <a:cxn ang="0">
+                <a:pos x="connsiteX29" y="connsiteY29"/>
+              </a:cxn>
+              <a:cxn ang="0">
+                <a:pos x="connsiteX30" y="connsiteY30"/>
+              </a:cxn>
+              <a:cxn ang="0">
+                <a:pos x="connsiteX31" y="connsiteY31"/>
+              </a:cxn>
+              <a:cxn ang="0">
+                <a:pos x="connsiteX32" y="connsiteY32"/>
+              </a:cxn>
+              <a:cxn ang="0">
+                <a:pos x="connsiteX33" y="connsiteY33"/>
+              </a:cxn>
+              <a:cxn ang="0">
+                <a:pos x="connsiteX34" y="connsiteY34"/>
+              </a:cxn>
+              <a:cxn ang="0">
+                <a:pos x="connsiteX35" y="connsiteY35"/>
+              </a:cxn>
+              <a:cxn ang="0">
+                <a:pos x="connsiteX36" y="connsiteY36"/>
+              </a:cxn>
+              <a:cxn ang="0">
+                <a:pos x="connsiteX37" y="connsiteY37"/>
+              </a:cxn>
+              <a:cxn ang="0">
+                <a:pos x="connsiteX38" y="connsiteY38"/>
+              </a:cxn>
+              <a:cxn ang="0">
+                <a:pos x="connsiteX39" y="connsiteY39"/>
+              </a:cxn>
+              <a:cxn ang="0">
+                <a:pos x="connsiteX40" y="connsiteY40"/>
+              </a:cxn>
+              <a:cxn ang="0">
+                <a:pos x="connsiteX41" y="connsiteY41"/>
+              </a:cxn>
+              <a:cxn ang="0">
+                <a:pos x="connsiteX42" y="connsiteY42"/>
+              </a:cxn>
+              <a:cxn ang="0">
+                <a:pos x="connsiteX43" y="connsiteY43"/>
+              </a:cxn>
+              <a:cxn ang="0">
+                <a:pos x="connsiteX44" y="connsiteY44"/>
+              </a:cxn>
+              <a:cxn ang="0">
+                <a:pos x="connsiteX45" y="connsiteY45"/>
+              </a:cxn>
+              <a:cxn ang="0">
+                <a:pos x="connsiteX46" y="connsiteY46"/>
+              </a:cxn>
+              <a:cxn ang="0">
+                <a:pos x="connsiteX47" y="connsiteY47"/>
+              </a:cxn>
+            </a:cxnLst>
+            <a:rect l="l" t="t" r="r" b="b"/>
+            <a:pathLst>
+              <a:path w="3021543" h="1532055">
+                <a:moveTo>
+                  <a:pt x="3021543" y="0"/>
+                </a:moveTo>
+                <a:lnTo>
+                  <a:pt x="2963800" y="7730"/>
+                </a:lnTo>
+                <a:cubicBezTo>
+                  <a:pt x="2907134" y="14919"/>
+                  <a:pt x="2850469" y="24506"/>
+                  <a:pt x="2793803" y="25704"/>
+                </a:cubicBezTo>
+                <a:cubicBezTo>
+                  <a:pt x="2667318" y="29298"/>
+                  <a:pt x="2539821" y="20911"/>
+                  <a:pt x="2414348" y="31695"/>
+                </a:cubicBezTo>
+                <a:cubicBezTo>
+                  <a:pt x="2307089" y="41281"/>
+                  <a:pt x="2198818" y="30497"/>
+                  <a:pt x="2091558" y="29298"/>
+                </a:cubicBezTo>
+                <a:cubicBezTo>
+                  <a:pt x="1942812" y="28100"/>
+                  <a:pt x="1793053" y="19713"/>
+                  <a:pt x="1645319" y="30497"/>
+                </a:cubicBezTo>
+                <a:cubicBezTo>
+                  <a:pt x="1510738" y="38885"/>
+                  <a:pt x="1376158" y="41281"/>
+                  <a:pt x="1243602" y="64048"/>
+                </a:cubicBezTo>
+                <a:cubicBezTo>
+                  <a:pt x="1079677" y="76030"/>
+                  <a:pt x="916765" y="68841"/>
+                  <a:pt x="753851" y="61651"/>
+                </a:cubicBezTo>
+                <a:cubicBezTo>
+                  <a:pt x="653675" y="56858"/>
+                  <a:pt x="554511" y="41281"/>
+                  <a:pt x="465465" y="123960"/>
+                </a:cubicBezTo>
+                <a:cubicBezTo>
+                  <a:pt x="489751" y="143132"/>
+                  <a:pt x="519095" y="139537"/>
+                  <a:pt x="546416" y="145529"/>
+                </a:cubicBezTo>
+                <a:cubicBezTo>
+                  <a:pt x="594986" y="157511"/>
+                  <a:pt x="643557" y="169493"/>
+                  <a:pt x="689091" y="192260"/>
+                </a:cubicBezTo>
+                <a:cubicBezTo>
+                  <a:pt x="699210" y="197053"/>
+                  <a:pt x="708317" y="206639"/>
+                  <a:pt x="704269" y="222217"/>
+                </a:cubicBezTo>
+                <a:cubicBezTo>
+                  <a:pt x="701234" y="234199"/>
+                  <a:pt x="691115" y="234199"/>
+                  <a:pt x="683020" y="236595"/>
+                </a:cubicBezTo>
+                <a:cubicBezTo>
+                  <a:pt x="664806" y="243785"/>
+                  <a:pt x="642545" y="238992"/>
+                  <a:pt x="621295" y="264155"/>
+                </a:cubicBezTo>
+                <a:cubicBezTo>
+                  <a:pt x="702245" y="277336"/>
+                  <a:pt x="780160" y="252172"/>
+                  <a:pt x="848968" y="304896"/>
+                </a:cubicBezTo>
+                <a:cubicBezTo>
+                  <a:pt x="823671" y="331257"/>
+                  <a:pt x="795339" y="325266"/>
+                  <a:pt x="768018" y="330059"/>
+                </a:cubicBezTo>
+                <a:cubicBezTo>
+                  <a:pt x="739685" y="334852"/>
+                  <a:pt x="712365" y="343240"/>
+                  <a:pt x="684032" y="348032"/>
+                </a:cubicBezTo>
+                <a:cubicBezTo>
+                  <a:pt x="653675" y="354023"/>
+                  <a:pt x="623319" y="355222"/>
+                  <a:pt x="592962" y="361213"/>
+                </a:cubicBezTo>
+                <a:cubicBezTo>
+                  <a:pt x="567666" y="366006"/>
+                  <a:pt x="540345" y="357618"/>
+                  <a:pt x="509988" y="387575"/>
+                </a:cubicBezTo>
+                <a:cubicBezTo>
+                  <a:pt x="584867" y="409143"/>
+                  <a:pt x="652663" y="376790"/>
+                  <a:pt x="726531" y="398359"/>
+                </a:cubicBezTo>
+                <a:cubicBezTo>
+                  <a:pt x="683020" y="417531"/>
+                  <a:pt x="647604" y="411539"/>
+                  <a:pt x="614212" y="422324"/>
+                </a:cubicBezTo>
+                <a:cubicBezTo>
+                  <a:pt x="583855" y="433108"/>
+                  <a:pt x="547428" y="421126"/>
+                  <a:pt x="522131" y="453478"/>
+                </a:cubicBezTo>
+                <a:cubicBezTo>
+                  <a:pt x="502905" y="478641"/>
+                  <a:pt x="482668" y="482236"/>
+                  <a:pt x="457370" y="467857"/>
+                </a:cubicBezTo>
+                <a:cubicBezTo>
+                  <a:pt x="435109" y="454676"/>
+                  <a:pt x="410824" y="458271"/>
+                  <a:pt x="388562" y="471452"/>
+                </a:cubicBezTo>
+                <a:cubicBezTo>
+                  <a:pt x="380468" y="476245"/>
+                  <a:pt x="372372" y="482236"/>
+                  <a:pt x="372372" y="494218"/>
+                </a:cubicBezTo>
+                <a:cubicBezTo>
+                  <a:pt x="372372" y="510994"/>
+                  <a:pt x="382491" y="515787"/>
+                  <a:pt x="393622" y="518184"/>
+                </a:cubicBezTo>
+                <a:cubicBezTo>
+                  <a:pt x="403741" y="520580"/>
+                  <a:pt x="415883" y="522977"/>
+                  <a:pt x="426002" y="520580"/>
+                </a:cubicBezTo>
+                <a:cubicBezTo>
+                  <a:pt x="490762" y="507399"/>
+                  <a:pt x="554511" y="528968"/>
+                  <a:pt x="619271" y="526571"/>
+                </a:cubicBezTo>
+                <a:cubicBezTo>
+                  <a:pt x="415883" y="578096"/>
+                  <a:pt x="210471" y="561321"/>
+                  <a:pt x="0" y="579294"/>
+                </a:cubicBezTo>
+                <a:cubicBezTo>
+                  <a:pt x="27321" y="615241"/>
+                  <a:pt x="62737" y="585286"/>
+                  <a:pt x="83986" y="611647"/>
+                </a:cubicBezTo>
+                <a:cubicBezTo>
+                  <a:pt x="63748" y="666766"/>
+                  <a:pt x="71844" y="696722"/>
+                  <a:pt x="112319" y="700317"/>
+                </a:cubicBezTo>
+                <a:cubicBezTo>
+                  <a:pt x="151782" y="703912"/>
+                  <a:pt x="194281" y="684740"/>
+                  <a:pt x="215531" y="750643"/>
+                </a:cubicBezTo>
+                <a:cubicBezTo>
+                  <a:pt x="221602" y="771014"/>
+                  <a:pt x="259042" y="765023"/>
+                  <a:pt x="282315" y="768617"/>
+                </a:cubicBezTo>
+                <a:cubicBezTo>
+                  <a:pt x="332909" y="777005"/>
+                  <a:pt x="386539" y="768617"/>
+                  <a:pt x="435109" y="794979"/>
+                </a:cubicBezTo>
+                <a:cubicBezTo>
+                  <a:pt x="454335" y="804565"/>
+                  <a:pt x="467489" y="811754"/>
+                  <a:pt x="457370" y="838116"/>
+                </a:cubicBezTo>
+                <a:cubicBezTo>
+                  <a:pt x="447252" y="865675"/>
+                  <a:pt x="460406" y="875261"/>
+                  <a:pt x="476596" y="886046"/>
+                </a:cubicBezTo>
+                <a:cubicBezTo>
+                  <a:pt x="488739" y="894433"/>
+                  <a:pt x="506953" y="892037"/>
+                  <a:pt x="517071" y="917200"/>
+                </a:cubicBezTo>
+                <a:cubicBezTo>
+                  <a:pt x="410824" y="913605"/>
+                  <a:pt x="307612" y="893235"/>
+                  <a:pt x="202377" y="912407"/>
+                </a:cubicBezTo>
+                <a:cubicBezTo>
+                  <a:pt x="317731" y="960337"/>
+                  <a:pt x="444216" y="957940"/>
+                  <a:pt x="557546" y="1013060"/>
+                </a:cubicBezTo>
+                <a:cubicBezTo>
+                  <a:pt x="553499" y="1032232"/>
+                  <a:pt x="527190" y="1023844"/>
+                  <a:pt x="526178" y="1052602"/>
+                </a:cubicBezTo>
+                <a:cubicBezTo>
+                  <a:pt x="585879" y="1082558"/>
+                  <a:pt x="657723" y="1062188"/>
+                  <a:pt x="720459" y="1106523"/>
+                </a:cubicBezTo>
+                <a:cubicBezTo>
+                  <a:pt x="684032" y="1126893"/>
+                  <a:pt x="650640" y="1093342"/>
+                  <a:pt x="616236" y="1112514"/>
+                </a:cubicBezTo>
+                <a:cubicBezTo>
+                  <a:pt x="627367" y="1141273"/>
+                  <a:pt x="1131283" y="1318613"/>
+                  <a:pt x="1222353" y="1337785"/>
+                </a:cubicBezTo>
+                <a:cubicBezTo>
+                  <a:pt x="1407527" y="1377327"/>
+                  <a:pt x="1940788" y="1477980"/>
+                  <a:pt x="2087511" y="1500747"/>
+                </a:cubicBezTo>
+                <a:cubicBezTo>
+                  <a:pt x="2200841" y="1517522"/>
+                  <a:pt x="2313160" y="1530703"/>
+                  <a:pt x="2425479" y="1531901"/>
+                </a:cubicBezTo>
+                <a:cubicBezTo>
+                  <a:pt x="2553988" y="1533099"/>
+                  <a:pt x="2681485" y="1527108"/>
+                  <a:pt x="2809994" y="1522315"/>
+                </a:cubicBezTo>
+                <a:cubicBezTo>
+                  <a:pt x="2858058" y="1520518"/>
+                  <a:pt x="2905933" y="1517372"/>
+                  <a:pt x="2953618" y="1512448"/>
+                </a:cubicBezTo>
+                <a:lnTo>
+                  <a:pt x="3021543" y="1502657"/>
+                </a:lnTo>
+                <a:close/>
+              </a:path>
+            </a:pathLst>
+          </a:custGeom>
+          <a:solidFill>
+            <a:schemeClr val="bg2">
+              <a:alpha val="50000"/>
+            </a:schemeClr>
+          </a:solidFill>
+          <a:ln w="32707" cap="flat">
+            <a:noFill/>
+            <a:prstDash val="solid"/>
+            <a:miter/>
+          </a:ln>
+        </p:spPr>
+        <p:txBody>
+          <a:bodyPr rtlCol="0" anchor="ctr"/>
+          <a:lstStyle/>
+          <a:p>
+            <a:endParaRPr lang="en-US" dirty="0"/>
+          </a:p>
+        </p:txBody>
+      </p:sp>
+      <p:sp>
+        <p:nvSpPr>
+          <p:cNvPr id="2" name="Title 1">
+            <a:extLst>
+              <a:ext uri="{FF2B5EF4-FFF2-40B4-BE49-F238E27FC236}">
                 <a16:creationId xmlns:a16="http://schemas.microsoft.com/office/drawing/2014/main" id="{B2631FD8-C061-5EFC-5D43-FE2A12894BCB}"/>
               </a:ext>
             </a:extLst>
@@ -8637,7 +9341,7 @@
 </p:sld>
 </file>
 
-<file path=ppt/slides/slide13.xml><?xml version="1.0" encoding="utf-8"?>
+<file path=ppt/slides/slide14.xml><?xml version="1.0" encoding="utf-8"?>
 <p:sld xmlns:a="http://schemas.openxmlformats.org/drawingml/2006/main" xmlns:r="http://schemas.openxmlformats.org/officeDocument/2006/relationships" xmlns:p="http://schemas.openxmlformats.org/presentationml/2006/main">
   <p:cSld>
     <p:bg>
@@ -19093,9 +19797,8 @@
             <a:pPr algn="ctr"/>
             <a:r>
               <a:rPr lang="en-US" dirty="0"/>
-              <a:t>Compilers and Languages:</a:t>
+              <a:t>Compilers and Languages</a:t>
             </a:r>
-            <a:endParaRPr lang="en-US"/>
           </a:p>
         </p:txBody>
       </p:sp>
@@ -19132,7 +19835,7 @@
               <a:buChar char="•"/>
             </a:pPr>
             <a:r>
-              <a:rPr lang="en-US" sz="2000"/>
+              <a:rPr lang="en-US" sz="2000" dirty="0"/>
               <a:t>Domain scientists prefer high-level, domain-specific languages.</a:t>
             </a:r>
           </a:p>
@@ -19142,7 +19845,7 @@
               <a:buChar char="•"/>
             </a:pPr>
             <a:r>
-              <a:rPr lang="en-US" sz="2000"/>
+              <a:rPr lang="en-US" sz="2000" dirty="0"/>
               <a:t>DMC is developing a "write once, run everywhere" compiler called COMET (MLIR based).</a:t>
             </a:r>
           </a:p>
@@ -19152,7 +19855,7 @@
               <a:buChar char="•"/>
             </a:pPr>
             <a:r>
-              <a:rPr lang="en-US" sz="2000"/>
+              <a:rPr lang="en-US" sz="2000" dirty="0"/>
               <a:t>MLIR (Multi-Level Intermediate Representation) is an extensible compiler framework that supports high-level data structures and operation constructs.</a:t>
             </a:r>
           </a:p>
@@ -19162,8 +19865,8 @@
               <a:buChar char="•"/>
             </a:pPr>
             <a:r>
-              <a:rPr lang="en-US" sz="2000"/>
-              <a:t>COMET converts different language frontends to a unified IR (Intermediate Representation). </a:t>
+              <a:rPr lang="en-US" sz="2000" dirty="0"/>
+              <a:t>COMET converts different language frontends (Python, COMET Domain Specific Language, Rust) to a unified IR (Intermediate Representation). </a:t>
             </a:r>
           </a:p>
           <a:p>
@@ -19172,7 +19875,7 @@
               <a:buChar char="•"/>
             </a:pPr>
             <a:r>
-              <a:rPr lang="en-US" sz="2000"/>
+              <a:rPr lang="en-US" sz="2000" dirty="0"/>
               <a:t>The unified IR is optimized and lowered to architecture-specific IRs (e.g., CPU, GPUs, FPGA, AI engines).</a:t>
             </a:r>
           </a:p>

--- a/Codesign.pptx
+++ b/Codesign.pptx
@@ -11,14 +11,16 @@
     <p:sldId id="266" r:id="rId5"/>
     <p:sldId id="260" r:id="rId6"/>
     <p:sldId id="261" r:id="rId7"/>
-    <p:sldId id="265" r:id="rId8"/>
-    <p:sldId id="267" r:id="rId9"/>
-    <p:sldId id="268" r:id="rId10"/>
-    <p:sldId id="269" r:id="rId11"/>
-    <p:sldId id="270" r:id="rId12"/>
-    <p:sldId id="262" r:id="rId13"/>
-    <p:sldId id="264" r:id="rId14"/>
-    <p:sldId id="263" r:id="rId15"/>
+    <p:sldId id="271" r:id="rId8"/>
+    <p:sldId id="265" r:id="rId9"/>
+    <p:sldId id="272" r:id="rId10"/>
+    <p:sldId id="267" r:id="rId11"/>
+    <p:sldId id="268" r:id="rId12"/>
+    <p:sldId id="269" r:id="rId13"/>
+    <p:sldId id="270" r:id="rId14"/>
+    <p:sldId id="262" r:id="rId15"/>
+    <p:sldId id="264" r:id="rId16"/>
+    <p:sldId id="263" r:id="rId17"/>
   </p:sldIdLst>
   <p:sldSz cx="12192000" cy="6858000"/>
   <p:notesSz cx="6858000" cy="9144000"/>
@@ -6791,6 +6793,3388 @@
       </p:grpSpPr>
       <p:sp useBgFill="1">
         <p:nvSpPr>
+          <p:cNvPr id="12" name="Rectangle 7">
+            <a:extLst>
+              <a:ext uri="{FF2B5EF4-FFF2-40B4-BE49-F238E27FC236}">
+                <a16:creationId xmlns:a16="http://schemas.microsoft.com/office/drawing/2014/main" id="{68717E5B-2C1D-4094-9D25-6FF6FBD92379}"/>
+              </a:ext>
+              <a:ext uri="{C183D7F6-B498-43B3-948B-1728B52AA6E4}">
+                <adec:decorative xmlns:adec="http://schemas.microsoft.com/office/drawing/2017/decorative" val="1"/>
+              </a:ext>
+            </a:extLst>
+          </p:cNvPr>
+          <p:cNvSpPr>
+            <a:spLocks noGrp="1" noRot="1" noChangeAspect="1" noMove="1" noResize="1" noEditPoints="1" noAdjustHandles="1" noChangeArrowheads="1" noChangeShapeType="1" noTextEdit="1"/>
+          </p:cNvSpPr>
+          <p:nvPr>
+            <p:extLst>
+              <p:ext uri="{386F3935-93C4-4BCD-93E2-E3B085C9AB24}">
+                <p16:designElem xmlns:p16="http://schemas.microsoft.com/office/powerpoint/2015/main" val="1"/>
+              </p:ext>
+            </p:extLst>
+          </p:nvPr>
+        </p:nvSpPr>
+        <p:spPr>
+          <a:xfrm>
+            <a:off x="0" y="0"/>
+            <a:ext cx="12188952" cy="6858000"/>
+          </a:xfrm>
+          <a:prstGeom prst="rect">
+            <a:avLst/>
+          </a:prstGeom>
+          <a:ln>
+            <a:noFill/>
+          </a:ln>
+        </p:spPr>
+        <p:style>
+          <a:lnRef idx="2">
+            <a:schemeClr val="accent1">
+              <a:shade val="50000"/>
+            </a:schemeClr>
+          </a:lnRef>
+          <a:fillRef idx="1">
+            <a:schemeClr val="accent1"/>
+          </a:fillRef>
+          <a:effectRef idx="0">
+            <a:schemeClr val="accent1"/>
+          </a:effectRef>
+          <a:fontRef idx="minor">
+            <a:schemeClr val="lt1"/>
+          </a:fontRef>
+        </p:style>
+        <p:txBody>
+          <a:bodyPr rtlCol="0" anchor="ctr"/>
+          <a:lstStyle/>
+          <a:p>
+            <a:pPr algn="ctr"/>
+            <a:endParaRPr lang="en-US"/>
+          </a:p>
+        </p:txBody>
+      </p:sp>
+      <p:sp>
+        <p:nvSpPr>
+          <p:cNvPr id="13" name="Freeform: Shape 9">
+            <a:extLst>
+              <a:ext uri="{FF2B5EF4-FFF2-40B4-BE49-F238E27FC236}">
+                <a16:creationId xmlns:a16="http://schemas.microsoft.com/office/drawing/2014/main" id="{6B6E033A-DB2E-49B8-B600-B38E0C280263}"/>
+              </a:ext>
+              <a:ext uri="{C183D7F6-B498-43B3-948B-1728B52AA6E4}">
+                <adec:decorative xmlns:adec="http://schemas.microsoft.com/office/drawing/2017/decorative" val="1"/>
+              </a:ext>
+            </a:extLst>
+          </p:cNvPr>
+          <p:cNvSpPr>
+            <a:spLocks noGrp="1" noRot="1" noChangeAspect="1" noMove="1" noResize="1" noEditPoints="1" noAdjustHandles="1" noChangeArrowheads="1" noChangeShapeType="1" noTextEdit="1"/>
+          </p:cNvSpPr>
+          <p:nvPr>
+            <p:extLst>
+              <p:ext uri="{386F3935-93C4-4BCD-93E2-E3B085C9AB24}">
+                <p16:designElem xmlns:p16="http://schemas.microsoft.com/office/powerpoint/2015/main" val="1"/>
+              </p:ext>
+            </p:extLst>
+          </p:nvPr>
+        </p:nvSpPr>
+        <p:spPr>
+          <a:xfrm>
+            <a:off x="609600" y="1219200"/>
+            <a:ext cx="4510838" cy="3804557"/>
+          </a:xfrm>
+          <a:custGeom>
+            <a:avLst/>
+            <a:gdLst>
+              <a:gd name="connsiteX0" fmla="*/ 5462602 w 5470628"/>
+              <a:gd name="connsiteY0" fmla="*/ 1413608 h 3193741"/>
+              <a:gd name="connsiteX1" fmla="*/ 5465724 w 5470628"/>
+              <a:gd name="connsiteY1" fmla="*/ 1421881 h 3193741"/>
+              <a:gd name="connsiteX2" fmla="*/ 5465025 w 5470628"/>
+              <a:gd name="connsiteY2" fmla="*/ 1466556 h 3193741"/>
+              <a:gd name="connsiteX3" fmla="*/ 5463208 w 5470628"/>
+              <a:gd name="connsiteY3" fmla="*/ 1466226 h 3193741"/>
+              <a:gd name="connsiteX4" fmla="*/ 5463242 w 5470628"/>
+              <a:gd name="connsiteY4" fmla="*/ 1451866 h 3193741"/>
+              <a:gd name="connsiteX5" fmla="*/ 5462894 w 5470628"/>
+              <a:gd name="connsiteY5" fmla="*/ 1423194 h 3193741"/>
+              <a:gd name="connsiteX6" fmla="*/ 5461417 w 5470628"/>
+              <a:gd name="connsiteY6" fmla="*/ 1391849 h 3193741"/>
+              <a:gd name="connsiteX7" fmla="*/ 5462246 w 5470628"/>
+              <a:gd name="connsiteY7" fmla="*/ 1401944 h 3193741"/>
+              <a:gd name="connsiteX8" fmla="*/ 5462602 w 5470628"/>
+              <a:gd name="connsiteY8" fmla="*/ 1413608 h 3193741"/>
+              <a:gd name="connsiteX9" fmla="*/ 5459078 w 5470628"/>
+              <a:gd name="connsiteY9" fmla="*/ 1404268 h 3193741"/>
+              <a:gd name="connsiteX10" fmla="*/ 5460137 w 5470628"/>
+              <a:gd name="connsiteY10" fmla="*/ 1393780 h 3193741"/>
+              <a:gd name="connsiteX11" fmla="*/ 5461417 w 5470628"/>
+              <a:gd name="connsiteY11" fmla="*/ 1391849 h 3193741"/>
+              <a:gd name="connsiteX12" fmla="*/ 614271 w 5470628"/>
+              <a:gd name="connsiteY12" fmla="*/ 1052206 h 3193741"/>
+              <a:gd name="connsiteX13" fmla="*/ 611497 w 5470628"/>
+              <a:gd name="connsiteY13" fmla="*/ 1055389 h 3193741"/>
+              <a:gd name="connsiteX14" fmla="*/ 630277 w 5470628"/>
+              <a:gd name="connsiteY14" fmla="*/ 1065215 h 3193741"/>
+              <a:gd name="connsiteX15" fmla="*/ 651856 w 5470628"/>
+              <a:gd name="connsiteY15" fmla="*/ 1067584 h 3193741"/>
+              <a:gd name="connsiteX16" fmla="*/ 614271 w 5470628"/>
+              <a:gd name="connsiteY16" fmla="*/ 1052206 h 3193741"/>
+              <a:gd name="connsiteX17" fmla="*/ 810628 w 5470628"/>
+              <a:gd name="connsiteY17" fmla="*/ 695550 h 3193741"/>
+              <a:gd name="connsiteX18" fmla="*/ 1033084 w 5470628"/>
+              <a:gd name="connsiteY18" fmla="*/ 791270 h 3193741"/>
+              <a:gd name="connsiteX19" fmla="*/ 1036153 w 5470628"/>
+              <a:gd name="connsiteY19" fmla="*/ 788050 h 3193741"/>
+              <a:gd name="connsiteX20" fmla="*/ 810628 w 5470628"/>
+              <a:gd name="connsiteY20" fmla="*/ 695550 h 3193741"/>
+              <a:gd name="connsiteX21" fmla="*/ 4850908 w 5470628"/>
+              <a:gd name="connsiteY21" fmla="*/ 727 h 3193741"/>
+              <a:gd name="connsiteX22" fmla="*/ 4858584 w 5470628"/>
+              <a:gd name="connsiteY22" fmla="*/ 13795 h 3193741"/>
+              <a:gd name="connsiteX23" fmla="*/ 4843408 w 5470628"/>
+              <a:gd name="connsiteY23" fmla="*/ 37224 h 3193741"/>
+              <a:gd name="connsiteX24" fmla="*/ 4871062 w 5470628"/>
+              <a:gd name="connsiteY24" fmla="*/ 78954 h 3193741"/>
+              <a:gd name="connsiteX25" fmla="*/ 4989038 w 5470628"/>
+              <a:gd name="connsiteY25" fmla="*/ 66799 h 3193741"/>
+              <a:gd name="connsiteX26" fmla="*/ 5002636 w 5470628"/>
+              <a:gd name="connsiteY26" fmla="*/ 79388 h 3193741"/>
+              <a:gd name="connsiteX27" fmla="*/ 5008332 w 5470628"/>
+              <a:gd name="connsiteY27" fmla="*/ 140859 h 3193741"/>
+              <a:gd name="connsiteX28" fmla="*/ 5014326 w 5470628"/>
+              <a:gd name="connsiteY28" fmla="*/ 155555 h 3193741"/>
+              <a:gd name="connsiteX29" fmla="*/ 5030704 w 5470628"/>
+              <a:gd name="connsiteY29" fmla="*/ 221190 h 3193741"/>
+              <a:gd name="connsiteX30" fmla="*/ 5097262 w 5470628"/>
+              <a:gd name="connsiteY30" fmla="*/ 317759 h 3193741"/>
+              <a:gd name="connsiteX31" fmla="*/ 5165084 w 5470628"/>
+              <a:gd name="connsiteY31" fmla="*/ 373367 h 3193741"/>
+              <a:gd name="connsiteX32" fmla="*/ 5174137 w 5470628"/>
+              <a:gd name="connsiteY32" fmla="*/ 389353 h 3193741"/>
+              <a:gd name="connsiteX33" fmla="*/ 5192507 w 5470628"/>
+              <a:gd name="connsiteY33" fmla="*/ 453561 h 3193741"/>
+              <a:gd name="connsiteX34" fmla="*/ 5187160 w 5470628"/>
+              <a:gd name="connsiteY34" fmla="*/ 467732 h 3193741"/>
+              <a:gd name="connsiteX35" fmla="*/ 5160106 w 5470628"/>
+              <a:gd name="connsiteY35" fmla="*/ 486904 h 3193741"/>
+              <a:gd name="connsiteX36" fmla="*/ 5138948 w 5470628"/>
+              <a:gd name="connsiteY36" fmla="*/ 528614 h 3193741"/>
+              <a:gd name="connsiteX37" fmla="*/ 5097016 w 5470628"/>
+              <a:gd name="connsiteY37" fmla="*/ 589923 h 3193741"/>
+              <a:gd name="connsiteX38" fmla="*/ 5075869 w 5470628"/>
+              <a:gd name="connsiteY38" fmla="*/ 608381 h 3193741"/>
+              <a:gd name="connsiteX39" fmla="*/ 5093172 w 5470628"/>
+              <a:gd name="connsiteY39" fmla="*/ 618385 h 3193741"/>
+              <a:gd name="connsiteX40" fmla="*/ 5153518 w 5470628"/>
+              <a:gd name="connsiteY40" fmla="*/ 687474 h 3193741"/>
+              <a:gd name="connsiteX41" fmla="*/ 5074984 w 5470628"/>
+              <a:gd name="connsiteY41" fmla="*/ 776941 h 3193741"/>
+              <a:gd name="connsiteX42" fmla="*/ 5033348 w 5470628"/>
+              <a:gd name="connsiteY42" fmla="*/ 805473 h 3193741"/>
+              <a:gd name="connsiteX43" fmla="*/ 5116847 w 5470628"/>
+              <a:gd name="connsiteY43" fmla="*/ 803426 h 3193741"/>
+              <a:gd name="connsiteX44" fmla="*/ 5147902 w 5470628"/>
+              <a:gd name="connsiteY44" fmla="*/ 833118 h 3193741"/>
+              <a:gd name="connsiteX45" fmla="*/ 5161665 w 5470628"/>
+              <a:gd name="connsiteY45" fmla="*/ 848297 h 3193741"/>
+              <a:gd name="connsiteX46" fmla="*/ 5246520 w 5470628"/>
+              <a:gd name="connsiteY46" fmla="*/ 942412 h 3193741"/>
+              <a:gd name="connsiteX47" fmla="*/ 5235368 w 5470628"/>
+              <a:gd name="connsiteY47" fmla="*/ 972946 h 3193741"/>
+              <a:gd name="connsiteX48" fmla="*/ 5113739 w 5470628"/>
+              <a:gd name="connsiteY48" fmla="*/ 1128845 h 3193741"/>
+              <a:gd name="connsiteX49" fmla="*/ 5255034 w 5470628"/>
+              <a:gd name="connsiteY49" fmla="*/ 1151117 h 3193741"/>
+              <a:gd name="connsiteX50" fmla="*/ 5267513 w 5470628"/>
+              <a:gd name="connsiteY50" fmla="*/ 1216275 h 3193741"/>
+              <a:gd name="connsiteX51" fmla="*/ 5343113 w 5470628"/>
+              <a:gd name="connsiteY51" fmla="*/ 1281854 h 3193741"/>
+              <a:gd name="connsiteX52" fmla="*/ 5452014 w 5470628"/>
+              <a:gd name="connsiteY52" fmla="*/ 1385543 h 3193741"/>
+              <a:gd name="connsiteX53" fmla="*/ 5459078 w 5470628"/>
+              <a:gd name="connsiteY53" fmla="*/ 1404268 h 3193741"/>
+              <a:gd name="connsiteX54" fmla="*/ 5458838 w 5470628"/>
+              <a:gd name="connsiteY54" fmla="*/ 1406644 h 3193741"/>
+              <a:gd name="connsiteX55" fmla="*/ 5455752 w 5470628"/>
+              <a:gd name="connsiteY55" fmla="*/ 1450751 h 3193741"/>
+              <a:gd name="connsiteX56" fmla="*/ 5454594 w 5470628"/>
+              <a:gd name="connsiteY56" fmla="*/ 1464662 h 3193741"/>
+              <a:gd name="connsiteX57" fmla="*/ 5447215 w 5470628"/>
+              <a:gd name="connsiteY57" fmla="*/ 1463321 h 3193741"/>
+              <a:gd name="connsiteX58" fmla="*/ 5433934 w 5470628"/>
+              <a:gd name="connsiteY58" fmla="*/ 1458428 h 3193741"/>
+              <a:gd name="connsiteX59" fmla="*/ 5424276 w 5470628"/>
+              <a:gd name="connsiteY59" fmla="*/ 1477014 h 3193741"/>
+              <a:gd name="connsiteX60" fmla="*/ 5444628 w 5470628"/>
+              <a:gd name="connsiteY60" fmla="*/ 1511562 h 3193741"/>
+              <a:gd name="connsiteX61" fmla="*/ 5453752 w 5470628"/>
+              <a:gd name="connsiteY61" fmla="*/ 1474786 h 3193741"/>
+              <a:gd name="connsiteX62" fmla="*/ 5454594 w 5470628"/>
+              <a:gd name="connsiteY62" fmla="*/ 1464662 h 3193741"/>
+              <a:gd name="connsiteX63" fmla="*/ 5463208 w 5470628"/>
+              <a:gd name="connsiteY63" fmla="*/ 1466226 h 3193741"/>
+              <a:gd name="connsiteX64" fmla="*/ 5463164 w 5470628"/>
+              <a:gd name="connsiteY64" fmla="*/ 1484226 h 3193741"/>
+              <a:gd name="connsiteX65" fmla="*/ 5456160 w 5470628"/>
+              <a:gd name="connsiteY65" fmla="*/ 1575885 h 3193741"/>
+              <a:gd name="connsiteX66" fmla="*/ 5345636 w 5470628"/>
+              <a:gd name="connsiteY66" fmla="*/ 1714543 h 3193741"/>
+              <a:gd name="connsiteX67" fmla="*/ 5251319 w 5470628"/>
+              <a:gd name="connsiteY67" fmla="*/ 1775792 h 3193741"/>
+              <a:gd name="connsiteX68" fmla="*/ 5043512 w 5470628"/>
+              <a:gd name="connsiteY68" fmla="*/ 2027305 h 3193741"/>
+              <a:gd name="connsiteX69" fmla="*/ 4978144 w 5470628"/>
+              <a:gd name="connsiteY69" fmla="*/ 2108535 h 3193741"/>
+              <a:gd name="connsiteX70" fmla="*/ 5031476 w 5470628"/>
+              <a:gd name="connsiteY70" fmla="*/ 2128173 h 3193741"/>
+              <a:gd name="connsiteX71" fmla="*/ 4937389 w 5470628"/>
+              <a:gd name="connsiteY71" fmla="*/ 2216441 h 3193741"/>
+              <a:gd name="connsiteX72" fmla="*/ 4826122 w 5470628"/>
+              <a:gd name="connsiteY72" fmla="*/ 2315331 h 3193741"/>
+              <a:gd name="connsiteX73" fmla="*/ 2544647 w 5470628"/>
+              <a:gd name="connsiteY73" fmla="*/ 3190975 h 3193741"/>
+              <a:gd name="connsiteX74" fmla="*/ 1328257 w 5470628"/>
+              <a:gd name="connsiteY74" fmla="*/ 3153006 h 3193741"/>
+              <a:gd name="connsiteX75" fmla="*/ 977943 w 5470628"/>
+              <a:gd name="connsiteY75" fmla="*/ 3082502 h 3193741"/>
+              <a:gd name="connsiteX76" fmla="*/ 854473 w 5470628"/>
+              <a:gd name="connsiteY76" fmla="*/ 2994250 h 3193741"/>
+              <a:gd name="connsiteX77" fmla="*/ 811593 w 5470628"/>
+              <a:gd name="connsiteY77" fmla="*/ 2970498 h 3193741"/>
+              <a:gd name="connsiteX78" fmla="*/ 707024 w 5470628"/>
+              <a:gd name="connsiteY78" fmla="*/ 2945439 h 3193741"/>
+              <a:gd name="connsiteX79" fmla="*/ 523487 w 5470628"/>
+              <a:gd name="connsiteY79" fmla="*/ 2886053 h 3193741"/>
+              <a:gd name="connsiteX80" fmla="*/ 587884 w 5470628"/>
+              <a:gd name="connsiteY80" fmla="*/ 2859746 h 3193741"/>
+              <a:gd name="connsiteX81" fmla="*/ 779426 w 5470628"/>
+              <a:gd name="connsiteY81" fmla="*/ 2885897 h 3193741"/>
+              <a:gd name="connsiteX82" fmla="*/ 917288 w 5470628"/>
+              <a:gd name="connsiteY82" fmla="*/ 2882248 h 3193741"/>
+              <a:gd name="connsiteX83" fmla="*/ 718684 w 5470628"/>
+              <a:gd name="connsiteY83" fmla="*/ 2819941 h 3193741"/>
+              <a:gd name="connsiteX84" fmla="*/ 524650 w 5470628"/>
+              <a:gd name="connsiteY84" fmla="*/ 2731220 h 3193741"/>
+              <a:gd name="connsiteX85" fmla="*/ 670138 w 5470628"/>
+              <a:gd name="connsiteY85" fmla="*/ 2735189 h 3193741"/>
+              <a:gd name="connsiteX86" fmla="*/ 675382 w 5470628"/>
+              <a:gd name="connsiteY86" fmla="*/ 2719369 h 3193741"/>
+              <a:gd name="connsiteX87" fmla="*/ 542021 w 5470628"/>
+              <a:gd name="connsiteY87" fmla="*/ 2601946 h 3193741"/>
+              <a:gd name="connsiteX88" fmla="*/ 476895 w 5470628"/>
+              <a:gd name="connsiteY88" fmla="*/ 2555976 h 3193741"/>
+              <a:gd name="connsiteX89" fmla="*/ 188751 w 5470628"/>
+              <a:gd name="connsiteY89" fmla="*/ 2428830 h 3193741"/>
+              <a:gd name="connsiteX90" fmla="*/ 456762 w 5470628"/>
+              <a:gd name="connsiteY90" fmla="*/ 2468731 h 3193741"/>
+              <a:gd name="connsiteX91" fmla="*/ 174514 w 5470628"/>
+              <a:gd name="connsiteY91" fmla="*/ 2345378 h 3193741"/>
+              <a:gd name="connsiteX92" fmla="*/ 38827 w 5470628"/>
+              <a:gd name="connsiteY92" fmla="*/ 2303685 h 3193741"/>
+              <a:gd name="connsiteX93" fmla="*/ 3281 w 5470628"/>
+              <a:gd name="connsiteY93" fmla="*/ 2273587 h 3193741"/>
+              <a:gd name="connsiteX94" fmla="*/ 61590 w 5470628"/>
+              <a:gd name="connsiteY94" fmla="*/ 2259170 h 3193741"/>
+              <a:gd name="connsiteX95" fmla="*/ 242291 w 5470628"/>
+              <a:gd name="connsiteY95" fmla="*/ 2250569 h 3193741"/>
+              <a:gd name="connsiteX96" fmla="*/ 13205 w 5470628"/>
+              <a:gd name="connsiteY96" fmla="*/ 2172263 h 3193741"/>
+              <a:gd name="connsiteX97" fmla="*/ 180810 w 5470628"/>
+              <a:gd name="connsiteY97" fmla="*/ 2168333 h 3193741"/>
+              <a:gd name="connsiteX98" fmla="*/ 226020 w 5470628"/>
+              <a:gd name="connsiteY98" fmla="*/ 2121100 h 3193741"/>
+              <a:gd name="connsiteX99" fmla="*/ 299145 w 5470628"/>
+              <a:gd name="connsiteY99" fmla="*/ 2044862 h 3193741"/>
+              <a:gd name="connsiteX100" fmla="*/ 350236 w 5470628"/>
+              <a:gd name="connsiteY100" fmla="*/ 2001187 h 3193741"/>
+              <a:gd name="connsiteX101" fmla="*/ 365223 w 5470628"/>
+              <a:gd name="connsiteY101" fmla="*/ 1881218 h 3193741"/>
+              <a:gd name="connsiteX102" fmla="*/ 310707 w 5470628"/>
+              <a:gd name="connsiteY102" fmla="*/ 1758752 h 3193741"/>
+              <a:gd name="connsiteX103" fmla="*/ 181659 w 5470628"/>
+              <a:gd name="connsiteY103" fmla="*/ 1709137 h 3193741"/>
+              <a:gd name="connsiteX104" fmla="*/ 213063 w 5470628"/>
+              <a:gd name="connsiteY104" fmla="*/ 1632021 h 3193741"/>
+              <a:gd name="connsiteX105" fmla="*/ 481390 w 5470628"/>
+              <a:gd name="connsiteY105" fmla="*/ 1644125 h 3193741"/>
+              <a:gd name="connsiteX106" fmla="*/ 68930 w 5470628"/>
+              <a:gd name="connsiteY106" fmla="*/ 1457537 h 3193741"/>
+              <a:gd name="connsiteX107" fmla="*/ 135138 w 5470628"/>
+              <a:gd name="connsiteY107" fmla="*/ 1440976 h 3193741"/>
+              <a:gd name="connsiteX108" fmla="*/ 131611 w 5470628"/>
+              <a:gd name="connsiteY108" fmla="*/ 1427642 h 3193741"/>
+              <a:gd name="connsiteX109" fmla="*/ 130443 w 5470628"/>
+              <a:gd name="connsiteY109" fmla="*/ 1343795 h 3193741"/>
+              <a:gd name="connsiteX110" fmla="*/ 138930 w 5470628"/>
+              <a:gd name="connsiteY110" fmla="*/ 1304094 h 3193741"/>
+              <a:gd name="connsiteX111" fmla="*/ 118409 w 5470628"/>
+              <a:gd name="connsiteY111" fmla="*/ 1262212 h 3193741"/>
+              <a:gd name="connsiteX112" fmla="*/ 421410 w 5470628"/>
+              <a:gd name="connsiteY112" fmla="*/ 1304757 h 3193741"/>
+              <a:gd name="connsiteX113" fmla="*/ 655702 w 5470628"/>
+              <a:gd name="connsiteY113" fmla="*/ 1291801 h 3193741"/>
+              <a:gd name="connsiteX114" fmla="*/ 648299 w 5470628"/>
+              <a:gd name="connsiteY114" fmla="*/ 1287715 h 3193741"/>
+              <a:gd name="connsiteX115" fmla="*/ 531027 w 5470628"/>
+              <a:gd name="connsiteY115" fmla="*/ 1193967 h 3193741"/>
+              <a:gd name="connsiteX116" fmla="*/ 526433 w 5470628"/>
+              <a:gd name="connsiteY116" fmla="*/ 1191913 h 3193741"/>
+              <a:gd name="connsiteX117" fmla="*/ 504666 w 5470628"/>
+              <a:gd name="connsiteY117" fmla="*/ 1177230 h 3193741"/>
+              <a:gd name="connsiteX118" fmla="*/ 482307 w 5470628"/>
+              <a:gd name="connsiteY118" fmla="*/ 1162618 h 3193741"/>
+              <a:gd name="connsiteX119" fmla="*/ 479029 w 5470628"/>
+              <a:gd name="connsiteY119" fmla="*/ 1162540 h 3193741"/>
+              <a:gd name="connsiteX120" fmla="*/ 447663 w 5470628"/>
+              <a:gd name="connsiteY120" fmla="*/ 1132649 h 3193741"/>
+              <a:gd name="connsiteX121" fmla="*/ 438547 w 5470628"/>
+              <a:gd name="connsiteY121" fmla="*/ 1110977 h 3193741"/>
+              <a:gd name="connsiteX122" fmla="*/ 405343 w 5470628"/>
+              <a:gd name="connsiteY122" fmla="*/ 1089612 h 3193741"/>
+              <a:gd name="connsiteX123" fmla="*/ 371373 w 5470628"/>
+              <a:gd name="connsiteY123" fmla="*/ 1070238 h 3193741"/>
+              <a:gd name="connsiteX124" fmla="*/ 290358 w 5470628"/>
+              <a:gd name="connsiteY124" fmla="*/ 1059884 h 3193741"/>
+              <a:gd name="connsiteX125" fmla="*/ 235140 w 5470628"/>
+              <a:gd name="connsiteY125" fmla="*/ 1029322 h 3193741"/>
+              <a:gd name="connsiteX126" fmla="*/ 300494 w 5470628"/>
+              <a:gd name="connsiteY126" fmla="*/ 1032083 h 3193741"/>
+              <a:gd name="connsiteX127" fmla="*/ 239661 w 5470628"/>
+              <a:gd name="connsiteY127" fmla="*/ 997457 h 3193741"/>
+              <a:gd name="connsiteX128" fmla="*/ 204788 w 5470628"/>
+              <a:gd name="connsiteY128" fmla="*/ 959211 h 3193741"/>
+              <a:gd name="connsiteX129" fmla="*/ 207583 w 5470628"/>
+              <a:gd name="connsiteY129" fmla="*/ 947009 h 3193741"/>
+              <a:gd name="connsiteX130" fmla="*/ 223061 w 5470628"/>
+              <a:gd name="connsiteY130" fmla="*/ 947033 h 3193741"/>
+              <a:gd name="connsiteX131" fmla="*/ 280015 w 5470628"/>
+              <a:gd name="connsiteY131" fmla="*/ 972164 h 3193741"/>
+              <a:gd name="connsiteX132" fmla="*/ 353948 w 5470628"/>
+              <a:gd name="connsiteY132" fmla="*/ 1006865 h 3193741"/>
+              <a:gd name="connsiteX133" fmla="*/ 240466 w 5470628"/>
+              <a:gd name="connsiteY133" fmla="*/ 939943 h 3193741"/>
+              <a:gd name="connsiteX134" fmla="*/ 158812 w 5470628"/>
+              <a:gd name="connsiteY134" fmla="*/ 891467 h 3193741"/>
+              <a:gd name="connsiteX135" fmla="*/ 139551 w 5470628"/>
+              <a:gd name="connsiteY135" fmla="*/ 855364 h 3193741"/>
+              <a:gd name="connsiteX136" fmla="*/ 145731 w 5470628"/>
+              <a:gd name="connsiteY136" fmla="*/ 844888 h 3193741"/>
+              <a:gd name="connsiteX137" fmla="*/ 158154 w 5470628"/>
+              <a:gd name="connsiteY137" fmla="*/ 848366 h 3193741"/>
+              <a:gd name="connsiteX138" fmla="*/ 169370 w 5470628"/>
+              <a:gd name="connsiteY138" fmla="*/ 856260 h 3193741"/>
+              <a:gd name="connsiteX139" fmla="*/ 288295 w 5470628"/>
+              <a:gd name="connsiteY139" fmla="*/ 915169 h 3193741"/>
+              <a:gd name="connsiteX140" fmla="*/ 462694 w 5470628"/>
+              <a:gd name="connsiteY140" fmla="*/ 994643 h 3193741"/>
+              <a:gd name="connsiteX141" fmla="*/ 531910 w 5470628"/>
+              <a:gd name="connsiteY141" fmla="*/ 1006664 h 3193741"/>
+              <a:gd name="connsiteX142" fmla="*/ 333940 w 5470628"/>
+              <a:gd name="connsiteY142" fmla="*/ 893507 h 3193741"/>
+              <a:gd name="connsiteX143" fmla="*/ 181443 w 5470628"/>
+              <a:gd name="connsiteY143" fmla="*/ 746608 h 3193741"/>
+              <a:gd name="connsiteX144" fmla="*/ 162678 w 5470628"/>
+              <a:gd name="connsiteY144" fmla="*/ 737018 h 3193741"/>
+              <a:gd name="connsiteX145" fmla="*/ 156307 w 5470628"/>
+              <a:gd name="connsiteY145" fmla="*/ 730435 h 3193741"/>
+              <a:gd name="connsiteX146" fmla="*/ 117227 w 5470628"/>
+              <a:gd name="connsiteY146" fmla="*/ 677515 h 3193741"/>
+              <a:gd name="connsiteX147" fmla="*/ 113655 w 5470628"/>
+              <a:gd name="connsiteY147" fmla="*/ 663474 h 3193741"/>
+              <a:gd name="connsiteX148" fmla="*/ 115226 w 5470628"/>
+              <a:gd name="connsiteY148" fmla="*/ 636712 h 3193741"/>
+              <a:gd name="connsiteX149" fmla="*/ 105067 w 5470628"/>
+              <a:gd name="connsiteY149" fmla="*/ 622046 h 3193741"/>
+              <a:gd name="connsiteX150" fmla="*/ 104113 w 5470628"/>
+              <a:gd name="connsiteY150" fmla="*/ 611722 h 3193741"/>
+              <a:gd name="connsiteX151" fmla="*/ 118895 w 5470628"/>
+              <a:gd name="connsiteY151" fmla="*/ 610169 h 3193741"/>
+              <a:gd name="connsiteX152" fmla="*/ 163095 w 5470628"/>
+              <a:gd name="connsiteY152" fmla="*/ 640642 h 3193741"/>
+              <a:gd name="connsiteX153" fmla="*/ 185766 w 5470628"/>
+              <a:gd name="connsiteY153" fmla="*/ 641454 h 3193741"/>
+              <a:gd name="connsiteX154" fmla="*/ 212892 w 5470628"/>
+              <a:gd name="connsiteY154" fmla="*/ 637457 h 3193741"/>
+              <a:gd name="connsiteX155" fmla="*/ 223932 w 5470628"/>
+              <a:gd name="connsiteY155" fmla="*/ 647271 h 3193741"/>
+              <a:gd name="connsiteX156" fmla="*/ 287167 w 5470628"/>
+              <a:gd name="connsiteY156" fmla="*/ 691571 h 3193741"/>
+              <a:gd name="connsiteX157" fmla="*/ 330380 w 5470628"/>
+              <a:gd name="connsiteY157" fmla="*/ 692506 h 3193741"/>
+              <a:gd name="connsiteX158" fmla="*/ 296172 w 5470628"/>
+              <a:gd name="connsiteY158" fmla="*/ 688108 h 3193741"/>
+              <a:gd name="connsiteX159" fmla="*/ 286974 w 5470628"/>
+              <a:gd name="connsiteY159" fmla="*/ 674512 h 3193741"/>
+              <a:gd name="connsiteX160" fmla="*/ 286166 w 5470628"/>
+              <a:gd name="connsiteY160" fmla="*/ 661798 h 3193741"/>
+              <a:gd name="connsiteX161" fmla="*/ 236268 w 5470628"/>
+              <a:gd name="connsiteY161" fmla="*/ 635338 h 3193741"/>
+              <a:gd name="connsiteX162" fmla="*/ 231734 w 5470628"/>
+              <a:gd name="connsiteY162" fmla="*/ 634225 h 3193741"/>
+              <a:gd name="connsiteX163" fmla="*/ 221253 w 5470628"/>
+              <a:gd name="connsiteY163" fmla="*/ 623870 h 3193741"/>
+              <a:gd name="connsiteX164" fmla="*/ 237564 w 5470628"/>
+              <a:gd name="connsiteY164" fmla="*/ 613590 h 3193741"/>
+              <a:gd name="connsiteX165" fmla="*/ 282259 w 5470628"/>
+              <a:gd name="connsiteY165" fmla="*/ 619091 h 3193741"/>
+              <a:gd name="connsiteX166" fmla="*/ 370630 w 5470628"/>
+              <a:gd name="connsiteY166" fmla="*/ 665566 h 3193741"/>
+              <a:gd name="connsiteX167" fmla="*/ 498017 w 5470628"/>
+              <a:gd name="connsiteY167" fmla="*/ 740532 h 3193741"/>
+              <a:gd name="connsiteX168" fmla="*/ 918036 w 5470628"/>
+              <a:gd name="connsiteY168" fmla="*/ 924307 h 3193741"/>
+              <a:gd name="connsiteX169" fmla="*/ 1079304 w 5470628"/>
+              <a:gd name="connsiteY169" fmla="*/ 984494 h 3193741"/>
+              <a:gd name="connsiteX170" fmla="*/ 1079935 w 5470628"/>
+              <a:gd name="connsiteY170" fmla="*/ 980383 h 3193741"/>
+              <a:gd name="connsiteX171" fmla="*/ 1079695 w 5470628"/>
+              <a:gd name="connsiteY171" fmla="*/ 976616 h 3193741"/>
+              <a:gd name="connsiteX172" fmla="*/ 966178 w 5470628"/>
+              <a:gd name="connsiteY172" fmla="*/ 937219 h 3193741"/>
+              <a:gd name="connsiteX173" fmla="*/ 720106 w 5470628"/>
+              <a:gd name="connsiteY173" fmla="*/ 807112 h 3193741"/>
+              <a:gd name="connsiteX174" fmla="*/ 698823 w 5470628"/>
+              <a:gd name="connsiteY174" fmla="*/ 804708 h 3193741"/>
+              <a:gd name="connsiteX175" fmla="*/ 664513 w 5470628"/>
+              <a:gd name="connsiteY175" fmla="*/ 784663 h 3193741"/>
+              <a:gd name="connsiteX176" fmla="*/ 660380 w 5470628"/>
+              <a:gd name="connsiteY176" fmla="*/ 771165 h 3193741"/>
+              <a:gd name="connsiteX177" fmla="*/ 584959 w 5470628"/>
+              <a:gd name="connsiteY177" fmla="*/ 722409 h 3193741"/>
+              <a:gd name="connsiteX178" fmla="*/ 435649 w 5470628"/>
+              <a:gd name="connsiteY178" fmla="*/ 639659 h 3193741"/>
+              <a:gd name="connsiteX179" fmla="*/ 404944 w 5470628"/>
+              <a:gd name="connsiteY179" fmla="*/ 606128 h 3193741"/>
+              <a:gd name="connsiteX180" fmla="*/ 408476 w 5470628"/>
+              <a:gd name="connsiteY180" fmla="*/ 591466 h 3193741"/>
+              <a:gd name="connsiteX181" fmla="*/ 425225 w 5470628"/>
+              <a:gd name="connsiteY181" fmla="*/ 592759 h 3193741"/>
+              <a:gd name="connsiteX182" fmla="*/ 487115 w 5470628"/>
+              <a:gd name="connsiteY182" fmla="*/ 620614 h 3193741"/>
+              <a:gd name="connsiteX183" fmla="*/ 550277 w 5470628"/>
+              <a:gd name="connsiteY183" fmla="*/ 649738 h 3193741"/>
+              <a:gd name="connsiteX184" fmla="*/ 544421 w 5470628"/>
+              <a:gd name="connsiteY184" fmla="*/ 641907 h 3193741"/>
+              <a:gd name="connsiteX185" fmla="*/ 431905 w 5470628"/>
+              <a:gd name="connsiteY185" fmla="*/ 580799 h 3193741"/>
+              <a:gd name="connsiteX186" fmla="*/ 351177 w 5470628"/>
+              <a:gd name="connsiteY186" fmla="*/ 528177 h 3193741"/>
+              <a:gd name="connsiteX187" fmla="*/ 339749 w 5470628"/>
+              <a:gd name="connsiteY187" fmla="*/ 498244 h 3193741"/>
+              <a:gd name="connsiteX188" fmla="*/ 346313 w 5470628"/>
+              <a:gd name="connsiteY188" fmla="*/ 489145 h 3193741"/>
+              <a:gd name="connsiteX189" fmla="*/ 356579 w 5470628"/>
+              <a:gd name="connsiteY189" fmla="*/ 491460 h 3193741"/>
+              <a:gd name="connsiteX190" fmla="*/ 371505 w 5470628"/>
+              <a:gd name="connsiteY190" fmla="*/ 501516 h 3193741"/>
+              <a:gd name="connsiteX191" fmla="*/ 476275 w 5470628"/>
+              <a:gd name="connsiteY191" fmla="*/ 553122 h 3193741"/>
+              <a:gd name="connsiteX192" fmla="*/ 649952 w 5470628"/>
+              <a:gd name="connsiteY192" fmla="*/ 635294 h 3193741"/>
+              <a:gd name="connsiteX193" fmla="*/ 727161 w 5470628"/>
+              <a:gd name="connsiteY193" fmla="*/ 651328 h 3193741"/>
+              <a:gd name="connsiteX194" fmla="*/ 722417 w 5470628"/>
+              <a:gd name="connsiteY194" fmla="*/ 646921 h 3193741"/>
+              <a:gd name="connsiteX195" fmla="*/ 546079 w 5470628"/>
+              <a:gd name="connsiteY195" fmla="*/ 546328 h 3193741"/>
+              <a:gd name="connsiteX196" fmla="*/ 378182 w 5470628"/>
+              <a:gd name="connsiteY196" fmla="*/ 386585 h 3193741"/>
+              <a:gd name="connsiteX197" fmla="*/ 370158 w 5470628"/>
+              <a:gd name="connsiteY197" fmla="*/ 382100 h 3193741"/>
+              <a:gd name="connsiteX198" fmla="*/ 357861 w 5470628"/>
+              <a:gd name="connsiteY198" fmla="*/ 371252 h 3193741"/>
+              <a:gd name="connsiteX199" fmla="*/ 331313 w 5470628"/>
+              <a:gd name="connsiteY199" fmla="*/ 328203 h 3193741"/>
+              <a:gd name="connsiteX200" fmla="*/ 319354 w 5470628"/>
+              <a:gd name="connsiteY200" fmla="*/ 299282 h 3193741"/>
+              <a:gd name="connsiteX201" fmla="*/ 319682 w 5470628"/>
+              <a:gd name="connsiteY201" fmla="*/ 285719 h 3193741"/>
+              <a:gd name="connsiteX202" fmla="*/ 306391 w 5470628"/>
+              <a:gd name="connsiteY202" fmla="*/ 268585 h 3193741"/>
+              <a:gd name="connsiteX203" fmla="*/ 303294 w 5470628"/>
+              <a:gd name="connsiteY203" fmla="*/ 257334 h 3193741"/>
+              <a:gd name="connsiteX204" fmla="*/ 319242 w 5470628"/>
+              <a:gd name="connsiteY204" fmla="*/ 255403 h 3193741"/>
+              <a:gd name="connsiteX205" fmla="*/ 364093 w 5470628"/>
+              <a:gd name="connsiteY205" fmla="*/ 286745 h 3193741"/>
+              <a:gd name="connsiteX206" fmla="*/ 385301 w 5470628"/>
+              <a:gd name="connsiteY206" fmla="*/ 287973 h 3193741"/>
+              <a:gd name="connsiteX207" fmla="*/ 417598 w 5470628"/>
+              <a:gd name="connsiteY207" fmla="*/ 285722 h 3193741"/>
+              <a:gd name="connsiteX208" fmla="*/ 440155 w 5470628"/>
+              <a:gd name="connsiteY208" fmla="*/ 308139 h 3193741"/>
+              <a:gd name="connsiteX209" fmla="*/ 534406 w 5470628"/>
+              <a:gd name="connsiteY209" fmla="*/ 339430 h 3193741"/>
+              <a:gd name="connsiteX210" fmla="*/ 495633 w 5470628"/>
+              <a:gd name="connsiteY210" fmla="*/ 333450 h 3193741"/>
+              <a:gd name="connsiteX211" fmla="*/ 486289 w 5470628"/>
+              <a:gd name="connsiteY211" fmla="*/ 322243 h 3193741"/>
+              <a:gd name="connsiteX212" fmla="*/ 484000 w 5470628"/>
+              <a:gd name="connsiteY212" fmla="*/ 304964 h 3193741"/>
+              <a:gd name="connsiteX213" fmla="*/ 436911 w 5470628"/>
+              <a:gd name="connsiteY213" fmla="*/ 280536 h 3193741"/>
+              <a:gd name="connsiteX214" fmla="*/ 426865 w 5470628"/>
+              <a:gd name="connsiteY214" fmla="*/ 277007 h 3193741"/>
+              <a:gd name="connsiteX215" fmla="*/ 420654 w 5470628"/>
+              <a:gd name="connsiteY215" fmla="*/ 268269 h 3193741"/>
+              <a:gd name="connsiteX216" fmla="*/ 432329 w 5470628"/>
+              <a:gd name="connsiteY216" fmla="*/ 259975 h 3193741"/>
+              <a:gd name="connsiteX217" fmla="*/ 447672 w 5470628"/>
+              <a:gd name="connsiteY217" fmla="*/ 257879 h 3193741"/>
+              <a:gd name="connsiteX218" fmla="*/ 502242 w 5470628"/>
+              <a:gd name="connsiteY218" fmla="*/ 273572 h 3193741"/>
+              <a:gd name="connsiteX219" fmla="*/ 659874 w 5470628"/>
+              <a:gd name="connsiteY219" fmla="*/ 365516 h 3193741"/>
+              <a:gd name="connsiteX220" fmla="*/ 829177 w 5470628"/>
+              <a:gd name="connsiteY220" fmla="*/ 444421 h 3193741"/>
+              <a:gd name="connsiteX221" fmla="*/ 1231903 w 5470628"/>
+              <a:gd name="connsiteY221" fmla="*/ 613682 h 3193741"/>
+              <a:gd name="connsiteX222" fmla="*/ 1911736 w 5470628"/>
+              <a:gd name="connsiteY222" fmla="*/ 685084 h 3193741"/>
+              <a:gd name="connsiteX223" fmla="*/ 2564313 w 5470628"/>
+              <a:gd name="connsiteY223" fmla="*/ 632143 h 3193741"/>
+              <a:gd name="connsiteX224" fmla="*/ 2657304 w 5470628"/>
+              <a:gd name="connsiteY224" fmla="*/ 624913 h 3193741"/>
+              <a:gd name="connsiteX225" fmla="*/ 4235818 w 5470628"/>
+              <a:gd name="connsiteY225" fmla="*/ 259339 h 3193741"/>
+              <a:gd name="connsiteX226" fmla="*/ 4460331 w 5470628"/>
+              <a:gd name="connsiteY226" fmla="*/ 176864 h 3193741"/>
+              <a:gd name="connsiteX227" fmla="*/ 4499578 w 5470628"/>
+              <a:gd name="connsiteY227" fmla="*/ 186791 h 3193741"/>
+              <a:gd name="connsiteX228" fmla="*/ 4514640 w 5470628"/>
+              <a:gd name="connsiteY228" fmla="*/ 188841 h 3193741"/>
+              <a:gd name="connsiteX229" fmla="*/ 4516523 w 5470628"/>
+              <a:gd name="connsiteY229" fmla="*/ 189988 h 3193741"/>
+              <a:gd name="connsiteX230" fmla="*/ 4518126 w 5470628"/>
+              <a:gd name="connsiteY230" fmla="*/ 189316 h 3193741"/>
+              <a:gd name="connsiteX231" fmla="*/ 4514640 w 5470628"/>
+              <a:gd name="connsiteY231" fmla="*/ 188841 h 3193741"/>
+              <a:gd name="connsiteX232" fmla="*/ 4511569 w 5470628"/>
+              <a:gd name="connsiteY232" fmla="*/ 186970 h 3193741"/>
+              <a:gd name="connsiteX233" fmla="*/ 4510888 w 5470628"/>
+              <a:gd name="connsiteY233" fmla="*/ 180943 h 3193741"/>
+              <a:gd name="connsiteX234" fmla="*/ 4531865 w 5470628"/>
+              <a:gd name="connsiteY234" fmla="*/ 155151 h 3193741"/>
+              <a:gd name="connsiteX235" fmla="*/ 4573441 w 5470628"/>
+              <a:gd name="connsiteY235" fmla="*/ 139676 h 3193741"/>
+              <a:gd name="connsiteX236" fmla="*/ 4594964 w 5470628"/>
+              <a:gd name="connsiteY236" fmla="*/ 145847 h 3193741"/>
+              <a:gd name="connsiteX237" fmla="*/ 4623059 w 5470628"/>
+              <a:gd name="connsiteY237" fmla="*/ 152410 h 3193741"/>
+              <a:gd name="connsiteX238" fmla="*/ 4748356 w 5470628"/>
+              <a:gd name="connsiteY238" fmla="*/ 68192 h 3193741"/>
+              <a:gd name="connsiteX239" fmla="*/ 4833812 w 5470628"/>
+              <a:gd name="connsiteY239" fmla="*/ 8017 h 3193741"/>
+              <a:gd name="connsiteX240" fmla="*/ 4850908 w 5470628"/>
+              <a:gd name="connsiteY240" fmla="*/ 727 h 3193741"/>
+            </a:gdLst>
+            <a:ahLst/>
+            <a:cxnLst>
+              <a:cxn ang="0">
+                <a:pos x="connsiteX0" y="connsiteY0"/>
+              </a:cxn>
+              <a:cxn ang="0">
+                <a:pos x="connsiteX1" y="connsiteY1"/>
+              </a:cxn>
+              <a:cxn ang="0">
+                <a:pos x="connsiteX2" y="connsiteY2"/>
+              </a:cxn>
+              <a:cxn ang="0">
+                <a:pos x="connsiteX3" y="connsiteY3"/>
+              </a:cxn>
+              <a:cxn ang="0">
+                <a:pos x="connsiteX4" y="connsiteY4"/>
+              </a:cxn>
+              <a:cxn ang="0">
+                <a:pos x="connsiteX5" y="connsiteY5"/>
+              </a:cxn>
+              <a:cxn ang="0">
+                <a:pos x="connsiteX6" y="connsiteY6"/>
+              </a:cxn>
+              <a:cxn ang="0">
+                <a:pos x="connsiteX7" y="connsiteY7"/>
+              </a:cxn>
+              <a:cxn ang="0">
+                <a:pos x="connsiteX8" y="connsiteY8"/>
+              </a:cxn>
+              <a:cxn ang="0">
+                <a:pos x="connsiteX9" y="connsiteY9"/>
+              </a:cxn>
+              <a:cxn ang="0">
+                <a:pos x="connsiteX10" y="connsiteY10"/>
+              </a:cxn>
+              <a:cxn ang="0">
+                <a:pos x="connsiteX11" y="connsiteY11"/>
+              </a:cxn>
+              <a:cxn ang="0">
+                <a:pos x="connsiteX12" y="connsiteY12"/>
+              </a:cxn>
+              <a:cxn ang="0">
+                <a:pos x="connsiteX13" y="connsiteY13"/>
+              </a:cxn>
+              <a:cxn ang="0">
+                <a:pos x="connsiteX14" y="connsiteY14"/>
+              </a:cxn>
+              <a:cxn ang="0">
+                <a:pos x="connsiteX15" y="connsiteY15"/>
+              </a:cxn>
+              <a:cxn ang="0">
+                <a:pos x="connsiteX16" y="connsiteY16"/>
+              </a:cxn>
+              <a:cxn ang="0">
+                <a:pos x="connsiteX17" y="connsiteY17"/>
+              </a:cxn>
+              <a:cxn ang="0">
+                <a:pos x="connsiteX18" y="connsiteY18"/>
+              </a:cxn>
+              <a:cxn ang="0">
+                <a:pos x="connsiteX19" y="connsiteY19"/>
+              </a:cxn>
+              <a:cxn ang="0">
+                <a:pos x="connsiteX20" y="connsiteY20"/>
+              </a:cxn>
+              <a:cxn ang="0">
+                <a:pos x="connsiteX21" y="connsiteY21"/>
+              </a:cxn>
+              <a:cxn ang="0">
+                <a:pos x="connsiteX22" y="connsiteY22"/>
+              </a:cxn>
+              <a:cxn ang="0">
+                <a:pos x="connsiteX23" y="connsiteY23"/>
+              </a:cxn>
+              <a:cxn ang="0">
+                <a:pos x="connsiteX24" y="connsiteY24"/>
+              </a:cxn>
+              <a:cxn ang="0">
+                <a:pos x="connsiteX25" y="connsiteY25"/>
+              </a:cxn>
+              <a:cxn ang="0">
+                <a:pos x="connsiteX26" y="connsiteY26"/>
+              </a:cxn>
+              <a:cxn ang="0">
+                <a:pos x="connsiteX27" y="connsiteY27"/>
+              </a:cxn>
+              <a:cxn ang="0">
+                <a:pos x="connsiteX28" y="connsiteY28"/>
+              </a:cxn>
+              <a:cxn ang="0">
+                <a:pos x="connsiteX29" y="connsiteY29"/>
+              </a:cxn>
+              <a:cxn ang="0">
+                <a:pos x="connsiteX30" y="connsiteY30"/>
+              </a:cxn>
+              <a:cxn ang="0">
+                <a:pos x="connsiteX31" y="connsiteY31"/>
+              </a:cxn>
+              <a:cxn ang="0">
+                <a:pos x="connsiteX32" y="connsiteY32"/>
+              </a:cxn>
+              <a:cxn ang="0">
+                <a:pos x="connsiteX33" y="connsiteY33"/>
+              </a:cxn>
+              <a:cxn ang="0">
+                <a:pos x="connsiteX34" y="connsiteY34"/>
+              </a:cxn>
+              <a:cxn ang="0">
+                <a:pos x="connsiteX35" y="connsiteY35"/>
+              </a:cxn>
+              <a:cxn ang="0">
+                <a:pos x="connsiteX36" y="connsiteY36"/>
+              </a:cxn>
+              <a:cxn ang="0">
+                <a:pos x="connsiteX37" y="connsiteY37"/>
+              </a:cxn>
+              <a:cxn ang="0">
+                <a:pos x="connsiteX38" y="connsiteY38"/>
+              </a:cxn>
+              <a:cxn ang="0">
+                <a:pos x="connsiteX39" y="connsiteY39"/>
+              </a:cxn>
+              <a:cxn ang="0">
+                <a:pos x="connsiteX40" y="connsiteY40"/>
+              </a:cxn>
+              <a:cxn ang="0">
+                <a:pos x="connsiteX41" y="connsiteY41"/>
+              </a:cxn>
+              <a:cxn ang="0">
+                <a:pos x="connsiteX42" y="connsiteY42"/>
+              </a:cxn>
+              <a:cxn ang="0">
+                <a:pos x="connsiteX43" y="connsiteY43"/>
+              </a:cxn>
+              <a:cxn ang="0">
+                <a:pos x="connsiteX44" y="connsiteY44"/>
+              </a:cxn>
+              <a:cxn ang="0">
+                <a:pos x="connsiteX45" y="connsiteY45"/>
+              </a:cxn>
+              <a:cxn ang="0">
+                <a:pos x="connsiteX46" y="connsiteY46"/>
+              </a:cxn>
+              <a:cxn ang="0">
+                <a:pos x="connsiteX47" y="connsiteY47"/>
+              </a:cxn>
+              <a:cxn ang="0">
+                <a:pos x="connsiteX48" y="connsiteY48"/>
+              </a:cxn>
+              <a:cxn ang="0">
+                <a:pos x="connsiteX49" y="connsiteY49"/>
+              </a:cxn>
+              <a:cxn ang="0">
+                <a:pos x="connsiteX50" y="connsiteY50"/>
+              </a:cxn>
+              <a:cxn ang="0">
+                <a:pos x="connsiteX51" y="connsiteY51"/>
+              </a:cxn>
+              <a:cxn ang="0">
+                <a:pos x="connsiteX52" y="connsiteY52"/>
+              </a:cxn>
+              <a:cxn ang="0">
+                <a:pos x="connsiteX53" y="connsiteY53"/>
+              </a:cxn>
+              <a:cxn ang="0">
+                <a:pos x="connsiteX54" y="connsiteY54"/>
+              </a:cxn>
+              <a:cxn ang="0">
+                <a:pos x="connsiteX55" y="connsiteY55"/>
+              </a:cxn>
+              <a:cxn ang="0">
+                <a:pos x="connsiteX56" y="connsiteY56"/>
+              </a:cxn>
+              <a:cxn ang="0">
+                <a:pos x="connsiteX57" y="connsiteY57"/>
+              </a:cxn>
+              <a:cxn ang="0">
+                <a:pos x="connsiteX58" y="connsiteY58"/>
+              </a:cxn>
+              <a:cxn ang="0">
+                <a:pos x="connsiteX59" y="connsiteY59"/>
+              </a:cxn>
+              <a:cxn ang="0">
+                <a:pos x="connsiteX60" y="connsiteY60"/>
+              </a:cxn>
+              <a:cxn ang="0">
+                <a:pos x="connsiteX61" y="connsiteY61"/>
+              </a:cxn>
+              <a:cxn ang="0">
+                <a:pos x="connsiteX62" y="connsiteY62"/>
+              </a:cxn>
+              <a:cxn ang="0">
+                <a:pos x="connsiteX63" y="connsiteY63"/>
+              </a:cxn>
+              <a:cxn ang="0">
+                <a:pos x="connsiteX64" y="connsiteY64"/>
+              </a:cxn>
+              <a:cxn ang="0">
+                <a:pos x="connsiteX65" y="connsiteY65"/>
+              </a:cxn>
+              <a:cxn ang="0">
+                <a:pos x="connsiteX66" y="connsiteY66"/>
+              </a:cxn>
+              <a:cxn ang="0">
+                <a:pos x="connsiteX67" y="connsiteY67"/>
+              </a:cxn>
+              <a:cxn ang="0">
+                <a:pos x="connsiteX68" y="connsiteY68"/>
+              </a:cxn>
+              <a:cxn ang="0">
+                <a:pos x="connsiteX69" y="connsiteY69"/>
+              </a:cxn>
+              <a:cxn ang="0">
+                <a:pos x="connsiteX70" y="connsiteY70"/>
+              </a:cxn>
+              <a:cxn ang="0">
+                <a:pos x="connsiteX71" y="connsiteY71"/>
+              </a:cxn>
+              <a:cxn ang="0">
+                <a:pos x="connsiteX72" y="connsiteY72"/>
+              </a:cxn>
+              <a:cxn ang="0">
+                <a:pos x="connsiteX73" y="connsiteY73"/>
+              </a:cxn>
+              <a:cxn ang="0">
+                <a:pos x="connsiteX74" y="connsiteY74"/>
+              </a:cxn>
+              <a:cxn ang="0">
+                <a:pos x="connsiteX75" y="connsiteY75"/>
+              </a:cxn>
+              <a:cxn ang="0">
+                <a:pos x="connsiteX76" y="connsiteY76"/>
+              </a:cxn>
+              <a:cxn ang="0">
+                <a:pos x="connsiteX77" y="connsiteY77"/>
+              </a:cxn>
+              <a:cxn ang="0">
+                <a:pos x="connsiteX78" y="connsiteY78"/>
+              </a:cxn>
+              <a:cxn ang="0">
+                <a:pos x="connsiteX79" y="connsiteY79"/>
+              </a:cxn>
+              <a:cxn ang="0">
+                <a:pos x="connsiteX80" y="connsiteY80"/>
+              </a:cxn>
+              <a:cxn ang="0">
+                <a:pos x="connsiteX81" y="connsiteY81"/>
+              </a:cxn>
+              <a:cxn ang="0">
+                <a:pos x="connsiteX82" y="connsiteY82"/>
+              </a:cxn>
+              <a:cxn ang="0">
+                <a:pos x="connsiteX83" y="connsiteY83"/>
+              </a:cxn>
+              <a:cxn ang="0">
+                <a:pos x="connsiteX84" y="connsiteY84"/>
+              </a:cxn>
+              <a:cxn ang="0">
+                <a:pos x="connsiteX85" y="connsiteY85"/>
+              </a:cxn>
+              <a:cxn ang="0">
+                <a:pos x="connsiteX86" y="connsiteY86"/>
+              </a:cxn>
+              <a:cxn ang="0">
+                <a:pos x="connsiteX87" y="connsiteY87"/>
+              </a:cxn>
+              <a:cxn ang="0">
+                <a:pos x="connsiteX88" y="connsiteY88"/>
+              </a:cxn>
+              <a:cxn ang="0">
+                <a:pos x="connsiteX89" y="connsiteY89"/>
+              </a:cxn>
+              <a:cxn ang="0">
+                <a:pos x="connsiteX90" y="connsiteY90"/>
+              </a:cxn>
+              <a:cxn ang="0">
+                <a:pos x="connsiteX91" y="connsiteY91"/>
+              </a:cxn>
+              <a:cxn ang="0">
+                <a:pos x="connsiteX92" y="connsiteY92"/>
+              </a:cxn>
+              <a:cxn ang="0">
+                <a:pos x="connsiteX93" y="connsiteY93"/>
+              </a:cxn>
+              <a:cxn ang="0">
+                <a:pos x="connsiteX94" y="connsiteY94"/>
+              </a:cxn>
+              <a:cxn ang="0">
+                <a:pos x="connsiteX95" y="connsiteY95"/>
+              </a:cxn>
+              <a:cxn ang="0">
+                <a:pos x="connsiteX96" y="connsiteY96"/>
+              </a:cxn>
+              <a:cxn ang="0">
+                <a:pos x="connsiteX97" y="connsiteY97"/>
+              </a:cxn>
+              <a:cxn ang="0">
+                <a:pos x="connsiteX98" y="connsiteY98"/>
+              </a:cxn>
+              <a:cxn ang="0">
+                <a:pos x="connsiteX99" y="connsiteY99"/>
+              </a:cxn>
+              <a:cxn ang="0">
+                <a:pos x="connsiteX100" y="connsiteY100"/>
+              </a:cxn>
+              <a:cxn ang="0">
+                <a:pos x="connsiteX101" y="connsiteY101"/>
+              </a:cxn>
+              <a:cxn ang="0">
+                <a:pos x="connsiteX102" y="connsiteY102"/>
+              </a:cxn>
+              <a:cxn ang="0">
+                <a:pos x="connsiteX103" y="connsiteY103"/>
+              </a:cxn>
+              <a:cxn ang="0">
+                <a:pos x="connsiteX104" y="connsiteY104"/>
+              </a:cxn>
+              <a:cxn ang="0">
+                <a:pos x="connsiteX105" y="connsiteY105"/>
+              </a:cxn>
+              <a:cxn ang="0">
+                <a:pos x="connsiteX106" y="connsiteY106"/>
+              </a:cxn>
+              <a:cxn ang="0">
+                <a:pos x="connsiteX107" y="connsiteY107"/>
+              </a:cxn>
+              <a:cxn ang="0">
+                <a:pos x="connsiteX108" y="connsiteY108"/>
+              </a:cxn>
+              <a:cxn ang="0">
+                <a:pos x="connsiteX109" y="connsiteY109"/>
+              </a:cxn>
+              <a:cxn ang="0">
+                <a:pos x="connsiteX110" y="connsiteY110"/>
+              </a:cxn>
+              <a:cxn ang="0">
+                <a:pos x="connsiteX111" y="connsiteY111"/>
+              </a:cxn>
+              <a:cxn ang="0">
+                <a:pos x="connsiteX112" y="connsiteY112"/>
+              </a:cxn>
+              <a:cxn ang="0">
+                <a:pos x="connsiteX113" y="connsiteY113"/>
+              </a:cxn>
+              <a:cxn ang="0">
+                <a:pos x="connsiteX114" y="connsiteY114"/>
+              </a:cxn>
+              <a:cxn ang="0">
+                <a:pos x="connsiteX115" y="connsiteY115"/>
+              </a:cxn>
+              <a:cxn ang="0">
+                <a:pos x="connsiteX116" y="connsiteY116"/>
+              </a:cxn>
+              <a:cxn ang="0">
+                <a:pos x="connsiteX117" y="connsiteY117"/>
+              </a:cxn>
+              <a:cxn ang="0">
+                <a:pos x="connsiteX118" y="connsiteY118"/>
+              </a:cxn>
+              <a:cxn ang="0">
+                <a:pos x="connsiteX119" y="connsiteY119"/>
+              </a:cxn>
+              <a:cxn ang="0">
+                <a:pos x="connsiteX120" y="connsiteY120"/>
+              </a:cxn>
+              <a:cxn ang="0">
+                <a:pos x="connsiteX121" y="connsiteY121"/>
+              </a:cxn>
+              <a:cxn ang="0">
+                <a:pos x="connsiteX122" y="connsiteY122"/>
+              </a:cxn>
+              <a:cxn ang="0">
+                <a:pos x="connsiteX123" y="connsiteY123"/>
+              </a:cxn>
+              <a:cxn ang="0">
+                <a:pos x="connsiteX124" y="connsiteY124"/>
+              </a:cxn>
+              <a:cxn ang="0">
+                <a:pos x="connsiteX125" y="connsiteY125"/>
+              </a:cxn>
+              <a:cxn ang="0">
+                <a:pos x="connsiteX126" y="connsiteY126"/>
+              </a:cxn>
+              <a:cxn ang="0">
+                <a:pos x="connsiteX127" y="connsiteY127"/>
+              </a:cxn>
+              <a:cxn ang="0">
+                <a:pos x="connsiteX128" y="connsiteY128"/>
+              </a:cxn>
+              <a:cxn ang="0">
+                <a:pos x="connsiteX129" y="connsiteY129"/>
+              </a:cxn>
+              <a:cxn ang="0">
+                <a:pos x="connsiteX130" y="connsiteY130"/>
+              </a:cxn>
+              <a:cxn ang="0">
+                <a:pos x="connsiteX131" y="connsiteY131"/>
+              </a:cxn>
+              <a:cxn ang="0">
+                <a:pos x="connsiteX132" y="connsiteY132"/>
+              </a:cxn>
+              <a:cxn ang="0">
+                <a:pos x="connsiteX133" y="connsiteY133"/>
+              </a:cxn>
+              <a:cxn ang="0">
+                <a:pos x="connsiteX134" y="connsiteY134"/>
+              </a:cxn>
+              <a:cxn ang="0">
+                <a:pos x="connsiteX135" y="connsiteY135"/>
+              </a:cxn>
+              <a:cxn ang="0">
+                <a:pos x="connsiteX136" y="connsiteY136"/>
+              </a:cxn>
+              <a:cxn ang="0">
+                <a:pos x="connsiteX137" y="connsiteY137"/>
+              </a:cxn>
+              <a:cxn ang="0">
+                <a:pos x="connsiteX138" y="connsiteY138"/>
+              </a:cxn>
+              <a:cxn ang="0">
+                <a:pos x="connsiteX139" y="connsiteY139"/>
+              </a:cxn>
+              <a:cxn ang="0">
+                <a:pos x="connsiteX140" y="connsiteY140"/>
+              </a:cxn>
+              <a:cxn ang="0">
+                <a:pos x="connsiteX141" y="connsiteY141"/>
+              </a:cxn>
+              <a:cxn ang="0">
+                <a:pos x="connsiteX142" y="connsiteY142"/>
+              </a:cxn>
+              <a:cxn ang="0">
+                <a:pos x="connsiteX143" y="connsiteY143"/>
+              </a:cxn>
+              <a:cxn ang="0">
+                <a:pos x="connsiteX144" y="connsiteY144"/>
+              </a:cxn>
+              <a:cxn ang="0">
+                <a:pos x="connsiteX145" y="connsiteY145"/>
+              </a:cxn>
+              <a:cxn ang="0">
+                <a:pos x="connsiteX146" y="connsiteY146"/>
+              </a:cxn>
+              <a:cxn ang="0">
+                <a:pos x="connsiteX147" y="connsiteY147"/>
+              </a:cxn>
+              <a:cxn ang="0">
+                <a:pos x="connsiteX148" y="connsiteY148"/>
+              </a:cxn>
+              <a:cxn ang="0">
+                <a:pos x="connsiteX149" y="connsiteY149"/>
+              </a:cxn>
+              <a:cxn ang="0">
+                <a:pos x="connsiteX150" y="connsiteY150"/>
+              </a:cxn>
+              <a:cxn ang="0">
+                <a:pos x="connsiteX151" y="connsiteY151"/>
+              </a:cxn>
+              <a:cxn ang="0">
+                <a:pos x="connsiteX152" y="connsiteY152"/>
+              </a:cxn>
+              <a:cxn ang="0">
+                <a:pos x="connsiteX153" y="connsiteY153"/>
+              </a:cxn>
+              <a:cxn ang="0">
+                <a:pos x="connsiteX154" y="connsiteY154"/>
+              </a:cxn>
+              <a:cxn ang="0">
+                <a:pos x="connsiteX155" y="connsiteY155"/>
+              </a:cxn>
+              <a:cxn ang="0">
+                <a:pos x="connsiteX156" y="connsiteY156"/>
+              </a:cxn>
+              <a:cxn ang="0">
+                <a:pos x="connsiteX157" y="connsiteY157"/>
+              </a:cxn>
+              <a:cxn ang="0">
+                <a:pos x="connsiteX158" y="connsiteY158"/>
+              </a:cxn>
+              <a:cxn ang="0">
+                <a:pos x="connsiteX159" y="connsiteY159"/>
+              </a:cxn>
+              <a:cxn ang="0">
+                <a:pos x="connsiteX160" y="connsiteY160"/>
+              </a:cxn>
+              <a:cxn ang="0">
+                <a:pos x="connsiteX161" y="connsiteY161"/>
+              </a:cxn>
+              <a:cxn ang="0">
+                <a:pos x="connsiteX162" y="connsiteY162"/>
+              </a:cxn>
+              <a:cxn ang="0">
+                <a:pos x="connsiteX163" y="connsiteY163"/>
+              </a:cxn>
+              <a:cxn ang="0">
+                <a:pos x="connsiteX164" y="connsiteY164"/>
+              </a:cxn>
+              <a:cxn ang="0">
+                <a:pos x="connsiteX165" y="connsiteY165"/>
+              </a:cxn>
+              <a:cxn ang="0">
+                <a:pos x="connsiteX166" y="connsiteY166"/>
+              </a:cxn>
+              <a:cxn ang="0">
+                <a:pos x="connsiteX167" y="connsiteY167"/>
+              </a:cxn>
+              <a:cxn ang="0">
+                <a:pos x="connsiteX168" y="connsiteY168"/>
+              </a:cxn>
+              <a:cxn ang="0">
+                <a:pos x="connsiteX169" y="connsiteY169"/>
+              </a:cxn>
+              <a:cxn ang="0">
+                <a:pos x="connsiteX170" y="connsiteY170"/>
+              </a:cxn>
+              <a:cxn ang="0">
+                <a:pos x="connsiteX171" y="connsiteY171"/>
+              </a:cxn>
+              <a:cxn ang="0">
+                <a:pos x="connsiteX172" y="connsiteY172"/>
+              </a:cxn>
+              <a:cxn ang="0">
+                <a:pos x="connsiteX173" y="connsiteY173"/>
+              </a:cxn>
+              <a:cxn ang="0">
+                <a:pos x="connsiteX174" y="connsiteY174"/>
+              </a:cxn>
+              <a:cxn ang="0">
+                <a:pos x="connsiteX175" y="connsiteY175"/>
+              </a:cxn>
+              <a:cxn ang="0">
+                <a:pos x="connsiteX176" y="connsiteY176"/>
+              </a:cxn>
+              <a:cxn ang="0">
+                <a:pos x="connsiteX177" y="connsiteY177"/>
+              </a:cxn>
+              <a:cxn ang="0">
+                <a:pos x="connsiteX178" y="connsiteY178"/>
+              </a:cxn>
+              <a:cxn ang="0">
+                <a:pos x="connsiteX179" y="connsiteY179"/>
+              </a:cxn>
+              <a:cxn ang="0">
+                <a:pos x="connsiteX180" y="connsiteY180"/>
+              </a:cxn>
+              <a:cxn ang="0">
+                <a:pos x="connsiteX181" y="connsiteY181"/>
+              </a:cxn>
+              <a:cxn ang="0">
+                <a:pos x="connsiteX182" y="connsiteY182"/>
+              </a:cxn>
+              <a:cxn ang="0">
+                <a:pos x="connsiteX183" y="connsiteY183"/>
+              </a:cxn>
+              <a:cxn ang="0">
+                <a:pos x="connsiteX184" y="connsiteY184"/>
+              </a:cxn>
+              <a:cxn ang="0">
+                <a:pos x="connsiteX185" y="connsiteY185"/>
+              </a:cxn>
+              <a:cxn ang="0">
+                <a:pos x="connsiteX186" y="connsiteY186"/>
+              </a:cxn>
+              <a:cxn ang="0">
+                <a:pos x="connsiteX187" y="connsiteY187"/>
+              </a:cxn>
+              <a:cxn ang="0">
+                <a:pos x="connsiteX188" y="connsiteY188"/>
+              </a:cxn>
+              <a:cxn ang="0">
+                <a:pos x="connsiteX189" y="connsiteY189"/>
+              </a:cxn>
+              <a:cxn ang="0">
+                <a:pos x="connsiteX190" y="connsiteY190"/>
+              </a:cxn>
+              <a:cxn ang="0">
+                <a:pos x="connsiteX191" y="connsiteY191"/>
+              </a:cxn>
+              <a:cxn ang="0">
+                <a:pos x="connsiteX192" y="connsiteY192"/>
+              </a:cxn>
+              <a:cxn ang="0">
+                <a:pos x="connsiteX193" y="connsiteY193"/>
+              </a:cxn>
+              <a:cxn ang="0">
+                <a:pos x="connsiteX194" y="connsiteY194"/>
+              </a:cxn>
+              <a:cxn ang="0">
+                <a:pos x="connsiteX195" y="connsiteY195"/>
+              </a:cxn>
+              <a:cxn ang="0">
+                <a:pos x="connsiteX196" y="connsiteY196"/>
+              </a:cxn>
+              <a:cxn ang="0">
+                <a:pos x="connsiteX197" y="connsiteY197"/>
+              </a:cxn>
+              <a:cxn ang="0">
+                <a:pos x="connsiteX198" y="connsiteY198"/>
+              </a:cxn>
+              <a:cxn ang="0">
+                <a:pos x="connsiteX199" y="connsiteY199"/>
+              </a:cxn>
+              <a:cxn ang="0">
+                <a:pos x="connsiteX200" y="connsiteY200"/>
+              </a:cxn>
+              <a:cxn ang="0">
+                <a:pos x="connsiteX201" y="connsiteY201"/>
+              </a:cxn>
+              <a:cxn ang="0">
+                <a:pos x="connsiteX202" y="connsiteY202"/>
+              </a:cxn>
+              <a:cxn ang="0">
+                <a:pos x="connsiteX203" y="connsiteY203"/>
+              </a:cxn>
+              <a:cxn ang="0">
+                <a:pos x="connsiteX204" y="connsiteY204"/>
+              </a:cxn>
+              <a:cxn ang="0">
+                <a:pos x="connsiteX205" y="connsiteY205"/>
+              </a:cxn>
+              <a:cxn ang="0">
+                <a:pos x="connsiteX206" y="connsiteY206"/>
+              </a:cxn>
+              <a:cxn ang="0">
+                <a:pos x="connsiteX207" y="connsiteY207"/>
+              </a:cxn>
+              <a:cxn ang="0">
+                <a:pos x="connsiteX208" y="connsiteY208"/>
+              </a:cxn>
+              <a:cxn ang="0">
+                <a:pos x="connsiteX209" y="connsiteY209"/>
+              </a:cxn>
+              <a:cxn ang="0">
+                <a:pos x="connsiteX210" y="connsiteY210"/>
+              </a:cxn>
+              <a:cxn ang="0">
+                <a:pos x="connsiteX211" y="connsiteY211"/>
+              </a:cxn>
+              <a:cxn ang="0">
+                <a:pos x="connsiteX212" y="connsiteY212"/>
+              </a:cxn>
+              <a:cxn ang="0">
+                <a:pos x="connsiteX213" y="connsiteY213"/>
+              </a:cxn>
+              <a:cxn ang="0">
+                <a:pos x="connsiteX214" y="connsiteY214"/>
+              </a:cxn>
+              <a:cxn ang="0">
+                <a:pos x="connsiteX215" y="connsiteY215"/>
+              </a:cxn>
+              <a:cxn ang="0">
+                <a:pos x="connsiteX216" y="connsiteY216"/>
+              </a:cxn>
+              <a:cxn ang="0">
+                <a:pos x="connsiteX217" y="connsiteY217"/>
+              </a:cxn>
+              <a:cxn ang="0">
+                <a:pos x="connsiteX218" y="connsiteY218"/>
+              </a:cxn>
+              <a:cxn ang="0">
+                <a:pos x="connsiteX219" y="connsiteY219"/>
+              </a:cxn>
+              <a:cxn ang="0">
+                <a:pos x="connsiteX220" y="connsiteY220"/>
+              </a:cxn>
+              <a:cxn ang="0">
+                <a:pos x="connsiteX221" y="connsiteY221"/>
+              </a:cxn>
+              <a:cxn ang="0">
+                <a:pos x="connsiteX222" y="connsiteY222"/>
+              </a:cxn>
+              <a:cxn ang="0">
+                <a:pos x="connsiteX223" y="connsiteY223"/>
+              </a:cxn>
+              <a:cxn ang="0">
+                <a:pos x="connsiteX224" y="connsiteY224"/>
+              </a:cxn>
+              <a:cxn ang="0">
+                <a:pos x="connsiteX225" y="connsiteY225"/>
+              </a:cxn>
+              <a:cxn ang="0">
+                <a:pos x="connsiteX226" y="connsiteY226"/>
+              </a:cxn>
+              <a:cxn ang="0">
+                <a:pos x="connsiteX227" y="connsiteY227"/>
+              </a:cxn>
+              <a:cxn ang="0">
+                <a:pos x="connsiteX228" y="connsiteY228"/>
+              </a:cxn>
+              <a:cxn ang="0">
+                <a:pos x="connsiteX229" y="connsiteY229"/>
+              </a:cxn>
+              <a:cxn ang="0">
+                <a:pos x="connsiteX230" y="connsiteY230"/>
+              </a:cxn>
+              <a:cxn ang="0">
+                <a:pos x="connsiteX231" y="connsiteY231"/>
+              </a:cxn>
+              <a:cxn ang="0">
+                <a:pos x="connsiteX232" y="connsiteY232"/>
+              </a:cxn>
+              <a:cxn ang="0">
+                <a:pos x="connsiteX233" y="connsiteY233"/>
+              </a:cxn>
+              <a:cxn ang="0">
+                <a:pos x="connsiteX234" y="connsiteY234"/>
+              </a:cxn>
+              <a:cxn ang="0">
+                <a:pos x="connsiteX235" y="connsiteY235"/>
+              </a:cxn>
+              <a:cxn ang="0">
+                <a:pos x="connsiteX236" y="connsiteY236"/>
+              </a:cxn>
+              <a:cxn ang="0">
+                <a:pos x="connsiteX237" y="connsiteY237"/>
+              </a:cxn>
+              <a:cxn ang="0">
+                <a:pos x="connsiteX238" y="connsiteY238"/>
+              </a:cxn>
+              <a:cxn ang="0">
+                <a:pos x="connsiteX239" y="connsiteY239"/>
+              </a:cxn>
+              <a:cxn ang="0">
+                <a:pos x="connsiteX240" y="connsiteY240"/>
+              </a:cxn>
+            </a:cxnLst>
+            <a:rect l="l" t="t" r="r" b="b"/>
+            <a:pathLst>
+              <a:path w="5470628" h="3193741">
+                <a:moveTo>
+                  <a:pt x="5462602" y="1413608"/>
+                </a:moveTo>
+                <a:lnTo>
+                  <a:pt x="5465724" y="1421881"/>
+                </a:lnTo>
+                <a:cubicBezTo>
+                  <a:pt x="5472118" y="1444281"/>
+                  <a:pt x="5472640" y="1461744"/>
+                  <a:pt x="5465025" y="1466556"/>
+                </a:cubicBezTo>
+                <a:lnTo>
+                  <a:pt x="5463208" y="1466226"/>
+                </a:lnTo>
+                <a:lnTo>
+                  <a:pt x="5463242" y="1451866"/>
+                </a:lnTo>
+                <a:cubicBezTo>
+                  <a:pt x="5463190" y="1441487"/>
+                  <a:pt x="5463068" y="1431722"/>
+                  <a:pt x="5462894" y="1423194"/>
+                </a:cubicBezTo>
+                <a:close/>
+                <a:moveTo>
+                  <a:pt x="5461417" y="1391849"/>
+                </a:moveTo>
+                <a:cubicBezTo>
+                  <a:pt x="5461710" y="1392940"/>
+                  <a:pt x="5461992" y="1396513"/>
+                  <a:pt x="5462246" y="1401944"/>
+                </a:cubicBezTo>
+                <a:lnTo>
+                  <a:pt x="5462602" y="1413608"/>
+                </a:lnTo>
+                <a:lnTo>
+                  <a:pt x="5459078" y="1404268"/>
+                </a:lnTo>
+                <a:lnTo>
+                  <a:pt x="5460137" y="1393780"/>
+                </a:lnTo>
+                <a:cubicBezTo>
+                  <a:pt x="5460561" y="1391114"/>
+                  <a:pt x="5460982" y="1390270"/>
+                  <a:pt x="5461417" y="1391849"/>
+                </a:cubicBezTo>
+                <a:close/>
+                <a:moveTo>
+                  <a:pt x="614271" y="1052206"/>
+                </a:moveTo>
+                <a:cubicBezTo>
+                  <a:pt x="613444" y="1053256"/>
+                  <a:pt x="612323" y="1054339"/>
+                  <a:pt x="611497" y="1055389"/>
+                </a:cubicBezTo>
+                <a:cubicBezTo>
+                  <a:pt x="617673" y="1058912"/>
+                  <a:pt x="624115" y="1061928"/>
+                  <a:pt x="630277" y="1065215"/>
+                </a:cubicBezTo>
+                <a:cubicBezTo>
+                  <a:pt x="637469" y="1066004"/>
+                  <a:pt x="644958" y="1066759"/>
+                  <a:pt x="651856" y="1067584"/>
+                </a:cubicBezTo>
+                <a:cubicBezTo>
+                  <a:pt x="639327" y="1062458"/>
+                  <a:pt x="626799" y="1057332"/>
+                  <a:pt x="614271" y="1052206"/>
+                </a:cubicBezTo>
+                <a:close/>
+                <a:moveTo>
+                  <a:pt x="810628" y="695550"/>
+                </a:moveTo>
+                <a:cubicBezTo>
+                  <a:pt x="873537" y="739416"/>
+                  <a:pt x="951215" y="767494"/>
+                  <a:pt x="1033084" y="791270"/>
+                </a:cubicBezTo>
+                <a:cubicBezTo>
+                  <a:pt x="1034205" y="790184"/>
+                  <a:pt x="1035031" y="789136"/>
+                  <a:pt x="1036153" y="788050"/>
+                </a:cubicBezTo>
+                <a:cubicBezTo>
+                  <a:pt x="960983" y="757296"/>
+                  <a:pt x="885798" y="726306"/>
+                  <a:pt x="810628" y="695550"/>
+                </a:cubicBezTo>
+                <a:close/>
+                <a:moveTo>
+                  <a:pt x="4850908" y="727"/>
+                </a:moveTo>
+                <a:cubicBezTo>
+                  <a:pt x="4858191" y="2929"/>
+                  <a:pt x="4860543" y="7152"/>
+                  <a:pt x="4858584" y="13795"/>
+                </a:cubicBezTo>
+                <a:cubicBezTo>
+                  <a:pt x="4855845" y="22194"/>
+                  <a:pt x="4850092" y="30008"/>
+                  <a:pt x="4843408" y="37224"/>
+                </a:cubicBezTo>
+                <a:cubicBezTo>
+                  <a:pt x="4812232" y="71132"/>
+                  <a:pt x="4827067" y="79774"/>
+                  <a:pt x="4871062" y="78954"/>
+                </a:cubicBezTo>
+                <a:cubicBezTo>
+                  <a:pt x="4910302" y="78234"/>
+                  <a:pt x="4949507" y="72299"/>
+                  <a:pt x="4989038" y="66799"/>
+                </a:cubicBezTo>
+                <a:cubicBezTo>
+                  <a:pt x="5008500" y="63967"/>
+                  <a:pt x="5009491" y="65509"/>
+                  <a:pt x="5002636" y="79388"/>
+                </a:cubicBezTo>
+                <a:cubicBezTo>
+                  <a:pt x="4991594" y="102315"/>
+                  <a:pt x="4990844" y="123285"/>
+                  <a:pt x="5008332" y="140859"/>
+                </a:cubicBezTo>
+                <a:cubicBezTo>
+                  <a:pt x="5012456" y="144868"/>
+                  <a:pt x="5015428" y="149491"/>
+                  <a:pt x="5014326" y="155555"/>
+                </a:cubicBezTo>
+                <a:cubicBezTo>
+                  <a:pt x="5009356" y="180357"/>
+                  <a:pt x="5019874" y="200674"/>
+                  <a:pt x="5030704" y="221190"/>
+                </a:cubicBezTo>
+                <a:cubicBezTo>
+                  <a:pt x="5048958" y="255517"/>
+                  <a:pt x="5072099" y="287116"/>
+                  <a:pt x="5097262" y="317759"/>
+                </a:cubicBezTo>
+                <a:cubicBezTo>
+                  <a:pt x="5115004" y="339336"/>
+                  <a:pt x="5126222" y="365974"/>
+                  <a:pt x="5165084" y="373367"/>
+                </a:cubicBezTo>
+                <a:cubicBezTo>
+                  <a:pt x="5174420" y="375083"/>
+                  <a:pt x="5177498" y="381353"/>
+                  <a:pt x="5174137" y="389353"/>
+                </a:cubicBezTo>
+                <a:cubicBezTo>
+                  <a:pt x="5163026" y="415847"/>
+                  <a:pt x="5172067" y="436343"/>
+                  <a:pt x="5192507" y="453561"/>
+                </a:cubicBezTo>
+                <a:cubicBezTo>
+                  <a:pt x="5199734" y="459565"/>
+                  <a:pt x="5197020" y="463690"/>
+                  <a:pt x="5187160" y="467732"/>
+                </a:cubicBezTo>
+                <a:cubicBezTo>
+                  <a:pt x="5175836" y="472188"/>
+                  <a:pt x="5167025" y="478711"/>
+                  <a:pt x="5160106" y="486904"/>
+                </a:cubicBezTo>
+                <a:cubicBezTo>
+                  <a:pt x="5148744" y="500143"/>
+                  <a:pt x="5143396" y="514315"/>
+                  <a:pt x="5138948" y="528614"/>
+                </a:cubicBezTo>
+                <a:cubicBezTo>
+                  <a:pt x="5132042" y="551041"/>
+                  <a:pt x="5123894" y="572670"/>
+                  <a:pt x="5097016" y="589923"/>
+                </a:cubicBezTo>
+                <a:cubicBezTo>
+                  <a:pt x="5089016" y="595163"/>
+                  <a:pt x="5082598" y="601872"/>
+                  <a:pt x="5075869" y="608381"/>
+                </a:cubicBezTo>
+                <a:cubicBezTo>
+                  <a:pt x="5078016" y="614052"/>
+                  <a:pt x="5083322" y="617918"/>
+                  <a:pt x="5093172" y="618385"/>
+                </a:cubicBezTo>
+                <a:cubicBezTo>
+                  <a:pt x="5155867" y="621469"/>
+                  <a:pt x="5153088" y="652648"/>
+                  <a:pt x="5153518" y="687474"/>
+                </a:cubicBezTo>
+                <a:cubicBezTo>
+                  <a:pt x="5154177" y="730575"/>
+                  <a:pt x="5118812" y="754787"/>
+                  <a:pt x="5074984" y="776941"/>
+                </a:cubicBezTo>
+                <a:cubicBezTo>
+                  <a:pt x="5059986" y="784451"/>
+                  <a:pt x="5038116" y="786863"/>
+                  <a:pt x="5033348" y="805473"/>
+                </a:cubicBezTo>
+                <a:cubicBezTo>
+                  <a:pt x="5059529" y="819384"/>
+                  <a:pt x="5089376" y="802009"/>
+                  <a:pt x="5116847" y="803426"/>
+                </a:cubicBezTo>
+                <a:cubicBezTo>
+                  <a:pt x="5139548" y="804709"/>
+                  <a:pt x="5176330" y="798120"/>
+                  <a:pt x="5147902" y="833118"/>
+                </a:cubicBezTo>
+                <a:cubicBezTo>
+                  <a:pt x="5139626" y="843373"/>
+                  <a:pt x="5150382" y="848714"/>
+                  <a:pt x="5161665" y="848297"/>
+                </a:cubicBezTo>
+                <a:cubicBezTo>
+                  <a:pt x="5253064" y="844106"/>
+                  <a:pt x="5215170" y="912756"/>
+                  <a:pt x="5246520" y="942412"/>
+                </a:cubicBezTo>
+                <a:cubicBezTo>
+                  <a:pt x="5255359" y="950358"/>
+                  <a:pt x="5247812" y="967405"/>
+                  <a:pt x="5235368" y="972946"/>
+                </a:cubicBezTo>
+                <a:cubicBezTo>
+                  <a:pt x="5156387" y="1008610"/>
+                  <a:pt x="5149354" y="1071149"/>
+                  <a:pt x="5113739" y="1128845"/>
+                </a:cubicBezTo>
+                <a:cubicBezTo>
+                  <a:pt x="5157305" y="1144685"/>
+                  <a:pt x="5208388" y="1143005"/>
+                  <a:pt x="5255034" y="1151117"/>
+                </a:cubicBezTo>
+                <a:cubicBezTo>
+                  <a:pt x="5303482" y="1159484"/>
+                  <a:pt x="5304156" y="1170079"/>
+                  <a:pt x="5267513" y="1216275"/>
+                </a:cubicBezTo>
+                <a:cubicBezTo>
+                  <a:pt x="5370269" y="1212844"/>
+                  <a:pt x="5370269" y="1212844"/>
+                  <a:pt x="5343113" y="1281854"/>
+                </a:cubicBezTo>
+                <a:cubicBezTo>
+                  <a:pt x="5386272" y="1279593"/>
+                  <a:pt x="5428618" y="1334726"/>
+                  <a:pt x="5452014" y="1385543"/>
+                </a:cubicBezTo>
+                <a:lnTo>
+                  <a:pt x="5459078" y="1404268"/>
+                </a:lnTo>
+                <a:lnTo>
+                  <a:pt x="5458838" y="1406644"/>
+                </a:lnTo>
+                <a:cubicBezTo>
+                  <a:pt x="5457942" y="1418063"/>
+                  <a:pt x="5456960" y="1434367"/>
+                  <a:pt x="5455752" y="1450751"/>
+                </a:cubicBezTo>
+                <a:lnTo>
+                  <a:pt x="5454594" y="1464662"/>
+                </a:lnTo>
+                <a:lnTo>
+                  <a:pt x="5447215" y="1463321"/>
+                </a:lnTo>
+                <a:cubicBezTo>
+                  <a:pt x="5441256" y="1459714"/>
+                  <a:pt x="5437002" y="1458345"/>
+                  <a:pt x="5433934" y="1458428"/>
+                </a:cubicBezTo>
+                <a:cubicBezTo>
+                  <a:pt x="5424728" y="1458676"/>
+                  <a:pt x="5426188" y="1471978"/>
+                  <a:pt x="5424276" y="1477014"/>
+                </a:cubicBezTo>
+                <a:cubicBezTo>
+                  <a:pt x="5417851" y="1492977"/>
+                  <a:pt x="5433852" y="1501241"/>
+                  <a:pt x="5444628" y="1511562"/>
+                </a:cubicBezTo>
+                <a:cubicBezTo>
+                  <a:pt x="5448663" y="1515344"/>
+                  <a:pt x="5451544" y="1497678"/>
+                  <a:pt x="5453752" y="1474786"/>
+                </a:cubicBezTo>
+                <a:lnTo>
+                  <a:pt x="5454594" y="1464662"/>
+                </a:lnTo>
+                <a:lnTo>
+                  <a:pt x="5463208" y="1466226"/>
+                </a:lnTo>
+                <a:lnTo>
+                  <a:pt x="5463164" y="1484226"/>
+                </a:lnTo>
+                <a:cubicBezTo>
+                  <a:pt x="5462722" y="1528173"/>
+                  <a:pt x="5460824" y="1571999"/>
+                  <a:pt x="5456160" y="1575885"/>
+                </a:cubicBezTo>
+                <a:cubicBezTo>
+                  <a:pt x="5406708" y="1617226"/>
+                  <a:pt x="5442751" y="1692579"/>
+                  <a:pt x="5345636" y="1714543"/>
+                </a:cubicBezTo>
+                <a:cubicBezTo>
+                  <a:pt x="5301930" y="1724583"/>
+                  <a:pt x="5282493" y="1755882"/>
+                  <a:pt x="5251319" y="1775792"/>
+                </a:cubicBezTo>
+                <a:cubicBezTo>
+                  <a:pt x="5142610" y="1844714"/>
+                  <a:pt x="5072132" y="1925140"/>
+                  <a:pt x="5043512" y="2027305"/>
+                </a:cubicBezTo>
+                <a:cubicBezTo>
+                  <a:pt x="5035488" y="2055562"/>
+                  <a:pt x="5000258" y="2081893"/>
+                  <a:pt x="4978144" y="2108535"/>
+                </a:cubicBezTo>
+                <a:cubicBezTo>
+                  <a:pt x="4990785" y="2124798"/>
+                  <a:pt x="5050411" y="2079615"/>
+                  <a:pt x="5031476" y="2128173"/>
+                </a:cubicBezTo>
+                <a:cubicBezTo>
+                  <a:pt x="5017138" y="2164787"/>
+                  <a:pt x="4975973" y="2191363"/>
+                  <a:pt x="4937389" y="2216441"/>
+                </a:cubicBezTo>
+                <a:cubicBezTo>
+                  <a:pt x="4893079" y="2245058"/>
+                  <a:pt x="4843760" y="2269776"/>
+                  <a:pt x="4826122" y="2315331"/>
+                </a:cubicBezTo>
+                <a:cubicBezTo>
+                  <a:pt x="4822276" y="2325050"/>
+                  <a:pt x="3896510" y="3112888"/>
+                  <a:pt x="2544647" y="3190975"/>
+                </a:cubicBezTo>
+                <a:cubicBezTo>
+                  <a:pt x="2323734" y="3203734"/>
+                  <a:pt x="1445947" y="3169121"/>
+                  <a:pt x="1328257" y="3153006"/>
+                </a:cubicBezTo>
+                <a:cubicBezTo>
+                  <a:pt x="1207258" y="3136344"/>
+                  <a:pt x="1101756" y="3091943"/>
+                  <a:pt x="977943" y="3082502"/>
+                </a:cubicBezTo>
+                <a:cubicBezTo>
+                  <a:pt x="912454" y="3077622"/>
+                  <a:pt x="848655" y="3061861"/>
+                  <a:pt x="854473" y="2994250"/>
+                </a:cubicBezTo>
+                <a:cubicBezTo>
+                  <a:pt x="856228" y="2975057"/>
+                  <a:pt x="838125" y="2961827"/>
+                  <a:pt x="811593" y="2970498"/>
+                </a:cubicBezTo>
+                <a:cubicBezTo>
+                  <a:pt x="761454" y="2987010"/>
+                  <a:pt x="736680" y="2962489"/>
+                  <a:pt x="707024" y="2945439"/>
+                </a:cubicBezTo>
+                <a:cubicBezTo>
+                  <a:pt x="654509" y="2915262"/>
+                  <a:pt x="603913" y="2882480"/>
+                  <a:pt x="523487" y="2886053"/>
+                </a:cubicBezTo>
+                <a:cubicBezTo>
+                  <a:pt x="537017" y="2855468"/>
+                  <a:pt x="563587" y="2856758"/>
+                  <a:pt x="587884" y="2859746"/>
+                </a:cubicBezTo>
+                <a:cubicBezTo>
+                  <a:pt x="652090" y="2867866"/>
+                  <a:pt x="715235" y="2878012"/>
+                  <a:pt x="779426" y="2885897"/>
+                </a:cubicBezTo>
+                <a:cubicBezTo>
+                  <a:pt x="821123" y="2891048"/>
+                  <a:pt x="863074" y="2900202"/>
+                  <a:pt x="917288" y="2882248"/>
+                </a:cubicBezTo>
+                <a:cubicBezTo>
+                  <a:pt x="866364" y="2830288"/>
+                  <a:pt x="785092" y="2829930"/>
+                  <a:pt x="718684" y="2819941"/>
+                </a:cubicBezTo>
+                <a:cubicBezTo>
+                  <a:pt x="635747" y="2807447"/>
+                  <a:pt x="584925" y="2771133"/>
+                  <a:pt x="524650" y="2731220"/>
+                </a:cubicBezTo>
+                <a:cubicBezTo>
+                  <a:pt x="584180" y="2712621"/>
+                  <a:pt x="623299" y="2742760"/>
+                  <a:pt x="670138" y="2735189"/>
+                </a:cubicBezTo>
+                <a:cubicBezTo>
+                  <a:pt x="672406" y="2728745"/>
+                  <a:pt x="675988" y="2719532"/>
+                  <a:pt x="675382" y="2719369"/>
+                </a:cubicBezTo>
+                <a:cubicBezTo>
+                  <a:pt x="596666" y="2703042"/>
+                  <a:pt x="557844" y="2658869"/>
+                  <a:pt x="542021" y="2601946"/>
+                </a:cubicBezTo>
+                <a:cubicBezTo>
+                  <a:pt x="533902" y="2572560"/>
+                  <a:pt x="505246" y="2566541"/>
+                  <a:pt x="476895" y="2555976"/>
+                </a:cubicBezTo>
+                <a:cubicBezTo>
+                  <a:pt x="377189" y="2518466"/>
+                  <a:pt x="272496" y="2486779"/>
+                  <a:pt x="188751" y="2428830"/>
+                </a:cubicBezTo>
+                <a:cubicBezTo>
+                  <a:pt x="280875" y="2426687"/>
+                  <a:pt x="357216" y="2461808"/>
+                  <a:pt x="456762" y="2468731"/>
+                </a:cubicBezTo>
+                <a:cubicBezTo>
+                  <a:pt x="373794" y="2404281"/>
+                  <a:pt x="269816" y="2379152"/>
+                  <a:pt x="174514" y="2345378"/>
+                </a:cubicBezTo>
+                <a:cubicBezTo>
+                  <a:pt x="130977" y="2330009"/>
+                  <a:pt x="90329" y="2308598"/>
+                  <a:pt x="38827" y="2303685"/>
+                </a:cubicBezTo>
+                <a:cubicBezTo>
+                  <a:pt x="20556" y="2301864"/>
+                  <a:pt x="-10092" y="2297272"/>
+                  <a:pt x="3281" y="2273587"/>
+                </a:cubicBezTo>
+                <a:cubicBezTo>
+                  <a:pt x="14533" y="2253956"/>
+                  <a:pt x="39095" y="2256437"/>
+                  <a:pt x="61590" y="2259170"/>
+                </a:cubicBezTo>
+                <a:cubicBezTo>
+                  <a:pt x="115591" y="2265916"/>
+                  <a:pt x="170539" y="2259497"/>
+                  <a:pt x="242291" y="2250569"/>
+                </a:cubicBezTo>
+                <a:cubicBezTo>
+                  <a:pt x="178223" y="2197829"/>
+                  <a:pt x="68904" y="2229102"/>
+                  <a:pt x="13205" y="2172263"/>
+                </a:cubicBezTo>
+                <a:cubicBezTo>
+                  <a:pt x="77196" y="2153598"/>
+                  <a:pt x="128251" y="2170191"/>
+                  <a:pt x="180810" y="2168333"/>
+                </a:cubicBezTo>
+                <a:cubicBezTo>
+                  <a:pt x="228319" y="2166612"/>
+                  <a:pt x="239444" y="2154350"/>
+                  <a:pt x="226020" y="2121100"/>
+                </a:cubicBezTo>
+                <a:cubicBezTo>
+                  <a:pt x="205165" y="2069293"/>
+                  <a:pt x="229388" y="2038364"/>
+                  <a:pt x="299145" y="2044862"/>
+                </a:cubicBezTo>
+                <a:cubicBezTo>
+                  <a:pt x="363822" y="2051027"/>
+                  <a:pt x="369032" y="2029991"/>
+                  <a:pt x="350236" y="2001187"/>
+                </a:cubicBezTo>
+                <a:cubicBezTo>
+                  <a:pt x="322862" y="1959187"/>
+                  <a:pt x="348423" y="1921214"/>
+                  <a:pt x="365223" y="1881218"/>
+                </a:cubicBezTo>
+                <a:cubicBezTo>
+                  <a:pt x="390527" y="1820499"/>
+                  <a:pt x="376326" y="1793748"/>
+                  <a:pt x="310707" y="1758752"/>
+                </a:cubicBezTo>
+                <a:cubicBezTo>
+                  <a:pt x="273754" y="1739265"/>
+                  <a:pt x="234367" y="1723631"/>
+                  <a:pt x="181659" y="1709137"/>
+                </a:cubicBezTo>
+                <a:cubicBezTo>
+                  <a:pt x="299387" y="1683727"/>
+                  <a:pt x="172918" y="1660608"/>
+                  <a:pt x="213063" y="1632021"/>
+                </a:cubicBezTo>
+                <a:cubicBezTo>
+                  <a:pt x="296030" y="1612244"/>
+                  <a:pt x="369047" y="1679323"/>
+                  <a:pt x="481390" y="1644125"/>
+                </a:cubicBezTo>
+                <a:cubicBezTo>
+                  <a:pt x="336659" y="1595935"/>
+                  <a:pt x="176348" y="1532074"/>
+                  <a:pt x="68930" y="1457537"/>
+                </a:cubicBezTo>
+                <a:cubicBezTo>
+                  <a:pt x="91299" y="1434897"/>
+                  <a:pt x="115799" y="1450436"/>
+                  <a:pt x="135138" y="1440976"/>
+                </a:cubicBezTo>
+                <a:cubicBezTo>
+                  <a:pt x="133952" y="1436374"/>
+                  <a:pt x="135290" y="1429332"/>
+                  <a:pt x="131611" y="1427642"/>
+                </a:cubicBezTo>
+                <a:cubicBezTo>
+                  <a:pt x="52402" y="1389548"/>
+                  <a:pt x="51441" y="1388478"/>
+                  <a:pt x="130443" y="1343795"/>
+                </a:cubicBezTo>
+                <a:cubicBezTo>
+                  <a:pt x="158017" y="1328118"/>
+                  <a:pt x="154966" y="1317573"/>
+                  <a:pt x="138930" y="1304094"/>
+                </a:cubicBezTo>
+                <a:cubicBezTo>
+                  <a:pt x="127608" y="1294551"/>
+                  <a:pt x="113720" y="1286742"/>
+                  <a:pt x="118409" y="1262212"/>
+                </a:cubicBezTo>
+                <a:cubicBezTo>
+                  <a:pt x="164937" y="1287183"/>
+                  <a:pt x="383505" y="1312432"/>
+                  <a:pt x="421410" y="1304757"/>
+                </a:cubicBezTo>
+                <a:cubicBezTo>
+                  <a:pt x="464009" y="1296037"/>
+                  <a:pt x="610877" y="1288926"/>
+                  <a:pt x="655702" y="1291801"/>
+                </a:cubicBezTo>
+                <a:cubicBezTo>
+                  <a:pt x="653235" y="1290438"/>
+                  <a:pt x="650767" y="1289077"/>
+                  <a:pt x="648299" y="1287715"/>
+                </a:cubicBezTo>
+                <a:cubicBezTo>
+                  <a:pt x="603999" y="1260339"/>
+                  <a:pt x="559107" y="1233035"/>
+                  <a:pt x="531027" y="1193967"/>
+                </a:cubicBezTo>
+                <a:cubicBezTo>
+                  <a:pt x="529741" y="1192462"/>
+                  <a:pt x="529061" y="1191120"/>
+                  <a:pt x="526433" y="1191913"/>
+                </a:cubicBezTo>
+                <a:cubicBezTo>
+                  <a:pt x="503415" y="1199684"/>
+                  <a:pt x="505590" y="1187083"/>
+                  <a:pt x="504666" y="1177230"/>
+                </a:cubicBezTo>
+                <a:cubicBezTo>
+                  <a:pt x="503726" y="1167141"/>
+                  <a:pt x="499378" y="1159602"/>
+                  <a:pt x="482307" y="1162618"/>
+                </a:cubicBezTo>
+                <a:cubicBezTo>
+                  <a:pt x="481421" y="1162726"/>
+                  <a:pt x="480226" y="1162633"/>
+                  <a:pt x="479029" y="1162540"/>
+                </a:cubicBezTo>
+                <a:cubicBezTo>
+                  <a:pt x="470949" y="1161859"/>
+                  <a:pt x="444139" y="1138059"/>
+                  <a:pt x="447663" y="1132649"/>
+                </a:cubicBezTo>
+                <a:cubicBezTo>
+                  <a:pt x="455539" y="1120781"/>
+                  <a:pt x="446335" y="1116439"/>
+                  <a:pt x="438547" y="1110977"/>
+                </a:cubicBezTo>
+                <a:cubicBezTo>
+                  <a:pt x="427656" y="1103517"/>
+                  <a:pt x="416795" y="1096529"/>
+                  <a:pt x="405343" y="1089612"/>
+                </a:cubicBezTo>
+                <a:cubicBezTo>
+                  <a:pt x="394202" y="1082895"/>
+                  <a:pt x="382794" y="1076684"/>
+                  <a:pt x="371373" y="1070238"/>
+                </a:cubicBezTo>
+                <a:cubicBezTo>
+                  <a:pt x="344889" y="1065616"/>
+                  <a:pt x="318169" y="1061972"/>
+                  <a:pt x="290358" y="1059884"/>
+                </a:cubicBezTo>
+                <a:cubicBezTo>
+                  <a:pt x="269709" y="1058114"/>
+                  <a:pt x="246624" y="1055453"/>
+                  <a:pt x="235140" y="1029322"/>
+                </a:cubicBezTo>
+                <a:cubicBezTo>
+                  <a:pt x="256895" y="1029771"/>
+                  <a:pt x="278695" y="1030927"/>
+                  <a:pt x="300494" y="1032083"/>
+                </a:cubicBezTo>
+                <a:cubicBezTo>
+                  <a:pt x="279542" y="1020860"/>
+                  <a:pt x="259181" y="1009565"/>
+                  <a:pt x="239661" y="997457"/>
+                </a:cubicBezTo>
+                <a:cubicBezTo>
+                  <a:pt x="223540" y="987309"/>
+                  <a:pt x="210281" y="975391"/>
+                  <a:pt x="204788" y="959211"/>
+                </a:cubicBezTo>
+                <a:cubicBezTo>
+                  <a:pt x="203337" y="955117"/>
+                  <a:pt x="202166" y="950750"/>
+                  <a:pt x="207583" y="947009"/>
+                </a:cubicBezTo>
+                <a:cubicBezTo>
+                  <a:pt x="213561" y="942727"/>
+                  <a:pt x="218466" y="944980"/>
+                  <a:pt x="223061" y="947033"/>
+                </a:cubicBezTo>
+                <a:cubicBezTo>
+                  <a:pt x="242046" y="955410"/>
+                  <a:pt x="261311" y="963516"/>
+                  <a:pt x="280015" y="972164"/>
+                </a:cubicBezTo>
+                <a:cubicBezTo>
+                  <a:pt x="304852" y="983629"/>
+                  <a:pt x="329408" y="995365"/>
+                  <a:pt x="353948" y="1006865"/>
+                </a:cubicBezTo>
+                <a:cubicBezTo>
+                  <a:pt x="319294" y="981405"/>
+                  <a:pt x="281290" y="959435"/>
+                  <a:pt x="240466" y="939943"/>
+                </a:cubicBezTo>
+                <a:cubicBezTo>
+                  <a:pt x="210990" y="925718"/>
+                  <a:pt x="181514" y="911494"/>
+                  <a:pt x="158812" y="891467"/>
+                </a:cubicBezTo>
+                <a:cubicBezTo>
+                  <a:pt x="147166" y="881489"/>
+                  <a:pt x="141336" y="869384"/>
+                  <a:pt x="139551" y="855364"/>
+                </a:cubicBezTo>
+                <a:cubicBezTo>
+                  <a:pt x="139312" y="851597"/>
+                  <a:pt x="139634" y="847287"/>
+                  <a:pt x="145731" y="844888"/>
+                </a:cubicBezTo>
+                <a:cubicBezTo>
+                  <a:pt x="151843" y="842724"/>
+                  <a:pt x="155581" y="845356"/>
+                  <a:pt x="158154" y="848366"/>
+                </a:cubicBezTo>
+                <a:cubicBezTo>
+                  <a:pt x="161052" y="851811"/>
+                  <a:pt x="164496" y="854479"/>
+                  <a:pt x="169370" y="856260"/>
+                </a:cubicBezTo>
+                <a:cubicBezTo>
+                  <a:pt x="212096" y="872913"/>
+                  <a:pt x="249775" y="894448"/>
+                  <a:pt x="288295" y="915169"/>
+                </a:cubicBezTo>
+                <a:cubicBezTo>
+                  <a:pt x="343452" y="944788"/>
+                  <a:pt x="397769" y="975222"/>
+                  <a:pt x="462694" y="994643"/>
+                </a:cubicBezTo>
+                <a:cubicBezTo>
+                  <a:pt x="487260" y="1001870"/>
+                  <a:pt x="512622" y="1007575"/>
+                  <a:pt x="531910" y="1006664"/>
+                </a:cubicBezTo>
+                <a:cubicBezTo>
+                  <a:pt x="460990" y="972547"/>
+                  <a:pt x="394087" y="936046"/>
+                  <a:pt x="333940" y="893507"/>
+                </a:cubicBezTo>
+                <a:cubicBezTo>
+                  <a:pt x="273173" y="850568"/>
+                  <a:pt x="219876" y="803403"/>
+                  <a:pt x="181443" y="746608"/>
+                </a:cubicBezTo>
+                <a:cubicBezTo>
+                  <a:pt x="177494" y="740681"/>
+                  <a:pt x="175038" y="734810"/>
+                  <a:pt x="162678" y="737018"/>
+                </a:cubicBezTo>
+                <a:cubicBezTo>
+                  <a:pt x="157082" y="737933"/>
+                  <a:pt x="155070" y="734381"/>
+                  <a:pt x="156307" y="730435"/>
+                </a:cubicBezTo>
+                <a:cubicBezTo>
+                  <a:pt x="164051" y="702450"/>
+                  <a:pt x="145532" y="687373"/>
+                  <a:pt x="117227" y="677515"/>
+                </a:cubicBezTo>
+                <a:cubicBezTo>
+                  <a:pt x="108392" y="674314"/>
+                  <a:pt x="107546" y="670384"/>
+                  <a:pt x="113655" y="663474"/>
+                </a:cubicBezTo>
+                <a:cubicBezTo>
+                  <a:pt x="121976" y="653926"/>
+                  <a:pt x="120506" y="644851"/>
+                  <a:pt x="115226" y="636712"/>
+                </a:cubicBezTo>
+                <a:cubicBezTo>
+                  <a:pt x="112224" y="631619"/>
+                  <a:pt x="108350" y="626868"/>
+                  <a:pt x="105067" y="622046"/>
+                </a:cubicBezTo>
+                <a:cubicBezTo>
+                  <a:pt x="102790" y="619000"/>
+                  <a:pt x="99022" y="615897"/>
+                  <a:pt x="104113" y="611722"/>
+                </a:cubicBezTo>
+                <a:cubicBezTo>
+                  <a:pt x="108939" y="608053"/>
+                  <a:pt x="114081" y="609328"/>
+                  <a:pt x="118895" y="610169"/>
+                </a:cubicBezTo>
+                <a:cubicBezTo>
+                  <a:pt x="142040" y="613772"/>
+                  <a:pt x="156094" y="624170"/>
+                  <a:pt x="163095" y="640642"/>
+                </a:cubicBezTo>
+                <a:cubicBezTo>
+                  <a:pt x="168334" y="652819"/>
+                  <a:pt x="173104" y="652953"/>
+                  <a:pt x="185766" y="641454"/>
+                </a:cubicBezTo>
+                <a:cubicBezTo>
+                  <a:pt x="195327" y="632704"/>
+                  <a:pt x="204232" y="632337"/>
+                  <a:pt x="212892" y="637457"/>
+                </a:cubicBezTo>
+                <a:cubicBezTo>
+                  <a:pt x="217516" y="639981"/>
+                  <a:pt x="220444" y="643897"/>
+                  <a:pt x="223932" y="647271"/>
+                </a:cubicBezTo>
+                <a:cubicBezTo>
+                  <a:pt x="241420" y="664845"/>
+                  <a:pt x="259762" y="681841"/>
+                  <a:pt x="287167" y="691571"/>
+                </a:cubicBezTo>
+                <a:cubicBezTo>
+                  <a:pt x="299355" y="696027"/>
+                  <a:pt x="312354" y="699197"/>
+                  <a:pt x="330380" y="692506"/>
+                </a:cubicBezTo>
+                <a:cubicBezTo>
+                  <a:pt x="318517" y="688486"/>
+                  <a:pt x="306954" y="689175"/>
+                  <a:pt x="296172" y="688108"/>
+                </a:cubicBezTo>
+                <a:cubicBezTo>
+                  <a:pt x="285390" y="687041"/>
+                  <a:pt x="279539" y="683953"/>
+                  <a:pt x="286974" y="674512"/>
+                </a:cubicBezTo>
+                <a:cubicBezTo>
+                  <a:pt x="291105" y="669267"/>
+                  <a:pt x="290555" y="665301"/>
+                  <a:pt x="286166" y="661798"/>
+                </a:cubicBezTo>
+                <a:cubicBezTo>
+                  <a:pt x="272052" y="650459"/>
+                  <a:pt x="264416" y="633352"/>
+                  <a:pt x="236268" y="635338"/>
+                </a:cubicBezTo>
+                <a:cubicBezTo>
+                  <a:pt x="234792" y="635517"/>
+                  <a:pt x="233255" y="634754"/>
+                  <a:pt x="231734" y="634225"/>
+                </a:cubicBezTo>
+                <a:cubicBezTo>
+                  <a:pt x="225957" y="632316"/>
+                  <a:pt x="219575" y="630241"/>
+                  <a:pt x="221253" y="623870"/>
+                </a:cubicBezTo>
+                <a:cubicBezTo>
+                  <a:pt x="223227" y="617462"/>
+                  <a:pt x="230816" y="615119"/>
+                  <a:pt x="237564" y="613590"/>
+                </a:cubicBezTo>
+                <a:cubicBezTo>
+                  <a:pt x="254884" y="609831"/>
+                  <a:pt x="268844" y="614072"/>
+                  <a:pt x="282259" y="619091"/>
+                </a:cubicBezTo>
+                <a:cubicBezTo>
+                  <a:pt x="314893" y="631509"/>
+                  <a:pt x="342201" y="649080"/>
+                  <a:pt x="370630" y="665566"/>
+                </a:cubicBezTo>
+                <a:cubicBezTo>
+                  <a:pt x="413275" y="690295"/>
+                  <a:pt x="451153" y="719635"/>
+                  <a:pt x="498017" y="740532"/>
+                </a:cubicBezTo>
+                <a:cubicBezTo>
+                  <a:pt x="637369" y="802423"/>
+                  <a:pt x="774774" y="866448"/>
+                  <a:pt x="918036" y="924307"/>
+                </a:cubicBezTo>
+                <a:cubicBezTo>
+                  <a:pt x="970882" y="945666"/>
+                  <a:pt x="1024819" y="965469"/>
+                  <a:pt x="1079304" y="984494"/>
+                </a:cubicBezTo>
+                <a:cubicBezTo>
+                  <a:pt x="1079509" y="983045"/>
+                  <a:pt x="1079744" y="982067"/>
+                  <a:pt x="1079935" y="980383"/>
+                </a:cubicBezTo>
+                <a:cubicBezTo>
+                  <a:pt x="1079860" y="979206"/>
+                  <a:pt x="1079770" y="977793"/>
+                  <a:pt x="1079695" y="976616"/>
+                </a:cubicBezTo>
+                <a:cubicBezTo>
+                  <a:pt x="1041139" y="964679"/>
+                  <a:pt x="1003098" y="951491"/>
+                  <a:pt x="966178" y="937219"/>
+                </a:cubicBezTo>
+                <a:cubicBezTo>
+                  <a:pt x="875541" y="901932"/>
+                  <a:pt x="791930" y="860100"/>
+                  <a:pt x="720106" y="807112"/>
+                </a:cubicBezTo>
+                <a:cubicBezTo>
+                  <a:pt x="714181" y="802848"/>
+                  <a:pt x="707904" y="802421"/>
+                  <a:pt x="698823" y="804708"/>
+                </a:cubicBezTo>
+                <a:cubicBezTo>
+                  <a:pt x="669544" y="812288"/>
+                  <a:pt x="659939" y="806334"/>
+                  <a:pt x="664513" y="784663"/>
+                </a:cubicBezTo>
+                <a:cubicBezTo>
+                  <a:pt x="665660" y="779304"/>
+                  <a:pt x="665686" y="775031"/>
+                  <a:pt x="660380" y="771165"/>
+                </a:cubicBezTo>
+                <a:cubicBezTo>
+                  <a:pt x="636661" y="753871"/>
+                  <a:pt x="611807" y="737427"/>
+                  <a:pt x="584959" y="722409"/>
+                </a:cubicBezTo>
+                <a:cubicBezTo>
+                  <a:pt x="535282" y="694735"/>
+                  <a:pt x="482226" y="670082"/>
+                  <a:pt x="435649" y="639659"/>
+                </a:cubicBezTo>
+                <a:cubicBezTo>
+                  <a:pt x="421965" y="630403"/>
+                  <a:pt x="411440" y="619340"/>
+                  <a:pt x="404944" y="606128"/>
+                </a:cubicBezTo>
+                <a:cubicBezTo>
+                  <a:pt x="402872" y="601635"/>
+                  <a:pt x="401613" y="595856"/>
+                  <a:pt x="408476" y="591466"/>
+                </a:cubicBezTo>
+                <a:cubicBezTo>
+                  <a:pt x="415044" y="587111"/>
+                  <a:pt x="420320" y="590506"/>
+                  <a:pt x="425225" y="592759"/>
+                </a:cubicBezTo>
+                <a:cubicBezTo>
+                  <a:pt x="445746" y="601899"/>
+                  <a:pt x="466578" y="611238"/>
+                  <a:pt x="487115" y="620614"/>
+                </a:cubicBezTo>
+                <a:cubicBezTo>
+                  <a:pt x="507947" y="629954"/>
+                  <a:pt x="528514" y="639800"/>
+                  <a:pt x="550277" y="649738"/>
+                </a:cubicBezTo>
+                <a:cubicBezTo>
+                  <a:pt x="551408" y="644145"/>
+                  <a:pt x="546904" y="643504"/>
+                  <a:pt x="544421" y="641907"/>
+                </a:cubicBezTo>
+                <a:cubicBezTo>
+                  <a:pt x="509355" y="619344"/>
+                  <a:pt x="471190" y="599529"/>
+                  <a:pt x="431905" y="580799"/>
+                </a:cubicBezTo>
+                <a:cubicBezTo>
+                  <a:pt x="401512" y="566211"/>
+                  <a:pt x="371947" y="550574"/>
+                  <a:pt x="351177" y="528177"/>
+                </a:cubicBezTo>
+                <a:cubicBezTo>
+                  <a:pt x="343180" y="519419"/>
+                  <a:pt x="338696" y="509759"/>
+                  <a:pt x="339749" y="498244"/>
+                </a:cubicBezTo>
+                <a:cubicBezTo>
+                  <a:pt x="340115" y="494641"/>
+                  <a:pt x="340481" y="491037"/>
+                  <a:pt x="346313" y="489145"/>
+                </a:cubicBezTo>
+                <a:cubicBezTo>
+                  <a:pt x="350979" y="487631"/>
+                  <a:pt x="354067" y="489392"/>
+                  <a:pt x="356579" y="491460"/>
+                </a:cubicBezTo>
+                <a:cubicBezTo>
+                  <a:pt x="360984" y="495197"/>
+                  <a:pt x="365388" y="498934"/>
+                  <a:pt x="371505" y="501516"/>
+                </a:cubicBezTo>
+                <a:cubicBezTo>
+                  <a:pt x="408203" y="517000"/>
+                  <a:pt x="442659" y="534654"/>
+                  <a:pt x="476275" y="553122"/>
+                </a:cubicBezTo>
+                <a:cubicBezTo>
+                  <a:pt x="531461" y="583213"/>
+                  <a:pt x="586103" y="614082"/>
+                  <a:pt x="649952" y="635294"/>
+                </a:cubicBezTo>
+                <a:cubicBezTo>
+                  <a:pt x="673972" y="643298"/>
+                  <a:pt x="698805" y="650018"/>
+                  <a:pt x="727161" y="651328"/>
+                </a:cubicBezTo>
+                <a:cubicBezTo>
+                  <a:pt x="726126" y="649081"/>
+                  <a:pt x="724263" y="647883"/>
+                  <a:pt x="722417" y="646921"/>
+                </a:cubicBezTo>
+                <a:cubicBezTo>
+                  <a:pt x="660627" y="615969"/>
+                  <a:pt x="600830" y="583590"/>
+                  <a:pt x="546079" y="546328"/>
+                </a:cubicBezTo>
+                <a:cubicBezTo>
+                  <a:pt x="478576" y="500409"/>
+                  <a:pt x="420223" y="448637"/>
+                  <a:pt x="378182" y="386585"/>
+                </a:cubicBezTo>
+                <a:cubicBezTo>
+                  <a:pt x="376229" y="383975"/>
+                  <a:pt x="374884" y="381528"/>
+                  <a:pt x="370158" y="382100"/>
+                </a:cubicBezTo>
+                <a:cubicBezTo>
+                  <a:pt x="358064" y="383802"/>
+                  <a:pt x="356583" y="379236"/>
+                  <a:pt x="357861" y="371252"/>
+                </a:cubicBezTo>
+                <a:cubicBezTo>
+                  <a:pt x="361373" y="351608"/>
+                  <a:pt x="352380" y="336565"/>
+                  <a:pt x="331313" y="328203"/>
+                </a:cubicBezTo>
+                <a:cubicBezTo>
+                  <a:pt x="316037" y="321986"/>
+                  <a:pt x="303183" y="316425"/>
+                  <a:pt x="319354" y="299282"/>
+                </a:cubicBezTo>
+                <a:cubicBezTo>
+                  <a:pt x="323265" y="295249"/>
+                  <a:pt x="321459" y="290249"/>
+                  <a:pt x="319682" y="285719"/>
+                </a:cubicBezTo>
+                <a:cubicBezTo>
+                  <a:pt x="317166" y="278905"/>
+                  <a:pt x="312080" y="273828"/>
+                  <a:pt x="306391" y="268585"/>
+                </a:cubicBezTo>
+                <a:cubicBezTo>
+                  <a:pt x="303227" y="265647"/>
+                  <a:pt x="299399" y="261602"/>
+                  <a:pt x="303294" y="257334"/>
+                </a:cubicBezTo>
+                <a:cubicBezTo>
+                  <a:pt x="307735" y="252289"/>
+                  <a:pt x="314131" y="254598"/>
+                  <a:pt x="319242" y="255403"/>
+                </a:cubicBezTo>
+                <a:cubicBezTo>
+                  <a:pt x="342683" y="258970"/>
+                  <a:pt x="357062" y="269803"/>
+                  <a:pt x="364093" y="286745"/>
+                </a:cubicBezTo>
+                <a:cubicBezTo>
+                  <a:pt x="368651" y="297582"/>
+                  <a:pt x="374307" y="297608"/>
+                  <a:pt x="385301" y="287973"/>
+                </a:cubicBezTo>
+                <a:cubicBezTo>
+                  <a:pt x="397712" y="277216"/>
+                  <a:pt x="408079" y="276436"/>
+                  <a:pt x="417598" y="285722"/>
+                </a:cubicBezTo>
+                <a:cubicBezTo>
+                  <a:pt x="425226" y="293339"/>
+                  <a:pt x="431406" y="301607"/>
+                  <a:pt x="440155" y="308139"/>
+                </a:cubicBezTo>
+                <a:cubicBezTo>
+                  <a:pt x="463623" y="326175"/>
+                  <a:pt x="485720" y="346039"/>
+                  <a:pt x="534406" y="339430"/>
+                </a:cubicBezTo>
+                <a:cubicBezTo>
+                  <a:pt x="520872" y="332528"/>
+                  <a:pt x="507316" y="334645"/>
+                  <a:pt x="495633" y="333450"/>
+                </a:cubicBezTo>
+                <a:cubicBezTo>
+                  <a:pt x="487244" y="332567"/>
+                  <a:pt x="478750" y="330037"/>
+                  <a:pt x="486289" y="322243"/>
+                </a:cubicBezTo>
+                <a:cubicBezTo>
+                  <a:pt x="494951" y="313365"/>
+                  <a:pt x="489365" y="309771"/>
+                  <a:pt x="484000" y="304964"/>
+                </a:cubicBezTo>
+                <a:cubicBezTo>
+                  <a:pt x="471673" y="293645"/>
+                  <a:pt x="461604" y="280392"/>
+                  <a:pt x="436911" y="280536"/>
+                </a:cubicBezTo>
+                <a:cubicBezTo>
+                  <a:pt x="433041" y="280530"/>
+                  <a:pt x="429923" y="278297"/>
+                  <a:pt x="426865" y="277007"/>
+                </a:cubicBezTo>
+                <a:cubicBezTo>
+                  <a:pt x="422581" y="275154"/>
+                  <a:pt x="418872" y="272993"/>
+                  <a:pt x="420654" y="268269"/>
+                </a:cubicBezTo>
+                <a:cubicBezTo>
+                  <a:pt x="422468" y="264016"/>
+                  <a:pt x="426748" y="261125"/>
+                  <a:pt x="432329" y="259975"/>
+                </a:cubicBezTo>
+                <a:cubicBezTo>
+                  <a:pt x="437320" y="258895"/>
+                  <a:pt x="442621" y="258016"/>
+                  <a:pt x="447672" y="257879"/>
+                </a:cubicBezTo>
+                <a:cubicBezTo>
+                  <a:pt x="470223" y="256809"/>
+                  <a:pt x="486254" y="265543"/>
+                  <a:pt x="502242" y="273572"/>
+                </a:cubicBezTo>
+                <a:cubicBezTo>
+                  <a:pt x="558179" y="301436"/>
+                  <a:pt x="607891" y="334326"/>
+                  <a:pt x="659874" y="365516"/>
+                </a:cubicBezTo>
+                <a:cubicBezTo>
+                  <a:pt x="711842" y="396471"/>
+                  <a:pt x="772192" y="418818"/>
+                  <a:pt x="829177" y="444421"/>
+                </a:cubicBezTo>
+                <a:cubicBezTo>
+                  <a:pt x="960626" y="503711"/>
+                  <a:pt x="1092650" y="562693"/>
+                  <a:pt x="1231903" y="613682"/>
+                </a:cubicBezTo>
+                <a:cubicBezTo>
+                  <a:pt x="1368099" y="663381"/>
+                  <a:pt x="1823141" y="686561"/>
+                  <a:pt x="1911736" y="685084"/>
+                </a:cubicBezTo>
+                <a:cubicBezTo>
+                  <a:pt x="2024994" y="682992"/>
+                  <a:pt x="2291986" y="655399"/>
+                  <a:pt x="2564313" y="632143"/>
+                </a:cubicBezTo>
+                <a:cubicBezTo>
+                  <a:pt x="2595089" y="629364"/>
+                  <a:pt x="2625288" y="626893"/>
+                  <a:pt x="2657304" y="624913"/>
+                </a:cubicBezTo>
+                <a:cubicBezTo>
+                  <a:pt x="3564401" y="568191"/>
+                  <a:pt x="4203594" y="276765"/>
+                  <a:pt x="4235818" y="259339"/>
+                </a:cubicBezTo>
+                <a:cubicBezTo>
+                  <a:pt x="4287616" y="231474"/>
+                  <a:pt x="4460006" y="176429"/>
+                  <a:pt x="4460331" y="176864"/>
+                </a:cubicBezTo>
+                <a:cubicBezTo>
+                  <a:pt x="4464175" y="181144"/>
+                  <a:pt x="4483735" y="184529"/>
+                  <a:pt x="4499578" y="186791"/>
+                </a:cubicBezTo>
+                <a:lnTo>
+                  <a:pt x="4514640" y="188841"/>
+                </a:lnTo>
+                <a:lnTo>
+                  <a:pt x="4516523" y="189988"/>
+                </a:lnTo>
+                <a:cubicBezTo>
+                  <a:pt x="4522035" y="190091"/>
+                  <a:pt x="4521760" y="189857"/>
+                  <a:pt x="4518126" y="189316"/>
+                </a:cubicBezTo>
+                <a:lnTo>
+                  <a:pt x="4514640" y="188841"/>
+                </a:lnTo>
+                <a:lnTo>
+                  <a:pt x="4511569" y="186970"/>
+                </a:lnTo>
+                <a:cubicBezTo>
+                  <a:pt x="4510788" y="185226"/>
+                  <a:pt x="4510719" y="182981"/>
+                  <a:pt x="4510888" y="180943"/>
+                </a:cubicBezTo>
+                <a:cubicBezTo>
+                  <a:pt x="4511690" y="170169"/>
+                  <a:pt x="4517648" y="160906"/>
+                  <a:pt x="4531865" y="155151"/>
+                </a:cubicBezTo>
+                <a:cubicBezTo>
+                  <a:pt x="4545507" y="149703"/>
+                  <a:pt x="4559473" y="144689"/>
+                  <a:pt x="4573441" y="139676"/>
+                </a:cubicBezTo>
+                <a:cubicBezTo>
+                  <a:pt x="4585075" y="135420"/>
+                  <a:pt x="4593048" y="134454"/>
+                  <a:pt x="4594964" y="145847"/>
+                </a:cubicBezTo>
+                <a:cubicBezTo>
+                  <a:pt x="4596879" y="157242"/>
+                  <a:pt x="4613452" y="160454"/>
+                  <a:pt x="4623059" y="152410"/>
+                </a:cubicBezTo>
+                <a:cubicBezTo>
+                  <a:pt x="4660632" y="120811"/>
+                  <a:pt x="4705757" y="95654"/>
+                  <a:pt x="4748356" y="68192"/>
+                </a:cubicBezTo>
+                <a:cubicBezTo>
+                  <a:pt x="4778098" y="49168"/>
+                  <a:pt x="4809406" y="31378"/>
+                  <a:pt x="4833812" y="8017"/>
+                </a:cubicBezTo>
+                <a:cubicBezTo>
+                  <a:pt x="4838299" y="3678"/>
+                  <a:pt x="4842399" y="-2039"/>
+                  <a:pt x="4850908" y="727"/>
+                </a:cubicBezTo>
+                <a:close/>
+              </a:path>
+            </a:pathLst>
+          </a:custGeom>
+          <a:solidFill>
+            <a:schemeClr val="bg2">
+              <a:alpha val="50000"/>
+            </a:schemeClr>
+          </a:solidFill>
+          <a:ln w="32707" cap="flat">
+            <a:noFill/>
+            <a:prstDash val="solid"/>
+            <a:miter/>
+          </a:ln>
+        </p:spPr>
+        <p:txBody>
+          <a:bodyPr rtlCol="0" anchor="ctr"/>
+          <a:lstStyle/>
+          <a:p>
+            <a:endParaRPr lang="en-US"/>
+          </a:p>
+        </p:txBody>
+      </p:sp>
+      <p:sp>
+        <p:nvSpPr>
+          <p:cNvPr id="2" name="Title 1">
+            <a:extLst>
+              <a:ext uri="{FF2B5EF4-FFF2-40B4-BE49-F238E27FC236}">
+                <a16:creationId xmlns:a16="http://schemas.microsoft.com/office/drawing/2014/main" id="{AB35D0A0-CA1A-9613-7C2A-A11D5EF69CF6}"/>
+              </a:ext>
+            </a:extLst>
+          </p:cNvPr>
+          <p:cNvSpPr>
+            <a:spLocks noGrp="1"/>
+          </p:cNvSpPr>
+          <p:nvPr>
+            <p:ph type="title"/>
+          </p:nvPr>
+        </p:nvSpPr>
+        <p:spPr>
+          <a:xfrm>
+            <a:off x="1139044" y="2090114"/>
+            <a:ext cx="3382890" cy="2481886"/>
+          </a:xfrm>
+        </p:spPr>
+        <p:txBody>
+          <a:bodyPr>
+            <a:normAutofit/>
+          </a:bodyPr>
+          <a:lstStyle/>
+          <a:p>
+            <a:pPr algn="ctr"/>
+            <a:r>
+              <a:rPr lang="en-US" dirty="0"/>
+              <a:t>Compilers and Languages</a:t>
+            </a:r>
+          </a:p>
+        </p:txBody>
+      </p:sp>
+      <p:sp>
+        <p:nvSpPr>
+          <p:cNvPr id="3" name="Content Placeholder 2">
+            <a:extLst>
+              <a:ext uri="{FF2B5EF4-FFF2-40B4-BE49-F238E27FC236}">
+                <a16:creationId xmlns:a16="http://schemas.microsoft.com/office/drawing/2014/main" id="{B4DB7AB3-8ECD-7F73-BD57-2C6979956C27}"/>
+              </a:ext>
+            </a:extLst>
+          </p:cNvPr>
+          <p:cNvSpPr>
+            <a:spLocks noGrp="1"/>
+          </p:cNvSpPr>
+          <p:nvPr>
+            <p:ph idx="1"/>
+          </p:nvPr>
+        </p:nvSpPr>
+        <p:spPr>
+          <a:xfrm>
+            <a:off x="5285014" y="964850"/>
+            <a:ext cx="6068786" cy="4928300"/>
+          </a:xfrm>
+        </p:spPr>
+        <p:txBody>
+          <a:bodyPr anchor="ctr">
+            <a:normAutofit/>
+          </a:bodyPr>
+          <a:lstStyle/>
+          <a:p>
+            <a:pPr>
+              <a:buFont typeface="Arial" panose="020B0604020202020204" pitchFamily="34" charset="0"/>
+              <a:buChar char="•"/>
+            </a:pPr>
+            <a:r>
+              <a:rPr lang="en-US" sz="2000" dirty="0"/>
+              <a:t>Domain scientists prefer high-level, domain-specific languages.</a:t>
+            </a:r>
+          </a:p>
+          <a:p>
+            <a:pPr>
+              <a:buFont typeface="Arial" panose="020B0604020202020204" pitchFamily="34" charset="0"/>
+              <a:buChar char="•"/>
+            </a:pPr>
+            <a:r>
+              <a:rPr lang="en-US" sz="2000" dirty="0"/>
+              <a:t>DMC is developing a "write once, run everywhere" compiler called COMET (MLIR based).</a:t>
+            </a:r>
+          </a:p>
+          <a:p>
+            <a:pPr>
+              <a:buFont typeface="Arial" panose="020B0604020202020204" pitchFamily="34" charset="0"/>
+              <a:buChar char="•"/>
+            </a:pPr>
+            <a:r>
+              <a:rPr lang="en-US" sz="2000" dirty="0"/>
+              <a:t>MLIR (Multi-Level Intermediate Representation) which is a compiler infrastructure for building and optimizing machine learning models and other computational graphs.</a:t>
+            </a:r>
+          </a:p>
+          <a:p>
+            <a:pPr>
+              <a:buFont typeface="Arial" panose="020B0604020202020204" pitchFamily="34" charset="0"/>
+              <a:buChar char="•"/>
+            </a:pPr>
+            <a:r>
+              <a:rPr lang="en-US" sz="2000" dirty="0"/>
+              <a:t>COMET converts different language frontends (Python, COMET Domain Specific Language, Rust) to a unified IR (Intermediate Representation). </a:t>
+            </a:r>
+          </a:p>
+          <a:p>
+            <a:pPr>
+              <a:buFont typeface="Arial" panose="020B0604020202020204" pitchFamily="34" charset="0"/>
+              <a:buChar char="•"/>
+            </a:pPr>
+            <a:r>
+              <a:rPr lang="en-US" sz="2000" dirty="0"/>
+              <a:t>The unified IR is optimized and lowered to architecture-specific IRs (e.g., CPU, GPUs, FPGA, AI engines).</a:t>
+            </a:r>
+          </a:p>
+        </p:txBody>
+      </p:sp>
+    </p:spTree>
+    <p:extLst>
+      <p:ext uri="{BB962C8B-B14F-4D97-AF65-F5344CB8AC3E}">
+        <p14:creationId xmlns:p14="http://schemas.microsoft.com/office/powerpoint/2010/main" val="895645388"/>
+      </p:ext>
+    </p:extLst>
+  </p:cSld>
+  <p:clrMapOvr>
+    <a:masterClrMapping/>
+  </p:clrMapOvr>
+</p:sld>
+</file>
+
+<file path=ppt/slides/slide11.xml><?xml version="1.0" encoding="utf-8"?>
+<p:sld xmlns:a="http://schemas.openxmlformats.org/drawingml/2006/main" xmlns:r="http://schemas.openxmlformats.org/officeDocument/2006/relationships" xmlns:p="http://schemas.openxmlformats.org/presentationml/2006/main">
+  <p:cSld>
+    <p:bg>
+      <p:bgPr>
+        <a:solidFill>
+          <a:schemeClr val="bg1"/>
+        </a:solidFill>
+        <a:effectLst/>
+      </p:bgPr>
+    </p:bg>
+    <p:spTree>
+      <p:nvGrpSpPr>
+        <p:cNvPr id="1" name=""/>
+        <p:cNvGrpSpPr/>
+        <p:nvPr/>
+      </p:nvGrpSpPr>
+      <p:grpSpPr>
+        <a:xfrm>
+          <a:off x="0" y="0"/>
+          <a:ext cx="0" cy="0"/>
+          <a:chOff x="0" y="0"/>
+          <a:chExt cx="0" cy="0"/>
+        </a:xfrm>
+      </p:grpSpPr>
+      <p:sp useBgFill="1">
+        <p:nvSpPr>
+          <p:cNvPr id="12" name="Rectangle 7">
+            <a:extLst>
+              <a:ext uri="{FF2B5EF4-FFF2-40B4-BE49-F238E27FC236}">
+                <a16:creationId xmlns:a16="http://schemas.microsoft.com/office/drawing/2014/main" id="{6A8AAC95-3719-4BCD-B710-4160043D9237}"/>
+              </a:ext>
+              <a:ext uri="{C183D7F6-B498-43B3-948B-1728B52AA6E4}">
+                <adec:decorative xmlns:adec="http://schemas.microsoft.com/office/drawing/2017/decorative" val="1"/>
+              </a:ext>
+            </a:extLst>
+          </p:cNvPr>
+          <p:cNvSpPr>
+            <a:spLocks noGrp="1" noRot="1" noChangeAspect="1" noMove="1" noResize="1" noEditPoints="1" noAdjustHandles="1" noChangeArrowheads="1" noChangeShapeType="1" noTextEdit="1"/>
+          </p:cNvSpPr>
+          <p:nvPr>
+            <p:extLst>
+              <p:ext uri="{386F3935-93C4-4BCD-93E2-E3B085C9AB24}">
+                <p16:designElem xmlns:p16="http://schemas.microsoft.com/office/powerpoint/2015/main" val="1"/>
+              </p:ext>
+            </p:extLst>
+          </p:nvPr>
+        </p:nvSpPr>
+        <p:spPr>
+          <a:xfrm>
+            <a:off x="0" y="0"/>
+            <a:ext cx="12188952" cy="6858000"/>
+          </a:xfrm>
+          <a:prstGeom prst="rect">
+            <a:avLst/>
+          </a:prstGeom>
+          <a:ln>
+            <a:noFill/>
+          </a:ln>
+        </p:spPr>
+        <p:style>
+          <a:lnRef idx="2">
+            <a:schemeClr val="accent1">
+              <a:shade val="50000"/>
+            </a:schemeClr>
+          </a:lnRef>
+          <a:fillRef idx="1">
+            <a:schemeClr val="accent1"/>
+          </a:fillRef>
+          <a:effectRef idx="0">
+            <a:schemeClr val="accent1"/>
+          </a:effectRef>
+          <a:fontRef idx="minor">
+            <a:schemeClr val="lt1"/>
+          </a:fontRef>
+        </p:style>
+        <p:txBody>
+          <a:bodyPr rtlCol="0" anchor="ctr"/>
+          <a:lstStyle/>
+          <a:p>
+            <a:pPr algn="ctr"/>
+            <a:endParaRPr lang="en-US"/>
+          </a:p>
+        </p:txBody>
+      </p:sp>
+      <p:sp>
+        <p:nvSpPr>
+          <p:cNvPr id="13" name="Freeform: Shape 9">
+            <a:extLst>
+              <a:ext uri="{FF2B5EF4-FFF2-40B4-BE49-F238E27FC236}">
+                <a16:creationId xmlns:a16="http://schemas.microsoft.com/office/drawing/2014/main" id="{73A6D7BA-50E4-42FE-A0E3-FC42B7EC4372}"/>
+              </a:ext>
+              <a:ext uri="{C183D7F6-B498-43B3-948B-1728B52AA6E4}">
+                <adec:decorative xmlns:adec="http://schemas.microsoft.com/office/drawing/2017/decorative" val="1"/>
+              </a:ext>
+            </a:extLst>
+          </p:cNvPr>
+          <p:cNvSpPr>
+            <a:spLocks noGrp="1" noRot="1" noChangeAspect="1" noMove="1" noResize="1" noEditPoints="1" noAdjustHandles="1" noChangeArrowheads="1" noChangeShapeType="1" noTextEdit="1"/>
+          </p:cNvSpPr>
+          <p:nvPr>
+            <p:extLst>
+              <p:ext uri="{386F3935-93C4-4BCD-93E2-E3B085C9AB24}">
+                <p16:designElem xmlns:p16="http://schemas.microsoft.com/office/powerpoint/2015/main" val="1"/>
+              </p:ext>
+            </p:extLst>
+          </p:nvPr>
+        </p:nvSpPr>
+        <p:spPr>
+          <a:xfrm flipH="1">
+            <a:off x="1" y="2767722"/>
+            <a:ext cx="3021543" cy="1532055"/>
+          </a:xfrm>
+          <a:custGeom>
+            <a:avLst/>
+            <a:gdLst>
+              <a:gd name="connsiteX0" fmla="*/ 3021543 w 3021543"/>
+              <a:gd name="connsiteY0" fmla="*/ 0 h 1532055"/>
+              <a:gd name="connsiteX1" fmla="*/ 2963800 w 3021543"/>
+              <a:gd name="connsiteY1" fmla="*/ 7730 h 1532055"/>
+              <a:gd name="connsiteX2" fmla="*/ 2793803 w 3021543"/>
+              <a:gd name="connsiteY2" fmla="*/ 25704 h 1532055"/>
+              <a:gd name="connsiteX3" fmla="*/ 2414348 w 3021543"/>
+              <a:gd name="connsiteY3" fmla="*/ 31695 h 1532055"/>
+              <a:gd name="connsiteX4" fmla="*/ 2091558 w 3021543"/>
+              <a:gd name="connsiteY4" fmla="*/ 29298 h 1532055"/>
+              <a:gd name="connsiteX5" fmla="*/ 1645319 w 3021543"/>
+              <a:gd name="connsiteY5" fmla="*/ 30497 h 1532055"/>
+              <a:gd name="connsiteX6" fmla="*/ 1243602 w 3021543"/>
+              <a:gd name="connsiteY6" fmla="*/ 64048 h 1532055"/>
+              <a:gd name="connsiteX7" fmla="*/ 753851 w 3021543"/>
+              <a:gd name="connsiteY7" fmla="*/ 61651 h 1532055"/>
+              <a:gd name="connsiteX8" fmla="*/ 465465 w 3021543"/>
+              <a:gd name="connsiteY8" fmla="*/ 123960 h 1532055"/>
+              <a:gd name="connsiteX9" fmla="*/ 546416 w 3021543"/>
+              <a:gd name="connsiteY9" fmla="*/ 145529 h 1532055"/>
+              <a:gd name="connsiteX10" fmla="*/ 689091 w 3021543"/>
+              <a:gd name="connsiteY10" fmla="*/ 192260 h 1532055"/>
+              <a:gd name="connsiteX11" fmla="*/ 704269 w 3021543"/>
+              <a:gd name="connsiteY11" fmla="*/ 222217 h 1532055"/>
+              <a:gd name="connsiteX12" fmla="*/ 683020 w 3021543"/>
+              <a:gd name="connsiteY12" fmla="*/ 236595 h 1532055"/>
+              <a:gd name="connsiteX13" fmla="*/ 621295 w 3021543"/>
+              <a:gd name="connsiteY13" fmla="*/ 264155 h 1532055"/>
+              <a:gd name="connsiteX14" fmla="*/ 848968 w 3021543"/>
+              <a:gd name="connsiteY14" fmla="*/ 304896 h 1532055"/>
+              <a:gd name="connsiteX15" fmla="*/ 768018 w 3021543"/>
+              <a:gd name="connsiteY15" fmla="*/ 330059 h 1532055"/>
+              <a:gd name="connsiteX16" fmla="*/ 684032 w 3021543"/>
+              <a:gd name="connsiteY16" fmla="*/ 348032 h 1532055"/>
+              <a:gd name="connsiteX17" fmla="*/ 592962 w 3021543"/>
+              <a:gd name="connsiteY17" fmla="*/ 361213 h 1532055"/>
+              <a:gd name="connsiteX18" fmla="*/ 509988 w 3021543"/>
+              <a:gd name="connsiteY18" fmla="*/ 387575 h 1532055"/>
+              <a:gd name="connsiteX19" fmla="*/ 726531 w 3021543"/>
+              <a:gd name="connsiteY19" fmla="*/ 398359 h 1532055"/>
+              <a:gd name="connsiteX20" fmla="*/ 614212 w 3021543"/>
+              <a:gd name="connsiteY20" fmla="*/ 422324 h 1532055"/>
+              <a:gd name="connsiteX21" fmla="*/ 522131 w 3021543"/>
+              <a:gd name="connsiteY21" fmla="*/ 453478 h 1532055"/>
+              <a:gd name="connsiteX22" fmla="*/ 457370 w 3021543"/>
+              <a:gd name="connsiteY22" fmla="*/ 467857 h 1532055"/>
+              <a:gd name="connsiteX23" fmla="*/ 388562 w 3021543"/>
+              <a:gd name="connsiteY23" fmla="*/ 471452 h 1532055"/>
+              <a:gd name="connsiteX24" fmla="*/ 372372 w 3021543"/>
+              <a:gd name="connsiteY24" fmla="*/ 494218 h 1532055"/>
+              <a:gd name="connsiteX25" fmla="*/ 393622 w 3021543"/>
+              <a:gd name="connsiteY25" fmla="*/ 518184 h 1532055"/>
+              <a:gd name="connsiteX26" fmla="*/ 426002 w 3021543"/>
+              <a:gd name="connsiteY26" fmla="*/ 520580 h 1532055"/>
+              <a:gd name="connsiteX27" fmla="*/ 619271 w 3021543"/>
+              <a:gd name="connsiteY27" fmla="*/ 526571 h 1532055"/>
+              <a:gd name="connsiteX28" fmla="*/ 0 w 3021543"/>
+              <a:gd name="connsiteY28" fmla="*/ 579294 h 1532055"/>
+              <a:gd name="connsiteX29" fmla="*/ 83986 w 3021543"/>
+              <a:gd name="connsiteY29" fmla="*/ 611647 h 1532055"/>
+              <a:gd name="connsiteX30" fmla="*/ 112319 w 3021543"/>
+              <a:gd name="connsiteY30" fmla="*/ 700317 h 1532055"/>
+              <a:gd name="connsiteX31" fmla="*/ 215531 w 3021543"/>
+              <a:gd name="connsiteY31" fmla="*/ 750643 h 1532055"/>
+              <a:gd name="connsiteX32" fmla="*/ 282315 w 3021543"/>
+              <a:gd name="connsiteY32" fmla="*/ 768617 h 1532055"/>
+              <a:gd name="connsiteX33" fmla="*/ 435109 w 3021543"/>
+              <a:gd name="connsiteY33" fmla="*/ 794979 h 1532055"/>
+              <a:gd name="connsiteX34" fmla="*/ 457370 w 3021543"/>
+              <a:gd name="connsiteY34" fmla="*/ 838116 h 1532055"/>
+              <a:gd name="connsiteX35" fmla="*/ 476596 w 3021543"/>
+              <a:gd name="connsiteY35" fmla="*/ 886046 h 1532055"/>
+              <a:gd name="connsiteX36" fmla="*/ 517071 w 3021543"/>
+              <a:gd name="connsiteY36" fmla="*/ 917200 h 1532055"/>
+              <a:gd name="connsiteX37" fmla="*/ 202377 w 3021543"/>
+              <a:gd name="connsiteY37" fmla="*/ 912407 h 1532055"/>
+              <a:gd name="connsiteX38" fmla="*/ 557546 w 3021543"/>
+              <a:gd name="connsiteY38" fmla="*/ 1013060 h 1532055"/>
+              <a:gd name="connsiteX39" fmla="*/ 526178 w 3021543"/>
+              <a:gd name="connsiteY39" fmla="*/ 1052602 h 1532055"/>
+              <a:gd name="connsiteX40" fmla="*/ 720459 w 3021543"/>
+              <a:gd name="connsiteY40" fmla="*/ 1106523 h 1532055"/>
+              <a:gd name="connsiteX41" fmla="*/ 616236 w 3021543"/>
+              <a:gd name="connsiteY41" fmla="*/ 1112514 h 1532055"/>
+              <a:gd name="connsiteX42" fmla="*/ 1222353 w 3021543"/>
+              <a:gd name="connsiteY42" fmla="*/ 1337785 h 1532055"/>
+              <a:gd name="connsiteX43" fmla="*/ 2087511 w 3021543"/>
+              <a:gd name="connsiteY43" fmla="*/ 1500747 h 1532055"/>
+              <a:gd name="connsiteX44" fmla="*/ 2425479 w 3021543"/>
+              <a:gd name="connsiteY44" fmla="*/ 1531901 h 1532055"/>
+              <a:gd name="connsiteX45" fmla="*/ 2809994 w 3021543"/>
+              <a:gd name="connsiteY45" fmla="*/ 1522315 h 1532055"/>
+              <a:gd name="connsiteX46" fmla="*/ 2953618 w 3021543"/>
+              <a:gd name="connsiteY46" fmla="*/ 1512448 h 1532055"/>
+              <a:gd name="connsiteX47" fmla="*/ 3021543 w 3021543"/>
+              <a:gd name="connsiteY47" fmla="*/ 1502657 h 1532055"/>
+            </a:gdLst>
+            <a:ahLst/>
+            <a:cxnLst>
+              <a:cxn ang="0">
+                <a:pos x="connsiteX0" y="connsiteY0"/>
+              </a:cxn>
+              <a:cxn ang="0">
+                <a:pos x="connsiteX1" y="connsiteY1"/>
+              </a:cxn>
+              <a:cxn ang="0">
+                <a:pos x="connsiteX2" y="connsiteY2"/>
+              </a:cxn>
+              <a:cxn ang="0">
+                <a:pos x="connsiteX3" y="connsiteY3"/>
+              </a:cxn>
+              <a:cxn ang="0">
+                <a:pos x="connsiteX4" y="connsiteY4"/>
+              </a:cxn>
+              <a:cxn ang="0">
+                <a:pos x="connsiteX5" y="connsiteY5"/>
+              </a:cxn>
+              <a:cxn ang="0">
+                <a:pos x="connsiteX6" y="connsiteY6"/>
+              </a:cxn>
+              <a:cxn ang="0">
+                <a:pos x="connsiteX7" y="connsiteY7"/>
+              </a:cxn>
+              <a:cxn ang="0">
+                <a:pos x="connsiteX8" y="connsiteY8"/>
+              </a:cxn>
+              <a:cxn ang="0">
+                <a:pos x="connsiteX9" y="connsiteY9"/>
+              </a:cxn>
+              <a:cxn ang="0">
+                <a:pos x="connsiteX10" y="connsiteY10"/>
+              </a:cxn>
+              <a:cxn ang="0">
+                <a:pos x="connsiteX11" y="connsiteY11"/>
+              </a:cxn>
+              <a:cxn ang="0">
+                <a:pos x="connsiteX12" y="connsiteY12"/>
+              </a:cxn>
+              <a:cxn ang="0">
+                <a:pos x="connsiteX13" y="connsiteY13"/>
+              </a:cxn>
+              <a:cxn ang="0">
+                <a:pos x="connsiteX14" y="connsiteY14"/>
+              </a:cxn>
+              <a:cxn ang="0">
+                <a:pos x="connsiteX15" y="connsiteY15"/>
+              </a:cxn>
+              <a:cxn ang="0">
+                <a:pos x="connsiteX16" y="connsiteY16"/>
+              </a:cxn>
+              <a:cxn ang="0">
+                <a:pos x="connsiteX17" y="connsiteY17"/>
+              </a:cxn>
+              <a:cxn ang="0">
+                <a:pos x="connsiteX18" y="connsiteY18"/>
+              </a:cxn>
+              <a:cxn ang="0">
+                <a:pos x="connsiteX19" y="connsiteY19"/>
+              </a:cxn>
+              <a:cxn ang="0">
+                <a:pos x="connsiteX20" y="connsiteY20"/>
+              </a:cxn>
+              <a:cxn ang="0">
+                <a:pos x="connsiteX21" y="connsiteY21"/>
+              </a:cxn>
+              <a:cxn ang="0">
+                <a:pos x="connsiteX22" y="connsiteY22"/>
+              </a:cxn>
+              <a:cxn ang="0">
+                <a:pos x="connsiteX23" y="connsiteY23"/>
+              </a:cxn>
+              <a:cxn ang="0">
+                <a:pos x="connsiteX24" y="connsiteY24"/>
+              </a:cxn>
+              <a:cxn ang="0">
+                <a:pos x="connsiteX25" y="connsiteY25"/>
+              </a:cxn>
+              <a:cxn ang="0">
+                <a:pos x="connsiteX26" y="connsiteY26"/>
+              </a:cxn>
+              <a:cxn ang="0">
+                <a:pos x="connsiteX27" y="connsiteY27"/>
+              </a:cxn>
+              <a:cxn ang="0">
+                <a:pos x="connsiteX28" y="connsiteY28"/>
+              </a:cxn>
+              <a:cxn ang="0">
+                <a:pos x="connsiteX29" y="connsiteY29"/>
+              </a:cxn>
+              <a:cxn ang="0">
+                <a:pos x="connsiteX30" y="connsiteY30"/>
+              </a:cxn>
+              <a:cxn ang="0">
+                <a:pos x="connsiteX31" y="connsiteY31"/>
+              </a:cxn>
+              <a:cxn ang="0">
+                <a:pos x="connsiteX32" y="connsiteY32"/>
+              </a:cxn>
+              <a:cxn ang="0">
+                <a:pos x="connsiteX33" y="connsiteY33"/>
+              </a:cxn>
+              <a:cxn ang="0">
+                <a:pos x="connsiteX34" y="connsiteY34"/>
+              </a:cxn>
+              <a:cxn ang="0">
+                <a:pos x="connsiteX35" y="connsiteY35"/>
+              </a:cxn>
+              <a:cxn ang="0">
+                <a:pos x="connsiteX36" y="connsiteY36"/>
+              </a:cxn>
+              <a:cxn ang="0">
+                <a:pos x="connsiteX37" y="connsiteY37"/>
+              </a:cxn>
+              <a:cxn ang="0">
+                <a:pos x="connsiteX38" y="connsiteY38"/>
+              </a:cxn>
+              <a:cxn ang="0">
+                <a:pos x="connsiteX39" y="connsiteY39"/>
+              </a:cxn>
+              <a:cxn ang="0">
+                <a:pos x="connsiteX40" y="connsiteY40"/>
+              </a:cxn>
+              <a:cxn ang="0">
+                <a:pos x="connsiteX41" y="connsiteY41"/>
+              </a:cxn>
+              <a:cxn ang="0">
+                <a:pos x="connsiteX42" y="connsiteY42"/>
+              </a:cxn>
+              <a:cxn ang="0">
+                <a:pos x="connsiteX43" y="connsiteY43"/>
+              </a:cxn>
+              <a:cxn ang="0">
+                <a:pos x="connsiteX44" y="connsiteY44"/>
+              </a:cxn>
+              <a:cxn ang="0">
+                <a:pos x="connsiteX45" y="connsiteY45"/>
+              </a:cxn>
+              <a:cxn ang="0">
+                <a:pos x="connsiteX46" y="connsiteY46"/>
+              </a:cxn>
+              <a:cxn ang="0">
+                <a:pos x="connsiteX47" y="connsiteY47"/>
+              </a:cxn>
+            </a:cxnLst>
+            <a:rect l="l" t="t" r="r" b="b"/>
+            <a:pathLst>
+              <a:path w="3021543" h="1532055">
+                <a:moveTo>
+                  <a:pt x="3021543" y="0"/>
+                </a:moveTo>
+                <a:lnTo>
+                  <a:pt x="2963800" y="7730"/>
+                </a:lnTo>
+                <a:cubicBezTo>
+                  <a:pt x="2907134" y="14919"/>
+                  <a:pt x="2850469" y="24506"/>
+                  <a:pt x="2793803" y="25704"/>
+                </a:cubicBezTo>
+                <a:cubicBezTo>
+                  <a:pt x="2667318" y="29298"/>
+                  <a:pt x="2539821" y="20911"/>
+                  <a:pt x="2414348" y="31695"/>
+                </a:cubicBezTo>
+                <a:cubicBezTo>
+                  <a:pt x="2307089" y="41281"/>
+                  <a:pt x="2198818" y="30497"/>
+                  <a:pt x="2091558" y="29298"/>
+                </a:cubicBezTo>
+                <a:cubicBezTo>
+                  <a:pt x="1942812" y="28100"/>
+                  <a:pt x="1793053" y="19713"/>
+                  <a:pt x="1645319" y="30497"/>
+                </a:cubicBezTo>
+                <a:cubicBezTo>
+                  <a:pt x="1510738" y="38885"/>
+                  <a:pt x="1376158" y="41281"/>
+                  <a:pt x="1243602" y="64048"/>
+                </a:cubicBezTo>
+                <a:cubicBezTo>
+                  <a:pt x="1079677" y="76030"/>
+                  <a:pt x="916765" y="68841"/>
+                  <a:pt x="753851" y="61651"/>
+                </a:cubicBezTo>
+                <a:cubicBezTo>
+                  <a:pt x="653675" y="56858"/>
+                  <a:pt x="554511" y="41281"/>
+                  <a:pt x="465465" y="123960"/>
+                </a:cubicBezTo>
+                <a:cubicBezTo>
+                  <a:pt x="489751" y="143132"/>
+                  <a:pt x="519095" y="139537"/>
+                  <a:pt x="546416" y="145529"/>
+                </a:cubicBezTo>
+                <a:cubicBezTo>
+                  <a:pt x="594986" y="157511"/>
+                  <a:pt x="643557" y="169493"/>
+                  <a:pt x="689091" y="192260"/>
+                </a:cubicBezTo>
+                <a:cubicBezTo>
+                  <a:pt x="699210" y="197053"/>
+                  <a:pt x="708317" y="206639"/>
+                  <a:pt x="704269" y="222217"/>
+                </a:cubicBezTo>
+                <a:cubicBezTo>
+                  <a:pt x="701234" y="234199"/>
+                  <a:pt x="691115" y="234199"/>
+                  <a:pt x="683020" y="236595"/>
+                </a:cubicBezTo>
+                <a:cubicBezTo>
+                  <a:pt x="664806" y="243785"/>
+                  <a:pt x="642545" y="238992"/>
+                  <a:pt x="621295" y="264155"/>
+                </a:cubicBezTo>
+                <a:cubicBezTo>
+                  <a:pt x="702245" y="277336"/>
+                  <a:pt x="780160" y="252172"/>
+                  <a:pt x="848968" y="304896"/>
+                </a:cubicBezTo>
+                <a:cubicBezTo>
+                  <a:pt x="823671" y="331257"/>
+                  <a:pt x="795339" y="325266"/>
+                  <a:pt x="768018" y="330059"/>
+                </a:cubicBezTo>
+                <a:cubicBezTo>
+                  <a:pt x="739685" y="334852"/>
+                  <a:pt x="712365" y="343240"/>
+                  <a:pt x="684032" y="348032"/>
+                </a:cubicBezTo>
+                <a:cubicBezTo>
+                  <a:pt x="653675" y="354023"/>
+                  <a:pt x="623319" y="355222"/>
+                  <a:pt x="592962" y="361213"/>
+                </a:cubicBezTo>
+                <a:cubicBezTo>
+                  <a:pt x="567666" y="366006"/>
+                  <a:pt x="540345" y="357618"/>
+                  <a:pt x="509988" y="387575"/>
+                </a:cubicBezTo>
+                <a:cubicBezTo>
+                  <a:pt x="584867" y="409143"/>
+                  <a:pt x="652663" y="376790"/>
+                  <a:pt x="726531" y="398359"/>
+                </a:cubicBezTo>
+                <a:cubicBezTo>
+                  <a:pt x="683020" y="417531"/>
+                  <a:pt x="647604" y="411539"/>
+                  <a:pt x="614212" y="422324"/>
+                </a:cubicBezTo>
+                <a:cubicBezTo>
+                  <a:pt x="583855" y="433108"/>
+                  <a:pt x="547428" y="421126"/>
+                  <a:pt x="522131" y="453478"/>
+                </a:cubicBezTo>
+                <a:cubicBezTo>
+                  <a:pt x="502905" y="478641"/>
+                  <a:pt x="482668" y="482236"/>
+                  <a:pt x="457370" y="467857"/>
+                </a:cubicBezTo>
+                <a:cubicBezTo>
+                  <a:pt x="435109" y="454676"/>
+                  <a:pt x="410824" y="458271"/>
+                  <a:pt x="388562" y="471452"/>
+                </a:cubicBezTo>
+                <a:cubicBezTo>
+                  <a:pt x="380468" y="476245"/>
+                  <a:pt x="372372" y="482236"/>
+                  <a:pt x="372372" y="494218"/>
+                </a:cubicBezTo>
+                <a:cubicBezTo>
+                  <a:pt x="372372" y="510994"/>
+                  <a:pt x="382491" y="515787"/>
+                  <a:pt x="393622" y="518184"/>
+                </a:cubicBezTo>
+                <a:cubicBezTo>
+                  <a:pt x="403741" y="520580"/>
+                  <a:pt x="415883" y="522977"/>
+                  <a:pt x="426002" y="520580"/>
+                </a:cubicBezTo>
+                <a:cubicBezTo>
+                  <a:pt x="490762" y="507399"/>
+                  <a:pt x="554511" y="528968"/>
+                  <a:pt x="619271" y="526571"/>
+                </a:cubicBezTo>
+                <a:cubicBezTo>
+                  <a:pt x="415883" y="578096"/>
+                  <a:pt x="210471" y="561321"/>
+                  <a:pt x="0" y="579294"/>
+                </a:cubicBezTo>
+                <a:cubicBezTo>
+                  <a:pt x="27321" y="615241"/>
+                  <a:pt x="62737" y="585286"/>
+                  <a:pt x="83986" y="611647"/>
+                </a:cubicBezTo>
+                <a:cubicBezTo>
+                  <a:pt x="63748" y="666766"/>
+                  <a:pt x="71844" y="696722"/>
+                  <a:pt x="112319" y="700317"/>
+                </a:cubicBezTo>
+                <a:cubicBezTo>
+                  <a:pt x="151782" y="703912"/>
+                  <a:pt x="194281" y="684740"/>
+                  <a:pt x="215531" y="750643"/>
+                </a:cubicBezTo>
+                <a:cubicBezTo>
+                  <a:pt x="221602" y="771014"/>
+                  <a:pt x="259042" y="765023"/>
+                  <a:pt x="282315" y="768617"/>
+                </a:cubicBezTo>
+                <a:cubicBezTo>
+                  <a:pt x="332909" y="777005"/>
+                  <a:pt x="386539" y="768617"/>
+                  <a:pt x="435109" y="794979"/>
+                </a:cubicBezTo>
+                <a:cubicBezTo>
+                  <a:pt x="454335" y="804565"/>
+                  <a:pt x="467489" y="811754"/>
+                  <a:pt x="457370" y="838116"/>
+                </a:cubicBezTo>
+                <a:cubicBezTo>
+                  <a:pt x="447252" y="865675"/>
+                  <a:pt x="460406" y="875261"/>
+                  <a:pt x="476596" y="886046"/>
+                </a:cubicBezTo>
+                <a:cubicBezTo>
+                  <a:pt x="488739" y="894433"/>
+                  <a:pt x="506953" y="892037"/>
+                  <a:pt x="517071" y="917200"/>
+                </a:cubicBezTo>
+                <a:cubicBezTo>
+                  <a:pt x="410824" y="913605"/>
+                  <a:pt x="307612" y="893235"/>
+                  <a:pt x="202377" y="912407"/>
+                </a:cubicBezTo>
+                <a:cubicBezTo>
+                  <a:pt x="317731" y="960337"/>
+                  <a:pt x="444216" y="957940"/>
+                  <a:pt x="557546" y="1013060"/>
+                </a:cubicBezTo>
+                <a:cubicBezTo>
+                  <a:pt x="553499" y="1032232"/>
+                  <a:pt x="527190" y="1023844"/>
+                  <a:pt x="526178" y="1052602"/>
+                </a:cubicBezTo>
+                <a:cubicBezTo>
+                  <a:pt x="585879" y="1082558"/>
+                  <a:pt x="657723" y="1062188"/>
+                  <a:pt x="720459" y="1106523"/>
+                </a:cubicBezTo>
+                <a:cubicBezTo>
+                  <a:pt x="684032" y="1126893"/>
+                  <a:pt x="650640" y="1093342"/>
+                  <a:pt x="616236" y="1112514"/>
+                </a:cubicBezTo>
+                <a:cubicBezTo>
+                  <a:pt x="627367" y="1141273"/>
+                  <a:pt x="1131283" y="1318613"/>
+                  <a:pt x="1222353" y="1337785"/>
+                </a:cubicBezTo>
+                <a:cubicBezTo>
+                  <a:pt x="1407527" y="1377327"/>
+                  <a:pt x="1940788" y="1477980"/>
+                  <a:pt x="2087511" y="1500747"/>
+                </a:cubicBezTo>
+                <a:cubicBezTo>
+                  <a:pt x="2200841" y="1517522"/>
+                  <a:pt x="2313160" y="1530703"/>
+                  <a:pt x="2425479" y="1531901"/>
+                </a:cubicBezTo>
+                <a:cubicBezTo>
+                  <a:pt x="2553988" y="1533099"/>
+                  <a:pt x="2681485" y="1527108"/>
+                  <a:pt x="2809994" y="1522315"/>
+                </a:cubicBezTo>
+                <a:cubicBezTo>
+                  <a:pt x="2858058" y="1520518"/>
+                  <a:pt x="2905933" y="1517372"/>
+                  <a:pt x="2953618" y="1512448"/>
+                </a:cubicBezTo>
+                <a:lnTo>
+                  <a:pt x="3021543" y="1502657"/>
+                </a:lnTo>
+                <a:close/>
+              </a:path>
+            </a:pathLst>
+          </a:custGeom>
+          <a:solidFill>
+            <a:schemeClr val="bg2">
+              <a:alpha val="50000"/>
+            </a:schemeClr>
+          </a:solidFill>
+          <a:ln w="32707" cap="flat">
+            <a:noFill/>
+            <a:prstDash val="solid"/>
+            <a:miter/>
+          </a:ln>
+        </p:spPr>
+        <p:txBody>
+          <a:bodyPr rtlCol="0" anchor="ctr"/>
+          <a:lstStyle/>
+          <a:p>
+            <a:endParaRPr lang="en-US" dirty="0"/>
+          </a:p>
+        </p:txBody>
+      </p:sp>
+      <p:sp>
+        <p:nvSpPr>
+          <p:cNvPr id="2" name="Title 1">
+            <a:extLst>
+              <a:ext uri="{FF2B5EF4-FFF2-40B4-BE49-F238E27FC236}">
+                <a16:creationId xmlns:a16="http://schemas.microsoft.com/office/drawing/2014/main" id="{FB95DD54-E165-01EF-D86F-5A72A63C69D2}"/>
+              </a:ext>
+            </a:extLst>
+          </p:cNvPr>
+          <p:cNvSpPr>
+            <a:spLocks noGrp="1"/>
+          </p:cNvSpPr>
+          <p:nvPr>
+            <p:ph type="title"/>
+          </p:nvPr>
+        </p:nvSpPr>
+        <p:spPr>
+          <a:xfrm>
+            <a:off x="838200" y="838199"/>
+            <a:ext cx="4191000" cy="5338763"/>
+          </a:xfrm>
+        </p:spPr>
+        <p:txBody>
+          <a:bodyPr>
+            <a:normAutofit/>
+          </a:bodyPr>
+          <a:lstStyle/>
+          <a:p>
+            <a:r>
+              <a:rPr lang="en-US"/>
+              <a:t>Runtime and system software</a:t>
+            </a:r>
+            <a:endParaRPr lang="en-US" dirty="0"/>
+          </a:p>
+        </p:txBody>
+      </p:sp>
+      <p:sp>
+        <p:nvSpPr>
+          <p:cNvPr id="3" name="Content Placeholder 2">
+            <a:extLst>
+              <a:ext uri="{FF2B5EF4-FFF2-40B4-BE49-F238E27FC236}">
+                <a16:creationId xmlns:a16="http://schemas.microsoft.com/office/drawing/2014/main" id="{15E67F1A-34F8-361C-236C-F98C4C9FE28B}"/>
+              </a:ext>
+            </a:extLst>
+          </p:cNvPr>
+          <p:cNvSpPr>
+            <a:spLocks noGrp="1"/>
+          </p:cNvSpPr>
+          <p:nvPr>
+            <p:ph idx="1"/>
+          </p:nvPr>
+        </p:nvSpPr>
+        <p:spPr>
+          <a:xfrm>
+            <a:off x="5302332" y="838199"/>
+            <a:ext cx="6051468" cy="5338763"/>
+          </a:xfrm>
+        </p:spPr>
+        <p:txBody>
+          <a:bodyPr anchor="ctr">
+            <a:normAutofit/>
+          </a:bodyPr>
+          <a:lstStyle/>
+          <a:p>
+            <a:pPr>
+              <a:buFont typeface="Arial" panose="020B0604020202020204" pitchFamily="34" charset="0"/>
+              <a:buChar char="•"/>
+            </a:pPr>
+            <a:r>
+              <a:rPr lang="en-US" sz="2000"/>
+              <a:t>Runtime systems manage computation, data transfer, and command execution.</a:t>
+            </a:r>
+          </a:p>
+          <a:p>
+            <a:pPr>
+              <a:buFont typeface="Arial" panose="020B0604020202020204" pitchFamily="34" charset="0"/>
+              <a:buChar char="•"/>
+            </a:pPr>
+            <a:r>
+              <a:rPr lang="en-US" sz="2000"/>
+              <a:t>Some standards exist, but most do not meet DMC requirements for converged applications.</a:t>
+            </a:r>
+          </a:p>
+          <a:p>
+            <a:pPr>
+              <a:buFont typeface="Arial" panose="020B0604020202020204" pitchFamily="34" charset="0"/>
+              <a:buChar char="•"/>
+            </a:pPr>
+            <a:r>
+              <a:rPr lang="en-US" sz="2000"/>
+              <a:t>DMC is developing technologies to integrate custom architectures and provide a seamless programming environment.</a:t>
+            </a:r>
+          </a:p>
+          <a:p>
+            <a:pPr>
+              <a:buFont typeface="Arial" panose="020B0604020202020204" pitchFamily="34" charset="0"/>
+              <a:buChar char="•"/>
+            </a:pPr>
+            <a:r>
+              <a:rPr lang="en-US" sz="2000"/>
+              <a:t>The DMC Minos Computing Library (MCL) manages computing and memory resources, exploits data locality on heterogeneous devices, and handles communication and data/control dependencies among tasks.</a:t>
+            </a:r>
+          </a:p>
+        </p:txBody>
+      </p:sp>
+    </p:spTree>
+    <p:extLst>
+      <p:ext uri="{BB962C8B-B14F-4D97-AF65-F5344CB8AC3E}">
+        <p14:creationId xmlns:p14="http://schemas.microsoft.com/office/powerpoint/2010/main" val="4840525"/>
+      </p:ext>
+    </p:extLst>
+  </p:cSld>
+  <p:clrMapOvr>
+    <a:masterClrMapping/>
+  </p:clrMapOvr>
+</p:sld>
+</file>
+
+<file path=ppt/slides/slide12.xml><?xml version="1.0" encoding="utf-8"?>
+<p:sld xmlns:a="http://schemas.openxmlformats.org/drawingml/2006/main" xmlns:r="http://schemas.openxmlformats.org/officeDocument/2006/relationships" xmlns:p="http://schemas.openxmlformats.org/presentationml/2006/main">
+  <p:cSld>
+    <p:bg>
+      <p:bgPr>
+        <a:solidFill>
+          <a:schemeClr val="bg1"/>
+        </a:solidFill>
+        <a:effectLst/>
+      </p:bgPr>
+    </p:bg>
+    <p:spTree>
+      <p:nvGrpSpPr>
+        <p:cNvPr id="1" name=""/>
+        <p:cNvGrpSpPr/>
+        <p:nvPr/>
+      </p:nvGrpSpPr>
+      <p:grpSpPr>
+        <a:xfrm>
+          <a:off x="0" y="0"/>
+          <a:ext cx="0" cy="0"/>
+          <a:chOff x="0" y="0"/>
+          <a:chExt cx="0" cy="0"/>
+        </a:xfrm>
+      </p:grpSpPr>
+      <p:sp useBgFill="1">
+        <p:nvSpPr>
           <p:cNvPr id="8" name="Rectangle 7">
             <a:extLst>
               <a:ext uri="{FF2B5EF4-FFF2-40B4-BE49-F238E27FC236}">
@@ -7511,7 +10895,7 @@
 </p:sld>
 </file>
 
-<file path=ppt/slides/slide11.xml><?xml version="1.0" encoding="utf-8"?>
+<file path=ppt/slides/slide13.xml><?xml version="1.0" encoding="utf-8"?>
 <p:sld xmlns:a="http://schemas.openxmlformats.org/drawingml/2006/main" xmlns:r="http://schemas.openxmlformats.org/officeDocument/2006/relationships" xmlns:p="http://schemas.openxmlformats.org/presentationml/2006/main">
   <p:cSld>
     <p:bg>
@@ -7861,7 +11245,7 @@
 </p:sld>
 </file>
 
-<file path=ppt/slides/slide12.xml><?xml version="1.0" encoding="utf-8"?>
+<file path=ppt/slides/slide14.xml><?xml version="1.0" encoding="utf-8"?>
 <p:sld xmlns:a="http://schemas.openxmlformats.org/drawingml/2006/main" xmlns:r="http://schemas.openxmlformats.org/officeDocument/2006/relationships" xmlns:p="http://schemas.openxmlformats.org/presentationml/2006/main">
   <p:cSld>
     <p:bg>
@@ -8594,7 +11978,7 @@
 </p:sld>
 </file>
 
-<file path=ppt/slides/slide13.xml><?xml version="1.0" encoding="utf-8"?>
+<file path=ppt/slides/slide15.xml><?xml version="1.0" encoding="utf-8"?>
 <p:sld xmlns:a="http://schemas.openxmlformats.org/drawingml/2006/main" xmlns:r="http://schemas.openxmlformats.org/officeDocument/2006/relationships" xmlns:p="http://schemas.openxmlformats.org/presentationml/2006/main">
   <p:cSld>
     <p:bg>
@@ -9341,7 +12725,7 @@
 </p:sld>
 </file>
 
-<file path=ppt/slides/slide14.xml><?xml version="1.0" encoding="utf-8"?>
+<file path=ppt/slides/slide16.xml><?xml version="1.0" encoding="utf-8"?>
 <p:sld xmlns:a="http://schemas.openxmlformats.org/drawingml/2006/main" xmlns:r="http://schemas.openxmlformats.org/officeDocument/2006/relationships" xmlns:p="http://schemas.openxmlformats.org/presentationml/2006/main">
   <p:cSld>
     <p:bg>
@@ -14594,6 +17978,425 @@
 </file>
 
 <file path=ppt/slides/slide7.xml><?xml version="1.0" encoding="utf-8"?>
+<p:sld xmlns:a="http://schemas.openxmlformats.org/drawingml/2006/main" xmlns:r="http://schemas.openxmlformats.org/officeDocument/2006/relationships" xmlns:p="http://schemas.openxmlformats.org/presentationml/2006/main">
+  <p:cSld>
+    <p:bg>
+      <p:bgPr>
+        <a:solidFill>
+          <a:schemeClr val="bg1"/>
+        </a:solidFill>
+        <a:effectLst/>
+      </p:bgPr>
+    </p:bg>
+    <p:spTree>
+      <p:nvGrpSpPr>
+        <p:cNvPr id="1" name=""/>
+        <p:cNvGrpSpPr/>
+        <p:nvPr/>
+      </p:nvGrpSpPr>
+      <p:grpSpPr>
+        <a:xfrm>
+          <a:off x="0" y="0"/>
+          <a:ext cx="0" cy="0"/>
+          <a:chOff x="0" y="0"/>
+          <a:chExt cx="0" cy="0"/>
+        </a:xfrm>
+      </p:grpSpPr>
+      <p:sp useBgFill="1">
+        <p:nvSpPr>
+          <p:cNvPr id="25" name="Rectangle 24">
+            <a:extLst>
+              <a:ext uri="{FF2B5EF4-FFF2-40B4-BE49-F238E27FC236}">
+                <a16:creationId xmlns:a16="http://schemas.microsoft.com/office/drawing/2014/main" id="{3346177D-ADC4-4968-B747-5CFCD390B5B9}"/>
+              </a:ext>
+              <a:ext uri="{C183D7F6-B498-43B3-948B-1728B52AA6E4}">
+                <adec:decorative xmlns:adec="http://schemas.microsoft.com/office/drawing/2017/decorative" val="1"/>
+              </a:ext>
+            </a:extLst>
+          </p:cNvPr>
+          <p:cNvSpPr>
+            <a:spLocks noGrp="1" noRot="1" noChangeAspect="1" noMove="1" noResize="1" noEditPoints="1" noAdjustHandles="1" noChangeArrowheads="1" noChangeShapeType="1" noTextEdit="1"/>
+          </p:cNvSpPr>
+          <p:nvPr>
+            <p:extLst>
+              <p:ext uri="{386F3935-93C4-4BCD-93E2-E3B085C9AB24}">
+                <p16:designElem xmlns:p16="http://schemas.microsoft.com/office/powerpoint/2015/main" val="1"/>
+              </p:ext>
+            </p:extLst>
+          </p:nvPr>
+        </p:nvSpPr>
+        <p:spPr>
+          <a:xfrm>
+            <a:off x="0" y="0"/>
+            <a:ext cx="12192000" cy="6858000"/>
+          </a:xfrm>
+          <a:prstGeom prst="rect">
+            <a:avLst/>
+          </a:prstGeom>
+          <a:ln w="12700" cap="flat" cmpd="sng" algn="ctr">
+            <a:noFill/>
+            <a:prstDash val="solid"/>
+            <a:miter lim="800000"/>
+          </a:ln>
+          <a:effectLst/>
+          <a:extLst>
+            <a:ext uri="{91240B29-F687-4F45-9708-019B960494DF}">
+              <a14:hiddenLine xmlns:a14="http://schemas.microsoft.com/office/drawing/2010/main" w="12700" cap="flat" cmpd="sng" algn="ctr">
+                <a:solidFill>
+                  <a:schemeClr val="accent1">
+                    <a:shade val="50000"/>
+                  </a:schemeClr>
+                </a:solidFill>
+                <a:prstDash val="solid"/>
+                <a:miter lim="800000"/>
+              </a14:hiddenLine>
+            </a:ext>
+          </a:extLst>
+        </p:spPr>
+        <p:style>
+          <a:lnRef idx="2">
+            <a:schemeClr val="accent1">
+              <a:shade val="50000"/>
+            </a:schemeClr>
+          </a:lnRef>
+          <a:fillRef idx="1">
+            <a:schemeClr val="accent1"/>
+          </a:fillRef>
+          <a:effectRef idx="0">
+            <a:schemeClr val="accent1"/>
+          </a:effectRef>
+          <a:fontRef idx="minor">
+            <a:schemeClr val="lt1"/>
+          </a:fontRef>
+        </p:style>
+        <p:txBody>
+          <a:bodyPr rtlCol="0" anchor="ctr"/>
+          <a:lstStyle/>
+          <a:p>
+            <a:pPr algn="ctr"/>
+            <a:endParaRPr lang="en-US"/>
+          </a:p>
+        </p:txBody>
+      </p:sp>
+      <p:sp>
+        <p:nvSpPr>
+          <p:cNvPr id="4" name="Title 3">
+            <a:extLst>
+              <a:ext uri="{FF2B5EF4-FFF2-40B4-BE49-F238E27FC236}">
+                <a16:creationId xmlns:a16="http://schemas.microsoft.com/office/drawing/2014/main" id="{129534F2-BFD4-84AC-BA09-D0AF50B12492}"/>
+              </a:ext>
+            </a:extLst>
+          </p:cNvPr>
+          <p:cNvSpPr>
+            <a:spLocks noGrp="1"/>
+          </p:cNvSpPr>
+          <p:nvPr>
+            <p:ph type="title"/>
+          </p:nvPr>
+        </p:nvSpPr>
+        <p:spPr>
+          <a:xfrm>
+            <a:off x="5596501" y="489508"/>
+            <a:ext cx="5754896" cy="1667569"/>
+          </a:xfrm>
+        </p:spPr>
+        <p:txBody>
+          <a:bodyPr anchor="b">
+            <a:normAutofit/>
+          </a:bodyPr>
+          <a:lstStyle/>
+          <a:p>
+            <a:r>
+              <a:rPr lang="en-US" sz="4000"/>
+              <a:t>Converged Applications: Use cases</a:t>
+            </a:r>
+          </a:p>
+        </p:txBody>
+      </p:sp>
+      <p:pic>
+        <p:nvPicPr>
+          <p:cNvPr id="22" name="Graphic 21" descr="Robot">
+            <a:extLst>
+              <a:ext uri="{FF2B5EF4-FFF2-40B4-BE49-F238E27FC236}">
+                <a16:creationId xmlns:a16="http://schemas.microsoft.com/office/drawing/2014/main" id="{6902B39A-D8A4-153D-A9A4-902C0B284E7B}"/>
+              </a:ext>
+            </a:extLst>
+          </p:cNvPr>
+          <p:cNvPicPr>
+            <a:picLocks noChangeAspect="1"/>
+          </p:cNvPicPr>
+          <p:nvPr/>
+        </p:nvPicPr>
+        <p:blipFill>
+          <a:blip r:embed="rId2">
+            <a:extLst>
+              <a:ext uri="{28A0092B-C50C-407E-A947-70E740481C1C}">
+                <a14:useLocalDpi xmlns:a14="http://schemas.microsoft.com/office/drawing/2010/main" val="0"/>
+              </a:ext>
+              <a:ext uri="{96DAC541-7B7A-43D3-8B79-37D633B846F1}">
+                <asvg:svgBlip xmlns:asvg="http://schemas.microsoft.com/office/drawing/2016/SVG/main" r:embed="rId3"/>
+              </a:ext>
+            </a:extLst>
+          </a:blip>
+          <a:stretch>
+            <a:fillRect/>
+          </a:stretch>
+        </p:blipFill>
+        <p:spPr>
+          <a:xfrm>
+            <a:off x="1068130" y="1275070"/>
+            <a:ext cx="3876165" cy="3876165"/>
+          </a:xfrm>
+          <a:prstGeom prst="rect">
+            <a:avLst/>
+          </a:prstGeom>
+        </p:spPr>
+      </p:pic>
+      <p:sp>
+        <p:nvSpPr>
+          <p:cNvPr id="11" name="Content Placeholder 10">
+            <a:extLst>
+              <a:ext uri="{FF2B5EF4-FFF2-40B4-BE49-F238E27FC236}">
+                <a16:creationId xmlns:a16="http://schemas.microsoft.com/office/drawing/2014/main" id="{83AB5DB9-39C9-7A02-FFEE-21B5E664FABB}"/>
+              </a:ext>
+            </a:extLst>
+          </p:cNvPr>
+          <p:cNvSpPr>
+            <a:spLocks noGrp="1"/>
+          </p:cNvSpPr>
+          <p:nvPr>
+            <p:ph idx="1"/>
+          </p:nvPr>
+        </p:nvSpPr>
+        <p:spPr>
+          <a:xfrm>
+            <a:off x="5596502" y="2405894"/>
+            <a:ext cx="5754896" cy="3197464"/>
+          </a:xfrm>
+        </p:spPr>
+        <p:txBody>
+          <a:bodyPr anchor="t">
+            <a:normAutofit/>
+          </a:bodyPr>
+          <a:lstStyle/>
+          <a:p>
+            <a:r>
+              <a:rPr lang="en-US" sz="2000">
+                <a:effectLst/>
+                <a:latin typeface="AdvTT4fc383fb.I"/>
+              </a:rPr>
+              <a:t>Embedding of domain knowledge in data-driven models </a:t>
+            </a:r>
+            <a:endParaRPr lang="en-US" sz="2000" dirty="0"/>
+          </a:p>
+          <a:p>
+            <a:r>
+              <a:rPr lang="en-US" sz="2000">
+                <a:effectLst/>
+                <a:latin typeface="AdvTT4fc383fb.I"/>
+              </a:rPr>
+              <a:t>Accelerate solutions of simulated complex dyna- mic systems </a:t>
+            </a:r>
+            <a:endParaRPr lang="en-US" sz="2000" dirty="0"/>
+          </a:p>
+          <a:p>
+            <a:r>
+              <a:rPr lang="en-US" sz="2000">
+                <a:effectLst/>
+                <a:latin typeface="AdvTT4fc383fb.I"/>
+              </a:rPr>
+              <a:t>Optimal decisions and control for dynamic systems are represented by scienti</a:t>
+            </a:r>
+            <a:r>
+              <a:rPr lang="en-US" sz="2000">
+                <a:effectLst/>
+                <a:latin typeface="AdvTT4fc383fb.I+fb"/>
+              </a:rPr>
+              <a:t>fi</a:t>
+            </a:r>
+            <a:r>
+              <a:rPr lang="en-US" sz="2000">
+                <a:effectLst/>
+                <a:latin typeface="AdvTT4fc383fb.I"/>
+              </a:rPr>
+              <a:t>c ML </a:t>
+            </a:r>
+            <a:endParaRPr lang="en-US" sz="2000" dirty="0"/>
+          </a:p>
+          <a:p>
+            <a:r>
+              <a:rPr lang="en-US" sz="2000">
+                <a:effectLst/>
+                <a:latin typeface="AdvTT4fc383fb.I"/>
+              </a:rPr>
+              <a:t>Hybridized algorithms for multiagent decision systems with underlying graphical topology </a:t>
+            </a:r>
+            <a:endParaRPr lang="en-US" sz="2000">
+              <a:effectLst/>
+            </a:endParaRPr>
+          </a:p>
+        </p:txBody>
+      </p:sp>
+      <p:sp>
+        <p:nvSpPr>
+          <p:cNvPr id="27" name="Rectangle 26">
+            <a:extLst>
+              <a:ext uri="{FF2B5EF4-FFF2-40B4-BE49-F238E27FC236}">
+                <a16:creationId xmlns:a16="http://schemas.microsoft.com/office/drawing/2014/main" id="{0844A943-BF79-4FEA-ABB1-3BD54D236606}"/>
+              </a:ext>
+              <a:ext uri="{C183D7F6-B498-43B3-948B-1728B52AA6E4}">
+                <adec:decorative xmlns:adec="http://schemas.microsoft.com/office/drawing/2017/decorative" val="1"/>
+              </a:ext>
+            </a:extLst>
+          </p:cNvPr>
+          <p:cNvSpPr>
+            <a:spLocks noGrp="1" noRot="1" noChangeAspect="1" noMove="1" noResize="1" noEditPoints="1" noAdjustHandles="1" noChangeArrowheads="1" noChangeShapeType="1" noTextEdit="1"/>
+          </p:cNvSpPr>
+          <p:nvPr>
+            <p:extLst>
+              <p:ext uri="{386F3935-93C4-4BCD-93E2-E3B085C9AB24}">
+                <p16:designElem xmlns:p16="http://schemas.microsoft.com/office/powerpoint/2015/main" val="1"/>
+              </p:ext>
+            </p:extLst>
+          </p:nvPr>
+        </p:nvSpPr>
+        <p:spPr>
+          <a:xfrm rot="10800000" flipH="1">
+            <a:off x="0" y="6400799"/>
+            <a:ext cx="12192000" cy="456773"/>
+          </a:xfrm>
+          <a:prstGeom prst="rect">
+            <a:avLst/>
+          </a:prstGeom>
+          <a:gradFill>
+            <a:gsLst>
+              <a:gs pos="0">
+                <a:schemeClr val="accent1"/>
+              </a:gs>
+              <a:gs pos="90000">
+                <a:srgbClr val="000000"/>
+              </a:gs>
+            </a:gsLst>
+            <a:lin ang="2400000" scaled="0"/>
+          </a:gradFill>
+          <a:ln>
+            <a:noFill/>
+          </a:ln>
+        </p:spPr>
+        <p:style>
+          <a:lnRef idx="2">
+            <a:schemeClr val="accent1">
+              <a:shade val="50000"/>
+            </a:schemeClr>
+          </a:lnRef>
+          <a:fillRef idx="1">
+            <a:schemeClr val="accent1"/>
+          </a:fillRef>
+          <a:effectRef idx="0">
+            <a:schemeClr val="accent1"/>
+          </a:effectRef>
+          <a:fontRef idx="minor">
+            <a:schemeClr val="lt1"/>
+          </a:fontRef>
+        </p:style>
+        <p:txBody>
+          <a:bodyPr rtlCol="0" anchor="ctr"/>
+          <a:lstStyle/>
+          <a:p>
+            <a:pPr algn="ctr"/>
+            <a:endParaRPr lang="en-US"/>
+          </a:p>
+        </p:txBody>
+      </p:sp>
+      <p:sp>
+        <p:nvSpPr>
+          <p:cNvPr id="29" name="Rectangle 28">
+            <a:extLst>
+              <a:ext uri="{FF2B5EF4-FFF2-40B4-BE49-F238E27FC236}">
+                <a16:creationId xmlns:a16="http://schemas.microsoft.com/office/drawing/2014/main" id="{6437CC72-F4A8-4DC3-AFAB-D22C482C8100}"/>
+              </a:ext>
+              <a:ext uri="{C183D7F6-B498-43B3-948B-1728B52AA6E4}">
+                <adec:decorative xmlns:adec="http://schemas.microsoft.com/office/drawing/2017/decorative" val="1"/>
+              </a:ext>
+            </a:extLst>
+          </p:cNvPr>
+          <p:cNvSpPr>
+            <a:spLocks noGrp="1" noRot="1" noChangeAspect="1" noMove="1" noResize="1" noEditPoints="1" noAdjustHandles="1" noChangeArrowheads="1" noChangeShapeType="1" noTextEdit="1"/>
+          </p:cNvSpPr>
+          <p:nvPr>
+            <p:extLst>
+              <p:ext uri="{386F3935-93C4-4BCD-93E2-E3B085C9AB24}">
+                <p16:designElem xmlns:p16="http://schemas.microsoft.com/office/powerpoint/2015/main" val="1"/>
+              </p:ext>
+            </p:extLst>
+          </p:nvPr>
+        </p:nvSpPr>
+        <p:spPr>
+          <a:xfrm flipH="1">
+            <a:off x="4038600" y="6400799"/>
+            <a:ext cx="8153398" cy="456772"/>
+          </a:xfrm>
+          <a:prstGeom prst="rect">
+            <a:avLst/>
+          </a:prstGeom>
+          <a:gradFill>
+            <a:gsLst>
+              <a:gs pos="0">
+                <a:srgbClr val="000000">
+                  <a:alpha val="50000"/>
+                </a:srgbClr>
+              </a:gs>
+              <a:gs pos="100000">
+                <a:schemeClr val="accent1">
+                  <a:lumMod val="75000"/>
+                </a:schemeClr>
+              </a:gs>
+            </a:gsLst>
+            <a:lin ang="13800000" scaled="0"/>
+          </a:gradFill>
+          <a:ln>
+            <a:noFill/>
+          </a:ln>
+        </p:spPr>
+        <p:style>
+          <a:lnRef idx="2">
+            <a:schemeClr val="accent1">
+              <a:shade val="50000"/>
+            </a:schemeClr>
+          </a:lnRef>
+          <a:fillRef idx="1">
+            <a:schemeClr val="accent1"/>
+          </a:fillRef>
+          <a:effectRef idx="0">
+            <a:schemeClr val="accent1"/>
+          </a:effectRef>
+          <a:fontRef idx="minor">
+            <a:schemeClr val="lt1"/>
+          </a:fontRef>
+        </p:style>
+        <p:txBody>
+          <a:bodyPr rtlCol="0" anchor="ctr"/>
+          <a:lstStyle/>
+          <a:p>
+            <a:pPr algn="ctr"/>
+            <a:endParaRPr lang="en-US"/>
+          </a:p>
+        </p:txBody>
+      </p:sp>
+    </p:spTree>
+    <p:extLst>
+      <p:ext uri="{BB962C8B-B14F-4D97-AF65-F5344CB8AC3E}">
+        <p14:creationId xmlns:p14="http://schemas.microsoft.com/office/powerpoint/2010/main" val="1376361426"/>
+      </p:ext>
+    </p:extLst>
+  </p:cSld>
+  <p:clrMapOvr>
+    <a:masterClrMapping/>
+  </p:clrMapOvr>
+</p:sld>
+</file>
+
+<file path=ppt/slides/slide8.xml><?xml version="1.0" encoding="utf-8"?>
 <p:sld xmlns:a="http://schemas.openxmlformats.org/drawingml/2006/main" xmlns:r="http://schemas.openxmlformats.org/officeDocument/2006/relationships" xmlns:p="http://schemas.openxmlformats.org/presentationml/2006/main">
   <p:cSld>
     <p:bg>
@@ -17250,7 +21053,7 @@
 </p:sld>
 </file>
 
-<file path=ppt/slides/slide8.xml><?xml version="1.0" encoding="utf-8"?>
+<file path=ppt/slides/slide9.xml><?xml version="1.0" encoding="utf-8"?>
 <p:sld xmlns:a="http://schemas.openxmlformats.org/drawingml/2006/main" xmlns:r="http://schemas.openxmlformats.org/officeDocument/2006/relationships" xmlns:p="http://schemas.openxmlformats.org/presentationml/2006/main">
   <p:cSld>
     <p:bg>
@@ -17277,10 +21080,10 @@
       </p:grpSpPr>
       <p:sp useBgFill="1">
         <p:nvSpPr>
-          <p:cNvPr id="12" name="Rectangle 7">
+          <p:cNvPr id="17" name="Rectangle 16">
             <a:extLst>
               <a:ext uri="{FF2B5EF4-FFF2-40B4-BE49-F238E27FC236}">
-                <a16:creationId xmlns:a16="http://schemas.microsoft.com/office/drawing/2014/main" id="{68717E5B-2C1D-4094-9D25-6FF6FBD92379}"/>
+                <a16:creationId xmlns:a16="http://schemas.microsoft.com/office/drawing/2014/main" id="{5D13CC36-B950-4F02-9BAF-9A7EB267398C}"/>
               </a:ext>
               <a:ext uri="{C183D7F6-B498-43B3-948B-1728B52AA6E4}">
                 <adec:decorative xmlns:adec="http://schemas.microsoft.com/office/drawing/2017/decorative" val="1"/>
@@ -17301,14 +21104,30 @@
         <p:spPr>
           <a:xfrm>
             <a:off x="0" y="0"/>
-            <a:ext cx="12188952" cy="6858000"/>
+            <a:ext cx="12192000" cy="6858000"/>
           </a:xfrm>
           <a:prstGeom prst="rect">
             <a:avLst/>
           </a:prstGeom>
-          <a:ln>
+          <a:ln w="12700" cap="flat" cmpd="sng" algn="ctr">
             <a:noFill/>
+            <a:prstDash val="solid"/>
+            <a:miter lim="800000"/>
           </a:ln>
+          <a:effectLst/>
+          <a:extLst>
+            <a:ext uri="{91240B29-F687-4F45-9708-019B960494DF}">
+              <a14:hiddenLine xmlns:a14="http://schemas.microsoft.com/office/drawing/2010/main" w="12700" cap="flat" cmpd="sng" algn="ctr">
+                <a:solidFill>
+                  <a:schemeClr val="accent1">
+                    <a:shade val="50000"/>
+                  </a:schemeClr>
+                </a:solidFill>
+                <a:prstDash val="solid"/>
+                <a:miter lim="800000"/>
+              </a14:hiddenLine>
+            </a:ext>
+          </a:extLst>
         </p:spPr>
         <p:style>
           <a:lnRef idx="2">
@@ -17337,2594 +21156,10 @@
       </p:sp>
       <p:sp>
         <p:nvSpPr>
-          <p:cNvPr id="13" name="Freeform: Shape 9">
+          <p:cNvPr id="19" name="Freeform: Shape 18">
             <a:extLst>
               <a:ext uri="{FF2B5EF4-FFF2-40B4-BE49-F238E27FC236}">
-                <a16:creationId xmlns:a16="http://schemas.microsoft.com/office/drawing/2014/main" id="{6B6E033A-DB2E-49B8-B600-B38E0C280263}"/>
-              </a:ext>
-              <a:ext uri="{C183D7F6-B498-43B3-948B-1728B52AA6E4}">
-                <adec:decorative xmlns:adec="http://schemas.microsoft.com/office/drawing/2017/decorative" val="1"/>
-              </a:ext>
-            </a:extLst>
-          </p:cNvPr>
-          <p:cNvSpPr>
-            <a:spLocks noGrp="1" noRot="1" noChangeAspect="1" noMove="1" noResize="1" noEditPoints="1" noAdjustHandles="1" noChangeArrowheads="1" noChangeShapeType="1" noTextEdit="1"/>
-          </p:cNvSpPr>
-          <p:nvPr>
-            <p:extLst>
-              <p:ext uri="{386F3935-93C4-4BCD-93E2-E3B085C9AB24}">
-                <p16:designElem xmlns:p16="http://schemas.microsoft.com/office/powerpoint/2015/main" val="1"/>
-              </p:ext>
-            </p:extLst>
-          </p:nvPr>
-        </p:nvSpPr>
-        <p:spPr>
-          <a:xfrm>
-            <a:off x="609600" y="1219200"/>
-            <a:ext cx="4510838" cy="3804557"/>
-          </a:xfrm>
-          <a:custGeom>
-            <a:avLst/>
-            <a:gdLst>
-              <a:gd name="connsiteX0" fmla="*/ 5462602 w 5470628"/>
-              <a:gd name="connsiteY0" fmla="*/ 1413608 h 3193741"/>
-              <a:gd name="connsiteX1" fmla="*/ 5465724 w 5470628"/>
-              <a:gd name="connsiteY1" fmla="*/ 1421881 h 3193741"/>
-              <a:gd name="connsiteX2" fmla="*/ 5465025 w 5470628"/>
-              <a:gd name="connsiteY2" fmla="*/ 1466556 h 3193741"/>
-              <a:gd name="connsiteX3" fmla="*/ 5463208 w 5470628"/>
-              <a:gd name="connsiteY3" fmla="*/ 1466226 h 3193741"/>
-              <a:gd name="connsiteX4" fmla="*/ 5463242 w 5470628"/>
-              <a:gd name="connsiteY4" fmla="*/ 1451866 h 3193741"/>
-              <a:gd name="connsiteX5" fmla="*/ 5462894 w 5470628"/>
-              <a:gd name="connsiteY5" fmla="*/ 1423194 h 3193741"/>
-              <a:gd name="connsiteX6" fmla="*/ 5461417 w 5470628"/>
-              <a:gd name="connsiteY6" fmla="*/ 1391849 h 3193741"/>
-              <a:gd name="connsiteX7" fmla="*/ 5462246 w 5470628"/>
-              <a:gd name="connsiteY7" fmla="*/ 1401944 h 3193741"/>
-              <a:gd name="connsiteX8" fmla="*/ 5462602 w 5470628"/>
-              <a:gd name="connsiteY8" fmla="*/ 1413608 h 3193741"/>
-              <a:gd name="connsiteX9" fmla="*/ 5459078 w 5470628"/>
-              <a:gd name="connsiteY9" fmla="*/ 1404268 h 3193741"/>
-              <a:gd name="connsiteX10" fmla="*/ 5460137 w 5470628"/>
-              <a:gd name="connsiteY10" fmla="*/ 1393780 h 3193741"/>
-              <a:gd name="connsiteX11" fmla="*/ 5461417 w 5470628"/>
-              <a:gd name="connsiteY11" fmla="*/ 1391849 h 3193741"/>
-              <a:gd name="connsiteX12" fmla="*/ 614271 w 5470628"/>
-              <a:gd name="connsiteY12" fmla="*/ 1052206 h 3193741"/>
-              <a:gd name="connsiteX13" fmla="*/ 611497 w 5470628"/>
-              <a:gd name="connsiteY13" fmla="*/ 1055389 h 3193741"/>
-              <a:gd name="connsiteX14" fmla="*/ 630277 w 5470628"/>
-              <a:gd name="connsiteY14" fmla="*/ 1065215 h 3193741"/>
-              <a:gd name="connsiteX15" fmla="*/ 651856 w 5470628"/>
-              <a:gd name="connsiteY15" fmla="*/ 1067584 h 3193741"/>
-              <a:gd name="connsiteX16" fmla="*/ 614271 w 5470628"/>
-              <a:gd name="connsiteY16" fmla="*/ 1052206 h 3193741"/>
-              <a:gd name="connsiteX17" fmla="*/ 810628 w 5470628"/>
-              <a:gd name="connsiteY17" fmla="*/ 695550 h 3193741"/>
-              <a:gd name="connsiteX18" fmla="*/ 1033084 w 5470628"/>
-              <a:gd name="connsiteY18" fmla="*/ 791270 h 3193741"/>
-              <a:gd name="connsiteX19" fmla="*/ 1036153 w 5470628"/>
-              <a:gd name="connsiteY19" fmla="*/ 788050 h 3193741"/>
-              <a:gd name="connsiteX20" fmla="*/ 810628 w 5470628"/>
-              <a:gd name="connsiteY20" fmla="*/ 695550 h 3193741"/>
-              <a:gd name="connsiteX21" fmla="*/ 4850908 w 5470628"/>
-              <a:gd name="connsiteY21" fmla="*/ 727 h 3193741"/>
-              <a:gd name="connsiteX22" fmla="*/ 4858584 w 5470628"/>
-              <a:gd name="connsiteY22" fmla="*/ 13795 h 3193741"/>
-              <a:gd name="connsiteX23" fmla="*/ 4843408 w 5470628"/>
-              <a:gd name="connsiteY23" fmla="*/ 37224 h 3193741"/>
-              <a:gd name="connsiteX24" fmla="*/ 4871062 w 5470628"/>
-              <a:gd name="connsiteY24" fmla="*/ 78954 h 3193741"/>
-              <a:gd name="connsiteX25" fmla="*/ 4989038 w 5470628"/>
-              <a:gd name="connsiteY25" fmla="*/ 66799 h 3193741"/>
-              <a:gd name="connsiteX26" fmla="*/ 5002636 w 5470628"/>
-              <a:gd name="connsiteY26" fmla="*/ 79388 h 3193741"/>
-              <a:gd name="connsiteX27" fmla="*/ 5008332 w 5470628"/>
-              <a:gd name="connsiteY27" fmla="*/ 140859 h 3193741"/>
-              <a:gd name="connsiteX28" fmla="*/ 5014326 w 5470628"/>
-              <a:gd name="connsiteY28" fmla="*/ 155555 h 3193741"/>
-              <a:gd name="connsiteX29" fmla="*/ 5030704 w 5470628"/>
-              <a:gd name="connsiteY29" fmla="*/ 221190 h 3193741"/>
-              <a:gd name="connsiteX30" fmla="*/ 5097262 w 5470628"/>
-              <a:gd name="connsiteY30" fmla="*/ 317759 h 3193741"/>
-              <a:gd name="connsiteX31" fmla="*/ 5165084 w 5470628"/>
-              <a:gd name="connsiteY31" fmla="*/ 373367 h 3193741"/>
-              <a:gd name="connsiteX32" fmla="*/ 5174137 w 5470628"/>
-              <a:gd name="connsiteY32" fmla="*/ 389353 h 3193741"/>
-              <a:gd name="connsiteX33" fmla="*/ 5192507 w 5470628"/>
-              <a:gd name="connsiteY33" fmla="*/ 453561 h 3193741"/>
-              <a:gd name="connsiteX34" fmla="*/ 5187160 w 5470628"/>
-              <a:gd name="connsiteY34" fmla="*/ 467732 h 3193741"/>
-              <a:gd name="connsiteX35" fmla="*/ 5160106 w 5470628"/>
-              <a:gd name="connsiteY35" fmla="*/ 486904 h 3193741"/>
-              <a:gd name="connsiteX36" fmla="*/ 5138948 w 5470628"/>
-              <a:gd name="connsiteY36" fmla="*/ 528614 h 3193741"/>
-              <a:gd name="connsiteX37" fmla="*/ 5097016 w 5470628"/>
-              <a:gd name="connsiteY37" fmla="*/ 589923 h 3193741"/>
-              <a:gd name="connsiteX38" fmla="*/ 5075869 w 5470628"/>
-              <a:gd name="connsiteY38" fmla="*/ 608381 h 3193741"/>
-              <a:gd name="connsiteX39" fmla="*/ 5093172 w 5470628"/>
-              <a:gd name="connsiteY39" fmla="*/ 618385 h 3193741"/>
-              <a:gd name="connsiteX40" fmla="*/ 5153518 w 5470628"/>
-              <a:gd name="connsiteY40" fmla="*/ 687474 h 3193741"/>
-              <a:gd name="connsiteX41" fmla="*/ 5074984 w 5470628"/>
-              <a:gd name="connsiteY41" fmla="*/ 776941 h 3193741"/>
-              <a:gd name="connsiteX42" fmla="*/ 5033348 w 5470628"/>
-              <a:gd name="connsiteY42" fmla="*/ 805473 h 3193741"/>
-              <a:gd name="connsiteX43" fmla="*/ 5116847 w 5470628"/>
-              <a:gd name="connsiteY43" fmla="*/ 803426 h 3193741"/>
-              <a:gd name="connsiteX44" fmla="*/ 5147902 w 5470628"/>
-              <a:gd name="connsiteY44" fmla="*/ 833118 h 3193741"/>
-              <a:gd name="connsiteX45" fmla="*/ 5161665 w 5470628"/>
-              <a:gd name="connsiteY45" fmla="*/ 848297 h 3193741"/>
-              <a:gd name="connsiteX46" fmla="*/ 5246520 w 5470628"/>
-              <a:gd name="connsiteY46" fmla="*/ 942412 h 3193741"/>
-              <a:gd name="connsiteX47" fmla="*/ 5235368 w 5470628"/>
-              <a:gd name="connsiteY47" fmla="*/ 972946 h 3193741"/>
-              <a:gd name="connsiteX48" fmla="*/ 5113739 w 5470628"/>
-              <a:gd name="connsiteY48" fmla="*/ 1128845 h 3193741"/>
-              <a:gd name="connsiteX49" fmla="*/ 5255034 w 5470628"/>
-              <a:gd name="connsiteY49" fmla="*/ 1151117 h 3193741"/>
-              <a:gd name="connsiteX50" fmla="*/ 5267513 w 5470628"/>
-              <a:gd name="connsiteY50" fmla="*/ 1216275 h 3193741"/>
-              <a:gd name="connsiteX51" fmla="*/ 5343113 w 5470628"/>
-              <a:gd name="connsiteY51" fmla="*/ 1281854 h 3193741"/>
-              <a:gd name="connsiteX52" fmla="*/ 5452014 w 5470628"/>
-              <a:gd name="connsiteY52" fmla="*/ 1385543 h 3193741"/>
-              <a:gd name="connsiteX53" fmla="*/ 5459078 w 5470628"/>
-              <a:gd name="connsiteY53" fmla="*/ 1404268 h 3193741"/>
-              <a:gd name="connsiteX54" fmla="*/ 5458838 w 5470628"/>
-              <a:gd name="connsiteY54" fmla="*/ 1406644 h 3193741"/>
-              <a:gd name="connsiteX55" fmla="*/ 5455752 w 5470628"/>
-              <a:gd name="connsiteY55" fmla="*/ 1450751 h 3193741"/>
-              <a:gd name="connsiteX56" fmla="*/ 5454594 w 5470628"/>
-              <a:gd name="connsiteY56" fmla="*/ 1464662 h 3193741"/>
-              <a:gd name="connsiteX57" fmla="*/ 5447215 w 5470628"/>
-              <a:gd name="connsiteY57" fmla="*/ 1463321 h 3193741"/>
-              <a:gd name="connsiteX58" fmla="*/ 5433934 w 5470628"/>
-              <a:gd name="connsiteY58" fmla="*/ 1458428 h 3193741"/>
-              <a:gd name="connsiteX59" fmla="*/ 5424276 w 5470628"/>
-              <a:gd name="connsiteY59" fmla="*/ 1477014 h 3193741"/>
-              <a:gd name="connsiteX60" fmla="*/ 5444628 w 5470628"/>
-              <a:gd name="connsiteY60" fmla="*/ 1511562 h 3193741"/>
-              <a:gd name="connsiteX61" fmla="*/ 5453752 w 5470628"/>
-              <a:gd name="connsiteY61" fmla="*/ 1474786 h 3193741"/>
-              <a:gd name="connsiteX62" fmla="*/ 5454594 w 5470628"/>
-              <a:gd name="connsiteY62" fmla="*/ 1464662 h 3193741"/>
-              <a:gd name="connsiteX63" fmla="*/ 5463208 w 5470628"/>
-              <a:gd name="connsiteY63" fmla="*/ 1466226 h 3193741"/>
-              <a:gd name="connsiteX64" fmla="*/ 5463164 w 5470628"/>
-              <a:gd name="connsiteY64" fmla="*/ 1484226 h 3193741"/>
-              <a:gd name="connsiteX65" fmla="*/ 5456160 w 5470628"/>
-              <a:gd name="connsiteY65" fmla="*/ 1575885 h 3193741"/>
-              <a:gd name="connsiteX66" fmla="*/ 5345636 w 5470628"/>
-              <a:gd name="connsiteY66" fmla="*/ 1714543 h 3193741"/>
-              <a:gd name="connsiteX67" fmla="*/ 5251319 w 5470628"/>
-              <a:gd name="connsiteY67" fmla="*/ 1775792 h 3193741"/>
-              <a:gd name="connsiteX68" fmla="*/ 5043512 w 5470628"/>
-              <a:gd name="connsiteY68" fmla="*/ 2027305 h 3193741"/>
-              <a:gd name="connsiteX69" fmla="*/ 4978144 w 5470628"/>
-              <a:gd name="connsiteY69" fmla="*/ 2108535 h 3193741"/>
-              <a:gd name="connsiteX70" fmla="*/ 5031476 w 5470628"/>
-              <a:gd name="connsiteY70" fmla="*/ 2128173 h 3193741"/>
-              <a:gd name="connsiteX71" fmla="*/ 4937389 w 5470628"/>
-              <a:gd name="connsiteY71" fmla="*/ 2216441 h 3193741"/>
-              <a:gd name="connsiteX72" fmla="*/ 4826122 w 5470628"/>
-              <a:gd name="connsiteY72" fmla="*/ 2315331 h 3193741"/>
-              <a:gd name="connsiteX73" fmla="*/ 2544647 w 5470628"/>
-              <a:gd name="connsiteY73" fmla="*/ 3190975 h 3193741"/>
-              <a:gd name="connsiteX74" fmla="*/ 1328257 w 5470628"/>
-              <a:gd name="connsiteY74" fmla="*/ 3153006 h 3193741"/>
-              <a:gd name="connsiteX75" fmla="*/ 977943 w 5470628"/>
-              <a:gd name="connsiteY75" fmla="*/ 3082502 h 3193741"/>
-              <a:gd name="connsiteX76" fmla="*/ 854473 w 5470628"/>
-              <a:gd name="connsiteY76" fmla="*/ 2994250 h 3193741"/>
-              <a:gd name="connsiteX77" fmla="*/ 811593 w 5470628"/>
-              <a:gd name="connsiteY77" fmla="*/ 2970498 h 3193741"/>
-              <a:gd name="connsiteX78" fmla="*/ 707024 w 5470628"/>
-              <a:gd name="connsiteY78" fmla="*/ 2945439 h 3193741"/>
-              <a:gd name="connsiteX79" fmla="*/ 523487 w 5470628"/>
-              <a:gd name="connsiteY79" fmla="*/ 2886053 h 3193741"/>
-              <a:gd name="connsiteX80" fmla="*/ 587884 w 5470628"/>
-              <a:gd name="connsiteY80" fmla="*/ 2859746 h 3193741"/>
-              <a:gd name="connsiteX81" fmla="*/ 779426 w 5470628"/>
-              <a:gd name="connsiteY81" fmla="*/ 2885897 h 3193741"/>
-              <a:gd name="connsiteX82" fmla="*/ 917288 w 5470628"/>
-              <a:gd name="connsiteY82" fmla="*/ 2882248 h 3193741"/>
-              <a:gd name="connsiteX83" fmla="*/ 718684 w 5470628"/>
-              <a:gd name="connsiteY83" fmla="*/ 2819941 h 3193741"/>
-              <a:gd name="connsiteX84" fmla="*/ 524650 w 5470628"/>
-              <a:gd name="connsiteY84" fmla="*/ 2731220 h 3193741"/>
-              <a:gd name="connsiteX85" fmla="*/ 670138 w 5470628"/>
-              <a:gd name="connsiteY85" fmla="*/ 2735189 h 3193741"/>
-              <a:gd name="connsiteX86" fmla="*/ 675382 w 5470628"/>
-              <a:gd name="connsiteY86" fmla="*/ 2719369 h 3193741"/>
-              <a:gd name="connsiteX87" fmla="*/ 542021 w 5470628"/>
-              <a:gd name="connsiteY87" fmla="*/ 2601946 h 3193741"/>
-              <a:gd name="connsiteX88" fmla="*/ 476895 w 5470628"/>
-              <a:gd name="connsiteY88" fmla="*/ 2555976 h 3193741"/>
-              <a:gd name="connsiteX89" fmla="*/ 188751 w 5470628"/>
-              <a:gd name="connsiteY89" fmla="*/ 2428830 h 3193741"/>
-              <a:gd name="connsiteX90" fmla="*/ 456762 w 5470628"/>
-              <a:gd name="connsiteY90" fmla="*/ 2468731 h 3193741"/>
-              <a:gd name="connsiteX91" fmla="*/ 174514 w 5470628"/>
-              <a:gd name="connsiteY91" fmla="*/ 2345378 h 3193741"/>
-              <a:gd name="connsiteX92" fmla="*/ 38827 w 5470628"/>
-              <a:gd name="connsiteY92" fmla="*/ 2303685 h 3193741"/>
-              <a:gd name="connsiteX93" fmla="*/ 3281 w 5470628"/>
-              <a:gd name="connsiteY93" fmla="*/ 2273587 h 3193741"/>
-              <a:gd name="connsiteX94" fmla="*/ 61590 w 5470628"/>
-              <a:gd name="connsiteY94" fmla="*/ 2259170 h 3193741"/>
-              <a:gd name="connsiteX95" fmla="*/ 242291 w 5470628"/>
-              <a:gd name="connsiteY95" fmla="*/ 2250569 h 3193741"/>
-              <a:gd name="connsiteX96" fmla="*/ 13205 w 5470628"/>
-              <a:gd name="connsiteY96" fmla="*/ 2172263 h 3193741"/>
-              <a:gd name="connsiteX97" fmla="*/ 180810 w 5470628"/>
-              <a:gd name="connsiteY97" fmla="*/ 2168333 h 3193741"/>
-              <a:gd name="connsiteX98" fmla="*/ 226020 w 5470628"/>
-              <a:gd name="connsiteY98" fmla="*/ 2121100 h 3193741"/>
-              <a:gd name="connsiteX99" fmla="*/ 299145 w 5470628"/>
-              <a:gd name="connsiteY99" fmla="*/ 2044862 h 3193741"/>
-              <a:gd name="connsiteX100" fmla="*/ 350236 w 5470628"/>
-              <a:gd name="connsiteY100" fmla="*/ 2001187 h 3193741"/>
-              <a:gd name="connsiteX101" fmla="*/ 365223 w 5470628"/>
-              <a:gd name="connsiteY101" fmla="*/ 1881218 h 3193741"/>
-              <a:gd name="connsiteX102" fmla="*/ 310707 w 5470628"/>
-              <a:gd name="connsiteY102" fmla="*/ 1758752 h 3193741"/>
-              <a:gd name="connsiteX103" fmla="*/ 181659 w 5470628"/>
-              <a:gd name="connsiteY103" fmla="*/ 1709137 h 3193741"/>
-              <a:gd name="connsiteX104" fmla="*/ 213063 w 5470628"/>
-              <a:gd name="connsiteY104" fmla="*/ 1632021 h 3193741"/>
-              <a:gd name="connsiteX105" fmla="*/ 481390 w 5470628"/>
-              <a:gd name="connsiteY105" fmla="*/ 1644125 h 3193741"/>
-              <a:gd name="connsiteX106" fmla="*/ 68930 w 5470628"/>
-              <a:gd name="connsiteY106" fmla="*/ 1457537 h 3193741"/>
-              <a:gd name="connsiteX107" fmla="*/ 135138 w 5470628"/>
-              <a:gd name="connsiteY107" fmla="*/ 1440976 h 3193741"/>
-              <a:gd name="connsiteX108" fmla="*/ 131611 w 5470628"/>
-              <a:gd name="connsiteY108" fmla="*/ 1427642 h 3193741"/>
-              <a:gd name="connsiteX109" fmla="*/ 130443 w 5470628"/>
-              <a:gd name="connsiteY109" fmla="*/ 1343795 h 3193741"/>
-              <a:gd name="connsiteX110" fmla="*/ 138930 w 5470628"/>
-              <a:gd name="connsiteY110" fmla="*/ 1304094 h 3193741"/>
-              <a:gd name="connsiteX111" fmla="*/ 118409 w 5470628"/>
-              <a:gd name="connsiteY111" fmla="*/ 1262212 h 3193741"/>
-              <a:gd name="connsiteX112" fmla="*/ 421410 w 5470628"/>
-              <a:gd name="connsiteY112" fmla="*/ 1304757 h 3193741"/>
-              <a:gd name="connsiteX113" fmla="*/ 655702 w 5470628"/>
-              <a:gd name="connsiteY113" fmla="*/ 1291801 h 3193741"/>
-              <a:gd name="connsiteX114" fmla="*/ 648299 w 5470628"/>
-              <a:gd name="connsiteY114" fmla="*/ 1287715 h 3193741"/>
-              <a:gd name="connsiteX115" fmla="*/ 531027 w 5470628"/>
-              <a:gd name="connsiteY115" fmla="*/ 1193967 h 3193741"/>
-              <a:gd name="connsiteX116" fmla="*/ 526433 w 5470628"/>
-              <a:gd name="connsiteY116" fmla="*/ 1191913 h 3193741"/>
-              <a:gd name="connsiteX117" fmla="*/ 504666 w 5470628"/>
-              <a:gd name="connsiteY117" fmla="*/ 1177230 h 3193741"/>
-              <a:gd name="connsiteX118" fmla="*/ 482307 w 5470628"/>
-              <a:gd name="connsiteY118" fmla="*/ 1162618 h 3193741"/>
-              <a:gd name="connsiteX119" fmla="*/ 479029 w 5470628"/>
-              <a:gd name="connsiteY119" fmla="*/ 1162540 h 3193741"/>
-              <a:gd name="connsiteX120" fmla="*/ 447663 w 5470628"/>
-              <a:gd name="connsiteY120" fmla="*/ 1132649 h 3193741"/>
-              <a:gd name="connsiteX121" fmla="*/ 438547 w 5470628"/>
-              <a:gd name="connsiteY121" fmla="*/ 1110977 h 3193741"/>
-              <a:gd name="connsiteX122" fmla="*/ 405343 w 5470628"/>
-              <a:gd name="connsiteY122" fmla="*/ 1089612 h 3193741"/>
-              <a:gd name="connsiteX123" fmla="*/ 371373 w 5470628"/>
-              <a:gd name="connsiteY123" fmla="*/ 1070238 h 3193741"/>
-              <a:gd name="connsiteX124" fmla="*/ 290358 w 5470628"/>
-              <a:gd name="connsiteY124" fmla="*/ 1059884 h 3193741"/>
-              <a:gd name="connsiteX125" fmla="*/ 235140 w 5470628"/>
-              <a:gd name="connsiteY125" fmla="*/ 1029322 h 3193741"/>
-              <a:gd name="connsiteX126" fmla="*/ 300494 w 5470628"/>
-              <a:gd name="connsiteY126" fmla="*/ 1032083 h 3193741"/>
-              <a:gd name="connsiteX127" fmla="*/ 239661 w 5470628"/>
-              <a:gd name="connsiteY127" fmla="*/ 997457 h 3193741"/>
-              <a:gd name="connsiteX128" fmla="*/ 204788 w 5470628"/>
-              <a:gd name="connsiteY128" fmla="*/ 959211 h 3193741"/>
-              <a:gd name="connsiteX129" fmla="*/ 207583 w 5470628"/>
-              <a:gd name="connsiteY129" fmla="*/ 947009 h 3193741"/>
-              <a:gd name="connsiteX130" fmla="*/ 223061 w 5470628"/>
-              <a:gd name="connsiteY130" fmla="*/ 947033 h 3193741"/>
-              <a:gd name="connsiteX131" fmla="*/ 280015 w 5470628"/>
-              <a:gd name="connsiteY131" fmla="*/ 972164 h 3193741"/>
-              <a:gd name="connsiteX132" fmla="*/ 353948 w 5470628"/>
-              <a:gd name="connsiteY132" fmla="*/ 1006865 h 3193741"/>
-              <a:gd name="connsiteX133" fmla="*/ 240466 w 5470628"/>
-              <a:gd name="connsiteY133" fmla="*/ 939943 h 3193741"/>
-              <a:gd name="connsiteX134" fmla="*/ 158812 w 5470628"/>
-              <a:gd name="connsiteY134" fmla="*/ 891467 h 3193741"/>
-              <a:gd name="connsiteX135" fmla="*/ 139551 w 5470628"/>
-              <a:gd name="connsiteY135" fmla="*/ 855364 h 3193741"/>
-              <a:gd name="connsiteX136" fmla="*/ 145731 w 5470628"/>
-              <a:gd name="connsiteY136" fmla="*/ 844888 h 3193741"/>
-              <a:gd name="connsiteX137" fmla="*/ 158154 w 5470628"/>
-              <a:gd name="connsiteY137" fmla="*/ 848366 h 3193741"/>
-              <a:gd name="connsiteX138" fmla="*/ 169370 w 5470628"/>
-              <a:gd name="connsiteY138" fmla="*/ 856260 h 3193741"/>
-              <a:gd name="connsiteX139" fmla="*/ 288295 w 5470628"/>
-              <a:gd name="connsiteY139" fmla="*/ 915169 h 3193741"/>
-              <a:gd name="connsiteX140" fmla="*/ 462694 w 5470628"/>
-              <a:gd name="connsiteY140" fmla="*/ 994643 h 3193741"/>
-              <a:gd name="connsiteX141" fmla="*/ 531910 w 5470628"/>
-              <a:gd name="connsiteY141" fmla="*/ 1006664 h 3193741"/>
-              <a:gd name="connsiteX142" fmla="*/ 333940 w 5470628"/>
-              <a:gd name="connsiteY142" fmla="*/ 893507 h 3193741"/>
-              <a:gd name="connsiteX143" fmla="*/ 181443 w 5470628"/>
-              <a:gd name="connsiteY143" fmla="*/ 746608 h 3193741"/>
-              <a:gd name="connsiteX144" fmla="*/ 162678 w 5470628"/>
-              <a:gd name="connsiteY144" fmla="*/ 737018 h 3193741"/>
-              <a:gd name="connsiteX145" fmla="*/ 156307 w 5470628"/>
-              <a:gd name="connsiteY145" fmla="*/ 730435 h 3193741"/>
-              <a:gd name="connsiteX146" fmla="*/ 117227 w 5470628"/>
-              <a:gd name="connsiteY146" fmla="*/ 677515 h 3193741"/>
-              <a:gd name="connsiteX147" fmla="*/ 113655 w 5470628"/>
-              <a:gd name="connsiteY147" fmla="*/ 663474 h 3193741"/>
-              <a:gd name="connsiteX148" fmla="*/ 115226 w 5470628"/>
-              <a:gd name="connsiteY148" fmla="*/ 636712 h 3193741"/>
-              <a:gd name="connsiteX149" fmla="*/ 105067 w 5470628"/>
-              <a:gd name="connsiteY149" fmla="*/ 622046 h 3193741"/>
-              <a:gd name="connsiteX150" fmla="*/ 104113 w 5470628"/>
-              <a:gd name="connsiteY150" fmla="*/ 611722 h 3193741"/>
-              <a:gd name="connsiteX151" fmla="*/ 118895 w 5470628"/>
-              <a:gd name="connsiteY151" fmla="*/ 610169 h 3193741"/>
-              <a:gd name="connsiteX152" fmla="*/ 163095 w 5470628"/>
-              <a:gd name="connsiteY152" fmla="*/ 640642 h 3193741"/>
-              <a:gd name="connsiteX153" fmla="*/ 185766 w 5470628"/>
-              <a:gd name="connsiteY153" fmla="*/ 641454 h 3193741"/>
-              <a:gd name="connsiteX154" fmla="*/ 212892 w 5470628"/>
-              <a:gd name="connsiteY154" fmla="*/ 637457 h 3193741"/>
-              <a:gd name="connsiteX155" fmla="*/ 223932 w 5470628"/>
-              <a:gd name="connsiteY155" fmla="*/ 647271 h 3193741"/>
-              <a:gd name="connsiteX156" fmla="*/ 287167 w 5470628"/>
-              <a:gd name="connsiteY156" fmla="*/ 691571 h 3193741"/>
-              <a:gd name="connsiteX157" fmla="*/ 330380 w 5470628"/>
-              <a:gd name="connsiteY157" fmla="*/ 692506 h 3193741"/>
-              <a:gd name="connsiteX158" fmla="*/ 296172 w 5470628"/>
-              <a:gd name="connsiteY158" fmla="*/ 688108 h 3193741"/>
-              <a:gd name="connsiteX159" fmla="*/ 286974 w 5470628"/>
-              <a:gd name="connsiteY159" fmla="*/ 674512 h 3193741"/>
-              <a:gd name="connsiteX160" fmla="*/ 286166 w 5470628"/>
-              <a:gd name="connsiteY160" fmla="*/ 661798 h 3193741"/>
-              <a:gd name="connsiteX161" fmla="*/ 236268 w 5470628"/>
-              <a:gd name="connsiteY161" fmla="*/ 635338 h 3193741"/>
-              <a:gd name="connsiteX162" fmla="*/ 231734 w 5470628"/>
-              <a:gd name="connsiteY162" fmla="*/ 634225 h 3193741"/>
-              <a:gd name="connsiteX163" fmla="*/ 221253 w 5470628"/>
-              <a:gd name="connsiteY163" fmla="*/ 623870 h 3193741"/>
-              <a:gd name="connsiteX164" fmla="*/ 237564 w 5470628"/>
-              <a:gd name="connsiteY164" fmla="*/ 613590 h 3193741"/>
-              <a:gd name="connsiteX165" fmla="*/ 282259 w 5470628"/>
-              <a:gd name="connsiteY165" fmla="*/ 619091 h 3193741"/>
-              <a:gd name="connsiteX166" fmla="*/ 370630 w 5470628"/>
-              <a:gd name="connsiteY166" fmla="*/ 665566 h 3193741"/>
-              <a:gd name="connsiteX167" fmla="*/ 498017 w 5470628"/>
-              <a:gd name="connsiteY167" fmla="*/ 740532 h 3193741"/>
-              <a:gd name="connsiteX168" fmla="*/ 918036 w 5470628"/>
-              <a:gd name="connsiteY168" fmla="*/ 924307 h 3193741"/>
-              <a:gd name="connsiteX169" fmla="*/ 1079304 w 5470628"/>
-              <a:gd name="connsiteY169" fmla="*/ 984494 h 3193741"/>
-              <a:gd name="connsiteX170" fmla="*/ 1079935 w 5470628"/>
-              <a:gd name="connsiteY170" fmla="*/ 980383 h 3193741"/>
-              <a:gd name="connsiteX171" fmla="*/ 1079695 w 5470628"/>
-              <a:gd name="connsiteY171" fmla="*/ 976616 h 3193741"/>
-              <a:gd name="connsiteX172" fmla="*/ 966178 w 5470628"/>
-              <a:gd name="connsiteY172" fmla="*/ 937219 h 3193741"/>
-              <a:gd name="connsiteX173" fmla="*/ 720106 w 5470628"/>
-              <a:gd name="connsiteY173" fmla="*/ 807112 h 3193741"/>
-              <a:gd name="connsiteX174" fmla="*/ 698823 w 5470628"/>
-              <a:gd name="connsiteY174" fmla="*/ 804708 h 3193741"/>
-              <a:gd name="connsiteX175" fmla="*/ 664513 w 5470628"/>
-              <a:gd name="connsiteY175" fmla="*/ 784663 h 3193741"/>
-              <a:gd name="connsiteX176" fmla="*/ 660380 w 5470628"/>
-              <a:gd name="connsiteY176" fmla="*/ 771165 h 3193741"/>
-              <a:gd name="connsiteX177" fmla="*/ 584959 w 5470628"/>
-              <a:gd name="connsiteY177" fmla="*/ 722409 h 3193741"/>
-              <a:gd name="connsiteX178" fmla="*/ 435649 w 5470628"/>
-              <a:gd name="connsiteY178" fmla="*/ 639659 h 3193741"/>
-              <a:gd name="connsiteX179" fmla="*/ 404944 w 5470628"/>
-              <a:gd name="connsiteY179" fmla="*/ 606128 h 3193741"/>
-              <a:gd name="connsiteX180" fmla="*/ 408476 w 5470628"/>
-              <a:gd name="connsiteY180" fmla="*/ 591466 h 3193741"/>
-              <a:gd name="connsiteX181" fmla="*/ 425225 w 5470628"/>
-              <a:gd name="connsiteY181" fmla="*/ 592759 h 3193741"/>
-              <a:gd name="connsiteX182" fmla="*/ 487115 w 5470628"/>
-              <a:gd name="connsiteY182" fmla="*/ 620614 h 3193741"/>
-              <a:gd name="connsiteX183" fmla="*/ 550277 w 5470628"/>
-              <a:gd name="connsiteY183" fmla="*/ 649738 h 3193741"/>
-              <a:gd name="connsiteX184" fmla="*/ 544421 w 5470628"/>
-              <a:gd name="connsiteY184" fmla="*/ 641907 h 3193741"/>
-              <a:gd name="connsiteX185" fmla="*/ 431905 w 5470628"/>
-              <a:gd name="connsiteY185" fmla="*/ 580799 h 3193741"/>
-              <a:gd name="connsiteX186" fmla="*/ 351177 w 5470628"/>
-              <a:gd name="connsiteY186" fmla="*/ 528177 h 3193741"/>
-              <a:gd name="connsiteX187" fmla="*/ 339749 w 5470628"/>
-              <a:gd name="connsiteY187" fmla="*/ 498244 h 3193741"/>
-              <a:gd name="connsiteX188" fmla="*/ 346313 w 5470628"/>
-              <a:gd name="connsiteY188" fmla="*/ 489145 h 3193741"/>
-              <a:gd name="connsiteX189" fmla="*/ 356579 w 5470628"/>
-              <a:gd name="connsiteY189" fmla="*/ 491460 h 3193741"/>
-              <a:gd name="connsiteX190" fmla="*/ 371505 w 5470628"/>
-              <a:gd name="connsiteY190" fmla="*/ 501516 h 3193741"/>
-              <a:gd name="connsiteX191" fmla="*/ 476275 w 5470628"/>
-              <a:gd name="connsiteY191" fmla="*/ 553122 h 3193741"/>
-              <a:gd name="connsiteX192" fmla="*/ 649952 w 5470628"/>
-              <a:gd name="connsiteY192" fmla="*/ 635294 h 3193741"/>
-              <a:gd name="connsiteX193" fmla="*/ 727161 w 5470628"/>
-              <a:gd name="connsiteY193" fmla="*/ 651328 h 3193741"/>
-              <a:gd name="connsiteX194" fmla="*/ 722417 w 5470628"/>
-              <a:gd name="connsiteY194" fmla="*/ 646921 h 3193741"/>
-              <a:gd name="connsiteX195" fmla="*/ 546079 w 5470628"/>
-              <a:gd name="connsiteY195" fmla="*/ 546328 h 3193741"/>
-              <a:gd name="connsiteX196" fmla="*/ 378182 w 5470628"/>
-              <a:gd name="connsiteY196" fmla="*/ 386585 h 3193741"/>
-              <a:gd name="connsiteX197" fmla="*/ 370158 w 5470628"/>
-              <a:gd name="connsiteY197" fmla="*/ 382100 h 3193741"/>
-              <a:gd name="connsiteX198" fmla="*/ 357861 w 5470628"/>
-              <a:gd name="connsiteY198" fmla="*/ 371252 h 3193741"/>
-              <a:gd name="connsiteX199" fmla="*/ 331313 w 5470628"/>
-              <a:gd name="connsiteY199" fmla="*/ 328203 h 3193741"/>
-              <a:gd name="connsiteX200" fmla="*/ 319354 w 5470628"/>
-              <a:gd name="connsiteY200" fmla="*/ 299282 h 3193741"/>
-              <a:gd name="connsiteX201" fmla="*/ 319682 w 5470628"/>
-              <a:gd name="connsiteY201" fmla="*/ 285719 h 3193741"/>
-              <a:gd name="connsiteX202" fmla="*/ 306391 w 5470628"/>
-              <a:gd name="connsiteY202" fmla="*/ 268585 h 3193741"/>
-              <a:gd name="connsiteX203" fmla="*/ 303294 w 5470628"/>
-              <a:gd name="connsiteY203" fmla="*/ 257334 h 3193741"/>
-              <a:gd name="connsiteX204" fmla="*/ 319242 w 5470628"/>
-              <a:gd name="connsiteY204" fmla="*/ 255403 h 3193741"/>
-              <a:gd name="connsiteX205" fmla="*/ 364093 w 5470628"/>
-              <a:gd name="connsiteY205" fmla="*/ 286745 h 3193741"/>
-              <a:gd name="connsiteX206" fmla="*/ 385301 w 5470628"/>
-              <a:gd name="connsiteY206" fmla="*/ 287973 h 3193741"/>
-              <a:gd name="connsiteX207" fmla="*/ 417598 w 5470628"/>
-              <a:gd name="connsiteY207" fmla="*/ 285722 h 3193741"/>
-              <a:gd name="connsiteX208" fmla="*/ 440155 w 5470628"/>
-              <a:gd name="connsiteY208" fmla="*/ 308139 h 3193741"/>
-              <a:gd name="connsiteX209" fmla="*/ 534406 w 5470628"/>
-              <a:gd name="connsiteY209" fmla="*/ 339430 h 3193741"/>
-              <a:gd name="connsiteX210" fmla="*/ 495633 w 5470628"/>
-              <a:gd name="connsiteY210" fmla="*/ 333450 h 3193741"/>
-              <a:gd name="connsiteX211" fmla="*/ 486289 w 5470628"/>
-              <a:gd name="connsiteY211" fmla="*/ 322243 h 3193741"/>
-              <a:gd name="connsiteX212" fmla="*/ 484000 w 5470628"/>
-              <a:gd name="connsiteY212" fmla="*/ 304964 h 3193741"/>
-              <a:gd name="connsiteX213" fmla="*/ 436911 w 5470628"/>
-              <a:gd name="connsiteY213" fmla="*/ 280536 h 3193741"/>
-              <a:gd name="connsiteX214" fmla="*/ 426865 w 5470628"/>
-              <a:gd name="connsiteY214" fmla="*/ 277007 h 3193741"/>
-              <a:gd name="connsiteX215" fmla="*/ 420654 w 5470628"/>
-              <a:gd name="connsiteY215" fmla="*/ 268269 h 3193741"/>
-              <a:gd name="connsiteX216" fmla="*/ 432329 w 5470628"/>
-              <a:gd name="connsiteY216" fmla="*/ 259975 h 3193741"/>
-              <a:gd name="connsiteX217" fmla="*/ 447672 w 5470628"/>
-              <a:gd name="connsiteY217" fmla="*/ 257879 h 3193741"/>
-              <a:gd name="connsiteX218" fmla="*/ 502242 w 5470628"/>
-              <a:gd name="connsiteY218" fmla="*/ 273572 h 3193741"/>
-              <a:gd name="connsiteX219" fmla="*/ 659874 w 5470628"/>
-              <a:gd name="connsiteY219" fmla="*/ 365516 h 3193741"/>
-              <a:gd name="connsiteX220" fmla="*/ 829177 w 5470628"/>
-              <a:gd name="connsiteY220" fmla="*/ 444421 h 3193741"/>
-              <a:gd name="connsiteX221" fmla="*/ 1231903 w 5470628"/>
-              <a:gd name="connsiteY221" fmla="*/ 613682 h 3193741"/>
-              <a:gd name="connsiteX222" fmla="*/ 1911736 w 5470628"/>
-              <a:gd name="connsiteY222" fmla="*/ 685084 h 3193741"/>
-              <a:gd name="connsiteX223" fmla="*/ 2564313 w 5470628"/>
-              <a:gd name="connsiteY223" fmla="*/ 632143 h 3193741"/>
-              <a:gd name="connsiteX224" fmla="*/ 2657304 w 5470628"/>
-              <a:gd name="connsiteY224" fmla="*/ 624913 h 3193741"/>
-              <a:gd name="connsiteX225" fmla="*/ 4235818 w 5470628"/>
-              <a:gd name="connsiteY225" fmla="*/ 259339 h 3193741"/>
-              <a:gd name="connsiteX226" fmla="*/ 4460331 w 5470628"/>
-              <a:gd name="connsiteY226" fmla="*/ 176864 h 3193741"/>
-              <a:gd name="connsiteX227" fmla="*/ 4499578 w 5470628"/>
-              <a:gd name="connsiteY227" fmla="*/ 186791 h 3193741"/>
-              <a:gd name="connsiteX228" fmla="*/ 4514640 w 5470628"/>
-              <a:gd name="connsiteY228" fmla="*/ 188841 h 3193741"/>
-              <a:gd name="connsiteX229" fmla="*/ 4516523 w 5470628"/>
-              <a:gd name="connsiteY229" fmla="*/ 189988 h 3193741"/>
-              <a:gd name="connsiteX230" fmla="*/ 4518126 w 5470628"/>
-              <a:gd name="connsiteY230" fmla="*/ 189316 h 3193741"/>
-              <a:gd name="connsiteX231" fmla="*/ 4514640 w 5470628"/>
-              <a:gd name="connsiteY231" fmla="*/ 188841 h 3193741"/>
-              <a:gd name="connsiteX232" fmla="*/ 4511569 w 5470628"/>
-              <a:gd name="connsiteY232" fmla="*/ 186970 h 3193741"/>
-              <a:gd name="connsiteX233" fmla="*/ 4510888 w 5470628"/>
-              <a:gd name="connsiteY233" fmla="*/ 180943 h 3193741"/>
-              <a:gd name="connsiteX234" fmla="*/ 4531865 w 5470628"/>
-              <a:gd name="connsiteY234" fmla="*/ 155151 h 3193741"/>
-              <a:gd name="connsiteX235" fmla="*/ 4573441 w 5470628"/>
-              <a:gd name="connsiteY235" fmla="*/ 139676 h 3193741"/>
-              <a:gd name="connsiteX236" fmla="*/ 4594964 w 5470628"/>
-              <a:gd name="connsiteY236" fmla="*/ 145847 h 3193741"/>
-              <a:gd name="connsiteX237" fmla="*/ 4623059 w 5470628"/>
-              <a:gd name="connsiteY237" fmla="*/ 152410 h 3193741"/>
-              <a:gd name="connsiteX238" fmla="*/ 4748356 w 5470628"/>
-              <a:gd name="connsiteY238" fmla="*/ 68192 h 3193741"/>
-              <a:gd name="connsiteX239" fmla="*/ 4833812 w 5470628"/>
-              <a:gd name="connsiteY239" fmla="*/ 8017 h 3193741"/>
-              <a:gd name="connsiteX240" fmla="*/ 4850908 w 5470628"/>
-              <a:gd name="connsiteY240" fmla="*/ 727 h 3193741"/>
-            </a:gdLst>
-            <a:ahLst/>
-            <a:cxnLst>
-              <a:cxn ang="0">
-                <a:pos x="connsiteX0" y="connsiteY0"/>
-              </a:cxn>
-              <a:cxn ang="0">
-                <a:pos x="connsiteX1" y="connsiteY1"/>
-              </a:cxn>
-              <a:cxn ang="0">
-                <a:pos x="connsiteX2" y="connsiteY2"/>
-              </a:cxn>
-              <a:cxn ang="0">
-                <a:pos x="connsiteX3" y="connsiteY3"/>
-              </a:cxn>
-              <a:cxn ang="0">
-                <a:pos x="connsiteX4" y="connsiteY4"/>
-              </a:cxn>
-              <a:cxn ang="0">
-                <a:pos x="connsiteX5" y="connsiteY5"/>
-              </a:cxn>
-              <a:cxn ang="0">
-                <a:pos x="connsiteX6" y="connsiteY6"/>
-              </a:cxn>
-              <a:cxn ang="0">
-                <a:pos x="connsiteX7" y="connsiteY7"/>
-              </a:cxn>
-              <a:cxn ang="0">
-                <a:pos x="connsiteX8" y="connsiteY8"/>
-              </a:cxn>
-              <a:cxn ang="0">
-                <a:pos x="connsiteX9" y="connsiteY9"/>
-              </a:cxn>
-              <a:cxn ang="0">
-                <a:pos x="connsiteX10" y="connsiteY10"/>
-              </a:cxn>
-              <a:cxn ang="0">
-                <a:pos x="connsiteX11" y="connsiteY11"/>
-              </a:cxn>
-              <a:cxn ang="0">
-                <a:pos x="connsiteX12" y="connsiteY12"/>
-              </a:cxn>
-              <a:cxn ang="0">
-                <a:pos x="connsiteX13" y="connsiteY13"/>
-              </a:cxn>
-              <a:cxn ang="0">
-                <a:pos x="connsiteX14" y="connsiteY14"/>
-              </a:cxn>
-              <a:cxn ang="0">
-                <a:pos x="connsiteX15" y="connsiteY15"/>
-              </a:cxn>
-              <a:cxn ang="0">
-                <a:pos x="connsiteX16" y="connsiteY16"/>
-              </a:cxn>
-              <a:cxn ang="0">
-                <a:pos x="connsiteX17" y="connsiteY17"/>
-              </a:cxn>
-              <a:cxn ang="0">
-                <a:pos x="connsiteX18" y="connsiteY18"/>
-              </a:cxn>
-              <a:cxn ang="0">
-                <a:pos x="connsiteX19" y="connsiteY19"/>
-              </a:cxn>
-              <a:cxn ang="0">
-                <a:pos x="connsiteX20" y="connsiteY20"/>
-              </a:cxn>
-              <a:cxn ang="0">
-                <a:pos x="connsiteX21" y="connsiteY21"/>
-              </a:cxn>
-              <a:cxn ang="0">
-                <a:pos x="connsiteX22" y="connsiteY22"/>
-              </a:cxn>
-              <a:cxn ang="0">
-                <a:pos x="connsiteX23" y="connsiteY23"/>
-              </a:cxn>
-              <a:cxn ang="0">
-                <a:pos x="connsiteX24" y="connsiteY24"/>
-              </a:cxn>
-              <a:cxn ang="0">
-                <a:pos x="connsiteX25" y="connsiteY25"/>
-              </a:cxn>
-              <a:cxn ang="0">
-                <a:pos x="connsiteX26" y="connsiteY26"/>
-              </a:cxn>
-              <a:cxn ang="0">
-                <a:pos x="connsiteX27" y="connsiteY27"/>
-              </a:cxn>
-              <a:cxn ang="0">
-                <a:pos x="connsiteX28" y="connsiteY28"/>
-              </a:cxn>
-              <a:cxn ang="0">
-                <a:pos x="connsiteX29" y="connsiteY29"/>
-              </a:cxn>
-              <a:cxn ang="0">
-                <a:pos x="connsiteX30" y="connsiteY30"/>
-              </a:cxn>
-              <a:cxn ang="0">
-                <a:pos x="connsiteX31" y="connsiteY31"/>
-              </a:cxn>
-              <a:cxn ang="0">
-                <a:pos x="connsiteX32" y="connsiteY32"/>
-              </a:cxn>
-              <a:cxn ang="0">
-                <a:pos x="connsiteX33" y="connsiteY33"/>
-              </a:cxn>
-              <a:cxn ang="0">
-                <a:pos x="connsiteX34" y="connsiteY34"/>
-              </a:cxn>
-              <a:cxn ang="0">
-                <a:pos x="connsiteX35" y="connsiteY35"/>
-              </a:cxn>
-              <a:cxn ang="0">
-                <a:pos x="connsiteX36" y="connsiteY36"/>
-              </a:cxn>
-              <a:cxn ang="0">
-                <a:pos x="connsiteX37" y="connsiteY37"/>
-              </a:cxn>
-              <a:cxn ang="0">
-                <a:pos x="connsiteX38" y="connsiteY38"/>
-              </a:cxn>
-              <a:cxn ang="0">
-                <a:pos x="connsiteX39" y="connsiteY39"/>
-              </a:cxn>
-              <a:cxn ang="0">
-                <a:pos x="connsiteX40" y="connsiteY40"/>
-              </a:cxn>
-              <a:cxn ang="0">
-                <a:pos x="connsiteX41" y="connsiteY41"/>
-              </a:cxn>
-              <a:cxn ang="0">
-                <a:pos x="connsiteX42" y="connsiteY42"/>
-              </a:cxn>
-              <a:cxn ang="0">
-                <a:pos x="connsiteX43" y="connsiteY43"/>
-              </a:cxn>
-              <a:cxn ang="0">
-                <a:pos x="connsiteX44" y="connsiteY44"/>
-              </a:cxn>
-              <a:cxn ang="0">
-                <a:pos x="connsiteX45" y="connsiteY45"/>
-              </a:cxn>
-              <a:cxn ang="0">
-                <a:pos x="connsiteX46" y="connsiteY46"/>
-              </a:cxn>
-              <a:cxn ang="0">
-                <a:pos x="connsiteX47" y="connsiteY47"/>
-              </a:cxn>
-              <a:cxn ang="0">
-                <a:pos x="connsiteX48" y="connsiteY48"/>
-              </a:cxn>
-              <a:cxn ang="0">
-                <a:pos x="connsiteX49" y="connsiteY49"/>
-              </a:cxn>
-              <a:cxn ang="0">
-                <a:pos x="connsiteX50" y="connsiteY50"/>
-              </a:cxn>
-              <a:cxn ang="0">
-                <a:pos x="connsiteX51" y="connsiteY51"/>
-              </a:cxn>
-              <a:cxn ang="0">
-                <a:pos x="connsiteX52" y="connsiteY52"/>
-              </a:cxn>
-              <a:cxn ang="0">
-                <a:pos x="connsiteX53" y="connsiteY53"/>
-              </a:cxn>
-              <a:cxn ang="0">
-                <a:pos x="connsiteX54" y="connsiteY54"/>
-              </a:cxn>
-              <a:cxn ang="0">
-                <a:pos x="connsiteX55" y="connsiteY55"/>
-              </a:cxn>
-              <a:cxn ang="0">
-                <a:pos x="connsiteX56" y="connsiteY56"/>
-              </a:cxn>
-              <a:cxn ang="0">
-                <a:pos x="connsiteX57" y="connsiteY57"/>
-              </a:cxn>
-              <a:cxn ang="0">
-                <a:pos x="connsiteX58" y="connsiteY58"/>
-              </a:cxn>
-              <a:cxn ang="0">
-                <a:pos x="connsiteX59" y="connsiteY59"/>
-              </a:cxn>
-              <a:cxn ang="0">
-                <a:pos x="connsiteX60" y="connsiteY60"/>
-              </a:cxn>
-              <a:cxn ang="0">
-                <a:pos x="connsiteX61" y="connsiteY61"/>
-              </a:cxn>
-              <a:cxn ang="0">
-                <a:pos x="connsiteX62" y="connsiteY62"/>
-              </a:cxn>
-              <a:cxn ang="0">
-                <a:pos x="connsiteX63" y="connsiteY63"/>
-              </a:cxn>
-              <a:cxn ang="0">
-                <a:pos x="connsiteX64" y="connsiteY64"/>
-              </a:cxn>
-              <a:cxn ang="0">
-                <a:pos x="connsiteX65" y="connsiteY65"/>
-              </a:cxn>
-              <a:cxn ang="0">
-                <a:pos x="connsiteX66" y="connsiteY66"/>
-              </a:cxn>
-              <a:cxn ang="0">
-                <a:pos x="connsiteX67" y="connsiteY67"/>
-              </a:cxn>
-              <a:cxn ang="0">
-                <a:pos x="connsiteX68" y="connsiteY68"/>
-              </a:cxn>
-              <a:cxn ang="0">
-                <a:pos x="connsiteX69" y="connsiteY69"/>
-              </a:cxn>
-              <a:cxn ang="0">
-                <a:pos x="connsiteX70" y="connsiteY70"/>
-              </a:cxn>
-              <a:cxn ang="0">
-                <a:pos x="connsiteX71" y="connsiteY71"/>
-              </a:cxn>
-              <a:cxn ang="0">
-                <a:pos x="connsiteX72" y="connsiteY72"/>
-              </a:cxn>
-              <a:cxn ang="0">
-                <a:pos x="connsiteX73" y="connsiteY73"/>
-              </a:cxn>
-              <a:cxn ang="0">
-                <a:pos x="connsiteX74" y="connsiteY74"/>
-              </a:cxn>
-              <a:cxn ang="0">
-                <a:pos x="connsiteX75" y="connsiteY75"/>
-              </a:cxn>
-              <a:cxn ang="0">
-                <a:pos x="connsiteX76" y="connsiteY76"/>
-              </a:cxn>
-              <a:cxn ang="0">
-                <a:pos x="connsiteX77" y="connsiteY77"/>
-              </a:cxn>
-              <a:cxn ang="0">
-                <a:pos x="connsiteX78" y="connsiteY78"/>
-              </a:cxn>
-              <a:cxn ang="0">
-                <a:pos x="connsiteX79" y="connsiteY79"/>
-              </a:cxn>
-              <a:cxn ang="0">
-                <a:pos x="connsiteX80" y="connsiteY80"/>
-              </a:cxn>
-              <a:cxn ang="0">
-                <a:pos x="connsiteX81" y="connsiteY81"/>
-              </a:cxn>
-              <a:cxn ang="0">
-                <a:pos x="connsiteX82" y="connsiteY82"/>
-              </a:cxn>
-              <a:cxn ang="0">
-                <a:pos x="connsiteX83" y="connsiteY83"/>
-              </a:cxn>
-              <a:cxn ang="0">
-                <a:pos x="connsiteX84" y="connsiteY84"/>
-              </a:cxn>
-              <a:cxn ang="0">
-                <a:pos x="connsiteX85" y="connsiteY85"/>
-              </a:cxn>
-              <a:cxn ang="0">
-                <a:pos x="connsiteX86" y="connsiteY86"/>
-              </a:cxn>
-              <a:cxn ang="0">
-                <a:pos x="connsiteX87" y="connsiteY87"/>
-              </a:cxn>
-              <a:cxn ang="0">
-                <a:pos x="connsiteX88" y="connsiteY88"/>
-              </a:cxn>
-              <a:cxn ang="0">
-                <a:pos x="connsiteX89" y="connsiteY89"/>
-              </a:cxn>
-              <a:cxn ang="0">
-                <a:pos x="connsiteX90" y="connsiteY90"/>
-              </a:cxn>
-              <a:cxn ang="0">
-                <a:pos x="connsiteX91" y="connsiteY91"/>
-              </a:cxn>
-              <a:cxn ang="0">
-                <a:pos x="connsiteX92" y="connsiteY92"/>
-              </a:cxn>
-              <a:cxn ang="0">
-                <a:pos x="connsiteX93" y="connsiteY93"/>
-              </a:cxn>
-              <a:cxn ang="0">
-                <a:pos x="connsiteX94" y="connsiteY94"/>
-              </a:cxn>
-              <a:cxn ang="0">
-                <a:pos x="connsiteX95" y="connsiteY95"/>
-              </a:cxn>
-              <a:cxn ang="0">
-                <a:pos x="connsiteX96" y="connsiteY96"/>
-              </a:cxn>
-              <a:cxn ang="0">
-                <a:pos x="connsiteX97" y="connsiteY97"/>
-              </a:cxn>
-              <a:cxn ang="0">
-                <a:pos x="connsiteX98" y="connsiteY98"/>
-              </a:cxn>
-              <a:cxn ang="0">
-                <a:pos x="connsiteX99" y="connsiteY99"/>
-              </a:cxn>
-              <a:cxn ang="0">
-                <a:pos x="connsiteX100" y="connsiteY100"/>
-              </a:cxn>
-              <a:cxn ang="0">
-                <a:pos x="connsiteX101" y="connsiteY101"/>
-              </a:cxn>
-              <a:cxn ang="0">
-                <a:pos x="connsiteX102" y="connsiteY102"/>
-              </a:cxn>
-              <a:cxn ang="0">
-                <a:pos x="connsiteX103" y="connsiteY103"/>
-              </a:cxn>
-              <a:cxn ang="0">
-                <a:pos x="connsiteX104" y="connsiteY104"/>
-              </a:cxn>
-              <a:cxn ang="0">
-                <a:pos x="connsiteX105" y="connsiteY105"/>
-              </a:cxn>
-              <a:cxn ang="0">
-                <a:pos x="connsiteX106" y="connsiteY106"/>
-              </a:cxn>
-              <a:cxn ang="0">
-                <a:pos x="connsiteX107" y="connsiteY107"/>
-              </a:cxn>
-              <a:cxn ang="0">
-                <a:pos x="connsiteX108" y="connsiteY108"/>
-              </a:cxn>
-              <a:cxn ang="0">
-                <a:pos x="connsiteX109" y="connsiteY109"/>
-              </a:cxn>
-              <a:cxn ang="0">
-                <a:pos x="connsiteX110" y="connsiteY110"/>
-              </a:cxn>
-              <a:cxn ang="0">
-                <a:pos x="connsiteX111" y="connsiteY111"/>
-              </a:cxn>
-              <a:cxn ang="0">
-                <a:pos x="connsiteX112" y="connsiteY112"/>
-              </a:cxn>
-              <a:cxn ang="0">
-                <a:pos x="connsiteX113" y="connsiteY113"/>
-              </a:cxn>
-              <a:cxn ang="0">
-                <a:pos x="connsiteX114" y="connsiteY114"/>
-              </a:cxn>
-              <a:cxn ang="0">
-                <a:pos x="connsiteX115" y="connsiteY115"/>
-              </a:cxn>
-              <a:cxn ang="0">
-                <a:pos x="connsiteX116" y="connsiteY116"/>
-              </a:cxn>
-              <a:cxn ang="0">
-                <a:pos x="connsiteX117" y="connsiteY117"/>
-              </a:cxn>
-              <a:cxn ang="0">
-                <a:pos x="connsiteX118" y="connsiteY118"/>
-              </a:cxn>
-              <a:cxn ang="0">
-                <a:pos x="connsiteX119" y="connsiteY119"/>
-              </a:cxn>
-              <a:cxn ang="0">
-                <a:pos x="connsiteX120" y="connsiteY120"/>
-              </a:cxn>
-              <a:cxn ang="0">
-                <a:pos x="connsiteX121" y="connsiteY121"/>
-              </a:cxn>
-              <a:cxn ang="0">
-                <a:pos x="connsiteX122" y="connsiteY122"/>
-              </a:cxn>
-              <a:cxn ang="0">
-                <a:pos x="connsiteX123" y="connsiteY123"/>
-              </a:cxn>
-              <a:cxn ang="0">
-                <a:pos x="connsiteX124" y="connsiteY124"/>
-              </a:cxn>
-              <a:cxn ang="0">
-                <a:pos x="connsiteX125" y="connsiteY125"/>
-              </a:cxn>
-              <a:cxn ang="0">
-                <a:pos x="connsiteX126" y="connsiteY126"/>
-              </a:cxn>
-              <a:cxn ang="0">
-                <a:pos x="connsiteX127" y="connsiteY127"/>
-              </a:cxn>
-              <a:cxn ang="0">
-                <a:pos x="connsiteX128" y="connsiteY128"/>
-              </a:cxn>
-              <a:cxn ang="0">
-                <a:pos x="connsiteX129" y="connsiteY129"/>
-              </a:cxn>
-              <a:cxn ang="0">
-                <a:pos x="connsiteX130" y="connsiteY130"/>
-              </a:cxn>
-              <a:cxn ang="0">
-                <a:pos x="connsiteX131" y="connsiteY131"/>
-              </a:cxn>
-              <a:cxn ang="0">
-                <a:pos x="connsiteX132" y="connsiteY132"/>
-              </a:cxn>
-              <a:cxn ang="0">
-                <a:pos x="connsiteX133" y="connsiteY133"/>
-              </a:cxn>
-              <a:cxn ang="0">
-                <a:pos x="connsiteX134" y="connsiteY134"/>
-              </a:cxn>
-              <a:cxn ang="0">
-                <a:pos x="connsiteX135" y="connsiteY135"/>
-              </a:cxn>
-              <a:cxn ang="0">
-                <a:pos x="connsiteX136" y="connsiteY136"/>
-              </a:cxn>
-              <a:cxn ang="0">
-                <a:pos x="connsiteX137" y="connsiteY137"/>
-              </a:cxn>
-              <a:cxn ang="0">
-                <a:pos x="connsiteX138" y="connsiteY138"/>
-              </a:cxn>
-              <a:cxn ang="0">
-                <a:pos x="connsiteX139" y="connsiteY139"/>
-              </a:cxn>
-              <a:cxn ang="0">
-                <a:pos x="connsiteX140" y="connsiteY140"/>
-              </a:cxn>
-              <a:cxn ang="0">
-                <a:pos x="connsiteX141" y="connsiteY141"/>
-              </a:cxn>
-              <a:cxn ang="0">
-                <a:pos x="connsiteX142" y="connsiteY142"/>
-              </a:cxn>
-              <a:cxn ang="0">
-                <a:pos x="connsiteX143" y="connsiteY143"/>
-              </a:cxn>
-              <a:cxn ang="0">
-                <a:pos x="connsiteX144" y="connsiteY144"/>
-              </a:cxn>
-              <a:cxn ang="0">
-                <a:pos x="connsiteX145" y="connsiteY145"/>
-              </a:cxn>
-              <a:cxn ang="0">
-                <a:pos x="connsiteX146" y="connsiteY146"/>
-              </a:cxn>
-              <a:cxn ang="0">
-                <a:pos x="connsiteX147" y="connsiteY147"/>
-              </a:cxn>
-              <a:cxn ang="0">
-                <a:pos x="connsiteX148" y="connsiteY148"/>
-              </a:cxn>
-              <a:cxn ang="0">
-                <a:pos x="connsiteX149" y="connsiteY149"/>
-              </a:cxn>
-              <a:cxn ang="0">
-                <a:pos x="connsiteX150" y="connsiteY150"/>
-              </a:cxn>
-              <a:cxn ang="0">
-                <a:pos x="connsiteX151" y="connsiteY151"/>
-              </a:cxn>
-              <a:cxn ang="0">
-                <a:pos x="connsiteX152" y="connsiteY152"/>
-              </a:cxn>
-              <a:cxn ang="0">
-                <a:pos x="connsiteX153" y="connsiteY153"/>
-              </a:cxn>
-              <a:cxn ang="0">
-                <a:pos x="connsiteX154" y="connsiteY154"/>
-              </a:cxn>
-              <a:cxn ang="0">
-                <a:pos x="connsiteX155" y="connsiteY155"/>
-              </a:cxn>
-              <a:cxn ang="0">
-                <a:pos x="connsiteX156" y="connsiteY156"/>
-              </a:cxn>
-              <a:cxn ang="0">
-                <a:pos x="connsiteX157" y="connsiteY157"/>
-              </a:cxn>
-              <a:cxn ang="0">
-                <a:pos x="connsiteX158" y="connsiteY158"/>
-              </a:cxn>
-              <a:cxn ang="0">
-                <a:pos x="connsiteX159" y="connsiteY159"/>
-              </a:cxn>
-              <a:cxn ang="0">
-                <a:pos x="connsiteX160" y="connsiteY160"/>
-              </a:cxn>
-              <a:cxn ang="0">
-                <a:pos x="connsiteX161" y="connsiteY161"/>
-              </a:cxn>
-              <a:cxn ang="0">
-                <a:pos x="connsiteX162" y="connsiteY162"/>
-              </a:cxn>
-              <a:cxn ang="0">
-                <a:pos x="connsiteX163" y="connsiteY163"/>
-              </a:cxn>
-              <a:cxn ang="0">
-                <a:pos x="connsiteX164" y="connsiteY164"/>
-              </a:cxn>
-              <a:cxn ang="0">
-                <a:pos x="connsiteX165" y="connsiteY165"/>
-              </a:cxn>
-              <a:cxn ang="0">
-                <a:pos x="connsiteX166" y="connsiteY166"/>
-              </a:cxn>
-              <a:cxn ang="0">
-                <a:pos x="connsiteX167" y="connsiteY167"/>
-              </a:cxn>
-              <a:cxn ang="0">
-                <a:pos x="connsiteX168" y="connsiteY168"/>
-              </a:cxn>
-              <a:cxn ang="0">
-                <a:pos x="connsiteX169" y="connsiteY169"/>
-              </a:cxn>
-              <a:cxn ang="0">
-                <a:pos x="connsiteX170" y="connsiteY170"/>
-              </a:cxn>
-              <a:cxn ang="0">
-                <a:pos x="connsiteX171" y="connsiteY171"/>
-              </a:cxn>
-              <a:cxn ang="0">
-                <a:pos x="connsiteX172" y="connsiteY172"/>
-              </a:cxn>
-              <a:cxn ang="0">
-                <a:pos x="connsiteX173" y="connsiteY173"/>
-              </a:cxn>
-              <a:cxn ang="0">
-                <a:pos x="connsiteX174" y="connsiteY174"/>
-              </a:cxn>
-              <a:cxn ang="0">
-                <a:pos x="connsiteX175" y="connsiteY175"/>
-              </a:cxn>
-              <a:cxn ang="0">
-                <a:pos x="connsiteX176" y="connsiteY176"/>
-              </a:cxn>
-              <a:cxn ang="0">
-                <a:pos x="connsiteX177" y="connsiteY177"/>
-              </a:cxn>
-              <a:cxn ang="0">
-                <a:pos x="connsiteX178" y="connsiteY178"/>
-              </a:cxn>
-              <a:cxn ang="0">
-                <a:pos x="connsiteX179" y="connsiteY179"/>
-              </a:cxn>
-              <a:cxn ang="0">
-                <a:pos x="connsiteX180" y="connsiteY180"/>
-              </a:cxn>
-              <a:cxn ang="0">
-                <a:pos x="connsiteX181" y="connsiteY181"/>
-              </a:cxn>
-              <a:cxn ang="0">
-                <a:pos x="connsiteX182" y="connsiteY182"/>
-              </a:cxn>
-              <a:cxn ang="0">
-                <a:pos x="connsiteX183" y="connsiteY183"/>
-              </a:cxn>
-              <a:cxn ang="0">
-                <a:pos x="connsiteX184" y="connsiteY184"/>
-              </a:cxn>
-              <a:cxn ang="0">
-                <a:pos x="connsiteX185" y="connsiteY185"/>
-              </a:cxn>
-              <a:cxn ang="0">
-                <a:pos x="connsiteX186" y="connsiteY186"/>
-              </a:cxn>
-              <a:cxn ang="0">
-                <a:pos x="connsiteX187" y="connsiteY187"/>
-              </a:cxn>
-              <a:cxn ang="0">
-                <a:pos x="connsiteX188" y="connsiteY188"/>
-              </a:cxn>
-              <a:cxn ang="0">
-                <a:pos x="connsiteX189" y="connsiteY189"/>
-              </a:cxn>
-              <a:cxn ang="0">
-                <a:pos x="connsiteX190" y="connsiteY190"/>
-              </a:cxn>
-              <a:cxn ang="0">
-                <a:pos x="connsiteX191" y="connsiteY191"/>
-              </a:cxn>
-              <a:cxn ang="0">
-                <a:pos x="connsiteX192" y="connsiteY192"/>
-              </a:cxn>
-              <a:cxn ang="0">
-                <a:pos x="connsiteX193" y="connsiteY193"/>
-              </a:cxn>
-              <a:cxn ang="0">
-                <a:pos x="connsiteX194" y="connsiteY194"/>
-              </a:cxn>
-              <a:cxn ang="0">
-                <a:pos x="connsiteX195" y="connsiteY195"/>
-              </a:cxn>
-              <a:cxn ang="0">
-                <a:pos x="connsiteX196" y="connsiteY196"/>
-              </a:cxn>
-              <a:cxn ang="0">
-                <a:pos x="connsiteX197" y="connsiteY197"/>
-              </a:cxn>
-              <a:cxn ang="0">
-                <a:pos x="connsiteX198" y="connsiteY198"/>
-              </a:cxn>
-              <a:cxn ang="0">
-                <a:pos x="connsiteX199" y="connsiteY199"/>
-              </a:cxn>
-              <a:cxn ang="0">
-                <a:pos x="connsiteX200" y="connsiteY200"/>
-              </a:cxn>
-              <a:cxn ang="0">
-                <a:pos x="connsiteX201" y="connsiteY201"/>
-              </a:cxn>
-              <a:cxn ang="0">
-                <a:pos x="connsiteX202" y="connsiteY202"/>
-              </a:cxn>
-              <a:cxn ang="0">
-                <a:pos x="connsiteX203" y="connsiteY203"/>
-              </a:cxn>
-              <a:cxn ang="0">
-                <a:pos x="connsiteX204" y="connsiteY204"/>
-              </a:cxn>
-              <a:cxn ang="0">
-                <a:pos x="connsiteX205" y="connsiteY205"/>
-              </a:cxn>
-              <a:cxn ang="0">
-                <a:pos x="connsiteX206" y="connsiteY206"/>
-              </a:cxn>
-              <a:cxn ang="0">
-                <a:pos x="connsiteX207" y="connsiteY207"/>
-              </a:cxn>
-              <a:cxn ang="0">
-                <a:pos x="connsiteX208" y="connsiteY208"/>
-              </a:cxn>
-              <a:cxn ang="0">
-                <a:pos x="connsiteX209" y="connsiteY209"/>
-              </a:cxn>
-              <a:cxn ang="0">
-                <a:pos x="connsiteX210" y="connsiteY210"/>
-              </a:cxn>
-              <a:cxn ang="0">
-                <a:pos x="connsiteX211" y="connsiteY211"/>
-              </a:cxn>
-              <a:cxn ang="0">
-                <a:pos x="connsiteX212" y="connsiteY212"/>
-              </a:cxn>
-              <a:cxn ang="0">
-                <a:pos x="connsiteX213" y="connsiteY213"/>
-              </a:cxn>
-              <a:cxn ang="0">
-                <a:pos x="connsiteX214" y="connsiteY214"/>
-              </a:cxn>
-              <a:cxn ang="0">
-                <a:pos x="connsiteX215" y="connsiteY215"/>
-              </a:cxn>
-              <a:cxn ang="0">
-                <a:pos x="connsiteX216" y="connsiteY216"/>
-              </a:cxn>
-              <a:cxn ang="0">
-                <a:pos x="connsiteX217" y="connsiteY217"/>
-              </a:cxn>
-              <a:cxn ang="0">
-                <a:pos x="connsiteX218" y="connsiteY218"/>
-              </a:cxn>
-              <a:cxn ang="0">
-                <a:pos x="connsiteX219" y="connsiteY219"/>
-              </a:cxn>
-              <a:cxn ang="0">
-                <a:pos x="connsiteX220" y="connsiteY220"/>
-              </a:cxn>
-              <a:cxn ang="0">
-                <a:pos x="connsiteX221" y="connsiteY221"/>
-              </a:cxn>
-              <a:cxn ang="0">
-                <a:pos x="connsiteX222" y="connsiteY222"/>
-              </a:cxn>
-              <a:cxn ang="0">
-                <a:pos x="connsiteX223" y="connsiteY223"/>
-              </a:cxn>
-              <a:cxn ang="0">
-                <a:pos x="connsiteX224" y="connsiteY224"/>
-              </a:cxn>
-              <a:cxn ang="0">
-                <a:pos x="connsiteX225" y="connsiteY225"/>
-              </a:cxn>
-              <a:cxn ang="0">
-                <a:pos x="connsiteX226" y="connsiteY226"/>
-              </a:cxn>
-              <a:cxn ang="0">
-                <a:pos x="connsiteX227" y="connsiteY227"/>
-              </a:cxn>
-              <a:cxn ang="0">
-                <a:pos x="connsiteX228" y="connsiteY228"/>
-              </a:cxn>
-              <a:cxn ang="0">
-                <a:pos x="connsiteX229" y="connsiteY229"/>
-              </a:cxn>
-              <a:cxn ang="0">
-                <a:pos x="connsiteX230" y="connsiteY230"/>
-              </a:cxn>
-              <a:cxn ang="0">
-                <a:pos x="connsiteX231" y="connsiteY231"/>
-              </a:cxn>
-              <a:cxn ang="0">
-                <a:pos x="connsiteX232" y="connsiteY232"/>
-              </a:cxn>
-              <a:cxn ang="0">
-                <a:pos x="connsiteX233" y="connsiteY233"/>
-              </a:cxn>
-              <a:cxn ang="0">
-                <a:pos x="connsiteX234" y="connsiteY234"/>
-              </a:cxn>
-              <a:cxn ang="0">
-                <a:pos x="connsiteX235" y="connsiteY235"/>
-              </a:cxn>
-              <a:cxn ang="0">
-                <a:pos x="connsiteX236" y="connsiteY236"/>
-              </a:cxn>
-              <a:cxn ang="0">
-                <a:pos x="connsiteX237" y="connsiteY237"/>
-              </a:cxn>
-              <a:cxn ang="0">
-                <a:pos x="connsiteX238" y="connsiteY238"/>
-              </a:cxn>
-              <a:cxn ang="0">
-                <a:pos x="connsiteX239" y="connsiteY239"/>
-              </a:cxn>
-              <a:cxn ang="0">
-                <a:pos x="connsiteX240" y="connsiteY240"/>
-              </a:cxn>
-            </a:cxnLst>
-            <a:rect l="l" t="t" r="r" b="b"/>
-            <a:pathLst>
-              <a:path w="5470628" h="3193741">
-                <a:moveTo>
-                  <a:pt x="5462602" y="1413608"/>
-                </a:moveTo>
-                <a:lnTo>
-                  <a:pt x="5465724" y="1421881"/>
-                </a:lnTo>
-                <a:cubicBezTo>
-                  <a:pt x="5472118" y="1444281"/>
-                  <a:pt x="5472640" y="1461744"/>
-                  <a:pt x="5465025" y="1466556"/>
-                </a:cubicBezTo>
-                <a:lnTo>
-                  <a:pt x="5463208" y="1466226"/>
-                </a:lnTo>
-                <a:lnTo>
-                  <a:pt x="5463242" y="1451866"/>
-                </a:lnTo>
-                <a:cubicBezTo>
-                  <a:pt x="5463190" y="1441487"/>
-                  <a:pt x="5463068" y="1431722"/>
-                  <a:pt x="5462894" y="1423194"/>
-                </a:cubicBezTo>
-                <a:close/>
-                <a:moveTo>
-                  <a:pt x="5461417" y="1391849"/>
-                </a:moveTo>
-                <a:cubicBezTo>
-                  <a:pt x="5461710" y="1392940"/>
-                  <a:pt x="5461992" y="1396513"/>
-                  <a:pt x="5462246" y="1401944"/>
-                </a:cubicBezTo>
-                <a:lnTo>
-                  <a:pt x="5462602" y="1413608"/>
-                </a:lnTo>
-                <a:lnTo>
-                  <a:pt x="5459078" y="1404268"/>
-                </a:lnTo>
-                <a:lnTo>
-                  <a:pt x="5460137" y="1393780"/>
-                </a:lnTo>
-                <a:cubicBezTo>
-                  <a:pt x="5460561" y="1391114"/>
-                  <a:pt x="5460982" y="1390270"/>
-                  <a:pt x="5461417" y="1391849"/>
-                </a:cubicBezTo>
-                <a:close/>
-                <a:moveTo>
-                  <a:pt x="614271" y="1052206"/>
-                </a:moveTo>
-                <a:cubicBezTo>
-                  <a:pt x="613444" y="1053256"/>
-                  <a:pt x="612323" y="1054339"/>
-                  <a:pt x="611497" y="1055389"/>
-                </a:cubicBezTo>
-                <a:cubicBezTo>
-                  <a:pt x="617673" y="1058912"/>
-                  <a:pt x="624115" y="1061928"/>
-                  <a:pt x="630277" y="1065215"/>
-                </a:cubicBezTo>
-                <a:cubicBezTo>
-                  <a:pt x="637469" y="1066004"/>
-                  <a:pt x="644958" y="1066759"/>
-                  <a:pt x="651856" y="1067584"/>
-                </a:cubicBezTo>
-                <a:cubicBezTo>
-                  <a:pt x="639327" y="1062458"/>
-                  <a:pt x="626799" y="1057332"/>
-                  <a:pt x="614271" y="1052206"/>
-                </a:cubicBezTo>
-                <a:close/>
-                <a:moveTo>
-                  <a:pt x="810628" y="695550"/>
-                </a:moveTo>
-                <a:cubicBezTo>
-                  <a:pt x="873537" y="739416"/>
-                  <a:pt x="951215" y="767494"/>
-                  <a:pt x="1033084" y="791270"/>
-                </a:cubicBezTo>
-                <a:cubicBezTo>
-                  <a:pt x="1034205" y="790184"/>
-                  <a:pt x="1035031" y="789136"/>
-                  <a:pt x="1036153" y="788050"/>
-                </a:cubicBezTo>
-                <a:cubicBezTo>
-                  <a:pt x="960983" y="757296"/>
-                  <a:pt x="885798" y="726306"/>
-                  <a:pt x="810628" y="695550"/>
-                </a:cubicBezTo>
-                <a:close/>
-                <a:moveTo>
-                  <a:pt x="4850908" y="727"/>
-                </a:moveTo>
-                <a:cubicBezTo>
-                  <a:pt x="4858191" y="2929"/>
-                  <a:pt x="4860543" y="7152"/>
-                  <a:pt x="4858584" y="13795"/>
-                </a:cubicBezTo>
-                <a:cubicBezTo>
-                  <a:pt x="4855845" y="22194"/>
-                  <a:pt x="4850092" y="30008"/>
-                  <a:pt x="4843408" y="37224"/>
-                </a:cubicBezTo>
-                <a:cubicBezTo>
-                  <a:pt x="4812232" y="71132"/>
-                  <a:pt x="4827067" y="79774"/>
-                  <a:pt x="4871062" y="78954"/>
-                </a:cubicBezTo>
-                <a:cubicBezTo>
-                  <a:pt x="4910302" y="78234"/>
-                  <a:pt x="4949507" y="72299"/>
-                  <a:pt x="4989038" y="66799"/>
-                </a:cubicBezTo>
-                <a:cubicBezTo>
-                  <a:pt x="5008500" y="63967"/>
-                  <a:pt x="5009491" y="65509"/>
-                  <a:pt x="5002636" y="79388"/>
-                </a:cubicBezTo>
-                <a:cubicBezTo>
-                  <a:pt x="4991594" y="102315"/>
-                  <a:pt x="4990844" y="123285"/>
-                  <a:pt x="5008332" y="140859"/>
-                </a:cubicBezTo>
-                <a:cubicBezTo>
-                  <a:pt x="5012456" y="144868"/>
-                  <a:pt x="5015428" y="149491"/>
-                  <a:pt x="5014326" y="155555"/>
-                </a:cubicBezTo>
-                <a:cubicBezTo>
-                  <a:pt x="5009356" y="180357"/>
-                  <a:pt x="5019874" y="200674"/>
-                  <a:pt x="5030704" y="221190"/>
-                </a:cubicBezTo>
-                <a:cubicBezTo>
-                  <a:pt x="5048958" y="255517"/>
-                  <a:pt x="5072099" y="287116"/>
-                  <a:pt x="5097262" y="317759"/>
-                </a:cubicBezTo>
-                <a:cubicBezTo>
-                  <a:pt x="5115004" y="339336"/>
-                  <a:pt x="5126222" y="365974"/>
-                  <a:pt x="5165084" y="373367"/>
-                </a:cubicBezTo>
-                <a:cubicBezTo>
-                  <a:pt x="5174420" y="375083"/>
-                  <a:pt x="5177498" y="381353"/>
-                  <a:pt x="5174137" y="389353"/>
-                </a:cubicBezTo>
-                <a:cubicBezTo>
-                  <a:pt x="5163026" y="415847"/>
-                  <a:pt x="5172067" y="436343"/>
-                  <a:pt x="5192507" y="453561"/>
-                </a:cubicBezTo>
-                <a:cubicBezTo>
-                  <a:pt x="5199734" y="459565"/>
-                  <a:pt x="5197020" y="463690"/>
-                  <a:pt x="5187160" y="467732"/>
-                </a:cubicBezTo>
-                <a:cubicBezTo>
-                  <a:pt x="5175836" y="472188"/>
-                  <a:pt x="5167025" y="478711"/>
-                  <a:pt x="5160106" y="486904"/>
-                </a:cubicBezTo>
-                <a:cubicBezTo>
-                  <a:pt x="5148744" y="500143"/>
-                  <a:pt x="5143396" y="514315"/>
-                  <a:pt x="5138948" y="528614"/>
-                </a:cubicBezTo>
-                <a:cubicBezTo>
-                  <a:pt x="5132042" y="551041"/>
-                  <a:pt x="5123894" y="572670"/>
-                  <a:pt x="5097016" y="589923"/>
-                </a:cubicBezTo>
-                <a:cubicBezTo>
-                  <a:pt x="5089016" y="595163"/>
-                  <a:pt x="5082598" y="601872"/>
-                  <a:pt x="5075869" y="608381"/>
-                </a:cubicBezTo>
-                <a:cubicBezTo>
-                  <a:pt x="5078016" y="614052"/>
-                  <a:pt x="5083322" y="617918"/>
-                  <a:pt x="5093172" y="618385"/>
-                </a:cubicBezTo>
-                <a:cubicBezTo>
-                  <a:pt x="5155867" y="621469"/>
-                  <a:pt x="5153088" y="652648"/>
-                  <a:pt x="5153518" y="687474"/>
-                </a:cubicBezTo>
-                <a:cubicBezTo>
-                  <a:pt x="5154177" y="730575"/>
-                  <a:pt x="5118812" y="754787"/>
-                  <a:pt x="5074984" y="776941"/>
-                </a:cubicBezTo>
-                <a:cubicBezTo>
-                  <a:pt x="5059986" y="784451"/>
-                  <a:pt x="5038116" y="786863"/>
-                  <a:pt x="5033348" y="805473"/>
-                </a:cubicBezTo>
-                <a:cubicBezTo>
-                  <a:pt x="5059529" y="819384"/>
-                  <a:pt x="5089376" y="802009"/>
-                  <a:pt x="5116847" y="803426"/>
-                </a:cubicBezTo>
-                <a:cubicBezTo>
-                  <a:pt x="5139548" y="804709"/>
-                  <a:pt x="5176330" y="798120"/>
-                  <a:pt x="5147902" y="833118"/>
-                </a:cubicBezTo>
-                <a:cubicBezTo>
-                  <a:pt x="5139626" y="843373"/>
-                  <a:pt x="5150382" y="848714"/>
-                  <a:pt x="5161665" y="848297"/>
-                </a:cubicBezTo>
-                <a:cubicBezTo>
-                  <a:pt x="5253064" y="844106"/>
-                  <a:pt x="5215170" y="912756"/>
-                  <a:pt x="5246520" y="942412"/>
-                </a:cubicBezTo>
-                <a:cubicBezTo>
-                  <a:pt x="5255359" y="950358"/>
-                  <a:pt x="5247812" y="967405"/>
-                  <a:pt x="5235368" y="972946"/>
-                </a:cubicBezTo>
-                <a:cubicBezTo>
-                  <a:pt x="5156387" y="1008610"/>
-                  <a:pt x="5149354" y="1071149"/>
-                  <a:pt x="5113739" y="1128845"/>
-                </a:cubicBezTo>
-                <a:cubicBezTo>
-                  <a:pt x="5157305" y="1144685"/>
-                  <a:pt x="5208388" y="1143005"/>
-                  <a:pt x="5255034" y="1151117"/>
-                </a:cubicBezTo>
-                <a:cubicBezTo>
-                  <a:pt x="5303482" y="1159484"/>
-                  <a:pt x="5304156" y="1170079"/>
-                  <a:pt x="5267513" y="1216275"/>
-                </a:cubicBezTo>
-                <a:cubicBezTo>
-                  <a:pt x="5370269" y="1212844"/>
-                  <a:pt x="5370269" y="1212844"/>
-                  <a:pt x="5343113" y="1281854"/>
-                </a:cubicBezTo>
-                <a:cubicBezTo>
-                  <a:pt x="5386272" y="1279593"/>
-                  <a:pt x="5428618" y="1334726"/>
-                  <a:pt x="5452014" y="1385543"/>
-                </a:cubicBezTo>
-                <a:lnTo>
-                  <a:pt x="5459078" y="1404268"/>
-                </a:lnTo>
-                <a:lnTo>
-                  <a:pt x="5458838" y="1406644"/>
-                </a:lnTo>
-                <a:cubicBezTo>
-                  <a:pt x="5457942" y="1418063"/>
-                  <a:pt x="5456960" y="1434367"/>
-                  <a:pt x="5455752" y="1450751"/>
-                </a:cubicBezTo>
-                <a:lnTo>
-                  <a:pt x="5454594" y="1464662"/>
-                </a:lnTo>
-                <a:lnTo>
-                  <a:pt x="5447215" y="1463321"/>
-                </a:lnTo>
-                <a:cubicBezTo>
-                  <a:pt x="5441256" y="1459714"/>
-                  <a:pt x="5437002" y="1458345"/>
-                  <a:pt x="5433934" y="1458428"/>
-                </a:cubicBezTo>
-                <a:cubicBezTo>
-                  <a:pt x="5424728" y="1458676"/>
-                  <a:pt x="5426188" y="1471978"/>
-                  <a:pt x="5424276" y="1477014"/>
-                </a:cubicBezTo>
-                <a:cubicBezTo>
-                  <a:pt x="5417851" y="1492977"/>
-                  <a:pt x="5433852" y="1501241"/>
-                  <a:pt x="5444628" y="1511562"/>
-                </a:cubicBezTo>
-                <a:cubicBezTo>
-                  <a:pt x="5448663" y="1515344"/>
-                  <a:pt x="5451544" y="1497678"/>
-                  <a:pt x="5453752" y="1474786"/>
-                </a:cubicBezTo>
-                <a:lnTo>
-                  <a:pt x="5454594" y="1464662"/>
-                </a:lnTo>
-                <a:lnTo>
-                  <a:pt x="5463208" y="1466226"/>
-                </a:lnTo>
-                <a:lnTo>
-                  <a:pt x="5463164" y="1484226"/>
-                </a:lnTo>
-                <a:cubicBezTo>
-                  <a:pt x="5462722" y="1528173"/>
-                  <a:pt x="5460824" y="1571999"/>
-                  <a:pt x="5456160" y="1575885"/>
-                </a:cubicBezTo>
-                <a:cubicBezTo>
-                  <a:pt x="5406708" y="1617226"/>
-                  <a:pt x="5442751" y="1692579"/>
-                  <a:pt x="5345636" y="1714543"/>
-                </a:cubicBezTo>
-                <a:cubicBezTo>
-                  <a:pt x="5301930" y="1724583"/>
-                  <a:pt x="5282493" y="1755882"/>
-                  <a:pt x="5251319" y="1775792"/>
-                </a:cubicBezTo>
-                <a:cubicBezTo>
-                  <a:pt x="5142610" y="1844714"/>
-                  <a:pt x="5072132" y="1925140"/>
-                  <a:pt x="5043512" y="2027305"/>
-                </a:cubicBezTo>
-                <a:cubicBezTo>
-                  <a:pt x="5035488" y="2055562"/>
-                  <a:pt x="5000258" y="2081893"/>
-                  <a:pt x="4978144" y="2108535"/>
-                </a:cubicBezTo>
-                <a:cubicBezTo>
-                  <a:pt x="4990785" y="2124798"/>
-                  <a:pt x="5050411" y="2079615"/>
-                  <a:pt x="5031476" y="2128173"/>
-                </a:cubicBezTo>
-                <a:cubicBezTo>
-                  <a:pt x="5017138" y="2164787"/>
-                  <a:pt x="4975973" y="2191363"/>
-                  <a:pt x="4937389" y="2216441"/>
-                </a:cubicBezTo>
-                <a:cubicBezTo>
-                  <a:pt x="4893079" y="2245058"/>
-                  <a:pt x="4843760" y="2269776"/>
-                  <a:pt x="4826122" y="2315331"/>
-                </a:cubicBezTo>
-                <a:cubicBezTo>
-                  <a:pt x="4822276" y="2325050"/>
-                  <a:pt x="3896510" y="3112888"/>
-                  <a:pt x="2544647" y="3190975"/>
-                </a:cubicBezTo>
-                <a:cubicBezTo>
-                  <a:pt x="2323734" y="3203734"/>
-                  <a:pt x="1445947" y="3169121"/>
-                  <a:pt x="1328257" y="3153006"/>
-                </a:cubicBezTo>
-                <a:cubicBezTo>
-                  <a:pt x="1207258" y="3136344"/>
-                  <a:pt x="1101756" y="3091943"/>
-                  <a:pt x="977943" y="3082502"/>
-                </a:cubicBezTo>
-                <a:cubicBezTo>
-                  <a:pt x="912454" y="3077622"/>
-                  <a:pt x="848655" y="3061861"/>
-                  <a:pt x="854473" y="2994250"/>
-                </a:cubicBezTo>
-                <a:cubicBezTo>
-                  <a:pt x="856228" y="2975057"/>
-                  <a:pt x="838125" y="2961827"/>
-                  <a:pt x="811593" y="2970498"/>
-                </a:cubicBezTo>
-                <a:cubicBezTo>
-                  <a:pt x="761454" y="2987010"/>
-                  <a:pt x="736680" y="2962489"/>
-                  <a:pt x="707024" y="2945439"/>
-                </a:cubicBezTo>
-                <a:cubicBezTo>
-                  <a:pt x="654509" y="2915262"/>
-                  <a:pt x="603913" y="2882480"/>
-                  <a:pt x="523487" y="2886053"/>
-                </a:cubicBezTo>
-                <a:cubicBezTo>
-                  <a:pt x="537017" y="2855468"/>
-                  <a:pt x="563587" y="2856758"/>
-                  <a:pt x="587884" y="2859746"/>
-                </a:cubicBezTo>
-                <a:cubicBezTo>
-                  <a:pt x="652090" y="2867866"/>
-                  <a:pt x="715235" y="2878012"/>
-                  <a:pt x="779426" y="2885897"/>
-                </a:cubicBezTo>
-                <a:cubicBezTo>
-                  <a:pt x="821123" y="2891048"/>
-                  <a:pt x="863074" y="2900202"/>
-                  <a:pt x="917288" y="2882248"/>
-                </a:cubicBezTo>
-                <a:cubicBezTo>
-                  <a:pt x="866364" y="2830288"/>
-                  <a:pt x="785092" y="2829930"/>
-                  <a:pt x="718684" y="2819941"/>
-                </a:cubicBezTo>
-                <a:cubicBezTo>
-                  <a:pt x="635747" y="2807447"/>
-                  <a:pt x="584925" y="2771133"/>
-                  <a:pt x="524650" y="2731220"/>
-                </a:cubicBezTo>
-                <a:cubicBezTo>
-                  <a:pt x="584180" y="2712621"/>
-                  <a:pt x="623299" y="2742760"/>
-                  <a:pt x="670138" y="2735189"/>
-                </a:cubicBezTo>
-                <a:cubicBezTo>
-                  <a:pt x="672406" y="2728745"/>
-                  <a:pt x="675988" y="2719532"/>
-                  <a:pt x="675382" y="2719369"/>
-                </a:cubicBezTo>
-                <a:cubicBezTo>
-                  <a:pt x="596666" y="2703042"/>
-                  <a:pt x="557844" y="2658869"/>
-                  <a:pt x="542021" y="2601946"/>
-                </a:cubicBezTo>
-                <a:cubicBezTo>
-                  <a:pt x="533902" y="2572560"/>
-                  <a:pt x="505246" y="2566541"/>
-                  <a:pt x="476895" y="2555976"/>
-                </a:cubicBezTo>
-                <a:cubicBezTo>
-                  <a:pt x="377189" y="2518466"/>
-                  <a:pt x="272496" y="2486779"/>
-                  <a:pt x="188751" y="2428830"/>
-                </a:cubicBezTo>
-                <a:cubicBezTo>
-                  <a:pt x="280875" y="2426687"/>
-                  <a:pt x="357216" y="2461808"/>
-                  <a:pt x="456762" y="2468731"/>
-                </a:cubicBezTo>
-                <a:cubicBezTo>
-                  <a:pt x="373794" y="2404281"/>
-                  <a:pt x="269816" y="2379152"/>
-                  <a:pt x="174514" y="2345378"/>
-                </a:cubicBezTo>
-                <a:cubicBezTo>
-                  <a:pt x="130977" y="2330009"/>
-                  <a:pt x="90329" y="2308598"/>
-                  <a:pt x="38827" y="2303685"/>
-                </a:cubicBezTo>
-                <a:cubicBezTo>
-                  <a:pt x="20556" y="2301864"/>
-                  <a:pt x="-10092" y="2297272"/>
-                  <a:pt x="3281" y="2273587"/>
-                </a:cubicBezTo>
-                <a:cubicBezTo>
-                  <a:pt x="14533" y="2253956"/>
-                  <a:pt x="39095" y="2256437"/>
-                  <a:pt x="61590" y="2259170"/>
-                </a:cubicBezTo>
-                <a:cubicBezTo>
-                  <a:pt x="115591" y="2265916"/>
-                  <a:pt x="170539" y="2259497"/>
-                  <a:pt x="242291" y="2250569"/>
-                </a:cubicBezTo>
-                <a:cubicBezTo>
-                  <a:pt x="178223" y="2197829"/>
-                  <a:pt x="68904" y="2229102"/>
-                  <a:pt x="13205" y="2172263"/>
-                </a:cubicBezTo>
-                <a:cubicBezTo>
-                  <a:pt x="77196" y="2153598"/>
-                  <a:pt x="128251" y="2170191"/>
-                  <a:pt x="180810" y="2168333"/>
-                </a:cubicBezTo>
-                <a:cubicBezTo>
-                  <a:pt x="228319" y="2166612"/>
-                  <a:pt x="239444" y="2154350"/>
-                  <a:pt x="226020" y="2121100"/>
-                </a:cubicBezTo>
-                <a:cubicBezTo>
-                  <a:pt x="205165" y="2069293"/>
-                  <a:pt x="229388" y="2038364"/>
-                  <a:pt x="299145" y="2044862"/>
-                </a:cubicBezTo>
-                <a:cubicBezTo>
-                  <a:pt x="363822" y="2051027"/>
-                  <a:pt x="369032" y="2029991"/>
-                  <a:pt x="350236" y="2001187"/>
-                </a:cubicBezTo>
-                <a:cubicBezTo>
-                  <a:pt x="322862" y="1959187"/>
-                  <a:pt x="348423" y="1921214"/>
-                  <a:pt x="365223" y="1881218"/>
-                </a:cubicBezTo>
-                <a:cubicBezTo>
-                  <a:pt x="390527" y="1820499"/>
-                  <a:pt x="376326" y="1793748"/>
-                  <a:pt x="310707" y="1758752"/>
-                </a:cubicBezTo>
-                <a:cubicBezTo>
-                  <a:pt x="273754" y="1739265"/>
-                  <a:pt x="234367" y="1723631"/>
-                  <a:pt x="181659" y="1709137"/>
-                </a:cubicBezTo>
-                <a:cubicBezTo>
-                  <a:pt x="299387" y="1683727"/>
-                  <a:pt x="172918" y="1660608"/>
-                  <a:pt x="213063" y="1632021"/>
-                </a:cubicBezTo>
-                <a:cubicBezTo>
-                  <a:pt x="296030" y="1612244"/>
-                  <a:pt x="369047" y="1679323"/>
-                  <a:pt x="481390" y="1644125"/>
-                </a:cubicBezTo>
-                <a:cubicBezTo>
-                  <a:pt x="336659" y="1595935"/>
-                  <a:pt x="176348" y="1532074"/>
-                  <a:pt x="68930" y="1457537"/>
-                </a:cubicBezTo>
-                <a:cubicBezTo>
-                  <a:pt x="91299" y="1434897"/>
-                  <a:pt x="115799" y="1450436"/>
-                  <a:pt x="135138" y="1440976"/>
-                </a:cubicBezTo>
-                <a:cubicBezTo>
-                  <a:pt x="133952" y="1436374"/>
-                  <a:pt x="135290" y="1429332"/>
-                  <a:pt x="131611" y="1427642"/>
-                </a:cubicBezTo>
-                <a:cubicBezTo>
-                  <a:pt x="52402" y="1389548"/>
-                  <a:pt x="51441" y="1388478"/>
-                  <a:pt x="130443" y="1343795"/>
-                </a:cubicBezTo>
-                <a:cubicBezTo>
-                  <a:pt x="158017" y="1328118"/>
-                  <a:pt x="154966" y="1317573"/>
-                  <a:pt x="138930" y="1304094"/>
-                </a:cubicBezTo>
-                <a:cubicBezTo>
-                  <a:pt x="127608" y="1294551"/>
-                  <a:pt x="113720" y="1286742"/>
-                  <a:pt x="118409" y="1262212"/>
-                </a:cubicBezTo>
-                <a:cubicBezTo>
-                  <a:pt x="164937" y="1287183"/>
-                  <a:pt x="383505" y="1312432"/>
-                  <a:pt x="421410" y="1304757"/>
-                </a:cubicBezTo>
-                <a:cubicBezTo>
-                  <a:pt x="464009" y="1296037"/>
-                  <a:pt x="610877" y="1288926"/>
-                  <a:pt x="655702" y="1291801"/>
-                </a:cubicBezTo>
-                <a:cubicBezTo>
-                  <a:pt x="653235" y="1290438"/>
-                  <a:pt x="650767" y="1289077"/>
-                  <a:pt x="648299" y="1287715"/>
-                </a:cubicBezTo>
-                <a:cubicBezTo>
-                  <a:pt x="603999" y="1260339"/>
-                  <a:pt x="559107" y="1233035"/>
-                  <a:pt x="531027" y="1193967"/>
-                </a:cubicBezTo>
-                <a:cubicBezTo>
-                  <a:pt x="529741" y="1192462"/>
-                  <a:pt x="529061" y="1191120"/>
-                  <a:pt x="526433" y="1191913"/>
-                </a:cubicBezTo>
-                <a:cubicBezTo>
-                  <a:pt x="503415" y="1199684"/>
-                  <a:pt x="505590" y="1187083"/>
-                  <a:pt x="504666" y="1177230"/>
-                </a:cubicBezTo>
-                <a:cubicBezTo>
-                  <a:pt x="503726" y="1167141"/>
-                  <a:pt x="499378" y="1159602"/>
-                  <a:pt x="482307" y="1162618"/>
-                </a:cubicBezTo>
-                <a:cubicBezTo>
-                  <a:pt x="481421" y="1162726"/>
-                  <a:pt x="480226" y="1162633"/>
-                  <a:pt x="479029" y="1162540"/>
-                </a:cubicBezTo>
-                <a:cubicBezTo>
-                  <a:pt x="470949" y="1161859"/>
-                  <a:pt x="444139" y="1138059"/>
-                  <a:pt x="447663" y="1132649"/>
-                </a:cubicBezTo>
-                <a:cubicBezTo>
-                  <a:pt x="455539" y="1120781"/>
-                  <a:pt x="446335" y="1116439"/>
-                  <a:pt x="438547" y="1110977"/>
-                </a:cubicBezTo>
-                <a:cubicBezTo>
-                  <a:pt x="427656" y="1103517"/>
-                  <a:pt x="416795" y="1096529"/>
-                  <a:pt x="405343" y="1089612"/>
-                </a:cubicBezTo>
-                <a:cubicBezTo>
-                  <a:pt x="394202" y="1082895"/>
-                  <a:pt x="382794" y="1076684"/>
-                  <a:pt x="371373" y="1070238"/>
-                </a:cubicBezTo>
-                <a:cubicBezTo>
-                  <a:pt x="344889" y="1065616"/>
-                  <a:pt x="318169" y="1061972"/>
-                  <a:pt x="290358" y="1059884"/>
-                </a:cubicBezTo>
-                <a:cubicBezTo>
-                  <a:pt x="269709" y="1058114"/>
-                  <a:pt x="246624" y="1055453"/>
-                  <a:pt x="235140" y="1029322"/>
-                </a:cubicBezTo>
-                <a:cubicBezTo>
-                  <a:pt x="256895" y="1029771"/>
-                  <a:pt x="278695" y="1030927"/>
-                  <a:pt x="300494" y="1032083"/>
-                </a:cubicBezTo>
-                <a:cubicBezTo>
-                  <a:pt x="279542" y="1020860"/>
-                  <a:pt x="259181" y="1009565"/>
-                  <a:pt x="239661" y="997457"/>
-                </a:cubicBezTo>
-                <a:cubicBezTo>
-                  <a:pt x="223540" y="987309"/>
-                  <a:pt x="210281" y="975391"/>
-                  <a:pt x="204788" y="959211"/>
-                </a:cubicBezTo>
-                <a:cubicBezTo>
-                  <a:pt x="203337" y="955117"/>
-                  <a:pt x="202166" y="950750"/>
-                  <a:pt x="207583" y="947009"/>
-                </a:cubicBezTo>
-                <a:cubicBezTo>
-                  <a:pt x="213561" y="942727"/>
-                  <a:pt x="218466" y="944980"/>
-                  <a:pt x="223061" y="947033"/>
-                </a:cubicBezTo>
-                <a:cubicBezTo>
-                  <a:pt x="242046" y="955410"/>
-                  <a:pt x="261311" y="963516"/>
-                  <a:pt x="280015" y="972164"/>
-                </a:cubicBezTo>
-                <a:cubicBezTo>
-                  <a:pt x="304852" y="983629"/>
-                  <a:pt x="329408" y="995365"/>
-                  <a:pt x="353948" y="1006865"/>
-                </a:cubicBezTo>
-                <a:cubicBezTo>
-                  <a:pt x="319294" y="981405"/>
-                  <a:pt x="281290" y="959435"/>
-                  <a:pt x="240466" y="939943"/>
-                </a:cubicBezTo>
-                <a:cubicBezTo>
-                  <a:pt x="210990" y="925718"/>
-                  <a:pt x="181514" y="911494"/>
-                  <a:pt x="158812" y="891467"/>
-                </a:cubicBezTo>
-                <a:cubicBezTo>
-                  <a:pt x="147166" y="881489"/>
-                  <a:pt x="141336" y="869384"/>
-                  <a:pt x="139551" y="855364"/>
-                </a:cubicBezTo>
-                <a:cubicBezTo>
-                  <a:pt x="139312" y="851597"/>
-                  <a:pt x="139634" y="847287"/>
-                  <a:pt x="145731" y="844888"/>
-                </a:cubicBezTo>
-                <a:cubicBezTo>
-                  <a:pt x="151843" y="842724"/>
-                  <a:pt x="155581" y="845356"/>
-                  <a:pt x="158154" y="848366"/>
-                </a:cubicBezTo>
-                <a:cubicBezTo>
-                  <a:pt x="161052" y="851811"/>
-                  <a:pt x="164496" y="854479"/>
-                  <a:pt x="169370" y="856260"/>
-                </a:cubicBezTo>
-                <a:cubicBezTo>
-                  <a:pt x="212096" y="872913"/>
-                  <a:pt x="249775" y="894448"/>
-                  <a:pt x="288295" y="915169"/>
-                </a:cubicBezTo>
-                <a:cubicBezTo>
-                  <a:pt x="343452" y="944788"/>
-                  <a:pt x="397769" y="975222"/>
-                  <a:pt x="462694" y="994643"/>
-                </a:cubicBezTo>
-                <a:cubicBezTo>
-                  <a:pt x="487260" y="1001870"/>
-                  <a:pt x="512622" y="1007575"/>
-                  <a:pt x="531910" y="1006664"/>
-                </a:cubicBezTo>
-                <a:cubicBezTo>
-                  <a:pt x="460990" y="972547"/>
-                  <a:pt x="394087" y="936046"/>
-                  <a:pt x="333940" y="893507"/>
-                </a:cubicBezTo>
-                <a:cubicBezTo>
-                  <a:pt x="273173" y="850568"/>
-                  <a:pt x="219876" y="803403"/>
-                  <a:pt x="181443" y="746608"/>
-                </a:cubicBezTo>
-                <a:cubicBezTo>
-                  <a:pt x="177494" y="740681"/>
-                  <a:pt x="175038" y="734810"/>
-                  <a:pt x="162678" y="737018"/>
-                </a:cubicBezTo>
-                <a:cubicBezTo>
-                  <a:pt x="157082" y="737933"/>
-                  <a:pt x="155070" y="734381"/>
-                  <a:pt x="156307" y="730435"/>
-                </a:cubicBezTo>
-                <a:cubicBezTo>
-                  <a:pt x="164051" y="702450"/>
-                  <a:pt x="145532" y="687373"/>
-                  <a:pt x="117227" y="677515"/>
-                </a:cubicBezTo>
-                <a:cubicBezTo>
-                  <a:pt x="108392" y="674314"/>
-                  <a:pt x="107546" y="670384"/>
-                  <a:pt x="113655" y="663474"/>
-                </a:cubicBezTo>
-                <a:cubicBezTo>
-                  <a:pt x="121976" y="653926"/>
-                  <a:pt x="120506" y="644851"/>
-                  <a:pt x="115226" y="636712"/>
-                </a:cubicBezTo>
-                <a:cubicBezTo>
-                  <a:pt x="112224" y="631619"/>
-                  <a:pt x="108350" y="626868"/>
-                  <a:pt x="105067" y="622046"/>
-                </a:cubicBezTo>
-                <a:cubicBezTo>
-                  <a:pt x="102790" y="619000"/>
-                  <a:pt x="99022" y="615897"/>
-                  <a:pt x="104113" y="611722"/>
-                </a:cubicBezTo>
-                <a:cubicBezTo>
-                  <a:pt x="108939" y="608053"/>
-                  <a:pt x="114081" y="609328"/>
-                  <a:pt x="118895" y="610169"/>
-                </a:cubicBezTo>
-                <a:cubicBezTo>
-                  <a:pt x="142040" y="613772"/>
-                  <a:pt x="156094" y="624170"/>
-                  <a:pt x="163095" y="640642"/>
-                </a:cubicBezTo>
-                <a:cubicBezTo>
-                  <a:pt x="168334" y="652819"/>
-                  <a:pt x="173104" y="652953"/>
-                  <a:pt x="185766" y="641454"/>
-                </a:cubicBezTo>
-                <a:cubicBezTo>
-                  <a:pt x="195327" y="632704"/>
-                  <a:pt x="204232" y="632337"/>
-                  <a:pt x="212892" y="637457"/>
-                </a:cubicBezTo>
-                <a:cubicBezTo>
-                  <a:pt x="217516" y="639981"/>
-                  <a:pt x="220444" y="643897"/>
-                  <a:pt x="223932" y="647271"/>
-                </a:cubicBezTo>
-                <a:cubicBezTo>
-                  <a:pt x="241420" y="664845"/>
-                  <a:pt x="259762" y="681841"/>
-                  <a:pt x="287167" y="691571"/>
-                </a:cubicBezTo>
-                <a:cubicBezTo>
-                  <a:pt x="299355" y="696027"/>
-                  <a:pt x="312354" y="699197"/>
-                  <a:pt x="330380" y="692506"/>
-                </a:cubicBezTo>
-                <a:cubicBezTo>
-                  <a:pt x="318517" y="688486"/>
-                  <a:pt x="306954" y="689175"/>
-                  <a:pt x="296172" y="688108"/>
-                </a:cubicBezTo>
-                <a:cubicBezTo>
-                  <a:pt x="285390" y="687041"/>
-                  <a:pt x="279539" y="683953"/>
-                  <a:pt x="286974" y="674512"/>
-                </a:cubicBezTo>
-                <a:cubicBezTo>
-                  <a:pt x="291105" y="669267"/>
-                  <a:pt x="290555" y="665301"/>
-                  <a:pt x="286166" y="661798"/>
-                </a:cubicBezTo>
-                <a:cubicBezTo>
-                  <a:pt x="272052" y="650459"/>
-                  <a:pt x="264416" y="633352"/>
-                  <a:pt x="236268" y="635338"/>
-                </a:cubicBezTo>
-                <a:cubicBezTo>
-                  <a:pt x="234792" y="635517"/>
-                  <a:pt x="233255" y="634754"/>
-                  <a:pt x="231734" y="634225"/>
-                </a:cubicBezTo>
-                <a:cubicBezTo>
-                  <a:pt x="225957" y="632316"/>
-                  <a:pt x="219575" y="630241"/>
-                  <a:pt x="221253" y="623870"/>
-                </a:cubicBezTo>
-                <a:cubicBezTo>
-                  <a:pt x="223227" y="617462"/>
-                  <a:pt x="230816" y="615119"/>
-                  <a:pt x="237564" y="613590"/>
-                </a:cubicBezTo>
-                <a:cubicBezTo>
-                  <a:pt x="254884" y="609831"/>
-                  <a:pt x="268844" y="614072"/>
-                  <a:pt x="282259" y="619091"/>
-                </a:cubicBezTo>
-                <a:cubicBezTo>
-                  <a:pt x="314893" y="631509"/>
-                  <a:pt x="342201" y="649080"/>
-                  <a:pt x="370630" y="665566"/>
-                </a:cubicBezTo>
-                <a:cubicBezTo>
-                  <a:pt x="413275" y="690295"/>
-                  <a:pt x="451153" y="719635"/>
-                  <a:pt x="498017" y="740532"/>
-                </a:cubicBezTo>
-                <a:cubicBezTo>
-                  <a:pt x="637369" y="802423"/>
-                  <a:pt x="774774" y="866448"/>
-                  <a:pt x="918036" y="924307"/>
-                </a:cubicBezTo>
-                <a:cubicBezTo>
-                  <a:pt x="970882" y="945666"/>
-                  <a:pt x="1024819" y="965469"/>
-                  <a:pt x="1079304" y="984494"/>
-                </a:cubicBezTo>
-                <a:cubicBezTo>
-                  <a:pt x="1079509" y="983045"/>
-                  <a:pt x="1079744" y="982067"/>
-                  <a:pt x="1079935" y="980383"/>
-                </a:cubicBezTo>
-                <a:cubicBezTo>
-                  <a:pt x="1079860" y="979206"/>
-                  <a:pt x="1079770" y="977793"/>
-                  <a:pt x="1079695" y="976616"/>
-                </a:cubicBezTo>
-                <a:cubicBezTo>
-                  <a:pt x="1041139" y="964679"/>
-                  <a:pt x="1003098" y="951491"/>
-                  <a:pt x="966178" y="937219"/>
-                </a:cubicBezTo>
-                <a:cubicBezTo>
-                  <a:pt x="875541" y="901932"/>
-                  <a:pt x="791930" y="860100"/>
-                  <a:pt x="720106" y="807112"/>
-                </a:cubicBezTo>
-                <a:cubicBezTo>
-                  <a:pt x="714181" y="802848"/>
-                  <a:pt x="707904" y="802421"/>
-                  <a:pt x="698823" y="804708"/>
-                </a:cubicBezTo>
-                <a:cubicBezTo>
-                  <a:pt x="669544" y="812288"/>
-                  <a:pt x="659939" y="806334"/>
-                  <a:pt x="664513" y="784663"/>
-                </a:cubicBezTo>
-                <a:cubicBezTo>
-                  <a:pt x="665660" y="779304"/>
-                  <a:pt x="665686" y="775031"/>
-                  <a:pt x="660380" y="771165"/>
-                </a:cubicBezTo>
-                <a:cubicBezTo>
-                  <a:pt x="636661" y="753871"/>
-                  <a:pt x="611807" y="737427"/>
-                  <a:pt x="584959" y="722409"/>
-                </a:cubicBezTo>
-                <a:cubicBezTo>
-                  <a:pt x="535282" y="694735"/>
-                  <a:pt x="482226" y="670082"/>
-                  <a:pt x="435649" y="639659"/>
-                </a:cubicBezTo>
-                <a:cubicBezTo>
-                  <a:pt x="421965" y="630403"/>
-                  <a:pt x="411440" y="619340"/>
-                  <a:pt x="404944" y="606128"/>
-                </a:cubicBezTo>
-                <a:cubicBezTo>
-                  <a:pt x="402872" y="601635"/>
-                  <a:pt x="401613" y="595856"/>
-                  <a:pt x="408476" y="591466"/>
-                </a:cubicBezTo>
-                <a:cubicBezTo>
-                  <a:pt x="415044" y="587111"/>
-                  <a:pt x="420320" y="590506"/>
-                  <a:pt x="425225" y="592759"/>
-                </a:cubicBezTo>
-                <a:cubicBezTo>
-                  <a:pt x="445746" y="601899"/>
-                  <a:pt x="466578" y="611238"/>
-                  <a:pt x="487115" y="620614"/>
-                </a:cubicBezTo>
-                <a:cubicBezTo>
-                  <a:pt x="507947" y="629954"/>
-                  <a:pt x="528514" y="639800"/>
-                  <a:pt x="550277" y="649738"/>
-                </a:cubicBezTo>
-                <a:cubicBezTo>
-                  <a:pt x="551408" y="644145"/>
-                  <a:pt x="546904" y="643504"/>
-                  <a:pt x="544421" y="641907"/>
-                </a:cubicBezTo>
-                <a:cubicBezTo>
-                  <a:pt x="509355" y="619344"/>
-                  <a:pt x="471190" y="599529"/>
-                  <a:pt x="431905" y="580799"/>
-                </a:cubicBezTo>
-                <a:cubicBezTo>
-                  <a:pt x="401512" y="566211"/>
-                  <a:pt x="371947" y="550574"/>
-                  <a:pt x="351177" y="528177"/>
-                </a:cubicBezTo>
-                <a:cubicBezTo>
-                  <a:pt x="343180" y="519419"/>
-                  <a:pt x="338696" y="509759"/>
-                  <a:pt x="339749" y="498244"/>
-                </a:cubicBezTo>
-                <a:cubicBezTo>
-                  <a:pt x="340115" y="494641"/>
-                  <a:pt x="340481" y="491037"/>
-                  <a:pt x="346313" y="489145"/>
-                </a:cubicBezTo>
-                <a:cubicBezTo>
-                  <a:pt x="350979" y="487631"/>
-                  <a:pt x="354067" y="489392"/>
-                  <a:pt x="356579" y="491460"/>
-                </a:cubicBezTo>
-                <a:cubicBezTo>
-                  <a:pt x="360984" y="495197"/>
-                  <a:pt x="365388" y="498934"/>
-                  <a:pt x="371505" y="501516"/>
-                </a:cubicBezTo>
-                <a:cubicBezTo>
-                  <a:pt x="408203" y="517000"/>
-                  <a:pt x="442659" y="534654"/>
-                  <a:pt x="476275" y="553122"/>
-                </a:cubicBezTo>
-                <a:cubicBezTo>
-                  <a:pt x="531461" y="583213"/>
-                  <a:pt x="586103" y="614082"/>
-                  <a:pt x="649952" y="635294"/>
-                </a:cubicBezTo>
-                <a:cubicBezTo>
-                  <a:pt x="673972" y="643298"/>
-                  <a:pt x="698805" y="650018"/>
-                  <a:pt x="727161" y="651328"/>
-                </a:cubicBezTo>
-                <a:cubicBezTo>
-                  <a:pt x="726126" y="649081"/>
-                  <a:pt x="724263" y="647883"/>
-                  <a:pt x="722417" y="646921"/>
-                </a:cubicBezTo>
-                <a:cubicBezTo>
-                  <a:pt x="660627" y="615969"/>
-                  <a:pt x="600830" y="583590"/>
-                  <a:pt x="546079" y="546328"/>
-                </a:cubicBezTo>
-                <a:cubicBezTo>
-                  <a:pt x="478576" y="500409"/>
-                  <a:pt x="420223" y="448637"/>
-                  <a:pt x="378182" y="386585"/>
-                </a:cubicBezTo>
-                <a:cubicBezTo>
-                  <a:pt x="376229" y="383975"/>
-                  <a:pt x="374884" y="381528"/>
-                  <a:pt x="370158" y="382100"/>
-                </a:cubicBezTo>
-                <a:cubicBezTo>
-                  <a:pt x="358064" y="383802"/>
-                  <a:pt x="356583" y="379236"/>
-                  <a:pt x="357861" y="371252"/>
-                </a:cubicBezTo>
-                <a:cubicBezTo>
-                  <a:pt x="361373" y="351608"/>
-                  <a:pt x="352380" y="336565"/>
-                  <a:pt x="331313" y="328203"/>
-                </a:cubicBezTo>
-                <a:cubicBezTo>
-                  <a:pt x="316037" y="321986"/>
-                  <a:pt x="303183" y="316425"/>
-                  <a:pt x="319354" y="299282"/>
-                </a:cubicBezTo>
-                <a:cubicBezTo>
-                  <a:pt x="323265" y="295249"/>
-                  <a:pt x="321459" y="290249"/>
-                  <a:pt x="319682" y="285719"/>
-                </a:cubicBezTo>
-                <a:cubicBezTo>
-                  <a:pt x="317166" y="278905"/>
-                  <a:pt x="312080" y="273828"/>
-                  <a:pt x="306391" y="268585"/>
-                </a:cubicBezTo>
-                <a:cubicBezTo>
-                  <a:pt x="303227" y="265647"/>
-                  <a:pt x="299399" y="261602"/>
-                  <a:pt x="303294" y="257334"/>
-                </a:cubicBezTo>
-                <a:cubicBezTo>
-                  <a:pt x="307735" y="252289"/>
-                  <a:pt x="314131" y="254598"/>
-                  <a:pt x="319242" y="255403"/>
-                </a:cubicBezTo>
-                <a:cubicBezTo>
-                  <a:pt x="342683" y="258970"/>
-                  <a:pt x="357062" y="269803"/>
-                  <a:pt x="364093" y="286745"/>
-                </a:cubicBezTo>
-                <a:cubicBezTo>
-                  <a:pt x="368651" y="297582"/>
-                  <a:pt x="374307" y="297608"/>
-                  <a:pt x="385301" y="287973"/>
-                </a:cubicBezTo>
-                <a:cubicBezTo>
-                  <a:pt x="397712" y="277216"/>
-                  <a:pt x="408079" y="276436"/>
-                  <a:pt x="417598" y="285722"/>
-                </a:cubicBezTo>
-                <a:cubicBezTo>
-                  <a:pt x="425226" y="293339"/>
-                  <a:pt x="431406" y="301607"/>
-                  <a:pt x="440155" y="308139"/>
-                </a:cubicBezTo>
-                <a:cubicBezTo>
-                  <a:pt x="463623" y="326175"/>
-                  <a:pt x="485720" y="346039"/>
-                  <a:pt x="534406" y="339430"/>
-                </a:cubicBezTo>
-                <a:cubicBezTo>
-                  <a:pt x="520872" y="332528"/>
-                  <a:pt x="507316" y="334645"/>
-                  <a:pt x="495633" y="333450"/>
-                </a:cubicBezTo>
-                <a:cubicBezTo>
-                  <a:pt x="487244" y="332567"/>
-                  <a:pt x="478750" y="330037"/>
-                  <a:pt x="486289" y="322243"/>
-                </a:cubicBezTo>
-                <a:cubicBezTo>
-                  <a:pt x="494951" y="313365"/>
-                  <a:pt x="489365" y="309771"/>
-                  <a:pt x="484000" y="304964"/>
-                </a:cubicBezTo>
-                <a:cubicBezTo>
-                  <a:pt x="471673" y="293645"/>
-                  <a:pt x="461604" y="280392"/>
-                  <a:pt x="436911" y="280536"/>
-                </a:cubicBezTo>
-                <a:cubicBezTo>
-                  <a:pt x="433041" y="280530"/>
-                  <a:pt x="429923" y="278297"/>
-                  <a:pt x="426865" y="277007"/>
-                </a:cubicBezTo>
-                <a:cubicBezTo>
-                  <a:pt x="422581" y="275154"/>
-                  <a:pt x="418872" y="272993"/>
-                  <a:pt x="420654" y="268269"/>
-                </a:cubicBezTo>
-                <a:cubicBezTo>
-                  <a:pt x="422468" y="264016"/>
-                  <a:pt x="426748" y="261125"/>
-                  <a:pt x="432329" y="259975"/>
-                </a:cubicBezTo>
-                <a:cubicBezTo>
-                  <a:pt x="437320" y="258895"/>
-                  <a:pt x="442621" y="258016"/>
-                  <a:pt x="447672" y="257879"/>
-                </a:cubicBezTo>
-                <a:cubicBezTo>
-                  <a:pt x="470223" y="256809"/>
-                  <a:pt x="486254" y="265543"/>
-                  <a:pt x="502242" y="273572"/>
-                </a:cubicBezTo>
-                <a:cubicBezTo>
-                  <a:pt x="558179" y="301436"/>
-                  <a:pt x="607891" y="334326"/>
-                  <a:pt x="659874" y="365516"/>
-                </a:cubicBezTo>
-                <a:cubicBezTo>
-                  <a:pt x="711842" y="396471"/>
-                  <a:pt x="772192" y="418818"/>
-                  <a:pt x="829177" y="444421"/>
-                </a:cubicBezTo>
-                <a:cubicBezTo>
-                  <a:pt x="960626" y="503711"/>
-                  <a:pt x="1092650" y="562693"/>
-                  <a:pt x="1231903" y="613682"/>
-                </a:cubicBezTo>
-                <a:cubicBezTo>
-                  <a:pt x="1368099" y="663381"/>
-                  <a:pt x="1823141" y="686561"/>
-                  <a:pt x="1911736" y="685084"/>
-                </a:cubicBezTo>
-                <a:cubicBezTo>
-                  <a:pt x="2024994" y="682992"/>
-                  <a:pt x="2291986" y="655399"/>
-                  <a:pt x="2564313" y="632143"/>
-                </a:cubicBezTo>
-                <a:cubicBezTo>
-                  <a:pt x="2595089" y="629364"/>
-                  <a:pt x="2625288" y="626893"/>
-                  <a:pt x="2657304" y="624913"/>
-                </a:cubicBezTo>
-                <a:cubicBezTo>
-                  <a:pt x="3564401" y="568191"/>
-                  <a:pt x="4203594" y="276765"/>
-                  <a:pt x="4235818" y="259339"/>
-                </a:cubicBezTo>
-                <a:cubicBezTo>
-                  <a:pt x="4287616" y="231474"/>
-                  <a:pt x="4460006" y="176429"/>
-                  <a:pt x="4460331" y="176864"/>
-                </a:cubicBezTo>
-                <a:cubicBezTo>
-                  <a:pt x="4464175" y="181144"/>
-                  <a:pt x="4483735" y="184529"/>
-                  <a:pt x="4499578" y="186791"/>
-                </a:cubicBezTo>
-                <a:lnTo>
-                  <a:pt x="4514640" y="188841"/>
-                </a:lnTo>
-                <a:lnTo>
-                  <a:pt x="4516523" y="189988"/>
-                </a:lnTo>
-                <a:cubicBezTo>
-                  <a:pt x="4522035" y="190091"/>
-                  <a:pt x="4521760" y="189857"/>
-                  <a:pt x="4518126" y="189316"/>
-                </a:cubicBezTo>
-                <a:lnTo>
-                  <a:pt x="4514640" y="188841"/>
-                </a:lnTo>
-                <a:lnTo>
-                  <a:pt x="4511569" y="186970"/>
-                </a:lnTo>
-                <a:cubicBezTo>
-                  <a:pt x="4510788" y="185226"/>
-                  <a:pt x="4510719" y="182981"/>
-                  <a:pt x="4510888" y="180943"/>
-                </a:cubicBezTo>
-                <a:cubicBezTo>
-                  <a:pt x="4511690" y="170169"/>
-                  <a:pt x="4517648" y="160906"/>
-                  <a:pt x="4531865" y="155151"/>
-                </a:cubicBezTo>
-                <a:cubicBezTo>
-                  <a:pt x="4545507" y="149703"/>
-                  <a:pt x="4559473" y="144689"/>
-                  <a:pt x="4573441" y="139676"/>
-                </a:cubicBezTo>
-                <a:cubicBezTo>
-                  <a:pt x="4585075" y="135420"/>
-                  <a:pt x="4593048" y="134454"/>
-                  <a:pt x="4594964" y="145847"/>
-                </a:cubicBezTo>
-                <a:cubicBezTo>
-                  <a:pt x="4596879" y="157242"/>
-                  <a:pt x="4613452" y="160454"/>
-                  <a:pt x="4623059" y="152410"/>
-                </a:cubicBezTo>
-                <a:cubicBezTo>
-                  <a:pt x="4660632" y="120811"/>
-                  <a:pt x="4705757" y="95654"/>
-                  <a:pt x="4748356" y="68192"/>
-                </a:cubicBezTo>
-                <a:cubicBezTo>
-                  <a:pt x="4778098" y="49168"/>
-                  <a:pt x="4809406" y="31378"/>
-                  <a:pt x="4833812" y="8017"/>
-                </a:cubicBezTo>
-                <a:cubicBezTo>
-                  <a:pt x="4838299" y="3678"/>
-                  <a:pt x="4842399" y="-2039"/>
-                  <a:pt x="4850908" y="727"/>
-                </a:cubicBezTo>
-                <a:close/>
-              </a:path>
-            </a:pathLst>
-          </a:custGeom>
-          <a:solidFill>
-            <a:schemeClr val="bg2">
-              <a:alpha val="50000"/>
-            </a:schemeClr>
-          </a:solidFill>
-          <a:ln w="32707" cap="flat">
-            <a:noFill/>
-            <a:prstDash val="solid"/>
-            <a:miter/>
-          </a:ln>
-        </p:spPr>
-        <p:txBody>
-          <a:bodyPr rtlCol="0" anchor="ctr"/>
-          <a:lstStyle/>
-          <a:p>
-            <a:endParaRPr lang="en-US"/>
-          </a:p>
-        </p:txBody>
-      </p:sp>
-      <p:sp>
-        <p:nvSpPr>
-          <p:cNvPr id="2" name="Title 1">
-            <a:extLst>
-              <a:ext uri="{FF2B5EF4-FFF2-40B4-BE49-F238E27FC236}">
-                <a16:creationId xmlns:a16="http://schemas.microsoft.com/office/drawing/2014/main" id="{AB35D0A0-CA1A-9613-7C2A-A11D5EF69CF6}"/>
-              </a:ext>
-            </a:extLst>
-          </p:cNvPr>
-          <p:cNvSpPr>
-            <a:spLocks noGrp="1"/>
-          </p:cNvSpPr>
-          <p:nvPr>
-            <p:ph type="title"/>
-          </p:nvPr>
-        </p:nvSpPr>
-        <p:spPr>
-          <a:xfrm>
-            <a:off x="1139044" y="2090114"/>
-            <a:ext cx="3382890" cy="2481886"/>
-          </a:xfrm>
-        </p:spPr>
-        <p:txBody>
-          <a:bodyPr>
-            <a:normAutofit/>
-          </a:bodyPr>
-          <a:lstStyle/>
-          <a:p>
-            <a:pPr algn="ctr"/>
-            <a:r>
-              <a:rPr lang="en-US" dirty="0"/>
-              <a:t>Compilers and Languages</a:t>
-            </a:r>
-          </a:p>
-        </p:txBody>
-      </p:sp>
-      <p:sp>
-        <p:nvSpPr>
-          <p:cNvPr id="3" name="Content Placeholder 2">
-            <a:extLst>
-              <a:ext uri="{FF2B5EF4-FFF2-40B4-BE49-F238E27FC236}">
-                <a16:creationId xmlns:a16="http://schemas.microsoft.com/office/drawing/2014/main" id="{B4DB7AB3-8ECD-7F73-BD57-2C6979956C27}"/>
-              </a:ext>
-            </a:extLst>
-          </p:cNvPr>
-          <p:cNvSpPr>
-            <a:spLocks noGrp="1"/>
-          </p:cNvSpPr>
-          <p:nvPr>
-            <p:ph idx="1"/>
-          </p:nvPr>
-        </p:nvSpPr>
-        <p:spPr>
-          <a:xfrm>
-            <a:off x="5285014" y="964850"/>
-            <a:ext cx="6068786" cy="4928300"/>
-          </a:xfrm>
-        </p:spPr>
-        <p:txBody>
-          <a:bodyPr anchor="ctr">
-            <a:normAutofit/>
-          </a:bodyPr>
-          <a:lstStyle/>
-          <a:p>
-            <a:pPr>
-              <a:buFont typeface="Arial" panose="020B0604020202020204" pitchFamily="34" charset="0"/>
-              <a:buChar char="•"/>
-            </a:pPr>
-            <a:r>
-              <a:rPr lang="en-US" sz="2000" dirty="0"/>
-              <a:t>Domain scientists prefer high-level, domain-specific languages.</a:t>
-            </a:r>
-          </a:p>
-          <a:p>
-            <a:pPr>
-              <a:buFont typeface="Arial" panose="020B0604020202020204" pitchFamily="34" charset="0"/>
-              <a:buChar char="•"/>
-            </a:pPr>
-            <a:r>
-              <a:rPr lang="en-US" sz="2000" dirty="0"/>
-              <a:t>DMC is developing a "write once, run everywhere" compiler called COMET (MLIR based).</a:t>
-            </a:r>
-          </a:p>
-          <a:p>
-            <a:pPr>
-              <a:buFont typeface="Arial" panose="020B0604020202020204" pitchFamily="34" charset="0"/>
-              <a:buChar char="•"/>
-            </a:pPr>
-            <a:r>
-              <a:rPr lang="en-US" sz="2000" dirty="0"/>
-              <a:t>MLIR (Multi-Level Intermediate Representation) is an extensible compiler framework that supports high-level data structures and operation constructs.</a:t>
-            </a:r>
-          </a:p>
-          <a:p>
-            <a:pPr>
-              <a:buFont typeface="Arial" panose="020B0604020202020204" pitchFamily="34" charset="0"/>
-              <a:buChar char="•"/>
-            </a:pPr>
-            <a:r>
-              <a:rPr lang="en-US" sz="2000" dirty="0"/>
-              <a:t>COMET converts different language frontends (Python, COMET Domain Specific Language, Rust) to a unified IR (Intermediate Representation). </a:t>
-            </a:r>
-          </a:p>
-          <a:p>
-            <a:pPr>
-              <a:buFont typeface="Arial" panose="020B0604020202020204" pitchFamily="34" charset="0"/>
-              <a:buChar char="•"/>
-            </a:pPr>
-            <a:r>
-              <a:rPr lang="en-US" sz="2000" dirty="0"/>
-              <a:t>The unified IR is optimized and lowered to architecture-specific IRs (e.g., CPU, GPUs, FPGA, AI engines).</a:t>
-            </a:r>
-          </a:p>
-        </p:txBody>
-      </p:sp>
-    </p:spTree>
-    <p:extLst>
-      <p:ext uri="{BB962C8B-B14F-4D97-AF65-F5344CB8AC3E}">
-        <p14:creationId xmlns:p14="http://schemas.microsoft.com/office/powerpoint/2010/main" val="895645388"/>
-      </p:ext>
-    </p:extLst>
-  </p:cSld>
-  <p:clrMapOvr>
-    <a:masterClrMapping/>
-  </p:clrMapOvr>
-</p:sld>
-</file>
-
-<file path=ppt/slides/slide9.xml><?xml version="1.0" encoding="utf-8"?>
-<p:sld xmlns:a="http://schemas.openxmlformats.org/drawingml/2006/main" xmlns:r="http://schemas.openxmlformats.org/officeDocument/2006/relationships" xmlns:p="http://schemas.openxmlformats.org/presentationml/2006/main">
-  <p:cSld>
-    <p:bg>
-      <p:bgPr>
-        <a:solidFill>
-          <a:schemeClr val="bg1"/>
-        </a:solidFill>
-        <a:effectLst/>
-      </p:bgPr>
-    </p:bg>
-    <p:spTree>
-      <p:nvGrpSpPr>
-        <p:cNvPr id="1" name=""/>
-        <p:cNvGrpSpPr/>
-        <p:nvPr/>
-      </p:nvGrpSpPr>
-      <p:grpSpPr>
-        <a:xfrm>
-          <a:off x="0" y="0"/>
-          <a:ext cx="0" cy="0"/>
-          <a:chOff x="0" y="0"/>
-          <a:chExt cx="0" cy="0"/>
-        </a:xfrm>
-      </p:grpSpPr>
-      <p:sp useBgFill="1">
-        <p:nvSpPr>
-          <p:cNvPr id="12" name="Rectangle 7">
-            <a:extLst>
-              <a:ext uri="{FF2B5EF4-FFF2-40B4-BE49-F238E27FC236}">
-                <a16:creationId xmlns:a16="http://schemas.microsoft.com/office/drawing/2014/main" id="{6A8AAC95-3719-4BCD-B710-4160043D9237}"/>
+                <a16:creationId xmlns:a16="http://schemas.microsoft.com/office/drawing/2014/main" id="{4F2E2428-58BA-458D-AA54-05502E63F32F}"/>
               </a:ext>
               <a:ext uri="{C183D7F6-B498-43B3-948B-1728B52AA6E4}">
                 <adec:decorative xmlns:adec="http://schemas.microsoft.com/office/drawing/2017/decorative" val="1"/>
@@ -19945,11 +21180,739 @@
         <p:spPr>
           <a:xfrm>
             <a:off x="0" y="0"/>
-            <a:ext cx="12188952" cy="6858000"/>
+            <a:ext cx="8748215" cy="6857999"/>
           </a:xfrm>
-          <a:prstGeom prst="rect">
+          <a:custGeom>
             <a:avLst/>
-          </a:prstGeom>
+            <a:gdLst>
+              <a:gd name="connsiteX0" fmla="*/ 0 w 9024730"/>
+              <a:gd name="connsiteY0" fmla="*/ 0 h 6857999"/>
+              <a:gd name="connsiteX1" fmla="*/ 9024730 w 9024730"/>
+              <a:gd name="connsiteY1" fmla="*/ 0 h 6857999"/>
+              <a:gd name="connsiteX2" fmla="*/ 9024730 w 9024730"/>
+              <a:gd name="connsiteY2" fmla="*/ 2 h 6857999"/>
+              <a:gd name="connsiteX3" fmla="*/ 8447016 w 9024730"/>
+              <a:gd name="connsiteY3" fmla="*/ 2 h 6857999"/>
+              <a:gd name="connsiteX4" fmla="*/ 8441214 w 9024730"/>
+              <a:gd name="connsiteY4" fmla="*/ 14562 h 6857999"/>
+              <a:gd name="connsiteX5" fmla="*/ 8445389 w 9024730"/>
+              <a:gd name="connsiteY5" fmla="*/ 59077 h 6857999"/>
+              <a:gd name="connsiteX6" fmla="*/ 8437086 w 9024730"/>
+              <a:gd name="connsiteY6" fmla="*/ 107668 h 6857999"/>
+              <a:gd name="connsiteX7" fmla="*/ 8458599 w 9024730"/>
+              <a:gd name="connsiteY7" fmla="*/ 246136 h 6857999"/>
+              <a:gd name="connsiteX8" fmla="*/ 8433237 w 9024730"/>
+              <a:gd name="connsiteY8" fmla="*/ 372908 h 6857999"/>
+              <a:gd name="connsiteX9" fmla="*/ 8430194 w 9024730"/>
+              <a:gd name="connsiteY9" fmla="*/ 450607 h 6857999"/>
+              <a:gd name="connsiteX10" fmla="*/ 8443315 w 9024730"/>
+              <a:gd name="connsiteY10" fmla="*/ 812800 h 6857999"/>
+              <a:gd name="connsiteX11" fmla="*/ 8453042 w 9024730"/>
+              <a:gd name="connsiteY11" fmla="*/ 912727 h 6857999"/>
+              <a:gd name="connsiteX12" fmla="*/ 8451649 w 9024730"/>
+              <a:gd name="connsiteY12" fmla="*/ 989950 h 6857999"/>
+              <a:gd name="connsiteX13" fmla="*/ 8455592 w 9024730"/>
+              <a:gd name="connsiteY13" fmla="*/ 1141745 h 6857999"/>
+              <a:gd name="connsiteX14" fmla="*/ 8470203 w 9024730"/>
+              <a:gd name="connsiteY14" fmla="*/ 1265454 h 6857999"/>
+              <a:gd name="connsiteX15" fmla="*/ 8499638 w 9024730"/>
+              <a:gd name="connsiteY15" fmla="*/ 1385480 h 6857999"/>
+              <a:gd name="connsiteX16" fmla="*/ 8518660 w 9024730"/>
+              <a:gd name="connsiteY16" fmla="*/ 1458060 h 6857999"/>
+              <a:gd name="connsiteX17" fmla="*/ 8539125 w 9024730"/>
+              <a:gd name="connsiteY17" fmla="*/ 1513175 h 6857999"/>
+              <a:gd name="connsiteX18" fmla="*/ 8570281 w 9024730"/>
+              <a:gd name="connsiteY18" fmla="*/ 1570809 h 6857999"/>
+              <a:gd name="connsiteX19" fmla="*/ 8605212 w 9024730"/>
+              <a:gd name="connsiteY19" fmla="*/ 1638391 h 6857999"/>
+              <a:gd name="connsiteX20" fmla="*/ 8626457 w 9024730"/>
+              <a:gd name="connsiteY20" fmla="*/ 1742490 h 6857999"/>
+              <a:gd name="connsiteX21" fmla="*/ 8654861 w 9024730"/>
+              <a:gd name="connsiteY21" fmla="*/ 1818229 h 6857999"/>
+              <a:gd name="connsiteX22" fmla="*/ 8648005 w 9024730"/>
+              <a:gd name="connsiteY22" fmla="*/ 1862723 h 6857999"/>
+              <a:gd name="connsiteX23" fmla="*/ 8654469 w 9024730"/>
+              <a:gd name="connsiteY23" fmla="*/ 1917476 h 6857999"/>
+              <a:gd name="connsiteX24" fmla="*/ 8649702 w 9024730"/>
+              <a:gd name="connsiteY24" fmla="*/ 1972204 h 6857999"/>
+              <a:gd name="connsiteX25" fmla="*/ 8656357 w 9024730"/>
+              <a:gd name="connsiteY25" fmla="*/ 2054291 h 6857999"/>
+              <a:gd name="connsiteX26" fmla="*/ 8648660 w 9024730"/>
+              <a:gd name="connsiteY26" fmla="*/ 2227417 h 6857999"/>
+              <a:gd name="connsiteX27" fmla="*/ 8607609 w 9024730"/>
+              <a:gd name="connsiteY27" fmla="*/ 2510933 h 6857999"/>
+              <a:gd name="connsiteX28" fmla="*/ 8608432 w 9024730"/>
+              <a:gd name="connsiteY28" fmla="*/ 2741866 h 6857999"/>
+              <a:gd name="connsiteX29" fmla="*/ 8619112 w 9024730"/>
+              <a:gd name="connsiteY29" fmla="*/ 2864935 h 6857999"/>
+              <a:gd name="connsiteX30" fmla="*/ 8627742 w 9024730"/>
+              <a:gd name="connsiteY30" fmla="*/ 2950807 h 6857999"/>
+              <a:gd name="connsiteX31" fmla="*/ 8611822 w 9024730"/>
+              <a:gd name="connsiteY31" fmla="*/ 2978246 h 6857999"/>
+              <a:gd name="connsiteX32" fmla="*/ 8608239 w 9024730"/>
+              <a:gd name="connsiteY32" fmla="*/ 2995916 h 6857999"/>
+              <a:gd name="connsiteX33" fmla="*/ 8598647 w 9024730"/>
+              <a:gd name="connsiteY33" fmla="*/ 2998648 h 6857999"/>
+              <a:gd name="connsiteX34" fmla="*/ 8587108 w 9024730"/>
+              <a:gd name="connsiteY34" fmla="*/ 3023630 h 6857999"/>
+              <a:gd name="connsiteX35" fmla="*/ 8577885 w 9024730"/>
+              <a:gd name="connsiteY35" fmla="*/ 3096975 h 6857999"/>
+              <a:gd name="connsiteX36" fmla="*/ 8557492 w 9024730"/>
+              <a:gd name="connsiteY36" fmla="*/ 3216657 h 6857999"/>
+              <a:gd name="connsiteX37" fmla="*/ 8560894 w 9024730"/>
+              <a:gd name="connsiteY37" fmla="*/ 3310980 h 6857999"/>
+              <a:gd name="connsiteX38" fmla="*/ 8547852 w 9024730"/>
+              <a:gd name="connsiteY38" fmla="*/ 3344725 h 6857999"/>
+              <a:gd name="connsiteX39" fmla="*/ 8535427 w 9024730"/>
+              <a:gd name="connsiteY39" fmla="*/ 3393250 h 6857999"/>
+              <a:gd name="connsiteX40" fmla="*/ 8520092 w 9024730"/>
+              <a:gd name="connsiteY40" fmla="*/ 3514536 h 6857999"/>
+              <a:gd name="connsiteX41" fmla="*/ 8497231 w 9024730"/>
+              <a:gd name="connsiteY41" fmla="*/ 3686149 h 6857999"/>
+              <a:gd name="connsiteX42" fmla="*/ 8489799 w 9024730"/>
+              <a:gd name="connsiteY42" fmla="*/ 3692208 h 6857999"/>
+              <a:gd name="connsiteX43" fmla="*/ 8475804 w 9024730"/>
+              <a:gd name="connsiteY43" fmla="*/ 3776022 h 6857999"/>
+              <a:gd name="connsiteX44" fmla="*/ 8471279 w 9024730"/>
+              <a:gd name="connsiteY44" fmla="*/ 3977138 h 6857999"/>
+              <a:gd name="connsiteX45" fmla="*/ 8408913 w 9024730"/>
+              <a:gd name="connsiteY45" fmla="*/ 4222149 h 6857999"/>
+              <a:gd name="connsiteX46" fmla="*/ 8402112 w 9024730"/>
+              <a:gd name="connsiteY46" fmla="*/ 4364683 h 6857999"/>
+              <a:gd name="connsiteX47" fmla="*/ 8393355 w 9024730"/>
+              <a:gd name="connsiteY47" fmla="*/ 4462471 h 6857999"/>
+              <a:gd name="connsiteX48" fmla="*/ 8376166 w 9024730"/>
+              <a:gd name="connsiteY48" fmla="*/ 4574052 h 6857999"/>
+              <a:gd name="connsiteX49" fmla="*/ 8341678 w 9024730"/>
+              <a:gd name="connsiteY49" fmla="*/ 4667756 h 6857999"/>
+              <a:gd name="connsiteX50" fmla="*/ 8273661 w 9024730"/>
+              <a:gd name="connsiteY50" fmla="*/ 4799019 h 6857999"/>
+              <a:gd name="connsiteX51" fmla="*/ 8256132 w 9024730"/>
+              <a:gd name="connsiteY51" fmla="*/ 4849614 h 6857999"/>
+              <a:gd name="connsiteX52" fmla="*/ 8226804 w 9024730"/>
+              <a:gd name="connsiteY52" fmla="*/ 4919971 h 6857999"/>
+              <a:gd name="connsiteX53" fmla="*/ 8171825 w 9024730"/>
+              <a:gd name="connsiteY53" fmla="*/ 5010766 h 6857999"/>
+              <a:gd name="connsiteX54" fmla="*/ 8143172 w 9024730"/>
+              <a:gd name="connsiteY54" fmla="*/ 5088190 h 6857999"/>
+              <a:gd name="connsiteX55" fmla="*/ 8126363 w 9024730"/>
+              <a:gd name="connsiteY55" fmla="*/ 5143922 h 6857999"/>
+              <a:gd name="connsiteX56" fmla="*/ 8103782 w 9024730"/>
+              <a:gd name="connsiteY56" fmla="*/ 5284346 h 6857999"/>
+              <a:gd name="connsiteX57" fmla="*/ 8084361 w 9024730"/>
+              <a:gd name="connsiteY57" fmla="*/ 5390948 h 6857999"/>
+              <a:gd name="connsiteX58" fmla="*/ 8062552 w 9024730"/>
+              <a:gd name="connsiteY58" fmla="*/ 5470854 h 6857999"/>
+              <a:gd name="connsiteX59" fmla="*/ 8057342 w 9024730"/>
+              <a:gd name="connsiteY59" fmla="*/ 5529643 h 6857999"/>
+              <a:gd name="connsiteX60" fmla="*/ 8044923 w 9024730"/>
+              <a:gd name="connsiteY60" fmla="*/ 5597292 h 6857999"/>
+              <a:gd name="connsiteX61" fmla="*/ 8035233 w 9024730"/>
+              <a:gd name="connsiteY61" fmla="*/ 5608899 h 6857999"/>
+              <a:gd name="connsiteX62" fmla="*/ 8018178 w 9024730"/>
+              <a:gd name="connsiteY62" fmla="*/ 5684911 h 6857999"/>
+              <a:gd name="connsiteX63" fmla="*/ 8018018 w 9024730"/>
+              <a:gd name="connsiteY63" fmla="*/ 5755776 h 6857999"/>
+              <a:gd name="connsiteX64" fmla="*/ 8008640 w 9024730"/>
+              <a:gd name="connsiteY64" fmla="*/ 5889599 h 6857999"/>
+              <a:gd name="connsiteX65" fmla="*/ 8013542 w 9024730"/>
+              <a:gd name="connsiteY65" fmla="*/ 5989744 h 6857999"/>
+              <a:gd name="connsiteX66" fmla="*/ 7980757 w 9024730"/>
+              <a:gd name="connsiteY66" fmla="*/ 6084926 h 6857999"/>
+              <a:gd name="connsiteX67" fmla="*/ 7975907 w 9024730"/>
+              <a:gd name="connsiteY67" fmla="*/ 6346549 h 6857999"/>
+              <a:gd name="connsiteX68" fmla="*/ 7974221 w 9024730"/>
+              <a:gd name="connsiteY68" fmla="*/ 6527527 h 6857999"/>
+              <a:gd name="connsiteX69" fmla="*/ 7979135 w 9024730"/>
+              <a:gd name="connsiteY69" fmla="*/ 6627129 h 6857999"/>
+              <a:gd name="connsiteX70" fmla="*/ 7979404 w 9024730"/>
+              <a:gd name="connsiteY70" fmla="*/ 6694819 h 6857999"/>
+              <a:gd name="connsiteX71" fmla="*/ 8009526 w 9024730"/>
+              <a:gd name="connsiteY71" fmla="*/ 6765445 h 6857999"/>
+              <a:gd name="connsiteX72" fmla="*/ 8018211 w 9024730"/>
+              <a:gd name="connsiteY72" fmla="*/ 6844697 h 6857999"/>
+              <a:gd name="connsiteX73" fmla="*/ 8019608 w 9024730"/>
+              <a:gd name="connsiteY73" fmla="*/ 6857999 h 6857999"/>
+              <a:gd name="connsiteX74" fmla="*/ 0 w 9024730"/>
+              <a:gd name="connsiteY74" fmla="*/ 6857999 h 6857999"/>
+            </a:gdLst>
+            <a:ahLst/>
+            <a:cxnLst>
+              <a:cxn ang="0">
+                <a:pos x="connsiteX0" y="connsiteY0"/>
+              </a:cxn>
+              <a:cxn ang="0">
+                <a:pos x="connsiteX1" y="connsiteY1"/>
+              </a:cxn>
+              <a:cxn ang="0">
+                <a:pos x="connsiteX2" y="connsiteY2"/>
+              </a:cxn>
+              <a:cxn ang="0">
+                <a:pos x="connsiteX3" y="connsiteY3"/>
+              </a:cxn>
+              <a:cxn ang="0">
+                <a:pos x="connsiteX4" y="connsiteY4"/>
+              </a:cxn>
+              <a:cxn ang="0">
+                <a:pos x="connsiteX5" y="connsiteY5"/>
+              </a:cxn>
+              <a:cxn ang="0">
+                <a:pos x="connsiteX6" y="connsiteY6"/>
+              </a:cxn>
+              <a:cxn ang="0">
+                <a:pos x="connsiteX7" y="connsiteY7"/>
+              </a:cxn>
+              <a:cxn ang="0">
+                <a:pos x="connsiteX8" y="connsiteY8"/>
+              </a:cxn>
+              <a:cxn ang="0">
+                <a:pos x="connsiteX9" y="connsiteY9"/>
+              </a:cxn>
+              <a:cxn ang="0">
+                <a:pos x="connsiteX10" y="connsiteY10"/>
+              </a:cxn>
+              <a:cxn ang="0">
+                <a:pos x="connsiteX11" y="connsiteY11"/>
+              </a:cxn>
+              <a:cxn ang="0">
+                <a:pos x="connsiteX12" y="connsiteY12"/>
+              </a:cxn>
+              <a:cxn ang="0">
+                <a:pos x="connsiteX13" y="connsiteY13"/>
+              </a:cxn>
+              <a:cxn ang="0">
+                <a:pos x="connsiteX14" y="connsiteY14"/>
+              </a:cxn>
+              <a:cxn ang="0">
+                <a:pos x="connsiteX15" y="connsiteY15"/>
+              </a:cxn>
+              <a:cxn ang="0">
+                <a:pos x="connsiteX16" y="connsiteY16"/>
+              </a:cxn>
+              <a:cxn ang="0">
+                <a:pos x="connsiteX17" y="connsiteY17"/>
+              </a:cxn>
+              <a:cxn ang="0">
+                <a:pos x="connsiteX18" y="connsiteY18"/>
+              </a:cxn>
+              <a:cxn ang="0">
+                <a:pos x="connsiteX19" y="connsiteY19"/>
+              </a:cxn>
+              <a:cxn ang="0">
+                <a:pos x="connsiteX20" y="connsiteY20"/>
+              </a:cxn>
+              <a:cxn ang="0">
+                <a:pos x="connsiteX21" y="connsiteY21"/>
+              </a:cxn>
+              <a:cxn ang="0">
+                <a:pos x="connsiteX22" y="connsiteY22"/>
+              </a:cxn>
+              <a:cxn ang="0">
+                <a:pos x="connsiteX23" y="connsiteY23"/>
+              </a:cxn>
+              <a:cxn ang="0">
+                <a:pos x="connsiteX24" y="connsiteY24"/>
+              </a:cxn>
+              <a:cxn ang="0">
+                <a:pos x="connsiteX25" y="connsiteY25"/>
+              </a:cxn>
+              <a:cxn ang="0">
+                <a:pos x="connsiteX26" y="connsiteY26"/>
+              </a:cxn>
+              <a:cxn ang="0">
+                <a:pos x="connsiteX27" y="connsiteY27"/>
+              </a:cxn>
+              <a:cxn ang="0">
+                <a:pos x="connsiteX28" y="connsiteY28"/>
+              </a:cxn>
+              <a:cxn ang="0">
+                <a:pos x="connsiteX29" y="connsiteY29"/>
+              </a:cxn>
+              <a:cxn ang="0">
+                <a:pos x="connsiteX30" y="connsiteY30"/>
+              </a:cxn>
+              <a:cxn ang="0">
+                <a:pos x="connsiteX31" y="connsiteY31"/>
+              </a:cxn>
+              <a:cxn ang="0">
+                <a:pos x="connsiteX32" y="connsiteY32"/>
+              </a:cxn>
+              <a:cxn ang="0">
+                <a:pos x="connsiteX33" y="connsiteY33"/>
+              </a:cxn>
+              <a:cxn ang="0">
+                <a:pos x="connsiteX34" y="connsiteY34"/>
+              </a:cxn>
+              <a:cxn ang="0">
+                <a:pos x="connsiteX35" y="connsiteY35"/>
+              </a:cxn>
+              <a:cxn ang="0">
+                <a:pos x="connsiteX36" y="connsiteY36"/>
+              </a:cxn>
+              <a:cxn ang="0">
+                <a:pos x="connsiteX37" y="connsiteY37"/>
+              </a:cxn>
+              <a:cxn ang="0">
+                <a:pos x="connsiteX38" y="connsiteY38"/>
+              </a:cxn>
+              <a:cxn ang="0">
+                <a:pos x="connsiteX39" y="connsiteY39"/>
+              </a:cxn>
+              <a:cxn ang="0">
+                <a:pos x="connsiteX40" y="connsiteY40"/>
+              </a:cxn>
+              <a:cxn ang="0">
+                <a:pos x="connsiteX41" y="connsiteY41"/>
+              </a:cxn>
+              <a:cxn ang="0">
+                <a:pos x="connsiteX42" y="connsiteY42"/>
+              </a:cxn>
+              <a:cxn ang="0">
+                <a:pos x="connsiteX43" y="connsiteY43"/>
+              </a:cxn>
+              <a:cxn ang="0">
+                <a:pos x="connsiteX44" y="connsiteY44"/>
+              </a:cxn>
+              <a:cxn ang="0">
+                <a:pos x="connsiteX45" y="connsiteY45"/>
+              </a:cxn>
+              <a:cxn ang="0">
+                <a:pos x="connsiteX46" y="connsiteY46"/>
+              </a:cxn>
+              <a:cxn ang="0">
+                <a:pos x="connsiteX47" y="connsiteY47"/>
+              </a:cxn>
+              <a:cxn ang="0">
+                <a:pos x="connsiteX48" y="connsiteY48"/>
+              </a:cxn>
+              <a:cxn ang="0">
+                <a:pos x="connsiteX49" y="connsiteY49"/>
+              </a:cxn>
+              <a:cxn ang="0">
+                <a:pos x="connsiteX50" y="connsiteY50"/>
+              </a:cxn>
+              <a:cxn ang="0">
+                <a:pos x="connsiteX51" y="connsiteY51"/>
+              </a:cxn>
+              <a:cxn ang="0">
+                <a:pos x="connsiteX52" y="connsiteY52"/>
+              </a:cxn>
+              <a:cxn ang="0">
+                <a:pos x="connsiteX53" y="connsiteY53"/>
+              </a:cxn>
+              <a:cxn ang="0">
+                <a:pos x="connsiteX54" y="connsiteY54"/>
+              </a:cxn>
+              <a:cxn ang="0">
+                <a:pos x="connsiteX55" y="connsiteY55"/>
+              </a:cxn>
+              <a:cxn ang="0">
+                <a:pos x="connsiteX56" y="connsiteY56"/>
+              </a:cxn>
+              <a:cxn ang="0">
+                <a:pos x="connsiteX57" y="connsiteY57"/>
+              </a:cxn>
+              <a:cxn ang="0">
+                <a:pos x="connsiteX58" y="connsiteY58"/>
+              </a:cxn>
+              <a:cxn ang="0">
+                <a:pos x="connsiteX59" y="connsiteY59"/>
+              </a:cxn>
+              <a:cxn ang="0">
+                <a:pos x="connsiteX60" y="connsiteY60"/>
+              </a:cxn>
+              <a:cxn ang="0">
+                <a:pos x="connsiteX61" y="connsiteY61"/>
+              </a:cxn>
+              <a:cxn ang="0">
+                <a:pos x="connsiteX62" y="connsiteY62"/>
+              </a:cxn>
+              <a:cxn ang="0">
+                <a:pos x="connsiteX63" y="connsiteY63"/>
+              </a:cxn>
+              <a:cxn ang="0">
+                <a:pos x="connsiteX64" y="connsiteY64"/>
+              </a:cxn>
+              <a:cxn ang="0">
+                <a:pos x="connsiteX65" y="connsiteY65"/>
+              </a:cxn>
+              <a:cxn ang="0">
+                <a:pos x="connsiteX66" y="connsiteY66"/>
+              </a:cxn>
+              <a:cxn ang="0">
+                <a:pos x="connsiteX67" y="connsiteY67"/>
+              </a:cxn>
+              <a:cxn ang="0">
+                <a:pos x="connsiteX68" y="connsiteY68"/>
+              </a:cxn>
+              <a:cxn ang="0">
+                <a:pos x="connsiteX69" y="connsiteY69"/>
+              </a:cxn>
+              <a:cxn ang="0">
+                <a:pos x="connsiteX70" y="connsiteY70"/>
+              </a:cxn>
+              <a:cxn ang="0">
+                <a:pos x="connsiteX71" y="connsiteY71"/>
+              </a:cxn>
+              <a:cxn ang="0">
+                <a:pos x="connsiteX72" y="connsiteY72"/>
+              </a:cxn>
+              <a:cxn ang="0">
+                <a:pos x="connsiteX73" y="connsiteY73"/>
+              </a:cxn>
+              <a:cxn ang="0">
+                <a:pos x="connsiteX74" y="connsiteY74"/>
+              </a:cxn>
+            </a:cxnLst>
+            <a:rect l="l" t="t" r="r" b="b"/>
+            <a:pathLst>
+              <a:path w="9024730" h="6857999">
+                <a:moveTo>
+                  <a:pt x="0" y="0"/>
+                </a:moveTo>
+                <a:lnTo>
+                  <a:pt x="9024730" y="0"/>
+                </a:lnTo>
+                <a:lnTo>
+                  <a:pt x="9024730" y="2"/>
+                </a:lnTo>
+                <a:lnTo>
+                  <a:pt x="8447016" y="2"/>
+                </a:lnTo>
+                <a:lnTo>
+                  <a:pt x="8441214" y="14562"/>
+                </a:lnTo>
+                <a:lnTo>
+                  <a:pt x="8445389" y="59077"/>
+                </a:lnTo>
+                <a:cubicBezTo>
+                  <a:pt x="8445971" y="76949"/>
+                  <a:pt x="8436504" y="89796"/>
+                  <a:pt x="8437086" y="107668"/>
+                </a:cubicBezTo>
+                <a:cubicBezTo>
+                  <a:pt x="8417947" y="138162"/>
+                  <a:pt x="8459241" y="201929"/>
+                  <a:pt x="8458599" y="246136"/>
+                </a:cubicBezTo>
+                <a:cubicBezTo>
+                  <a:pt x="8457958" y="290343"/>
+                  <a:pt x="8471649" y="364179"/>
+                  <a:pt x="8433237" y="372908"/>
+                </a:cubicBezTo>
+                <a:cubicBezTo>
+                  <a:pt x="8426916" y="431308"/>
+                  <a:pt x="8438389" y="357606"/>
+                  <a:pt x="8430194" y="450607"/>
+                </a:cubicBezTo>
+                <a:cubicBezTo>
+                  <a:pt x="8466727" y="551950"/>
+                  <a:pt x="8430182" y="787036"/>
+                  <a:pt x="8443315" y="812800"/>
+                </a:cubicBezTo>
+                <a:cubicBezTo>
+                  <a:pt x="8478999" y="860799"/>
+                  <a:pt x="8435788" y="854953"/>
+                  <a:pt x="8453042" y="912727"/>
+                </a:cubicBezTo>
+                <a:cubicBezTo>
+                  <a:pt x="8462900" y="945986"/>
+                  <a:pt x="8451223" y="951781"/>
+                  <a:pt x="8451649" y="989950"/>
+                </a:cubicBezTo>
+                <a:cubicBezTo>
+                  <a:pt x="8452074" y="1028120"/>
+                  <a:pt x="8452500" y="1095828"/>
+                  <a:pt x="8455592" y="1141745"/>
+                </a:cubicBezTo>
+                <a:cubicBezTo>
+                  <a:pt x="8458684" y="1187662"/>
+                  <a:pt x="8470047" y="1234783"/>
+                  <a:pt x="8470203" y="1265454"/>
+                </a:cubicBezTo>
+                <a:cubicBezTo>
+                  <a:pt x="8458947" y="1304052"/>
+                  <a:pt x="8496012" y="1370755"/>
+                  <a:pt x="8499638" y="1385480"/>
+                </a:cubicBezTo>
+                <a:cubicBezTo>
+                  <a:pt x="8514485" y="1422714"/>
+                  <a:pt x="8525070" y="1428103"/>
+                  <a:pt x="8518660" y="1458060"/>
+                </a:cubicBezTo>
+                <a:cubicBezTo>
+                  <a:pt x="8518783" y="1468057"/>
+                  <a:pt x="8539003" y="1503177"/>
+                  <a:pt x="8539125" y="1513175"/>
+                </a:cubicBezTo>
+                <a:lnTo>
+                  <a:pt x="8570281" y="1570809"/>
+                </a:lnTo>
+                <a:cubicBezTo>
+                  <a:pt x="8597636" y="1617136"/>
+                  <a:pt x="8594573" y="1601443"/>
+                  <a:pt x="8605212" y="1638391"/>
+                </a:cubicBezTo>
+                <a:cubicBezTo>
+                  <a:pt x="8629645" y="1719640"/>
+                  <a:pt x="8613884" y="1715203"/>
+                  <a:pt x="8626457" y="1742490"/>
+                </a:cubicBezTo>
+                <a:lnTo>
+                  <a:pt x="8654861" y="1818229"/>
+                </a:lnTo>
+                <a:cubicBezTo>
+                  <a:pt x="8657202" y="1824059"/>
+                  <a:pt x="8651899" y="1851211"/>
+                  <a:pt x="8648005" y="1862723"/>
+                </a:cubicBezTo>
+                <a:lnTo>
+                  <a:pt x="8654469" y="1917476"/>
+                </a:lnTo>
+                <a:lnTo>
+                  <a:pt x="8649702" y="1972204"/>
+                </a:lnTo>
+                <a:cubicBezTo>
+                  <a:pt x="8652251" y="1979569"/>
+                  <a:pt x="8651461" y="2048203"/>
+                  <a:pt x="8656357" y="2054291"/>
+                </a:cubicBezTo>
+                <a:cubicBezTo>
+                  <a:pt x="8672645" y="2141657"/>
+                  <a:pt x="8632397" y="2189849"/>
+                  <a:pt x="8648660" y="2227417"/>
+                </a:cubicBezTo>
+                <a:cubicBezTo>
+                  <a:pt x="8639941" y="2317591"/>
+                  <a:pt x="8613796" y="2407644"/>
+                  <a:pt x="8607609" y="2510933"/>
+                </a:cubicBezTo>
+                <a:cubicBezTo>
+                  <a:pt x="8633490" y="2597916"/>
+                  <a:pt x="8602674" y="2649734"/>
+                  <a:pt x="8608432" y="2741866"/>
+                </a:cubicBezTo>
+                <a:cubicBezTo>
+                  <a:pt x="8630300" y="2779815"/>
+                  <a:pt x="8631929" y="2817058"/>
+                  <a:pt x="8619112" y="2864935"/>
+                </a:cubicBezTo>
+                <a:cubicBezTo>
+                  <a:pt x="8655820" y="2860552"/>
+                  <a:pt x="8588374" y="2937673"/>
+                  <a:pt x="8627742" y="2950807"/>
+                </a:cubicBezTo>
+                <a:lnTo>
+                  <a:pt x="8611822" y="2978246"/>
+                </a:lnTo>
+                <a:lnTo>
+                  <a:pt x="8608239" y="2995916"/>
+                </a:lnTo>
+                <a:lnTo>
+                  <a:pt x="8598647" y="2998648"/>
+                </a:lnTo>
+                <a:lnTo>
+                  <a:pt x="8587108" y="3023630"/>
+                </a:lnTo>
+                <a:cubicBezTo>
+                  <a:pt x="8584111" y="3033333"/>
+                  <a:pt x="8577413" y="3084375"/>
+                  <a:pt x="8577885" y="3096975"/>
+                </a:cubicBezTo>
+                <a:cubicBezTo>
+                  <a:pt x="8594321" y="3142205"/>
+                  <a:pt x="8535131" y="3160433"/>
+                  <a:pt x="8557492" y="3216657"/>
+                </a:cubicBezTo>
+                <a:cubicBezTo>
+                  <a:pt x="8562518" y="3237178"/>
+                  <a:pt x="8573573" y="3299737"/>
+                  <a:pt x="8560894" y="3310980"/>
+                </a:cubicBezTo>
+                <a:cubicBezTo>
+                  <a:pt x="8557601" y="3323902"/>
+                  <a:pt x="8561083" y="3339340"/>
+                  <a:pt x="8547852" y="3344725"/>
+                </a:cubicBezTo>
+                <a:cubicBezTo>
+                  <a:pt x="8531788" y="3353908"/>
+                  <a:pt x="8553430" y="3400659"/>
+                  <a:pt x="8535427" y="3393250"/>
+                </a:cubicBezTo>
+                <a:cubicBezTo>
+                  <a:pt x="8550195" y="3426421"/>
+                  <a:pt x="8529553" y="3487753"/>
+                  <a:pt x="8520092" y="3514536"/>
+                </a:cubicBezTo>
+                <a:cubicBezTo>
+                  <a:pt x="8513726" y="3563353"/>
+                  <a:pt x="8500070" y="3650327"/>
+                  <a:pt x="8497231" y="3686149"/>
+                </a:cubicBezTo>
+                <a:cubicBezTo>
+                  <a:pt x="8494574" y="3687657"/>
+                  <a:pt x="8493370" y="3677229"/>
+                  <a:pt x="8489799" y="3692208"/>
+                </a:cubicBezTo>
+                <a:cubicBezTo>
+                  <a:pt x="8486228" y="3707187"/>
+                  <a:pt x="8465938" y="3757479"/>
+                  <a:pt x="8475804" y="3776022"/>
+                </a:cubicBezTo>
+                <a:cubicBezTo>
+                  <a:pt x="8441061" y="3875691"/>
+                  <a:pt x="8487451" y="3939839"/>
+                  <a:pt x="8471279" y="3977138"/>
+                </a:cubicBezTo>
+                <a:cubicBezTo>
+                  <a:pt x="8465599" y="4067300"/>
+                  <a:pt x="8419685" y="4164564"/>
+                  <a:pt x="8408913" y="4222149"/>
+                </a:cubicBezTo>
+                <a:cubicBezTo>
+                  <a:pt x="8403583" y="4287917"/>
+                  <a:pt x="8398240" y="4339232"/>
+                  <a:pt x="8402112" y="4364683"/>
+                </a:cubicBezTo>
+                <a:lnTo>
+                  <a:pt x="8393355" y="4462471"/>
+                </a:lnTo>
+                <a:cubicBezTo>
+                  <a:pt x="8396004" y="4503329"/>
+                  <a:pt x="8376320" y="4548111"/>
+                  <a:pt x="8376166" y="4574052"/>
+                </a:cubicBezTo>
+                <a:cubicBezTo>
+                  <a:pt x="8369380" y="4670665"/>
+                  <a:pt x="8352302" y="4649921"/>
+                  <a:pt x="8341678" y="4667756"/>
+                </a:cubicBezTo>
+                <a:cubicBezTo>
+                  <a:pt x="8320864" y="4705850"/>
+                  <a:pt x="8290794" y="4758928"/>
+                  <a:pt x="8273661" y="4799019"/>
+                </a:cubicBezTo>
+                <a:cubicBezTo>
+                  <a:pt x="8254323" y="4834076"/>
+                  <a:pt x="8262378" y="4811645"/>
+                  <a:pt x="8256132" y="4849614"/>
+                </a:cubicBezTo>
+                <a:cubicBezTo>
+                  <a:pt x="8239320" y="4853334"/>
+                  <a:pt x="8207060" y="4883089"/>
+                  <a:pt x="8226804" y="4919971"/>
+                </a:cubicBezTo>
+                <a:lnTo>
+                  <a:pt x="8171825" y="5010766"/>
+                </a:lnTo>
+                <a:cubicBezTo>
+                  <a:pt x="8150097" y="4983259"/>
+                  <a:pt x="8165842" y="5107656"/>
+                  <a:pt x="8143172" y="5088190"/>
+                </a:cubicBezTo>
+                <a:cubicBezTo>
+                  <a:pt x="8128060" y="5102008"/>
+                  <a:pt x="8138350" y="5118851"/>
+                  <a:pt x="8126363" y="5143922"/>
+                </a:cubicBezTo>
+                <a:cubicBezTo>
+                  <a:pt x="8116335" y="5192745"/>
+                  <a:pt x="8111851" y="5226225"/>
+                  <a:pt x="8103782" y="5284346"/>
+                </a:cubicBezTo>
+                <a:cubicBezTo>
+                  <a:pt x="8101016" y="5338386"/>
+                  <a:pt x="8095811" y="5337325"/>
+                  <a:pt x="8084361" y="5390948"/>
+                </a:cubicBezTo>
+                <a:cubicBezTo>
+                  <a:pt x="8082912" y="5429655"/>
+                  <a:pt x="8063705" y="5449508"/>
+                  <a:pt x="8062552" y="5470854"/>
+                </a:cubicBezTo>
+                <a:cubicBezTo>
+                  <a:pt x="8086776" y="5526328"/>
+                  <a:pt x="8037513" y="5496377"/>
+                  <a:pt x="8057342" y="5529643"/>
+                </a:cubicBezTo>
+                <a:cubicBezTo>
+                  <a:pt x="8050653" y="5550879"/>
+                  <a:pt x="8055939" y="5587444"/>
+                  <a:pt x="8044923" y="5597292"/>
+                </a:cubicBezTo>
+                <a:lnTo>
+                  <a:pt x="8035233" y="5608899"/>
+                </a:lnTo>
+                <a:cubicBezTo>
+                  <a:pt x="8030775" y="5623501"/>
+                  <a:pt x="8021047" y="5660431"/>
+                  <a:pt x="8018178" y="5684911"/>
+                </a:cubicBezTo>
+                <a:cubicBezTo>
+                  <a:pt x="8005590" y="5692608"/>
+                  <a:pt x="8011744" y="5734344"/>
+                  <a:pt x="8018018" y="5755776"/>
+                </a:cubicBezTo>
+                <a:cubicBezTo>
+                  <a:pt x="8019409" y="5792777"/>
+                  <a:pt x="7989082" y="5848613"/>
+                  <a:pt x="8008640" y="5889599"/>
+                </a:cubicBezTo>
+                <a:cubicBezTo>
+                  <a:pt x="8011480" y="5932097"/>
+                  <a:pt x="8009486" y="5940901"/>
+                  <a:pt x="8013542" y="5989744"/>
+                </a:cubicBezTo>
+                <a:cubicBezTo>
+                  <a:pt x="8022089" y="6020787"/>
+                  <a:pt x="7982918" y="6024963"/>
+                  <a:pt x="7980757" y="6084926"/>
+                </a:cubicBezTo>
+                <a:cubicBezTo>
+                  <a:pt x="7974117" y="6134231"/>
+                  <a:pt x="7999371" y="6240432"/>
+                  <a:pt x="7975907" y="6346549"/>
+                </a:cubicBezTo>
+                <a:cubicBezTo>
+                  <a:pt x="7987225" y="6409741"/>
+                  <a:pt x="7980509" y="6468689"/>
+                  <a:pt x="7974221" y="6527527"/>
+                </a:cubicBezTo>
+                <a:cubicBezTo>
+                  <a:pt x="7955361" y="6585667"/>
+                  <a:pt x="7987786" y="6579284"/>
+                  <a:pt x="7979135" y="6627129"/>
+                </a:cubicBezTo>
+                <a:cubicBezTo>
+                  <a:pt x="7983057" y="6635153"/>
+                  <a:pt x="7984986" y="6697665"/>
+                  <a:pt x="7979404" y="6694819"/>
+                </a:cubicBezTo>
+                <a:cubicBezTo>
+                  <a:pt x="7981755" y="6716947"/>
+                  <a:pt x="8003903" y="6732844"/>
+                  <a:pt x="8009526" y="6765445"/>
+                </a:cubicBezTo>
+                <a:cubicBezTo>
+                  <a:pt x="8011113" y="6776325"/>
+                  <a:pt x="8014662" y="6810511"/>
+                  <a:pt x="8018211" y="6844697"/>
+                </a:cubicBezTo>
+                <a:lnTo>
+                  <a:pt x="8019608" y="6857999"/>
+                </a:lnTo>
+                <a:lnTo>
+                  <a:pt x="0" y="6857999"/>
+                </a:lnTo>
+                <a:close/>
+              </a:path>
+            </a:pathLst>
+          </a:custGeom>
+          <a:solidFill>
+            <a:srgbClr val="82766A">
+              <a:alpha val="15000"/>
+            </a:srgbClr>
+          </a:solidFill>
           <a:ln>
             <a:noFill/>
           </a:ln>
@@ -19971,7 +21934,9 @@
           </a:fontRef>
         </p:style>
         <p:txBody>
-          <a:bodyPr rtlCol="0" anchor="ctr"/>
+          <a:bodyPr wrap="square" rtlCol="0" anchor="ctr">
+            <a:noAutofit/>
+          </a:bodyPr>
           <a:lstStyle/>
           <a:p>
             <a:pPr algn="ctr"/>
@@ -19981,545 +21946,10 @@
       </p:sp>
       <p:sp>
         <p:nvSpPr>
-          <p:cNvPr id="13" name="Freeform: Shape 9">
-            <a:extLst>
-              <a:ext uri="{FF2B5EF4-FFF2-40B4-BE49-F238E27FC236}">
-                <a16:creationId xmlns:a16="http://schemas.microsoft.com/office/drawing/2014/main" id="{73A6D7BA-50E4-42FE-A0E3-FC42B7EC4372}"/>
-              </a:ext>
-              <a:ext uri="{C183D7F6-B498-43B3-948B-1728B52AA6E4}">
-                <adec:decorative xmlns:adec="http://schemas.microsoft.com/office/drawing/2017/decorative" val="1"/>
-              </a:ext>
-            </a:extLst>
-          </p:cNvPr>
-          <p:cNvSpPr>
-            <a:spLocks noGrp="1" noRot="1" noChangeAspect="1" noMove="1" noResize="1" noEditPoints="1" noAdjustHandles="1" noChangeArrowheads="1" noChangeShapeType="1" noTextEdit="1"/>
-          </p:cNvSpPr>
-          <p:nvPr>
-            <p:extLst>
-              <p:ext uri="{386F3935-93C4-4BCD-93E2-E3B085C9AB24}">
-                <p16:designElem xmlns:p16="http://schemas.microsoft.com/office/powerpoint/2015/main" val="1"/>
-              </p:ext>
-            </p:extLst>
-          </p:nvPr>
-        </p:nvSpPr>
-        <p:spPr>
-          <a:xfrm flipH="1">
-            <a:off x="1" y="2767722"/>
-            <a:ext cx="3021543" cy="1532055"/>
-          </a:xfrm>
-          <a:custGeom>
-            <a:avLst/>
-            <a:gdLst>
-              <a:gd name="connsiteX0" fmla="*/ 3021543 w 3021543"/>
-              <a:gd name="connsiteY0" fmla="*/ 0 h 1532055"/>
-              <a:gd name="connsiteX1" fmla="*/ 2963800 w 3021543"/>
-              <a:gd name="connsiteY1" fmla="*/ 7730 h 1532055"/>
-              <a:gd name="connsiteX2" fmla="*/ 2793803 w 3021543"/>
-              <a:gd name="connsiteY2" fmla="*/ 25704 h 1532055"/>
-              <a:gd name="connsiteX3" fmla="*/ 2414348 w 3021543"/>
-              <a:gd name="connsiteY3" fmla="*/ 31695 h 1532055"/>
-              <a:gd name="connsiteX4" fmla="*/ 2091558 w 3021543"/>
-              <a:gd name="connsiteY4" fmla="*/ 29298 h 1532055"/>
-              <a:gd name="connsiteX5" fmla="*/ 1645319 w 3021543"/>
-              <a:gd name="connsiteY5" fmla="*/ 30497 h 1532055"/>
-              <a:gd name="connsiteX6" fmla="*/ 1243602 w 3021543"/>
-              <a:gd name="connsiteY6" fmla="*/ 64048 h 1532055"/>
-              <a:gd name="connsiteX7" fmla="*/ 753851 w 3021543"/>
-              <a:gd name="connsiteY7" fmla="*/ 61651 h 1532055"/>
-              <a:gd name="connsiteX8" fmla="*/ 465465 w 3021543"/>
-              <a:gd name="connsiteY8" fmla="*/ 123960 h 1532055"/>
-              <a:gd name="connsiteX9" fmla="*/ 546416 w 3021543"/>
-              <a:gd name="connsiteY9" fmla="*/ 145529 h 1532055"/>
-              <a:gd name="connsiteX10" fmla="*/ 689091 w 3021543"/>
-              <a:gd name="connsiteY10" fmla="*/ 192260 h 1532055"/>
-              <a:gd name="connsiteX11" fmla="*/ 704269 w 3021543"/>
-              <a:gd name="connsiteY11" fmla="*/ 222217 h 1532055"/>
-              <a:gd name="connsiteX12" fmla="*/ 683020 w 3021543"/>
-              <a:gd name="connsiteY12" fmla="*/ 236595 h 1532055"/>
-              <a:gd name="connsiteX13" fmla="*/ 621295 w 3021543"/>
-              <a:gd name="connsiteY13" fmla="*/ 264155 h 1532055"/>
-              <a:gd name="connsiteX14" fmla="*/ 848968 w 3021543"/>
-              <a:gd name="connsiteY14" fmla="*/ 304896 h 1532055"/>
-              <a:gd name="connsiteX15" fmla="*/ 768018 w 3021543"/>
-              <a:gd name="connsiteY15" fmla="*/ 330059 h 1532055"/>
-              <a:gd name="connsiteX16" fmla="*/ 684032 w 3021543"/>
-              <a:gd name="connsiteY16" fmla="*/ 348032 h 1532055"/>
-              <a:gd name="connsiteX17" fmla="*/ 592962 w 3021543"/>
-              <a:gd name="connsiteY17" fmla="*/ 361213 h 1532055"/>
-              <a:gd name="connsiteX18" fmla="*/ 509988 w 3021543"/>
-              <a:gd name="connsiteY18" fmla="*/ 387575 h 1532055"/>
-              <a:gd name="connsiteX19" fmla="*/ 726531 w 3021543"/>
-              <a:gd name="connsiteY19" fmla="*/ 398359 h 1532055"/>
-              <a:gd name="connsiteX20" fmla="*/ 614212 w 3021543"/>
-              <a:gd name="connsiteY20" fmla="*/ 422324 h 1532055"/>
-              <a:gd name="connsiteX21" fmla="*/ 522131 w 3021543"/>
-              <a:gd name="connsiteY21" fmla="*/ 453478 h 1532055"/>
-              <a:gd name="connsiteX22" fmla="*/ 457370 w 3021543"/>
-              <a:gd name="connsiteY22" fmla="*/ 467857 h 1532055"/>
-              <a:gd name="connsiteX23" fmla="*/ 388562 w 3021543"/>
-              <a:gd name="connsiteY23" fmla="*/ 471452 h 1532055"/>
-              <a:gd name="connsiteX24" fmla="*/ 372372 w 3021543"/>
-              <a:gd name="connsiteY24" fmla="*/ 494218 h 1532055"/>
-              <a:gd name="connsiteX25" fmla="*/ 393622 w 3021543"/>
-              <a:gd name="connsiteY25" fmla="*/ 518184 h 1532055"/>
-              <a:gd name="connsiteX26" fmla="*/ 426002 w 3021543"/>
-              <a:gd name="connsiteY26" fmla="*/ 520580 h 1532055"/>
-              <a:gd name="connsiteX27" fmla="*/ 619271 w 3021543"/>
-              <a:gd name="connsiteY27" fmla="*/ 526571 h 1532055"/>
-              <a:gd name="connsiteX28" fmla="*/ 0 w 3021543"/>
-              <a:gd name="connsiteY28" fmla="*/ 579294 h 1532055"/>
-              <a:gd name="connsiteX29" fmla="*/ 83986 w 3021543"/>
-              <a:gd name="connsiteY29" fmla="*/ 611647 h 1532055"/>
-              <a:gd name="connsiteX30" fmla="*/ 112319 w 3021543"/>
-              <a:gd name="connsiteY30" fmla="*/ 700317 h 1532055"/>
-              <a:gd name="connsiteX31" fmla="*/ 215531 w 3021543"/>
-              <a:gd name="connsiteY31" fmla="*/ 750643 h 1532055"/>
-              <a:gd name="connsiteX32" fmla="*/ 282315 w 3021543"/>
-              <a:gd name="connsiteY32" fmla="*/ 768617 h 1532055"/>
-              <a:gd name="connsiteX33" fmla="*/ 435109 w 3021543"/>
-              <a:gd name="connsiteY33" fmla="*/ 794979 h 1532055"/>
-              <a:gd name="connsiteX34" fmla="*/ 457370 w 3021543"/>
-              <a:gd name="connsiteY34" fmla="*/ 838116 h 1532055"/>
-              <a:gd name="connsiteX35" fmla="*/ 476596 w 3021543"/>
-              <a:gd name="connsiteY35" fmla="*/ 886046 h 1532055"/>
-              <a:gd name="connsiteX36" fmla="*/ 517071 w 3021543"/>
-              <a:gd name="connsiteY36" fmla="*/ 917200 h 1532055"/>
-              <a:gd name="connsiteX37" fmla="*/ 202377 w 3021543"/>
-              <a:gd name="connsiteY37" fmla="*/ 912407 h 1532055"/>
-              <a:gd name="connsiteX38" fmla="*/ 557546 w 3021543"/>
-              <a:gd name="connsiteY38" fmla="*/ 1013060 h 1532055"/>
-              <a:gd name="connsiteX39" fmla="*/ 526178 w 3021543"/>
-              <a:gd name="connsiteY39" fmla="*/ 1052602 h 1532055"/>
-              <a:gd name="connsiteX40" fmla="*/ 720459 w 3021543"/>
-              <a:gd name="connsiteY40" fmla="*/ 1106523 h 1532055"/>
-              <a:gd name="connsiteX41" fmla="*/ 616236 w 3021543"/>
-              <a:gd name="connsiteY41" fmla="*/ 1112514 h 1532055"/>
-              <a:gd name="connsiteX42" fmla="*/ 1222353 w 3021543"/>
-              <a:gd name="connsiteY42" fmla="*/ 1337785 h 1532055"/>
-              <a:gd name="connsiteX43" fmla="*/ 2087511 w 3021543"/>
-              <a:gd name="connsiteY43" fmla="*/ 1500747 h 1532055"/>
-              <a:gd name="connsiteX44" fmla="*/ 2425479 w 3021543"/>
-              <a:gd name="connsiteY44" fmla="*/ 1531901 h 1532055"/>
-              <a:gd name="connsiteX45" fmla="*/ 2809994 w 3021543"/>
-              <a:gd name="connsiteY45" fmla="*/ 1522315 h 1532055"/>
-              <a:gd name="connsiteX46" fmla="*/ 2953618 w 3021543"/>
-              <a:gd name="connsiteY46" fmla="*/ 1512448 h 1532055"/>
-              <a:gd name="connsiteX47" fmla="*/ 3021543 w 3021543"/>
-              <a:gd name="connsiteY47" fmla="*/ 1502657 h 1532055"/>
-            </a:gdLst>
-            <a:ahLst/>
-            <a:cxnLst>
-              <a:cxn ang="0">
-                <a:pos x="connsiteX0" y="connsiteY0"/>
-              </a:cxn>
-              <a:cxn ang="0">
-                <a:pos x="connsiteX1" y="connsiteY1"/>
-              </a:cxn>
-              <a:cxn ang="0">
-                <a:pos x="connsiteX2" y="connsiteY2"/>
-              </a:cxn>
-              <a:cxn ang="0">
-                <a:pos x="connsiteX3" y="connsiteY3"/>
-              </a:cxn>
-              <a:cxn ang="0">
-                <a:pos x="connsiteX4" y="connsiteY4"/>
-              </a:cxn>
-              <a:cxn ang="0">
-                <a:pos x="connsiteX5" y="connsiteY5"/>
-              </a:cxn>
-              <a:cxn ang="0">
-                <a:pos x="connsiteX6" y="connsiteY6"/>
-              </a:cxn>
-              <a:cxn ang="0">
-                <a:pos x="connsiteX7" y="connsiteY7"/>
-              </a:cxn>
-              <a:cxn ang="0">
-                <a:pos x="connsiteX8" y="connsiteY8"/>
-              </a:cxn>
-              <a:cxn ang="0">
-                <a:pos x="connsiteX9" y="connsiteY9"/>
-              </a:cxn>
-              <a:cxn ang="0">
-                <a:pos x="connsiteX10" y="connsiteY10"/>
-              </a:cxn>
-              <a:cxn ang="0">
-                <a:pos x="connsiteX11" y="connsiteY11"/>
-              </a:cxn>
-              <a:cxn ang="0">
-                <a:pos x="connsiteX12" y="connsiteY12"/>
-              </a:cxn>
-              <a:cxn ang="0">
-                <a:pos x="connsiteX13" y="connsiteY13"/>
-              </a:cxn>
-              <a:cxn ang="0">
-                <a:pos x="connsiteX14" y="connsiteY14"/>
-              </a:cxn>
-              <a:cxn ang="0">
-                <a:pos x="connsiteX15" y="connsiteY15"/>
-              </a:cxn>
-              <a:cxn ang="0">
-                <a:pos x="connsiteX16" y="connsiteY16"/>
-              </a:cxn>
-              <a:cxn ang="0">
-                <a:pos x="connsiteX17" y="connsiteY17"/>
-              </a:cxn>
-              <a:cxn ang="0">
-                <a:pos x="connsiteX18" y="connsiteY18"/>
-              </a:cxn>
-              <a:cxn ang="0">
-                <a:pos x="connsiteX19" y="connsiteY19"/>
-              </a:cxn>
-              <a:cxn ang="0">
-                <a:pos x="connsiteX20" y="connsiteY20"/>
-              </a:cxn>
-              <a:cxn ang="0">
-                <a:pos x="connsiteX21" y="connsiteY21"/>
-              </a:cxn>
-              <a:cxn ang="0">
-                <a:pos x="connsiteX22" y="connsiteY22"/>
-              </a:cxn>
-              <a:cxn ang="0">
-                <a:pos x="connsiteX23" y="connsiteY23"/>
-              </a:cxn>
-              <a:cxn ang="0">
-                <a:pos x="connsiteX24" y="connsiteY24"/>
-              </a:cxn>
-              <a:cxn ang="0">
-                <a:pos x="connsiteX25" y="connsiteY25"/>
-              </a:cxn>
-              <a:cxn ang="0">
-                <a:pos x="connsiteX26" y="connsiteY26"/>
-              </a:cxn>
-              <a:cxn ang="0">
-                <a:pos x="connsiteX27" y="connsiteY27"/>
-              </a:cxn>
-              <a:cxn ang="0">
-                <a:pos x="connsiteX28" y="connsiteY28"/>
-              </a:cxn>
-              <a:cxn ang="0">
-                <a:pos x="connsiteX29" y="connsiteY29"/>
-              </a:cxn>
-              <a:cxn ang="0">
-                <a:pos x="connsiteX30" y="connsiteY30"/>
-              </a:cxn>
-              <a:cxn ang="0">
-                <a:pos x="connsiteX31" y="connsiteY31"/>
-              </a:cxn>
-              <a:cxn ang="0">
-                <a:pos x="connsiteX32" y="connsiteY32"/>
-              </a:cxn>
-              <a:cxn ang="0">
-                <a:pos x="connsiteX33" y="connsiteY33"/>
-              </a:cxn>
-              <a:cxn ang="0">
-                <a:pos x="connsiteX34" y="connsiteY34"/>
-              </a:cxn>
-              <a:cxn ang="0">
-                <a:pos x="connsiteX35" y="connsiteY35"/>
-              </a:cxn>
-              <a:cxn ang="0">
-                <a:pos x="connsiteX36" y="connsiteY36"/>
-              </a:cxn>
-              <a:cxn ang="0">
-                <a:pos x="connsiteX37" y="connsiteY37"/>
-              </a:cxn>
-              <a:cxn ang="0">
-                <a:pos x="connsiteX38" y="connsiteY38"/>
-              </a:cxn>
-              <a:cxn ang="0">
-                <a:pos x="connsiteX39" y="connsiteY39"/>
-              </a:cxn>
-              <a:cxn ang="0">
-                <a:pos x="connsiteX40" y="connsiteY40"/>
-              </a:cxn>
-              <a:cxn ang="0">
-                <a:pos x="connsiteX41" y="connsiteY41"/>
-              </a:cxn>
-              <a:cxn ang="0">
-                <a:pos x="connsiteX42" y="connsiteY42"/>
-              </a:cxn>
-              <a:cxn ang="0">
-                <a:pos x="connsiteX43" y="connsiteY43"/>
-              </a:cxn>
-              <a:cxn ang="0">
-                <a:pos x="connsiteX44" y="connsiteY44"/>
-              </a:cxn>
-              <a:cxn ang="0">
-                <a:pos x="connsiteX45" y="connsiteY45"/>
-              </a:cxn>
-              <a:cxn ang="0">
-                <a:pos x="connsiteX46" y="connsiteY46"/>
-              </a:cxn>
-              <a:cxn ang="0">
-                <a:pos x="connsiteX47" y="connsiteY47"/>
-              </a:cxn>
-            </a:cxnLst>
-            <a:rect l="l" t="t" r="r" b="b"/>
-            <a:pathLst>
-              <a:path w="3021543" h="1532055">
-                <a:moveTo>
-                  <a:pt x="3021543" y="0"/>
-                </a:moveTo>
-                <a:lnTo>
-                  <a:pt x="2963800" y="7730"/>
-                </a:lnTo>
-                <a:cubicBezTo>
-                  <a:pt x="2907134" y="14919"/>
-                  <a:pt x="2850469" y="24506"/>
-                  <a:pt x="2793803" y="25704"/>
-                </a:cubicBezTo>
-                <a:cubicBezTo>
-                  <a:pt x="2667318" y="29298"/>
-                  <a:pt x="2539821" y="20911"/>
-                  <a:pt x="2414348" y="31695"/>
-                </a:cubicBezTo>
-                <a:cubicBezTo>
-                  <a:pt x="2307089" y="41281"/>
-                  <a:pt x="2198818" y="30497"/>
-                  <a:pt x="2091558" y="29298"/>
-                </a:cubicBezTo>
-                <a:cubicBezTo>
-                  <a:pt x="1942812" y="28100"/>
-                  <a:pt x="1793053" y="19713"/>
-                  <a:pt x="1645319" y="30497"/>
-                </a:cubicBezTo>
-                <a:cubicBezTo>
-                  <a:pt x="1510738" y="38885"/>
-                  <a:pt x="1376158" y="41281"/>
-                  <a:pt x="1243602" y="64048"/>
-                </a:cubicBezTo>
-                <a:cubicBezTo>
-                  <a:pt x="1079677" y="76030"/>
-                  <a:pt x="916765" y="68841"/>
-                  <a:pt x="753851" y="61651"/>
-                </a:cubicBezTo>
-                <a:cubicBezTo>
-                  <a:pt x="653675" y="56858"/>
-                  <a:pt x="554511" y="41281"/>
-                  <a:pt x="465465" y="123960"/>
-                </a:cubicBezTo>
-                <a:cubicBezTo>
-                  <a:pt x="489751" y="143132"/>
-                  <a:pt x="519095" y="139537"/>
-                  <a:pt x="546416" y="145529"/>
-                </a:cubicBezTo>
-                <a:cubicBezTo>
-                  <a:pt x="594986" y="157511"/>
-                  <a:pt x="643557" y="169493"/>
-                  <a:pt x="689091" y="192260"/>
-                </a:cubicBezTo>
-                <a:cubicBezTo>
-                  <a:pt x="699210" y="197053"/>
-                  <a:pt x="708317" y="206639"/>
-                  <a:pt x="704269" y="222217"/>
-                </a:cubicBezTo>
-                <a:cubicBezTo>
-                  <a:pt x="701234" y="234199"/>
-                  <a:pt x="691115" y="234199"/>
-                  <a:pt x="683020" y="236595"/>
-                </a:cubicBezTo>
-                <a:cubicBezTo>
-                  <a:pt x="664806" y="243785"/>
-                  <a:pt x="642545" y="238992"/>
-                  <a:pt x="621295" y="264155"/>
-                </a:cubicBezTo>
-                <a:cubicBezTo>
-                  <a:pt x="702245" y="277336"/>
-                  <a:pt x="780160" y="252172"/>
-                  <a:pt x="848968" y="304896"/>
-                </a:cubicBezTo>
-                <a:cubicBezTo>
-                  <a:pt x="823671" y="331257"/>
-                  <a:pt x="795339" y="325266"/>
-                  <a:pt x="768018" y="330059"/>
-                </a:cubicBezTo>
-                <a:cubicBezTo>
-                  <a:pt x="739685" y="334852"/>
-                  <a:pt x="712365" y="343240"/>
-                  <a:pt x="684032" y="348032"/>
-                </a:cubicBezTo>
-                <a:cubicBezTo>
-                  <a:pt x="653675" y="354023"/>
-                  <a:pt x="623319" y="355222"/>
-                  <a:pt x="592962" y="361213"/>
-                </a:cubicBezTo>
-                <a:cubicBezTo>
-                  <a:pt x="567666" y="366006"/>
-                  <a:pt x="540345" y="357618"/>
-                  <a:pt x="509988" y="387575"/>
-                </a:cubicBezTo>
-                <a:cubicBezTo>
-                  <a:pt x="584867" y="409143"/>
-                  <a:pt x="652663" y="376790"/>
-                  <a:pt x="726531" y="398359"/>
-                </a:cubicBezTo>
-                <a:cubicBezTo>
-                  <a:pt x="683020" y="417531"/>
-                  <a:pt x="647604" y="411539"/>
-                  <a:pt x="614212" y="422324"/>
-                </a:cubicBezTo>
-                <a:cubicBezTo>
-                  <a:pt x="583855" y="433108"/>
-                  <a:pt x="547428" y="421126"/>
-                  <a:pt x="522131" y="453478"/>
-                </a:cubicBezTo>
-                <a:cubicBezTo>
-                  <a:pt x="502905" y="478641"/>
-                  <a:pt x="482668" y="482236"/>
-                  <a:pt x="457370" y="467857"/>
-                </a:cubicBezTo>
-                <a:cubicBezTo>
-                  <a:pt x="435109" y="454676"/>
-                  <a:pt x="410824" y="458271"/>
-                  <a:pt x="388562" y="471452"/>
-                </a:cubicBezTo>
-                <a:cubicBezTo>
-                  <a:pt x="380468" y="476245"/>
-                  <a:pt x="372372" y="482236"/>
-                  <a:pt x="372372" y="494218"/>
-                </a:cubicBezTo>
-                <a:cubicBezTo>
-                  <a:pt x="372372" y="510994"/>
-                  <a:pt x="382491" y="515787"/>
-                  <a:pt x="393622" y="518184"/>
-                </a:cubicBezTo>
-                <a:cubicBezTo>
-                  <a:pt x="403741" y="520580"/>
-                  <a:pt x="415883" y="522977"/>
-                  <a:pt x="426002" y="520580"/>
-                </a:cubicBezTo>
-                <a:cubicBezTo>
-                  <a:pt x="490762" y="507399"/>
-                  <a:pt x="554511" y="528968"/>
-                  <a:pt x="619271" y="526571"/>
-                </a:cubicBezTo>
-                <a:cubicBezTo>
-                  <a:pt x="415883" y="578096"/>
-                  <a:pt x="210471" y="561321"/>
-                  <a:pt x="0" y="579294"/>
-                </a:cubicBezTo>
-                <a:cubicBezTo>
-                  <a:pt x="27321" y="615241"/>
-                  <a:pt x="62737" y="585286"/>
-                  <a:pt x="83986" y="611647"/>
-                </a:cubicBezTo>
-                <a:cubicBezTo>
-                  <a:pt x="63748" y="666766"/>
-                  <a:pt x="71844" y="696722"/>
-                  <a:pt x="112319" y="700317"/>
-                </a:cubicBezTo>
-                <a:cubicBezTo>
-                  <a:pt x="151782" y="703912"/>
-                  <a:pt x="194281" y="684740"/>
-                  <a:pt x="215531" y="750643"/>
-                </a:cubicBezTo>
-                <a:cubicBezTo>
-                  <a:pt x="221602" y="771014"/>
-                  <a:pt x="259042" y="765023"/>
-                  <a:pt x="282315" y="768617"/>
-                </a:cubicBezTo>
-                <a:cubicBezTo>
-                  <a:pt x="332909" y="777005"/>
-                  <a:pt x="386539" y="768617"/>
-                  <a:pt x="435109" y="794979"/>
-                </a:cubicBezTo>
-                <a:cubicBezTo>
-                  <a:pt x="454335" y="804565"/>
-                  <a:pt x="467489" y="811754"/>
-                  <a:pt x="457370" y="838116"/>
-                </a:cubicBezTo>
-                <a:cubicBezTo>
-                  <a:pt x="447252" y="865675"/>
-                  <a:pt x="460406" y="875261"/>
-                  <a:pt x="476596" y="886046"/>
-                </a:cubicBezTo>
-                <a:cubicBezTo>
-                  <a:pt x="488739" y="894433"/>
-                  <a:pt x="506953" y="892037"/>
-                  <a:pt x="517071" y="917200"/>
-                </a:cubicBezTo>
-                <a:cubicBezTo>
-                  <a:pt x="410824" y="913605"/>
-                  <a:pt x="307612" y="893235"/>
-                  <a:pt x="202377" y="912407"/>
-                </a:cubicBezTo>
-                <a:cubicBezTo>
-                  <a:pt x="317731" y="960337"/>
-                  <a:pt x="444216" y="957940"/>
-                  <a:pt x="557546" y="1013060"/>
-                </a:cubicBezTo>
-                <a:cubicBezTo>
-                  <a:pt x="553499" y="1032232"/>
-                  <a:pt x="527190" y="1023844"/>
-                  <a:pt x="526178" y="1052602"/>
-                </a:cubicBezTo>
-                <a:cubicBezTo>
-                  <a:pt x="585879" y="1082558"/>
-                  <a:pt x="657723" y="1062188"/>
-                  <a:pt x="720459" y="1106523"/>
-                </a:cubicBezTo>
-                <a:cubicBezTo>
-                  <a:pt x="684032" y="1126893"/>
-                  <a:pt x="650640" y="1093342"/>
-                  <a:pt x="616236" y="1112514"/>
-                </a:cubicBezTo>
-                <a:cubicBezTo>
-                  <a:pt x="627367" y="1141273"/>
-                  <a:pt x="1131283" y="1318613"/>
-                  <a:pt x="1222353" y="1337785"/>
-                </a:cubicBezTo>
-                <a:cubicBezTo>
-                  <a:pt x="1407527" y="1377327"/>
-                  <a:pt x="1940788" y="1477980"/>
-                  <a:pt x="2087511" y="1500747"/>
-                </a:cubicBezTo>
-                <a:cubicBezTo>
-                  <a:pt x="2200841" y="1517522"/>
-                  <a:pt x="2313160" y="1530703"/>
-                  <a:pt x="2425479" y="1531901"/>
-                </a:cubicBezTo>
-                <a:cubicBezTo>
-                  <a:pt x="2553988" y="1533099"/>
-                  <a:pt x="2681485" y="1527108"/>
-                  <a:pt x="2809994" y="1522315"/>
-                </a:cubicBezTo>
-                <a:cubicBezTo>
-                  <a:pt x="2858058" y="1520518"/>
-                  <a:pt x="2905933" y="1517372"/>
-                  <a:pt x="2953618" y="1512448"/>
-                </a:cubicBezTo>
-                <a:lnTo>
-                  <a:pt x="3021543" y="1502657"/>
-                </a:lnTo>
-                <a:close/>
-              </a:path>
-            </a:pathLst>
-          </a:custGeom>
-          <a:solidFill>
-            <a:schemeClr val="bg2">
-              <a:alpha val="50000"/>
-            </a:schemeClr>
-          </a:solidFill>
-          <a:ln w="32707" cap="flat">
-            <a:noFill/>
-            <a:prstDash val="solid"/>
-            <a:miter/>
-          </a:ln>
-        </p:spPr>
-        <p:txBody>
-          <a:bodyPr rtlCol="0" anchor="ctr"/>
-          <a:lstStyle/>
-          <a:p>
-            <a:endParaRPr lang="en-US" dirty="0"/>
-          </a:p>
-        </p:txBody>
-      </p:sp>
-      <p:sp>
-        <p:nvSpPr>
           <p:cNvPr id="2" name="Title 1">
             <a:extLst>
               <a:ext uri="{FF2B5EF4-FFF2-40B4-BE49-F238E27FC236}">
-                <a16:creationId xmlns:a16="http://schemas.microsoft.com/office/drawing/2014/main" id="{FB95DD54-E165-01EF-D86F-5A72A63C69D2}"/>
+                <a16:creationId xmlns:a16="http://schemas.microsoft.com/office/drawing/2014/main" id="{98F87DB8-3F28-FD5E-2D41-3942281B9F3B}"/>
               </a:ext>
             </a:extLst>
           </p:cNvPr>
@@ -20532,8 +21962,8 @@
         </p:nvSpPr>
         <p:spPr>
           <a:xfrm>
-            <a:off x="838200" y="838199"/>
-            <a:ext cx="4191000" cy="5338763"/>
+            <a:off x="1137034" y="609600"/>
+            <a:ext cx="6881026" cy="1322887"/>
           </a:xfrm>
         </p:spPr>
         <p:txBody>
@@ -20543,10 +21973,9 @@
           <a:lstStyle/>
           <a:p>
             <a:r>
-              <a:rPr lang="en-US"/>
-              <a:t>Runtime and system software</a:t>
+              <a:rPr lang="en-US" dirty="0"/>
+              <a:t>Heterogeneous Computing Approach</a:t>
             </a:r>
-            <a:endParaRPr lang="en-US" dirty="0"/>
           </a:p>
         </p:txBody>
       </p:sp>
@@ -20555,7 +21984,7 @@
           <p:cNvPr id="3" name="Content Placeholder 2">
             <a:extLst>
               <a:ext uri="{FF2B5EF4-FFF2-40B4-BE49-F238E27FC236}">
-                <a16:creationId xmlns:a16="http://schemas.microsoft.com/office/drawing/2014/main" id="{15E67F1A-34F8-361C-236C-F98C4C9FE28B}"/>
+                <a16:creationId xmlns:a16="http://schemas.microsoft.com/office/drawing/2014/main" id="{497347B9-9487-0174-2E26-A3F09A78E448}"/>
               </a:ext>
             </a:extLst>
           </p:cNvPr>
@@ -20568,12 +21997,12 @@
         </p:nvSpPr>
         <p:spPr>
           <a:xfrm>
-            <a:off x="5302332" y="838199"/>
-            <a:ext cx="6051468" cy="5338763"/>
+            <a:off x="1137034" y="2194102"/>
+            <a:ext cx="6573951" cy="3908585"/>
           </a:xfrm>
         </p:spPr>
         <p:txBody>
-          <a:bodyPr anchor="ctr">
+          <a:bodyPr>
             <a:normAutofit/>
           </a:bodyPr>
           <a:lstStyle/>
@@ -20584,7 +22013,35 @@
             </a:pPr>
             <a:r>
               <a:rPr lang="en-US" sz="2000"/>
-              <a:t>Runtime systems manage computation, data transfer, and command execution.</a:t>
+              <a:t>DMC's codesign strategy for heterogeneous systems is based on </a:t>
+            </a:r>
+          </a:p>
+          <a:p>
+            <a:pPr lvl="1"/>
+            <a:r>
+              <a:rPr lang="en-US" sz="2000"/>
+              <a:t>exploring tradeoffs and causal relationships in the early stages of system design</a:t>
+            </a:r>
+          </a:p>
+          <a:p>
+            <a:pPr lvl="1"/>
+            <a:r>
+              <a:rPr lang="en-US" sz="2000"/>
+              <a:t>studying full converged applications and workflows</a:t>
+            </a:r>
+          </a:p>
+          <a:p>
+            <a:pPr lvl="1"/>
+            <a:r>
+              <a:rPr lang="en-US" sz="2000"/>
+              <a:t>developing novel hardware concepts using an agile flow</a:t>
+            </a:r>
+          </a:p>
+          <a:p>
+            <a:pPr lvl="1"/>
+            <a:r>
+              <a:rPr lang="en-US" sz="2000"/>
+              <a:t>supporting domain scientist usage of novel hardware accelerators.</a:t>
             </a:r>
           </a:p>
           <a:p>
@@ -20594,35 +22051,54 @@
             </a:pPr>
             <a:r>
               <a:rPr lang="en-US" sz="2000"/>
-              <a:t>Some standards exist, but most do not meet DMC requirements for converged applications.</a:t>
-            </a:r>
-          </a:p>
-          <a:p>
-            <a:pPr>
-              <a:buFont typeface="Arial" panose="020B0604020202020204" pitchFamily="34" charset="0"/>
-              <a:buChar char="•"/>
-            </a:pPr>
-            <a:r>
-              <a:rPr lang="en-US" sz="2000"/>
-              <a:t>DMC is developing technologies to integrate custom architectures and provide a seamless programming environment.</a:t>
-            </a:r>
-          </a:p>
-          <a:p>
-            <a:pPr>
-              <a:buFont typeface="Arial" panose="020B0604020202020204" pitchFamily="34" charset="0"/>
-              <a:buChar char="•"/>
-            </a:pPr>
-            <a:r>
-              <a:rPr lang="en-US" sz="2000"/>
-              <a:t>The DMC Minos Computing Library (MCL) manages computing and memory resources, exploits data locality on heterogeneous devices, and handles communication and data/control dependencies among tasks.</a:t>
+              <a:t>DMC provides a holistic codesign environment for HPC, data analytics, and AI/ML converged applications at all levels of the hardware and software stack.</a:t>
             </a:r>
           </a:p>
         </p:txBody>
       </p:sp>
+      <p:pic>
+        <p:nvPicPr>
+          <p:cNvPr id="7" name="Graphic 6" descr="Disconnected">
+            <a:extLst>
+              <a:ext uri="{FF2B5EF4-FFF2-40B4-BE49-F238E27FC236}">
+                <a16:creationId xmlns:a16="http://schemas.microsoft.com/office/drawing/2014/main" id="{F36A6212-53C8-531D-DEC7-C390AC0FE466}"/>
+              </a:ext>
+            </a:extLst>
+          </p:cNvPr>
+          <p:cNvPicPr>
+            <a:picLocks noChangeAspect="1"/>
+          </p:cNvPicPr>
+          <p:nvPr/>
+        </p:nvPicPr>
+        <p:blipFill>
+          <a:blip r:embed="rId2">
+            <a:extLst>
+              <a:ext uri="{28A0092B-C50C-407E-A947-70E740481C1C}">
+                <a14:useLocalDpi xmlns:a14="http://schemas.microsoft.com/office/drawing/2010/main" val="0"/>
+              </a:ext>
+              <a:ext uri="{96DAC541-7B7A-43D3-8B79-37D633B846F1}">
+                <asvg:svgBlip xmlns:asvg="http://schemas.microsoft.com/office/drawing/2016/SVG/main" r:embed="rId3"/>
+              </a:ext>
+            </a:extLst>
+          </a:blip>
+          <a:stretch>
+            <a:fillRect/>
+          </a:stretch>
+        </p:blipFill>
+        <p:spPr>
+          <a:xfrm>
+            <a:off x="8795981" y="1990229"/>
+            <a:ext cx="2906973" cy="2906973"/>
+          </a:xfrm>
+          <a:prstGeom prst="rect">
+            <a:avLst/>
+          </a:prstGeom>
+        </p:spPr>
+      </p:pic>
     </p:spTree>
     <p:extLst>
       <p:ext uri="{BB962C8B-B14F-4D97-AF65-F5344CB8AC3E}">
-        <p14:creationId xmlns:p14="http://schemas.microsoft.com/office/powerpoint/2010/main" val="4840525"/>
+        <p14:creationId xmlns:p14="http://schemas.microsoft.com/office/powerpoint/2010/main" val="2602655469"/>
       </p:ext>
     </p:extLst>
   </p:cSld>
